--- a/secure_ml_ideas.pptx
+++ b/secure_ml_ideas.pptx
@@ -109,6 +109,11 @@
       </a:defRPr>
     </a:lvl9pPr>
   </p:defaultTextStyle>
+  <p:extLst>
+    <p:ext uri="{EFAFB233-063F-42B5-8137-9DF3F51BA10A}">
+      <p15:sldGuideLst xmlns:p15="http://schemas.microsoft.com/office/powerpoint/2012/main"/>
+    </p:ext>
+  </p:extLst>
 </p:presentation>
 </file>
 
@@ -154,10 +159,9 @@
           </a:lstStyle>
           <a:p>
             <a:r>
-              <a:rPr lang="en-US" smtClean="0"/>
+              <a:rPr lang="en-US"/>
               <a:t>Click to edit Master title style</a:t>
             </a:r>
-            <a:endParaRPr lang="en-US"/>
           </a:p>
         </p:txBody>
       </p:sp>
@@ -219,10 +223,9 @@
           </a:lstStyle>
           <a:p>
             <a:r>
-              <a:rPr lang="en-US" smtClean="0"/>
+              <a:rPr lang="en-US"/>
               <a:t>Click to edit Master subtitle style</a:t>
             </a:r>
-            <a:endParaRPr lang="en-US"/>
           </a:p>
         </p:txBody>
       </p:sp>
@@ -243,7 +246,7 @@
           <a:p>
             <a:fld id="{B6C3643B-ACF2-4C12-8C6B-E7CBAE80FD0A}" type="datetimeFigureOut">
               <a:rPr lang="en-US" smtClean="0"/>
-              <a:t>7/14/2019</a:t>
+              <a:t>7/22/19</a:t>
             </a:fld>
             <a:endParaRPr lang="en-US"/>
           </a:p>
@@ -337,10 +340,9 @@
           <a:lstStyle/>
           <a:p>
             <a:r>
-              <a:rPr lang="en-US" smtClean="0"/>
+              <a:rPr lang="en-US"/>
               <a:t>Click to edit Master title style</a:t>
             </a:r>
-            <a:endParaRPr lang="en-US"/>
           </a:p>
         </p:txBody>
       </p:sp>
@@ -361,38 +363,37 @@
           <a:p>
             <a:pPr lvl="0"/>
             <a:r>
-              <a:rPr lang="en-US" smtClean="0"/>
+              <a:rPr lang="en-US"/>
               <a:t>Click to edit Master text styles</a:t>
             </a:r>
           </a:p>
           <a:p>
             <a:pPr lvl="1"/>
             <a:r>
-              <a:rPr lang="en-US" smtClean="0"/>
+              <a:rPr lang="en-US"/>
               <a:t>Second level</a:t>
             </a:r>
           </a:p>
           <a:p>
             <a:pPr lvl="2"/>
             <a:r>
-              <a:rPr lang="en-US" smtClean="0"/>
+              <a:rPr lang="en-US"/>
               <a:t>Third level</a:t>
             </a:r>
           </a:p>
           <a:p>
             <a:pPr lvl="3"/>
             <a:r>
-              <a:rPr lang="en-US" smtClean="0"/>
+              <a:rPr lang="en-US"/>
               <a:t>Fourth level</a:t>
             </a:r>
           </a:p>
           <a:p>
             <a:pPr lvl="4"/>
             <a:r>
-              <a:rPr lang="en-US" smtClean="0"/>
+              <a:rPr lang="en-US"/>
               <a:t>Fifth level</a:t>
             </a:r>
-            <a:endParaRPr lang="en-US"/>
           </a:p>
         </p:txBody>
       </p:sp>
@@ -413,7 +414,7 @@
           <a:p>
             <a:fld id="{B6C3643B-ACF2-4C12-8C6B-E7CBAE80FD0A}" type="datetimeFigureOut">
               <a:rPr lang="en-US" smtClean="0"/>
-              <a:t>7/14/2019</a:t>
+              <a:t>7/22/19</a:t>
             </a:fld>
             <a:endParaRPr lang="en-US"/>
           </a:p>
@@ -512,10 +513,9 @@
           <a:lstStyle/>
           <a:p>
             <a:r>
-              <a:rPr lang="en-US" smtClean="0"/>
+              <a:rPr lang="en-US"/>
               <a:t>Click to edit Master title style</a:t>
             </a:r>
-            <a:endParaRPr lang="en-US"/>
           </a:p>
         </p:txBody>
       </p:sp>
@@ -541,38 +541,37 @@
           <a:p>
             <a:pPr lvl="0"/>
             <a:r>
-              <a:rPr lang="en-US" smtClean="0"/>
+              <a:rPr lang="en-US"/>
               <a:t>Click to edit Master text styles</a:t>
             </a:r>
           </a:p>
           <a:p>
             <a:pPr lvl="1"/>
             <a:r>
-              <a:rPr lang="en-US" smtClean="0"/>
+              <a:rPr lang="en-US"/>
               <a:t>Second level</a:t>
             </a:r>
           </a:p>
           <a:p>
             <a:pPr lvl="2"/>
             <a:r>
-              <a:rPr lang="en-US" smtClean="0"/>
+              <a:rPr lang="en-US"/>
               <a:t>Third level</a:t>
             </a:r>
           </a:p>
           <a:p>
             <a:pPr lvl="3"/>
             <a:r>
-              <a:rPr lang="en-US" smtClean="0"/>
+              <a:rPr lang="en-US"/>
               <a:t>Fourth level</a:t>
             </a:r>
           </a:p>
           <a:p>
             <a:pPr lvl="4"/>
             <a:r>
-              <a:rPr lang="en-US" smtClean="0"/>
+              <a:rPr lang="en-US"/>
               <a:t>Fifth level</a:t>
             </a:r>
-            <a:endParaRPr lang="en-US"/>
           </a:p>
         </p:txBody>
       </p:sp>
@@ -593,7 +592,7 @@
           <a:p>
             <a:fld id="{B6C3643B-ACF2-4C12-8C6B-E7CBAE80FD0A}" type="datetimeFigureOut">
               <a:rPr lang="en-US" smtClean="0"/>
-              <a:t>7/14/2019</a:t>
+              <a:t>7/22/19</a:t>
             </a:fld>
             <a:endParaRPr lang="en-US"/>
           </a:p>
@@ -687,10 +686,9 @@
           <a:lstStyle/>
           <a:p>
             <a:r>
-              <a:rPr lang="en-US" smtClean="0"/>
+              <a:rPr lang="en-US"/>
               <a:t>Click to edit Master title style</a:t>
             </a:r>
-            <a:endParaRPr lang="en-US"/>
           </a:p>
         </p:txBody>
       </p:sp>
@@ -711,38 +709,37 @@
           <a:p>
             <a:pPr lvl="0"/>
             <a:r>
-              <a:rPr lang="en-US" smtClean="0"/>
+              <a:rPr lang="en-US"/>
               <a:t>Click to edit Master text styles</a:t>
             </a:r>
           </a:p>
           <a:p>
             <a:pPr lvl="1"/>
             <a:r>
-              <a:rPr lang="en-US" smtClean="0"/>
+              <a:rPr lang="en-US"/>
               <a:t>Second level</a:t>
             </a:r>
           </a:p>
           <a:p>
             <a:pPr lvl="2"/>
             <a:r>
-              <a:rPr lang="en-US" smtClean="0"/>
+              <a:rPr lang="en-US"/>
               <a:t>Third level</a:t>
             </a:r>
           </a:p>
           <a:p>
             <a:pPr lvl="3"/>
             <a:r>
-              <a:rPr lang="en-US" smtClean="0"/>
+              <a:rPr lang="en-US"/>
               <a:t>Fourth level</a:t>
             </a:r>
           </a:p>
           <a:p>
             <a:pPr lvl="4"/>
             <a:r>
-              <a:rPr lang="en-US" smtClean="0"/>
+              <a:rPr lang="en-US"/>
               <a:t>Fifth level</a:t>
             </a:r>
-            <a:endParaRPr lang="en-US"/>
           </a:p>
         </p:txBody>
       </p:sp>
@@ -763,7 +760,7 @@
           <a:p>
             <a:fld id="{B6C3643B-ACF2-4C12-8C6B-E7CBAE80FD0A}" type="datetimeFigureOut">
               <a:rPr lang="en-US" smtClean="0"/>
-              <a:t>7/14/2019</a:t>
+              <a:t>7/22/19</a:t>
             </a:fld>
             <a:endParaRPr lang="en-US"/>
           </a:p>
@@ -866,10 +863,9 @@
           </a:lstStyle>
           <a:p>
             <a:r>
-              <a:rPr lang="en-US" smtClean="0"/>
+              <a:rPr lang="en-US"/>
               <a:t>Click to edit Master title style</a:t>
             </a:r>
-            <a:endParaRPr lang="en-US"/>
           </a:p>
         </p:txBody>
       </p:sp>
@@ -986,7 +982,7 @@
           <a:p>
             <a:pPr lvl="0"/>
             <a:r>
-              <a:rPr lang="en-US" smtClean="0"/>
+              <a:rPr lang="en-US"/>
               <a:t>Click to edit Master text styles</a:t>
             </a:r>
           </a:p>
@@ -1009,7 +1005,7 @@
           <a:p>
             <a:fld id="{B6C3643B-ACF2-4C12-8C6B-E7CBAE80FD0A}" type="datetimeFigureOut">
               <a:rPr lang="en-US" smtClean="0"/>
-              <a:t>7/14/2019</a:t>
+              <a:t>7/22/19</a:t>
             </a:fld>
             <a:endParaRPr lang="en-US"/>
           </a:p>
@@ -1103,10 +1099,9 @@
           <a:lstStyle/>
           <a:p>
             <a:r>
-              <a:rPr lang="en-US" smtClean="0"/>
+              <a:rPr lang="en-US"/>
               <a:t>Click to edit Master title style</a:t>
             </a:r>
-            <a:endParaRPr lang="en-US"/>
           </a:p>
         </p:txBody>
       </p:sp>
@@ -1132,38 +1127,37 @@
           <a:p>
             <a:pPr lvl="0"/>
             <a:r>
-              <a:rPr lang="en-US" smtClean="0"/>
+              <a:rPr lang="en-US"/>
               <a:t>Click to edit Master text styles</a:t>
             </a:r>
           </a:p>
           <a:p>
             <a:pPr lvl="1"/>
             <a:r>
-              <a:rPr lang="en-US" smtClean="0"/>
+              <a:rPr lang="en-US"/>
               <a:t>Second level</a:t>
             </a:r>
           </a:p>
           <a:p>
             <a:pPr lvl="2"/>
             <a:r>
-              <a:rPr lang="en-US" smtClean="0"/>
+              <a:rPr lang="en-US"/>
               <a:t>Third level</a:t>
             </a:r>
           </a:p>
           <a:p>
             <a:pPr lvl="3"/>
             <a:r>
-              <a:rPr lang="en-US" smtClean="0"/>
+              <a:rPr lang="en-US"/>
               <a:t>Fourth level</a:t>
             </a:r>
           </a:p>
           <a:p>
             <a:pPr lvl="4"/>
             <a:r>
-              <a:rPr lang="en-US" smtClean="0"/>
+              <a:rPr lang="en-US"/>
               <a:t>Fifth level</a:t>
             </a:r>
-            <a:endParaRPr lang="en-US"/>
           </a:p>
         </p:txBody>
       </p:sp>
@@ -1189,38 +1183,37 @@
           <a:p>
             <a:pPr lvl="0"/>
             <a:r>
-              <a:rPr lang="en-US" smtClean="0"/>
+              <a:rPr lang="en-US"/>
               <a:t>Click to edit Master text styles</a:t>
             </a:r>
           </a:p>
           <a:p>
             <a:pPr lvl="1"/>
             <a:r>
-              <a:rPr lang="en-US" smtClean="0"/>
+              <a:rPr lang="en-US"/>
               <a:t>Second level</a:t>
             </a:r>
           </a:p>
           <a:p>
             <a:pPr lvl="2"/>
             <a:r>
-              <a:rPr lang="en-US" smtClean="0"/>
+              <a:rPr lang="en-US"/>
               <a:t>Third level</a:t>
             </a:r>
           </a:p>
           <a:p>
             <a:pPr lvl="3"/>
             <a:r>
-              <a:rPr lang="en-US" smtClean="0"/>
+              <a:rPr lang="en-US"/>
               <a:t>Fourth level</a:t>
             </a:r>
           </a:p>
           <a:p>
             <a:pPr lvl="4"/>
             <a:r>
-              <a:rPr lang="en-US" smtClean="0"/>
+              <a:rPr lang="en-US"/>
               <a:t>Fifth level</a:t>
             </a:r>
-            <a:endParaRPr lang="en-US"/>
           </a:p>
         </p:txBody>
       </p:sp>
@@ -1241,7 +1234,7 @@
           <a:p>
             <a:fld id="{B6C3643B-ACF2-4C12-8C6B-E7CBAE80FD0A}" type="datetimeFigureOut">
               <a:rPr lang="en-US" smtClean="0"/>
-              <a:t>7/14/2019</a:t>
+              <a:t>7/22/19</a:t>
             </a:fld>
             <a:endParaRPr lang="en-US"/>
           </a:p>
@@ -1340,10 +1333,9 @@
           <a:lstStyle/>
           <a:p>
             <a:r>
-              <a:rPr lang="en-US" smtClean="0"/>
+              <a:rPr lang="en-US"/>
               <a:t>Click to edit Master title style</a:t>
             </a:r>
-            <a:endParaRPr lang="en-US"/>
           </a:p>
         </p:txBody>
       </p:sp>
@@ -1406,7 +1398,7 @@
           <a:p>
             <a:pPr lvl="0"/>
             <a:r>
-              <a:rPr lang="en-US" smtClean="0"/>
+              <a:rPr lang="en-US"/>
               <a:t>Click to edit Master text styles</a:t>
             </a:r>
           </a:p>
@@ -1434,38 +1426,37 @@
           <a:p>
             <a:pPr lvl="0"/>
             <a:r>
-              <a:rPr lang="en-US" smtClean="0"/>
+              <a:rPr lang="en-US"/>
               <a:t>Click to edit Master text styles</a:t>
             </a:r>
           </a:p>
           <a:p>
             <a:pPr lvl="1"/>
             <a:r>
-              <a:rPr lang="en-US" smtClean="0"/>
+              <a:rPr lang="en-US"/>
               <a:t>Second level</a:t>
             </a:r>
           </a:p>
           <a:p>
             <a:pPr lvl="2"/>
             <a:r>
-              <a:rPr lang="en-US" smtClean="0"/>
+              <a:rPr lang="en-US"/>
               <a:t>Third level</a:t>
             </a:r>
           </a:p>
           <a:p>
             <a:pPr lvl="3"/>
             <a:r>
-              <a:rPr lang="en-US" smtClean="0"/>
+              <a:rPr lang="en-US"/>
               <a:t>Fourth level</a:t>
             </a:r>
           </a:p>
           <a:p>
             <a:pPr lvl="4"/>
             <a:r>
-              <a:rPr lang="en-US" smtClean="0"/>
+              <a:rPr lang="en-US"/>
               <a:t>Fifth level</a:t>
             </a:r>
-            <a:endParaRPr lang="en-US"/>
           </a:p>
         </p:txBody>
       </p:sp>
@@ -1528,7 +1519,7 @@
           <a:p>
             <a:pPr lvl="0"/>
             <a:r>
-              <a:rPr lang="en-US" smtClean="0"/>
+              <a:rPr lang="en-US"/>
               <a:t>Click to edit Master text styles</a:t>
             </a:r>
           </a:p>
@@ -1556,38 +1547,37 @@
           <a:p>
             <a:pPr lvl="0"/>
             <a:r>
-              <a:rPr lang="en-US" smtClean="0"/>
+              <a:rPr lang="en-US"/>
               <a:t>Click to edit Master text styles</a:t>
             </a:r>
           </a:p>
           <a:p>
             <a:pPr lvl="1"/>
             <a:r>
-              <a:rPr lang="en-US" smtClean="0"/>
+              <a:rPr lang="en-US"/>
               <a:t>Second level</a:t>
             </a:r>
           </a:p>
           <a:p>
             <a:pPr lvl="2"/>
             <a:r>
-              <a:rPr lang="en-US" smtClean="0"/>
+              <a:rPr lang="en-US"/>
               <a:t>Third level</a:t>
             </a:r>
           </a:p>
           <a:p>
             <a:pPr lvl="3"/>
             <a:r>
-              <a:rPr lang="en-US" smtClean="0"/>
+              <a:rPr lang="en-US"/>
               <a:t>Fourth level</a:t>
             </a:r>
           </a:p>
           <a:p>
             <a:pPr lvl="4"/>
             <a:r>
-              <a:rPr lang="en-US" smtClean="0"/>
+              <a:rPr lang="en-US"/>
               <a:t>Fifth level</a:t>
             </a:r>
-            <a:endParaRPr lang="en-US"/>
           </a:p>
         </p:txBody>
       </p:sp>
@@ -1608,7 +1598,7 @@
           <a:p>
             <a:fld id="{B6C3643B-ACF2-4C12-8C6B-E7CBAE80FD0A}" type="datetimeFigureOut">
               <a:rPr lang="en-US" smtClean="0"/>
-              <a:t>7/14/2019</a:t>
+              <a:t>7/22/19</a:t>
             </a:fld>
             <a:endParaRPr lang="en-US"/>
           </a:p>
@@ -1702,10 +1692,9 @@
           <a:lstStyle/>
           <a:p>
             <a:r>
-              <a:rPr lang="en-US" smtClean="0"/>
+              <a:rPr lang="en-US"/>
               <a:t>Click to edit Master title style</a:t>
             </a:r>
-            <a:endParaRPr lang="en-US"/>
           </a:p>
         </p:txBody>
       </p:sp>
@@ -1726,7 +1715,7 @@
           <a:p>
             <a:fld id="{B6C3643B-ACF2-4C12-8C6B-E7CBAE80FD0A}" type="datetimeFigureOut">
               <a:rPr lang="en-US" smtClean="0"/>
-              <a:t>7/14/2019</a:t>
+              <a:t>7/22/19</a:t>
             </a:fld>
             <a:endParaRPr lang="en-US"/>
           </a:p>
@@ -1821,7 +1810,7 @@
           <a:p>
             <a:fld id="{B6C3643B-ACF2-4C12-8C6B-E7CBAE80FD0A}" type="datetimeFigureOut">
               <a:rPr lang="en-US" smtClean="0"/>
-              <a:t>7/14/2019</a:t>
+              <a:t>7/22/19</a:t>
             </a:fld>
             <a:endParaRPr lang="en-US"/>
           </a:p>
@@ -1924,10 +1913,9 @@
           </a:lstStyle>
           <a:p>
             <a:r>
-              <a:rPr lang="en-US" smtClean="0"/>
+              <a:rPr lang="en-US"/>
               <a:t>Click to edit Master title style</a:t>
             </a:r>
-            <a:endParaRPr lang="en-US"/>
           </a:p>
         </p:txBody>
       </p:sp>
@@ -1981,38 +1969,37 @@
           <a:p>
             <a:pPr lvl="0"/>
             <a:r>
-              <a:rPr lang="en-US" smtClean="0"/>
+              <a:rPr lang="en-US"/>
               <a:t>Click to edit Master text styles</a:t>
             </a:r>
           </a:p>
           <a:p>
             <a:pPr lvl="1"/>
             <a:r>
-              <a:rPr lang="en-US" smtClean="0"/>
+              <a:rPr lang="en-US"/>
               <a:t>Second level</a:t>
             </a:r>
           </a:p>
           <a:p>
             <a:pPr lvl="2"/>
             <a:r>
-              <a:rPr lang="en-US" smtClean="0"/>
+              <a:rPr lang="en-US"/>
               <a:t>Third level</a:t>
             </a:r>
           </a:p>
           <a:p>
             <a:pPr lvl="3"/>
             <a:r>
-              <a:rPr lang="en-US" smtClean="0"/>
+              <a:rPr lang="en-US"/>
               <a:t>Fourth level</a:t>
             </a:r>
           </a:p>
           <a:p>
             <a:pPr lvl="4"/>
             <a:r>
-              <a:rPr lang="en-US" smtClean="0"/>
+              <a:rPr lang="en-US"/>
               <a:t>Fifth level</a:t>
             </a:r>
-            <a:endParaRPr lang="en-US"/>
           </a:p>
         </p:txBody>
       </p:sp>
@@ -2075,7 +2062,7 @@
           <a:p>
             <a:pPr lvl="0"/>
             <a:r>
-              <a:rPr lang="en-US" smtClean="0"/>
+              <a:rPr lang="en-US"/>
               <a:t>Click to edit Master text styles</a:t>
             </a:r>
           </a:p>
@@ -2098,7 +2085,7 @@
           <a:p>
             <a:fld id="{B6C3643B-ACF2-4C12-8C6B-E7CBAE80FD0A}" type="datetimeFigureOut">
               <a:rPr lang="en-US" smtClean="0"/>
-              <a:t>7/14/2019</a:t>
+              <a:t>7/22/19</a:t>
             </a:fld>
             <a:endParaRPr lang="en-US"/>
           </a:p>
@@ -2201,10 +2188,9 @@
           </a:lstStyle>
           <a:p>
             <a:r>
-              <a:rPr lang="en-US" smtClean="0"/>
+              <a:rPr lang="en-US"/>
               <a:t>Click to edit Master title style</a:t>
             </a:r>
-            <a:endParaRPr lang="en-US"/>
           </a:p>
         </p:txBody>
       </p:sp>
@@ -2328,7 +2314,7 @@
           <a:p>
             <a:pPr lvl="0"/>
             <a:r>
-              <a:rPr lang="en-US" smtClean="0"/>
+              <a:rPr lang="en-US"/>
               <a:t>Click to edit Master text styles</a:t>
             </a:r>
           </a:p>
@@ -2351,7 +2337,7 @@
           <a:p>
             <a:fld id="{B6C3643B-ACF2-4C12-8C6B-E7CBAE80FD0A}" type="datetimeFigureOut">
               <a:rPr lang="en-US" smtClean="0"/>
-              <a:t>7/14/2019</a:t>
+              <a:t>7/22/19</a:t>
             </a:fld>
             <a:endParaRPr lang="en-US"/>
           </a:p>
@@ -2460,10 +2446,9 @@
           <a:lstStyle/>
           <a:p>
             <a:r>
-              <a:rPr lang="en-US" smtClean="0"/>
+              <a:rPr lang="en-US"/>
               <a:t>Click to edit Master title style</a:t>
             </a:r>
-            <a:endParaRPr lang="en-US"/>
           </a:p>
         </p:txBody>
       </p:sp>
@@ -2494,38 +2479,37 @@
           <a:p>
             <a:pPr lvl="0"/>
             <a:r>
-              <a:rPr lang="en-US" smtClean="0"/>
+              <a:rPr lang="en-US"/>
               <a:t>Click to edit Master text styles</a:t>
             </a:r>
           </a:p>
           <a:p>
             <a:pPr lvl="1"/>
             <a:r>
-              <a:rPr lang="en-US" smtClean="0"/>
+              <a:rPr lang="en-US"/>
               <a:t>Second level</a:t>
             </a:r>
           </a:p>
           <a:p>
             <a:pPr lvl="2"/>
             <a:r>
-              <a:rPr lang="en-US" smtClean="0"/>
+              <a:rPr lang="en-US"/>
               <a:t>Third level</a:t>
             </a:r>
           </a:p>
           <a:p>
             <a:pPr lvl="3"/>
             <a:r>
-              <a:rPr lang="en-US" smtClean="0"/>
+              <a:rPr lang="en-US"/>
               <a:t>Fourth level</a:t>
             </a:r>
           </a:p>
           <a:p>
             <a:pPr lvl="4"/>
             <a:r>
-              <a:rPr lang="en-US" smtClean="0"/>
+              <a:rPr lang="en-US"/>
               <a:t>Fifth level</a:t>
             </a:r>
-            <a:endParaRPr lang="en-US"/>
           </a:p>
         </p:txBody>
       </p:sp>
@@ -2564,7 +2548,7 @@
           <a:p>
             <a:fld id="{B6C3643B-ACF2-4C12-8C6B-E7CBAE80FD0A}" type="datetimeFigureOut">
               <a:rPr lang="en-US" smtClean="0"/>
-              <a:t>7/14/2019</a:t>
+              <a:t>7/22/19</a:t>
             </a:fld>
             <a:endParaRPr lang="en-US"/>
           </a:p>
@@ -3095,20 +3079,10 @@
                     <a:latin typeface="Consolas" panose="020B0609020204030204" pitchFamily="49" charset="0"/>
                     <a:cs typeface="Consolas" panose="020B0609020204030204" pitchFamily="49" charset="0"/>
                   </a:rPr>
-                  <a:t>d</a:t>
+                  <a:t>dti</a:t>
                 </a:r>
                 <a:r>
-                  <a:rPr lang="en-US" dirty="0" err="1" smtClean="0">
-                    <a:solidFill>
-                      <a:srgbClr val="FF00FF"/>
-                    </a:solidFill>
-                    <a:latin typeface="Consolas" panose="020B0609020204030204" pitchFamily="49" charset="0"/>
-                    <a:cs typeface="Consolas" panose="020B0609020204030204" pitchFamily="49" charset="0"/>
-                  </a:rPr>
-                  <a:t>ti</a:t>
-                </a:r>
-                <a:r>
-                  <a:rPr lang="en-US" dirty="0" smtClean="0">
+                  <a:rPr lang="en-US" dirty="0">
                     <a:solidFill>
                       <a:srgbClr val="FF00FF"/>
                     </a:solidFill>
@@ -3127,22 +3101,12 @@
                     <a:latin typeface="Consolas" panose="020B0609020204030204" pitchFamily="49" charset="0"/>
                     <a:cs typeface="Consolas" panose="020B0609020204030204" pitchFamily="49" charset="0"/>
                   </a:rPr>
-                  <a:t>f</a:t>
-                </a:r>
-                <a:r>
-                  <a:rPr lang="en-US" dirty="0" smtClean="0">
-                    <a:solidFill>
-                      <a:srgbClr val="FF00FF"/>
-                    </a:solidFill>
-                    <a:latin typeface="Consolas" panose="020B0609020204030204" pitchFamily="49" charset="0"/>
-                    <a:cs typeface="Consolas" panose="020B0609020204030204" pitchFamily="49" charset="0"/>
-                  </a:rPr>
-                  <a:t>ico:     690</a:t>
+                  <a:t>fico:     690</a:t>
                 </a:r>
               </a:p>
               <a:p>
                 <a:r>
-                  <a:rPr lang="en-US" dirty="0" smtClean="0">
+                  <a:rPr lang="en-US" dirty="0">
                     <a:solidFill>
                       <a:srgbClr val="FF00FF"/>
                     </a:solidFill>
@@ -3177,7 +3141,7 @@
               <a:lstStyle/>
               <a:p>
                 <a:r>
-                  <a:rPr lang="en-US" dirty="0" smtClean="0">
+                  <a:rPr lang="en-US" dirty="0">
                     <a:solidFill>
                       <a:srgbClr val="FF00FF"/>
                     </a:solidFill>
@@ -3213,22 +3177,18 @@
             <a:lstStyle/>
             <a:p>
               <a:r>
-                <a:rPr lang="en-US" dirty="0" smtClean="0">
+                <a:rPr lang="en-US" dirty="0">
                   <a:latin typeface="Consolas" panose="020B0609020204030204" pitchFamily="49" charset="0"/>
                   <a:cs typeface="Consolas" panose="020B0609020204030204" pitchFamily="49" charset="0"/>
                 </a:rPr>
                 <a:t>Attributes of attacker</a:t>
               </a:r>
-              <a:endParaRPr lang="en-US" dirty="0">
-                <a:latin typeface="Consolas" panose="020B0609020204030204" pitchFamily="49" charset="0"/>
-                <a:cs typeface="Consolas" panose="020B0609020204030204" pitchFamily="49" charset="0"/>
-              </a:endParaRPr>
             </a:p>
           </p:txBody>
         </p:sp>
       </p:grpSp>
-      <mc:AlternateContent xmlns:mc="http://schemas.openxmlformats.org/markup-compatibility/2006">
-        <mc:Choice xmlns:a14="http://schemas.microsoft.com/office/drawing/2010/main" Requires="a14">
+      <mc:AlternateContent xmlns:mc="http://schemas.openxmlformats.org/markup-compatibility/2006" xmlns:a14="http://schemas.microsoft.com/office/drawing/2010/main">
+        <mc:Choice Requires="a14">
           <p:graphicFrame>
             <p:nvGraphicFramePr>
               <p:cNvPr id="9" name="Table 8"/>
@@ -3248,11 +3208,41 @@
                     <a:tableStyleId>{7E9639D4-E3E2-4D34-9284-5A2195B3D0D7}</a:tableStyleId>
                   </a:tblPr>
                   <a:tblGrid>
-                    <a:gridCol w="576709"/>
-                    <a:gridCol w="746449"/>
-                    <a:gridCol w="1259633"/>
-                    <a:gridCol w="419878"/>
-                    <a:gridCol w="821093"/>
+                    <a:gridCol w="576709">
+                      <a:extLst>
+                        <a:ext uri="{9D8B030D-6E8A-4147-A177-3AD203B41FA5}">
+                          <a16:colId xmlns:a16="http://schemas.microsoft.com/office/drawing/2014/main" val="20000"/>
+                        </a:ext>
+                      </a:extLst>
+                    </a:gridCol>
+                    <a:gridCol w="746449">
+                      <a:extLst>
+                        <a:ext uri="{9D8B030D-6E8A-4147-A177-3AD203B41FA5}">
+                          <a16:colId xmlns:a16="http://schemas.microsoft.com/office/drawing/2014/main" val="20001"/>
+                        </a:ext>
+                      </a:extLst>
+                    </a:gridCol>
+                    <a:gridCol w="1259633">
+                      <a:extLst>
+                        <a:ext uri="{9D8B030D-6E8A-4147-A177-3AD203B41FA5}">
+                          <a16:colId xmlns:a16="http://schemas.microsoft.com/office/drawing/2014/main" val="20002"/>
+                        </a:ext>
+                      </a:extLst>
+                    </a:gridCol>
+                    <a:gridCol w="419878">
+                      <a:extLst>
+                        <a:ext uri="{9D8B030D-6E8A-4147-A177-3AD203B41FA5}">
+                          <a16:colId xmlns:a16="http://schemas.microsoft.com/office/drawing/2014/main" val="20003"/>
+                        </a:ext>
+                      </a:extLst>
+                    </a:gridCol>
+                    <a:gridCol w="821093">
+                      <a:extLst>
+                        <a:ext uri="{9D8B030D-6E8A-4147-A177-3AD203B41FA5}">
+                          <a16:colId xmlns:a16="http://schemas.microsoft.com/office/drawing/2014/main" val="20004"/>
+                        </a:ext>
+                      </a:extLst>
+                    </a:gridCol>
                   </a:tblGrid>
                   <a:tr h="370840">
                     <a:tc>
@@ -3261,7 +3251,7 @@
                         <a:lstStyle/>
                         <a:p>
                           <a:r>
-                            <a:rPr lang="en-US" sz="1800" dirty="0" err="1" smtClean="0">
+                            <a:rPr lang="en-US" sz="1800" dirty="0" err="1">
                               <a:latin typeface="Consolas" panose="020B0609020204030204" pitchFamily="49" charset="0"/>
                               <a:cs typeface="Consolas" panose="020B0609020204030204" pitchFamily="49" charset="0"/>
                             </a:rPr>
@@ -3281,12 +3271,37 @@
                         <a:lstStyle/>
                         <a:p>
                           <a:r>
-                            <a:rPr lang="en-US" sz="1800" dirty="0" smtClean="0">
+                            <a:rPr lang="en-US" sz="1800" dirty="0">
                               <a:latin typeface="Consolas" panose="020B0609020204030204" pitchFamily="49" charset="0"/>
                               <a:cs typeface="Consolas" panose="020B0609020204030204" pitchFamily="49" charset="0"/>
                             </a:rPr>
                             <a:t>fico</a:t>
                           </a:r>
+                        </a:p>
+                      </a:txBody>
+                      <a:tcPr/>
+                    </a:tc>
+                    <a:tc>
+                      <a:txBody>
+                        <a:bodyPr/>
+                        <a:lstStyle/>
+                        <a:p>
+                          <a:r>
+                            <a:rPr lang="en-US" sz="1800" dirty="0">
+                              <a:latin typeface="Consolas" panose="020B0609020204030204" pitchFamily="49" charset="0"/>
+                              <a:cs typeface="Consolas" panose="020B0609020204030204" pitchFamily="49" charset="0"/>
+                            </a:rPr>
+                            <a:t>m_delinq</a:t>
+                          </a:r>
+                        </a:p>
+                      </a:txBody>
+                      <a:tcPr/>
+                    </a:tc>
+                    <a:tc>
+                      <a:txBody>
+                        <a:bodyPr/>
+                        <a:lstStyle/>
+                        <a:p>
                           <a:endParaRPr lang="en-US" sz="1800" dirty="0">
                             <a:latin typeface="Consolas" panose="020B0609020204030204" pitchFamily="49" charset="0"/>
                             <a:cs typeface="Consolas" panose="020B0609020204030204" pitchFamily="49" charset="0"/>
@@ -3301,53 +3316,21 @@
                         <a:lstStyle/>
                         <a:p>
                           <a:r>
-                            <a:rPr lang="en-US" sz="1800" dirty="0" smtClean="0">
-                              <a:latin typeface="Consolas" panose="020B0609020204030204" pitchFamily="49" charset="0"/>
-                              <a:cs typeface="Consolas" panose="020B0609020204030204" pitchFamily="49" charset="0"/>
-                            </a:rPr>
-                            <a:t>m_delinq</a:t>
-                          </a:r>
-                          <a:endParaRPr lang="en-US" sz="1800" dirty="0">
-                            <a:latin typeface="Consolas" panose="020B0609020204030204" pitchFamily="49" charset="0"/>
-                            <a:cs typeface="Consolas" panose="020B0609020204030204" pitchFamily="49" charset="0"/>
-                          </a:endParaRPr>
-                        </a:p>
-                      </a:txBody>
-                      <a:tcPr/>
-                    </a:tc>
-                    <a:tc>
-                      <a:txBody>
-                        <a:bodyPr/>
-                        <a:lstStyle/>
-                        <a:p>
-                          <a:endParaRPr lang="en-US" sz="1800" dirty="0">
-                            <a:latin typeface="Consolas" panose="020B0609020204030204" pitchFamily="49" charset="0"/>
-                            <a:cs typeface="Consolas" panose="020B0609020204030204" pitchFamily="49" charset="0"/>
-                          </a:endParaRPr>
-                        </a:p>
-                      </a:txBody>
-                      <a:tcPr/>
-                    </a:tc>
-                    <a:tc>
-                      <a:txBody>
-                        <a:bodyPr/>
-                        <a:lstStyle/>
-                        <a:p>
-                          <a:r>
-                            <a:rPr lang="en-US" sz="1800" dirty="0" smtClean="0">
+                            <a:rPr lang="en-US" sz="1800" dirty="0">
                               <a:latin typeface="Consolas" panose="020B0609020204030204" pitchFamily="49" charset="0"/>
                               <a:cs typeface="Consolas" panose="020B0609020204030204" pitchFamily="49" charset="0"/>
                             </a:rPr>
                             <a:t>deny</a:t>
                           </a:r>
-                          <a:endParaRPr lang="en-US" sz="1800" dirty="0">
-                            <a:latin typeface="Consolas" panose="020B0609020204030204" pitchFamily="49" charset="0"/>
-                            <a:cs typeface="Consolas" panose="020B0609020204030204" pitchFamily="49" charset="0"/>
-                          </a:endParaRPr>
-                        </a:p>
-                      </a:txBody>
-                      <a:tcPr/>
-                    </a:tc>
+                        </a:p>
+                      </a:txBody>
+                      <a:tcPr/>
+                    </a:tc>
+                    <a:extLst>
+                      <a:ext uri="{0D108BD9-81ED-4DB2-BD59-A6C34878D82A}">
+                        <a16:rowId xmlns:a16="http://schemas.microsoft.com/office/drawing/2014/main" val="10000"/>
+                      </a:ext>
+                    </a:extLst>
                   </a:tr>
                   <a:tr h="370840">
                     <a:tc>
@@ -3356,56 +3339,44 @@
                         <a:lstStyle/>
                         <a:p>
                           <a:r>
-                            <a:rPr lang="en-US" sz="1800" dirty="0" smtClean="0">
+                            <a:rPr lang="en-US" sz="1800" dirty="0">
                               <a:latin typeface="Consolas" panose="020B0609020204030204" pitchFamily="49" charset="0"/>
                               <a:cs typeface="Consolas" panose="020B0609020204030204" pitchFamily="49" charset="0"/>
                             </a:rPr>
                             <a:t>0.9</a:t>
                           </a:r>
-                          <a:endParaRPr lang="en-US" sz="1800" dirty="0">
-                            <a:latin typeface="Consolas" panose="020B0609020204030204" pitchFamily="49" charset="0"/>
-                            <a:cs typeface="Consolas" panose="020B0609020204030204" pitchFamily="49" charset="0"/>
-                          </a:endParaRPr>
-                        </a:p>
-                      </a:txBody>
-                      <a:tcPr/>
-                    </a:tc>
-                    <a:tc>
-                      <a:txBody>
-                        <a:bodyPr/>
-                        <a:lstStyle/>
-                        <a:p>
-                          <a:r>
-                            <a:rPr lang="en-US" sz="1800" dirty="0" smtClean="0">
+                        </a:p>
+                      </a:txBody>
+                      <a:tcPr/>
+                    </a:tc>
+                    <a:tc>
+                      <a:txBody>
+                        <a:bodyPr/>
+                        <a:lstStyle/>
+                        <a:p>
+                          <a:r>
+                            <a:rPr lang="en-US" sz="1800" dirty="0">
                               <a:latin typeface="Consolas" panose="020B0609020204030204" pitchFamily="49" charset="0"/>
                               <a:cs typeface="Consolas" panose="020B0609020204030204" pitchFamily="49" charset="0"/>
                             </a:rPr>
                             <a:t>740</a:t>
                           </a:r>
-                          <a:endParaRPr lang="en-US" sz="1800" dirty="0">
-                            <a:latin typeface="Consolas" panose="020B0609020204030204" pitchFamily="49" charset="0"/>
-                            <a:cs typeface="Consolas" panose="020B0609020204030204" pitchFamily="49" charset="0"/>
-                          </a:endParaRPr>
-                        </a:p>
-                      </a:txBody>
-                      <a:tcPr/>
-                    </a:tc>
-                    <a:tc>
-                      <a:txBody>
-                        <a:bodyPr/>
-                        <a:lstStyle/>
-                        <a:p>
-                          <a:r>
-                            <a:rPr lang="en-US" sz="1800" dirty="0" smtClean="0">
+                        </a:p>
+                      </a:txBody>
+                      <a:tcPr/>
+                    </a:tc>
+                    <a:tc>
+                      <a:txBody>
+                        <a:bodyPr/>
+                        <a:lstStyle/>
+                        <a:p>
+                          <a:r>
+                            <a:rPr lang="en-US" sz="1800" dirty="0">
                               <a:latin typeface="Consolas" panose="020B0609020204030204" pitchFamily="49" charset="0"/>
                               <a:cs typeface="Consolas" panose="020B0609020204030204" pitchFamily="49" charset="0"/>
                             </a:rPr>
                             <a:t>0</a:t>
                           </a:r>
-                          <a:endParaRPr lang="en-US" sz="1800" dirty="0">
-                            <a:latin typeface="Consolas" panose="020B0609020204030204" pitchFamily="49" charset="0"/>
-                            <a:cs typeface="Consolas" panose="020B0609020204030204" pitchFamily="49" charset="0"/>
-                          </a:endParaRPr>
                         </a:p>
                       </a:txBody>
                       <a:tcPr/>
@@ -3449,26 +3420,6 @@
                               </m:oMath>
                             </m:oMathPara>
                           </a14:m>
-                          <a:endParaRPr lang="en-US" sz="1800" dirty="0" smtClean="0">
-                            <a:latin typeface="Consolas" panose="020B0609020204030204" pitchFamily="49" charset="0"/>
-                            <a:cs typeface="Consolas" panose="020B0609020204030204" pitchFamily="49" charset="0"/>
-                          </a:endParaRPr>
-                        </a:p>
-                      </a:txBody>
-                      <a:tcPr/>
-                    </a:tc>
-                    <a:tc>
-                      <a:txBody>
-                        <a:bodyPr/>
-                        <a:lstStyle/>
-                        <a:p>
-                          <a:r>
-                            <a:rPr lang="en-US" sz="1800" dirty="0" smtClean="0">
-                              <a:latin typeface="Consolas" panose="020B0609020204030204" pitchFamily="49" charset="0"/>
-                              <a:cs typeface="Consolas" panose="020B0609020204030204" pitchFamily="49" charset="0"/>
-                            </a:rPr>
-                            <a:t>0</a:t>
-                          </a:r>
                           <a:endParaRPr lang="en-US" sz="1800" dirty="0">
                             <a:latin typeface="Consolas" panose="020B0609020204030204" pitchFamily="49" charset="0"/>
                             <a:cs typeface="Consolas" panose="020B0609020204030204" pitchFamily="49" charset="0"/>
@@ -3477,6 +3428,27 @@
                       </a:txBody>
                       <a:tcPr/>
                     </a:tc>
+                    <a:tc>
+                      <a:txBody>
+                        <a:bodyPr/>
+                        <a:lstStyle/>
+                        <a:p>
+                          <a:r>
+                            <a:rPr lang="en-US" sz="1800" dirty="0">
+                              <a:latin typeface="Consolas" panose="020B0609020204030204" pitchFamily="49" charset="0"/>
+                              <a:cs typeface="Consolas" panose="020B0609020204030204" pitchFamily="49" charset="0"/>
+                            </a:rPr>
+                            <a:t>0</a:t>
+                          </a:r>
+                        </a:p>
+                      </a:txBody>
+                      <a:tcPr/>
+                    </a:tc>
+                    <a:extLst>
+                      <a:ext uri="{0D108BD9-81ED-4DB2-BD59-A6C34878D82A}">
+                        <a16:rowId xmlns:a16="http://schemas.microsoft.com/office/drawing/2014/main" val="10001"/>
+                      </a:ext>
+                    </a:extLst>
                   </a:tr>
                   <a:tr h="370840">
                     <a:tc>
@@ -3485,56 +3457,44 @@
                         <a:lstStyle/>
                         <a:p>
                           <a:r>
-                            <a:rPr lang="en-US" sz="1800" dirty="0" smtClean="0">
+                            <a:rPr lang="en-US" sz="1800" dirty="0">
                               <a:latin typeface="Consolas" panose="020B0609020204030204" pitchFamily="49" charset="0"/>
                               <a:cs typeface="Consolas" panose="020B0609020204030204" pitchFamily="49" charset="0"/>
                             </a:rPr>
                             <a:t>9</a:t>
                           </a:r>
-                          <a:endParaRPr lang="en-US" sz="1800" dirty="0">
-                            <a:latin typeface="Consolas" panose="020B0609020204030204" pitchFamily="49" charset="0"/>
-                            <a:cs typeface="Consolas" panose="020B0609020204030204" pitchFamily="49" charset="0"/>
-                          </a:endParaRPr>
-                        </a:p>
-                      </a:txBody>
-                      <a:tcPr/>
-                    </a:tc>
-                    <a:tc>
-                      <a:txBody>
-                        <a:bodyPr/>
-                        <a:lstStyle/>
-                        <a:p>
-                          <a:r>
-                            <a:rPr lang="en-US" sz="1800" dirty="0" smtClean="0">
+                        </a:p>
+                      </a:txBody>
+                      <a:tcPr/>
+                    </a:tc>
+                    <a:tc>
+                      <a:txBody>
+                        <a:bodyPr/>
+                        <a:lstStyle/>
+                        <a:p>
+                          <a:r>
+                            <a:rPr lang="en-US" sz="1800" dirty="0">
                               <a:latin typeface="Consolas" panose="020B0609020204030204" pitchFamily="49" charset="0"/>
                               <a:cs typeface="Consolas" panose="020B0609020204030204" pitchFamily="49" charset="0"/>
                             </a:rPr>
                             <a:t>680</a:t>
                           </a:r>
-                          <a:endParaRPr lang="en-US" sz="1800" dirty="0">
-                            <a:latin typeface="Consolas" panose="020B0609020204030204" pitchFamily="49" charset="0"/>
-                            <a:cs typeface="Consolas" panose="020B0609020204030204" pitchFamily="49" charset="0"/>
-                          </a:endParaRPr>
-                        </a:p>
-                      </a:txBody>
-                      <a:tcPr/>
-                    </a:tc>
-                    <a:tc>
-                      <a:txBody>
-                        <a:bodyPr/>
-                        <a:lstStyle/>
-                        <a:p>
-                          <a:r>
-                            <a:rPr lang="en-US" sz="1800" dirty="0" smtClean="0">
+                        </a:p>
+                      </a:txBody>
+                      <a:tcPr/>
+                    </a:tc>
+                    <a:tc>
+                      <a:txBody>
+                        <a:bodyPr/>
+                        <a:lstStyle/>
+                        <a:p>
+                          <a:r>
+                            <a:rPr lang="en-US" sz="1800" dirty="0">
                               <a:latin typeface="Consolas" panose="020B0609020204030204" pitchFamily="49" charset="0"/>
                               <a:cs typeface="Consolas" panose="020B0609020204030204" pitchFamily="49" charset="0"/>
                             </a:rPr>
                             <a:t>4</a:t>
                           </a:r>
-                          <a:endParaRPr lang="en-US" sz="1800" dirty="0">
-                            <a:latin typeface="Consolas" panose="020B0609020204030204" pitchFamily="49" charset="0"/>
-                            <a:cs typeface="Consolas" panose="020B0609020204030204" pitchFamily="49" charset="0"/>
-                          </a:endParaRPr>
                         </a:p>
                       </a:txBody>
                       <a:tcPr/>
@@ -3578,26 +3538,6 @@
                               </m:oMath>
                             </m:oMathPara>
                           </a14:m>
-                          <a:endParaRPr lang="en-US" sz="1800" dirty="0" smtClean="0">
-                            <a:latin typeface="Consolas" panose="020B0609020204030204" pitchFamily="49" charset="0"/>
-                            <a:cs typeface="Consolas" panose="020B0609020204030204" pitchFamily="49" charset="0"/>
-                          </a:endParaRPr>
-                        </a:p>
-                      </a:txBody>
-                      <a:tcPr/>
-                    </a:tc>
-                    <a:tc>
-                      <a:txBody>
-                        <a:bodyPr/>
-                        <a:lstStyle/>
-                        <a:p>
-                          <a:r>
-                            <a:rPr lang="en-US" sz="1800" dirty="0" smtClean="0">
-                              <a:latin typeface="Consolas" panose="020B0609020204030204" pitchFamily="49" charset="0"/>
-                              <a:cs typeface="Consolas" panose="020B0609020204030204" pitchFamily="49" charset="0"/>
-                            </a:rPr>
-                            <a:t>1</a:t>
-                          </a:r>
                           <a:endParaRPr lang="en-US" sz="1800" dirty="0">
                             <a:latin typeface="Consolas" panose="020B0609020204030204" pitchFamily="49" charset="0"/>
                             <a:cs typeface="Consolas" panose="020B0609020204030204" pitchFamily="49" charset="0"/>
@@ -3606,6 +3546,27 @@
                       </a:txBody>
                       <a:tcPr/>
                     </a:tc>
+                    <a:tc>
+                      <a:txBody>
+                        <a:bodyPr/>
+                        <a:lstStyle/>
+                        <a:p>
+                          <a:r>
+                            <a:rPr lang="en-US" sz="1800" dirty="0">
+                              <a:latin typeface="Consolas" panose="020B0609020204030204" pitchFamily="49" charset="0"/>
+                              <a:cs typeface="Consolas" panose="020B0609020204030204" pitchFamily="49" charset="0"/>
+                            </a:rPr>
+                            <a:t>1</a:t>
+                          </a:r>
+                        </a:p>
+                      </a:txBody>
+                      <a:tcPr/>
+                    </a:tc>
+                    <a:extLst>
+                      <a:ext uri="{0D108BD9-81ED-4DB2-BD59-A6C34878D82A}">
+                        <a16:rowId xmlns:a16="http://schemas.microsoft.com/office/drawing/2014/main" val="10002"/>
+                      </a:ext>
+                    </a:extLst>
                   </a:tr>
                   <a:tr h="370840">
                     <a:tc>
@@ -3614,56 +3575,44 @@
                         <a:lstStyle/>
                         <a:p>
                           <a:r>
-                            <a:rPr lang="en-US" sz="1800" dirty="0" smtClean="0">
+                            <a:rPr lang="en-US" sz="1800" dirty="0">
                               <a:latin typeface="Consolas" panose="020B0609020204030204" pitchFamily="49" charset="0"/>
                               <a:cs typeface="Consolas" panose="020B0609020204030204" pitchFamily="49" charset="0"/>
                             </a:rPr>
                             <a:t>7.2</a:t>
                           </a:r>
-                          <a:endParaRPr lang="en-US" sz="1800" dirty="0">
-                            <a:latin typeface="Consolas" panose="020B0609020204030204" pitchFamily="49" charset="0"/>
-                            <a:cs typeface="Consolas" panose="020B0609020204030204" pitchFamily="49" charset="0"/>
-                          </a:endParaRPr>
-                        </a:p>
-                      </a:txBody>
-                      <a:tcPr/>
-                    </a:tc>
-                    <a:tc>
-                      <a:txBody>
-                        <a:bodyPr/>
-                        <a:lstStyle/>
-                        <a:p>
-                          <a:r>
-                            <a:rPr lang="en-US" sz="1800" dirty="0" smtClean="0">
+                        </a:p>
+                      </a:txBody>
+                      <a:tcPr/>
+                    </a:tc>
+                    <a:tc>
+                      <a:txBody>
+                        <a:bodyPr/>
+                        <a:lstStyle/>
+                        <a:p>
+                          <a:r>
+                            <a:rPr lang="en-US" sz="1800" dirty="0">
                               <a:latin typeface="Consolas" panose="020B0609020204030204" pitchFamily="49" charset="0"/>
                               <a:cs typeface="Consolas" panose="020B0609020204030204" pitchFamily="49" charset="0"/>
                             </a:rPr>
                             <a:t>700</a:t>
                           </a:r>
-                          <a:endParaRPr lang="en-US" sz="1800" dirty="0">
-                            <a:latin typeface="Consolas" panose="020B0609020204030204" pitchFamily="49" charset="0"/>
-                            <a:cs typeface="Consolas" panose="020B0609020204030204" pitchFamily="49" charset="0"/>
-                          </a:endParaRPr>
-                        </a:p>
-                      </a:txBody>
-                      <a:tcPr/>
-                    </a:tc>
-                    <a:tc>
-                      <a:txBody>
-                        <a:bodyPr/>
-                        <a:lstStyle/>
-                        <a:p>
-                          <a:r>
-                            <a:rPr lang="en-US" sz="1800" dirty="0" smtClean="0">
+                        </a:p>
+                      </a:txBody>
+                      <a:tcPr/>
+                    </a:tc>
+                    <a:tc>
+                      <a:txBody>
+                        <a:bodyPr/>
+                        <a:lstStyle/>
+                        <a:p>
+                          <a:r>
+                            <a:rPr lang="en-US" sz="1800" dirty="0">
                               <a:latin typeface="Consolas" panose="020B0609020204030204" pitchFamily="49" charset="0"/>
                               <a:cs typeface="Consolas" panose="020B0609020204030204" pitchFamily="49" charset="0"/>
                             </a:rPr>
                             <a:t>3</a:t>
                           </a:r>
-                          <a:endParaRPr lang="en-US" sz="1800" dirty="0">
-                            <a:latin typeface="Consolas" panose="020B0609020204030204" pitchFamily="49" charset="0"/>
-                            <a:cs typeface="Consolas" panose="020B0609020204030204" pitchFamily="49" charset="0"/>
-                          </a:endParaRPr>
                         </a:p>
                       </a:txBody>
                       <a:tcPr/>
@@ -3707,26 +3656,6 @@
                               </m:oMath>
                             </m:oMathPara>
                           </a14:m>
-                          <a:endParaRPr lang="en-US" sz="1800" dirty="0" smtClean="0">
-                            <a:latin typeface="Consolas" panose="020B0609020204030204" pitchFamily="49" charset="0"/>
-                            <a:cs typeface="Consolas" panose="020B0609020204030204" pitchFamily="49" charset="0"/>
-                          </a:endParaRPr>
-                        </a:p>
-                      </a:txBody>
-                      <a:tcPr/>
-                    </a:tc>
-                    <a:tc>
-                      <a:txBody>
-                        <a:bodyPr/>
-                        <a:lstStyle/>
-                        <a:p>
-                          <a:r>
-                            <a:rPr lang="en-US" sz="1800" dirty="0" smtClean="0">
-                              <a:latin typeface="Consolas" panose="020B0609020204030204" pitchFamily="49" charset="0"/>
-                              <a:cs typeface="Consolas" panose="020B0609020204030204" pitchFamily="49" charset="0"/>
-                            </a:rPr>
-                            <a:t>1</a:t>
-                          </a:r>
                           <a:endParaRPr lang="en-US" sz="1800" dirty="0">
                             <a:latin typeface="Consolas" panose="020B0609020204030204" pitchFamily="49" charset="0"/>
                             <a:cs typeface="Consolas" panose="020B0609020204030204" pitchFamily="49" charset="0"/>
@@ -3735,6 +3664,27 @@
                       </a:txBody>
                       <a:tcPr/>
                     </a:tc>
+                    <a:tc>
+                      <a:txBody>
+                        <a:bodyPr/>
+                        <a:lstStyle/>
+                        <a:p>
+                          <a:r>
+                            <a:rPr lang="en-US" sz="1800" dirty="0">
+                              <a:latin typeface="Consolas" panose="020B0609020204030204" pitchFamily="49" charset="0"/>
+                              <a:cs typeface="Consolas" panose="020B0609020204030204" pitchFamily="49" charset="0"/>
+                            </a:rPr>
+                            <a:t>1</a:t>
+                          </a:r>
+                        </a:p>
+                      </a:txBody>
+                      <a:tcPr/>
+                    </a:tc>
+                    <a:extLst>
+                      <a:ext uri="{0D108BD9-81ED-4DB2-BD59-A6C34878D82A}">
+                        <a16:rowId xmlns:a16="http://schemas.microsoft.com/office/drawing/2014/main" val="10003"/>
+                      </a:ext>
+                    </a:extLst>
                   </a:tr>
                   <a:tr h="370840">
                     <a:tc>
@@ -3743,56 +3693,44 @@
                         <a:lstStyle/>
                         <a:p>
                           <a:r>
-                            <a:rPr lang="en-US" sz="1800" dirty="0" smtClean="0">
+                            <a:rPr lang="en-US" sz="1800" dirty="0">
                               <a:latin typeface="Consolas" panose="020B0609020204030204" pitchFamily="49" charset="0"/>
                               <a:cs typeface="Consolas" panose="020B0609020204030204" pitchFamily="49" charset="0"/>
                             </a:rPr>
                             <a:t>2.3</a:t>
                           </a:r>
-                          <a:endParaRPr lang="en-US" sz="1800" dirty="0">
-                            <a:latin typeface="Consolas" panose="020B0609020204030204" pitchFamily="49" charset="0"/>
-                            <a:cs typeface="Consolas" panose="020B0609020204030204" pitchFamily="49" charset="0"/>
-                          </a:endParaRPr>
-                        </a:p>
-                      </a:txBody>
-                      <a:tcPr/>
-                    </a:tc>
-                    <a:tc>
-                      <a:txBody>
-                        <a:bodyPr/>
-                        <a:lstStyle/>
-                        <a:p>
-                          <a:r>
-                            <a:rPr lang="en-US" sz="1800" dirty="0" smtClean="0">
+                        </a:p>
+                      </a:txBody>
+                      <a:tcPr/>
+                    </a:tc>
+                    <a:tc>
+                      <a:txBody>
+                        <a:bodyPr/>
+                        <a:lstStyle/>
+                        <a:p>
+                          <a:r>
+                            <a:rPr lang="en-US" sz="1800" dirty="0">
                               <a:latin typeface="Consolas" panose="020B0609020204030204" pitchFamily="49" charset="0"/>
                               <a:cs typeface="Consolas" panose="020B0609020204030204" pitchFamily="49" charset="0"/>
                             </a:rPr>
                             <a:t>790</a:t>
                           </a:r>
-                          <a:endParaRPr lang="en-US" sz="1800" dirty="0">
-                            <a:latin typeface="Consolas" panose="020B0609020204030204" pitchFamily="49" charset="0"/>
-                            <a:cs typeface="Consolas" panose="020B0609020204030204" pitchFamily="49" charset="0"/>
-                          </a:endParaRPr>
-                        </a:p>
-                      </a:txBody>
-                      <a:tcPr/>
-                    </a:tc>
-                    <a:tc>
-                      <a:txBody>
-                        <a:bodyPr/>
-                        <a:lstStyle/>
-                        <a:p>
-                          <a:r>
-                            <a:rPr lang="en-US" sz="1800" dirty="0" smtClean="0">
+                        </a:p>
+                      </a:txBody>
+                      <a:tcPr/>
+                    </a:tc>
+                    <a:tc>
+                      <a:txBody>
+                        <a:bodyPr/>
+                        <a:lstStyle/>
+                        <a:p>
+                          <a:r>
+                            <a:rPr lang="en-US" sz="1800" dirty="0">
                               <a:latin typeface="Consolas" panose="020B0609020204030204" pitchFamily="49" charset="0"/>
                               <a:cs typeface="Consolas" panose="020B0609020204030204" pitchFamily="49" charset="0"/>
                             </a:rPr>
                             <a:t>0</a:t>
                           </a:r>
-                          <a:endParaRPr lang="en-US" sz="1800" dirty="0">
-                            <a:latin typeface="Consolas" panose="020B0609020204030204" pitchFamily="49" charset="0"/>
-                            <a:cs typeface="Consolas" panose="020B0609020204030204" pitchFamily="49" charset="0"/>
-                          </a:endParaRPr>
                         </a:p>
                       </a:txBody>
                       <a:tcPr/>
@@ -3836,26 +3774,6 @@
                               </m:oMath>
                             </m:oMathPara>
                           </a14:m>
-                          <a:endParaRPr lang="en-US" sz="1800" dirty="0" smtClean="0">
-                            <a:latin typeface="Consolas" panose="020B0609020204030204" pitchFamily="49" charset="0"/>
-                            <a:cs typeface="Consolas" panose="020B0609020204030204" pitchFamily="49" charset="0"/>
-                          </a:endParaRPr>
-                        </a:p>
-                      </a:txBody>
-                      <a:tcPr/>
-                    </a:tc>
-                    <a:tc>
-                      <a:txBody>
-                        <a:bodyPr/>
-                        <a:lstStyle/>
-                        <a:p>
-                          <a:r>
-                            <a:rPr lang="en-US" sz="1800" dirty="0" smtClean="0">
-                              <a:latin typeface="Consolas" panose="020B0609020204030204" pitchFamily="49" charset="0"/>
-                              <a:cs typeface="Consolas" panose="020B0609020204030204" pitchFamily="49" charset="0"/>
-                            </a:rPr>
-                            <a:t>0</a:t>
-                          </a:r>
                           <a:endParaRPr lang="en-US" sz="1800" dirty="0">
                             <a:latin typeface="Consolas" panose="020B0609020204030204" pitchFamily="49" charset="0"/>
                             <a:cs typeface="Consolas" panose="020B0609020204030204" pitchFamily="49" charset="0"/>
@@ -3864,13 +3782,34 @@
                       </a:txBody>
                       <a:tcPr/>
                     </a:tc>
+                    <a:tc>
+                      <a:txBody>
+                        <a:bodyPr/>
+                        <a:lstStyle/>
+                        <a:p>
+                          <a:r>
+                            <a:rPr lang="en-US" sz="1800" dirty="0">
+                              <a:latin typeface="Consolas" panose="020B0609020204030204" pitchFamily="49" charset="0"/>
+                              <a:cs typeface="Consolas" panose="020B0609020204030204" pitchFamily="49" charset="0"/>
+                            </a:rPr>
+                            <a:t>0</a:t>
+                          </a:r>
+                        </a:p>
+                      </a:txBody>
+                      <a:tcPr/>
+                    </a:tc>
+                    <a:extLst>
+                      <a:ext uri="{0D108BD9-81ED-4DB2-BD59-A6C34878D82A}">
+                        <a16:rowId xmlns:a16="http://schemas.microsoft.com/office/drawing/2014/main" val="10004"/>
+                      </a:ext>
+                    </a:extLst>
                   </a:tr>
                 </a:tbl>
               </a:graphicData>
             </a:graphic>
           </p:graphicFrame>
         </mc:Choice>
-        <mc:Fallback>
+        <mc:Fallback xmlns="">
           <p:graphicFrame>
             <p:nvGraphicFramePr>
               <p:cNvPr id="9" name="Table 8"/>
@@ -4417,21 +4356,17 @@
           <a:p>
             <a:pPr algn="ctr"/>
             <a:r>
-              <a:rPr lang="en-US" dirty="0" smtClean="0">
+              <a:rPr lang="en-US" dirty="0">
                 <a:latin typeface="Consolas" panose="020B0609020204030204" pitchFamily="49" charset="0"/>
                 <a:cs typeface="Consolas" panose="020B0609020204030204" pitchFamily="49" charset="0"/>
               </a:rPr>
               <a:t>Original training data</a:t>
             </a:r>
-            <a:endParaRPr lang="en-US" dirty="0">
-              <a:latin typeface="Consolas" panose="020B0609020204030204" pitchFamily="49" charset="0"/>
-              <a:cs typeface="Consolas" panose="020B0609020204030204" pitchFamily="49" charset="0"/>
-            </a:endParaRPr>
           </a:p>
         </p:txBody>
       </p:sp>
-      <mc:AlternateContent xmlns:mc="http://schemas.openxmlformats.org/markup-compatibility/2006">
-        <mc:Choice xmlns:a14="http://schemas.microsoft.com/office/drawing/2010/main" Requires="a14">
+      <mc:AlternateContent xmlns:mc="http://schemas.openxmlformats.org/markup-compatibility/2006" xmlns:a14="http://schemas.microsoft.com/office/drawing/2010/main">
+        <mc:Choice Requires="a14">
           <p:graphicFrame>
             <p:nvGraphicFramePr>
               <p:cNvPr id="11" name="Table 10"/>
@@ -4451,11 +4386,41 @@
                     <a:tableStyleId>{7E9639D4-E3E2-4D34-9284-5A2195B3D0D7}</a:tableStyleId>
                   </a:tblPr>
                   <a:tblGrid>
-                    <a:gridCol w="576709"/>
-                    <a:gridCol w="746449"/>
-                    <a:gridCol w="1259633"/>
-                    <a:gridCol w="419878"/>
-                    <a:gridCol w="821093"/>
+                    <a:gridCol w="576709">
+                      <a:extLst>
+                        <a:ext uri="{9D8B030D-6E8A-4147-A177-3AD203B41FA5}">
+                          <a16:colId xmlns:a16="http://schemas.microsoft.com/office/drawing/2014/main" val="20000"/>
+                        </a:ext>
+                      </a:extLst>
+                    </a:gridCol>
+                    <a:gridCol w="746449">
+                      <a:extLst>
+                        <a:ext uri="{9D8B030D-6E8A-4147-A177-3AD203B41FA5}">
+                          <a16:colId xmlns:a16="http://schemas.microsoft.com/office/drawing/2014/main" val="20001"/>
+                        </a:ext>
+                      </a:extLst>
+                    </a:gridCol>
+                    <a:gridCol w="1259633">
+                      <a:extLst>
+                        <a:ext uri="{9D8B030D-6E8A-4147-A177-3AD203B41FA5}">
+                          <a16:colId xmlns:a16="http://schemas.microsoft.com/office/drawing/2014/main" val="20002"/>
+                        </a:ext>
+                      </a:extLst>
+                    </a:gridCol>
+                    <a:gridCol w="419878">
+                      <a:extLst>
+                        <a:ext uri="{9D8B030D-6E8A-4147-A177-3AD203B41FA5}">
+                          <a16:colId xmlns:a16="http://schemas.microsoft.com/office/drawing/2014/main" val="20003"/>
+                        </a:ext>
+                      </a:extLst>
+                    </a:gridCol>
+                    <a:gridCol w="821093">
+                      <a:extLst>
+                        <a:ext uri="{9D8B030D-6E8A-4147-A177-3AD203B41FA5}">
+                          <a16:colId xmlns:a16="http://schemas.microsoft.com/office/drawing/2014/main" val="20004"/>
+                        </a:ext>
+                      </a:extLst>
+                    </a:gridCol>
                   </a:tblGrid>
                   <a:tr h="370840">
                     <a:tc>
@@ -4464,7 +4429,7 @@
                         <a:lstStyle/>
                         <a:p>
                           <a:r>
-                            <a:rPr lang="en-US" sz="1800" dirty="0" err="1" smtClean="0">
+                            <a:rPr lang="en-US" sz="1800" dirty="0" err="1">
                               <a:latin typeface="Consolas" panose="020B0609020204030204" pitchFamily="49" charset="0"/>
                               <a:cs typeface="Consolas" panose="020B0609020204030204" pitchFamily="49" charset="0"/>
                             </a:rPr>
@@ -4484,12 +4449,37 @@
                         <a:lstStyle/>
                         <a:p>
                           <a:r>
-                            <a:rPr lang="en-US" sz="1800" dirty="0" smtClean="0">
+                            <a:rPr lang="en-US" sz="1800" dirty="0">
                               <a:latin typeface="Consolas" panose="020B0609020204030204" pitchFamily="49" charset="0"/>
                               <a:cs typeface="Consolas" panose="020B0609020204030204" pitchFamily="49" charset="0"/>
                             </a:rPr>
                             <a:t>fico</a:t>
                           </a:r>
+                        </a:p>
+                      </a:txBody>
+                      <a:tcPr/>
+                    </a:tc>
+                    <a:tc>
+                      <a:txBody>
+                        <a:bodyPr/>
+                        <a:lstStyle/>
+                        <a:p>
+                          <a:r>
+                            <a:rPr lang="en-US" sz="1800" dirty="0">
+                              <a:latin typeface="Consolas" panose="020B0609020204030204" pitchFamily="49" charset="0"/>
+                              <a:cs typeface="Consolas" panose="020B0609020204030204" pitchFamily="49" charset="0"/>
+                            </a:rPr>
+                            <a:t>m_delinq</a:t>
+                          </a:r>
+                        </a:p>
+                      </a:txBody>
+                      <a:tcPr/>
+                    </a:tc>
+                    <a:tc>
+                      <a:txBody>
+                        <a:bodyPr/>
+                        <a:lstStyle/>
+                        <a:p>
                           <a:endParaRPr lang="en-US" sz="1800" dirty="0">
                             <a:latin typeface="Consolas" panose="020B0609020204030204" pitchFamily="49" charset="0"/>
                             <a:cs typeface="Consolas" panose="020B0609020204030204" pitchFamily="49" charset="0"/>
@@ -4504,53 +4494,21 @@
                         <a:lstStyle/>
                         <a:p>
                           <a:r>
-                            <a:rPr lang="en-US" sz="1800" dirty="0" smtClean="0">
-                              <a:latin typeface="Consolas" panose="020B0609020204030204" pitchFamily="49" charset="0"/>
-                              <a:cs typeface="Consolas" panose="020B0609020204030204" pitchFamily="49" charset="0"/>
-                            </a:rPr>
-                            <a:t>m_delinq</a:t>
-                          </a:r>
-                          <a:endParaRPr lang="en-US" sz="1800" dirty="0">
-                            <a:latin typeface="Consolas" panose="020B0609020204030204" pitchFamily="49" charset="0"/>
-                            <a:cs typeface="Consolas" panose="020B0609020204030204" pitchFamily="49" charset="0"/>
-                          </a:endParaRPr>
-                        </a:p>
-                      </a:txBody>
-                      <a:tcPr/>
-                    </a:tc>
-                    <a:tc>
-                      <a:txBody>
-                        <a:bodyPr/>
-                        <a:lstStyle/>
-                        <a:p>
-                          <a:endParaRPr lang="en-US" sz="1800" dirty="0">
-                            <a:latin typeface="Consolas" panose="020B0609020204030204" pitchFamily="49" charset="0"/>
-                            <a:cs typeface="Consolas" panose="020B0609020204030204" pitchFamily="49" charset="0"/>
-                          </a:endParaRPr>
-                        </a:p>
-                      </a:txBody>
-                      <a:tcPr/>
-                    </a:tc>
-                    <a:tc>
-                      <a:txBody>
-                        <a:bodyPr/>
-                        <a:lstStyle/>
-                        <a:p>
-                          <a:r>
-                            <a:rPr lang="en-US" sz="1800" dirty="0" smtClean="0">
+                            <a:rPr lang="en-US" sz="1800" dirty="0">
                               <a:latin typeface="Consolas" panose="020B0609020204030204" pitchFamily="49" charset="0"/>
                               <a:cs typeface="Consolas" panose="020B0609020204030204" pitchFamily="49" charset="0"/>
                             </a:rPr>
                             <a:t>deny</a:t>
                           </a:r>
-                          <a:endParaRPr lang="en-US" sz="1800" dirty="0">
-                            <a:latin typeface="Consolas" panose="020B0609020204030204" pitchFamily="49" charset="0"/>
-                            <a:cs typeface="Consolas" panose="020B0609020204030204" pitchFamily="49" charset="0"/>
-                          </a:endParaRPr>
-                        </a:p>
-                      </a:txBody>
-                      <a:tcPr/>
-                    </a:tc>
+                        </a:p>
+                      </a:txBody>
+                      <a:tcPr/>
+                    </a:tc>
+                    <a:extLst>
+                      <a:ext uri="{0D108BD9-81ED-4DB2-BD59-A6C34878D82A}">
+                        <a16:rowId xmlns:a16="http://schemas.microsoft.com/office/drawing/2014/main" val="10000"/>
+                      </a:ext>
+                    </a:extLst>
                   </a:tr>
                   <a:tr h="370840">
                     <a:tc>
@@ -4559,56 +4517,44 @@
                         <a:lstStyle/>
                         <a:p>
                           <a:r>
-                            <a:rPr lang="en-US" sz="1800" dirty="0" smtClean="0">
+                            <a:rPr lang="en-US" sz="1800" dirty="0">
                               <a:latin typeface="Consolas" panose="020B0609020204030204" pitchFamily="49" charset="0"/>
                               <a:cs typeface="Consolas" panose="020B0609020204030204" pitchFamily="49" charset="0"/>
                             </a:rPr>
                             <a:t>0.9</a:t>
                           </a:r>
-                          <a:endParaRPr lang="en-US" sz="1800" dirty="0">
-                            <a:latin typeface="Consolas" panose="020B0609020204030204" pitchFamily="49" charset="0"/>
-                            <a:cs typeface="Consolas" panose="020B0609020204030204" pitchFamily="49" charset="0"/>
-                          </a:endParaRPr>
-                        </a:p>
-                      </a:txBody>
-                      <a:tcPr/>
-                    </a:tc>
-                    <a:tc>
-                      <a:txBody>
-                        <a:bodyPr/>
-                        <a:lstStyle/>
-                        <a:p>
-                          <a:r>
-                            <a:rPr lang="en-US" sz="1800" dirty="0" smtClean="0">
+                        </a:p>
+                      </a:txBody>
+                      <a:tcPr/>
+                    </a:tc>
+                    <a:tc>
+                      <a:txBody>
+                        <a:bodyPr/>
+                        <a:lstStyle/>
+                        <a:p>
+                          <a:r>
+                            <a:rPr lang="en-US" sz="1800" dirty="0">
                               <a:latin typeface="Consolas" panose="020B0609020204030204" pitchFamily="49" charset="0"/>
                               <a:cs typeface="Consolas" panose="020B0609020204030204" pitchFamily="49" charset="0"/>
                             </a:rPr>
                             <a:t>740</a:t>
                           </a:r>
-                          <a:endParaRPr lang="en-US" sz="1800" dirty="0">
-                            <a:latin typeface="Consolas" panose="020B0609020204030204" pitchFamily="49" charset="0"/>
-                            <a:cs typeface="Consolas" panose="020B0609020204030204" pitchFamily="49" charset="0"/>
-                          </a:endParaRPr>
-                        </a:p>
-                      </a:txBody>
-                      <a:tcPr/>
-                    </a:tc>
-                    <a:tc>
-                      <a:txBody>
-                        <a:bodyPr/>
-                        <a:lstStyle/>
-                        <a:p>
-                          <a:r>
-                            <a:rPr lang="en-US" sz="1800" dirty="0" smtClean="0">
+                        </a:p>
+                      </a:txBody>
+                      <a:tcPr/>
+                    </a:tc>
+                    <a:tc>
+                      <a:txBody>
+                        <a:bodyPr/>
+                        <a:lstStyle/>
+                        <a:p>
+                          <a:r>
+                            <a:rPr lang="en-US" sz="1800" dirty="0">
                               <a:latin typeface="Consolas" panose="020B0609020204030204" pitchFamily="49" charset="0"/>
                               <a:cs typeface="Consolas" panose="020B0609020204030204" pitchFamily="49" charset="0"/>
                             </a:rPr>
                             <a:t>0</a:t>
                           </a:r>
-                          <a:endParaRPr lang="en-US" sz="1800" dirty="0">
-                            <a:latin typeface="Consolas" panose="020B0609020204030204" pitchFamily="49" charset="0"/>
-                            <a:cs typeface="Consolas" panose="020B0609020204030204" pitchFamily="49" charset="0"/>
-                          </a:endParaRPr>
                         </a:p>
                       </a:txBody>
                       <a:tcPr/>
@@ -4652,26 +4598,6 @@
                               </m:oMath>
                             </m:oMathPara>
                           </a14:m>
-                          <a:endParaRPr lang="en-US" sz="1800" dirty="0" smtClean="0">
-                            <a:latin typeface="Consolas" panose="020B0609020204030204" pitchFamily="49" charset="0"/>
-                            <a:cs typeface="Consolas" panose="020B0609020204030204" pitchFamily="49" charset="0"/>
-                          </a:endParaRPr>
-                        </a:p>
-                      </a:txBody>
-                      <a:tcPr/>
-                    </a:tc>
-                    <a:tc>
-                      <a:txBody>
-                        <a:bodyPr/>
-                        <a:lstStyle/>
-                        <a:p>
-                          <a:r>
-                            <a:rPr lang="en-US" sz="1800" dirty="0" smtClean="0">
-                              <a:latin typeface="Consolas" panose="020B0609020204030204" pitchFamily="49" charset="0"/>
-                              <a:cs typeface="Consolas" panose="020B0609020204030204" pitchFamily="49" charset="0"/>
-                            </a:rPr>
-                            <a:t>0</a:t>
-                          </a:r>
                           <a:endParaRPr lang="en-US" sz="1800" dirty="0">
                             <a:latin typeface="Consolas" panose="020B0609020204030204" pitchFamily="49" charset="0"/>
                             <a:cs typeface="Consolas" panose="020B0609020204030204" pitchFamily="49" charset="0"/>
@@ -4680,6 +4606,27 @@
                       </a:txBody>
                       <a:tcPr/>
                     </a:tc>
+                    <a:tc>
+                      <a:txBody>
+                        <a:bodyPr/>
+                        <a:lstStyle/>
+                        <a:p>
+                          <a:r>
+                            <a:rPr lang="en-US" sz="1800" dirty="0">
+                              <a:latin typeface="Consolas" panose="020B0609020204030204" pitchFamily="49" charset="0"/>
+                              <a:cs typeface="Consolas" panose="020B0609020204030204" pitchFamily="49" charset="0"/>
+                            </a:rPr>
+                            <a:t>0</a:t>
+                          </a:r>
+                        </a:p>
+                      </a:txBody>
+                      <a:tcPr/>
+                    </a:tc>
+                    <a:extLst>
+                      <a:ext uri="{0D108BD9-81ED-4DB2-BD59-A6C34878D82A}">
+                        <a16:rowId xmlns:a16="http://schemas.microsoft.com/office/drawing/2014/main" val="10001"/>
+                      </a:ext>
+                    </a:extLst>
                   </a:tr>
                   <a:tr h="370840">
                     <a:tc>
@@ -4688,56 +4635,44 @@
                         <a:lstStyle/>
                         <a:p>
                           <a:r>
-                            <a:rPr lang="en-US" sz="1800" dirty="0" smtClean="0">
+                            <a:rPr lang="en-US" sz="1800" dirty="0">
                               <a:latin typeface="Consolas" panose="020B0609020204030204" pitchFamily="49" charset="0"/>
                               <a:cs typeface="Consolas" panose="020B0609020204030204" pitchFamily="49" charset="0"/>
                             </a:rPr>
                             <a:t>9</a:t>
                           </a:r>
-                          <a:endParaRPr lang="en-US" sz="1800" dirty="0">
-                            <a:latin typeface="Consolas" panose="020B0609020204030204" pitchFamily="49" charset="0"/>
-                            <a:cs typeface="Consolas" panose="020B0609020204030204" pitchFamily="49" charset="0"/>
-                          </a:endParaRPr>
-                        </a:p>
-                      </a:txBody>
-                      <a:tcPr/>
-                    </a:tc>
-                    <a:tc>
-                      <a:txBody>
-                        <a:bodyPr/>
-                        <a:lstStyle/>
-                        <a:p>
-                          <a:r>
-                            <a:rPr lang="en-US" sz="1800" dirty="0" smtClean="0">
+                        </a:p>
+                      </a:txBody>
+                      <a:tcPr/>
+                    </a:tc>
+                    <a:tc>
+                      <a:txBody>
+                        <a:bodyPr/>
+                        <a:lstStyle/>
+                        <a:p>
+                          <a:r>
+                            <a:rPr lang="en-US" sz="1800" dirty="0">
                               <a:latin typeface="Consolas" panose="020B0609020204030204" pitchFamily="49" charset="0"/>
                               <a:cs typeface="Consolas" panose="020B0609020204030204" pitchFamily="49" charset="0"/>
                             </a:rPr>
                             <a:t>680</a:t>
                           </a:r>
-                          <a:endParaRPr lang="en-US" sz="1800" dirty="0">
-                            <a:latin typeface="Consolas" panose="020B0609020204030204" pitchFamily="49" charset="0"/>
-                            <a:cs typeface="Consolas" panose="020B0609020204030204" pitchFamily="49" charset="0"/>
-                          </a:endParaRPr>
-                        </a:p>
-                      </a:txBody>
-                      <a:tcPr/>
-                    </a:tc>
-                    <a:tc>
-                      <a:txBody>
-                        <a:bodyPr/>
-                        <a:lstStyle/>
-                        <a:p>
-                          <a:r>
-                            <a:rPr lang="en-US" sz="1800" dirty="0" smtClean="0">
+                        </a:p>
+                      </a:txBody>
+                      <a:tcPr/>
+                    </a:tc>
+                    <a:tc>
+                      <a:txBody>
+                        <a:bodyPr/>
+                        <a:lstStyle/>
+                        <a:p>
+                          <a:r>
+                            <a:rPr lang="en-US" sz="1800" dirty="0">
                               <a:latin typeface="Consolas" panose="020B0609020204030204" pitchFamily="49" charset="0"/>
                               <a:cs typeface="Consolas" panose="020B0609020204030204" pitchFamily="49" charset="0"/>
                             </a:rPr>
                             <a:t>4</a:t>
                           </a:r>
-                          <a:endParaRPr lang="en-US" sz="1800" dirty="0">
-                            <a:latin typeface="Consolas" panose="020B0609020204030204" pitchFamily="49" charset="0"/>
-                            <a:cs typeface="Consolas" panose="020B0609020204030204" pitchFamily="49" charset="0"/>
-                          </a:endParaRPr>
                         </a:p>
                       </a:txBody>
                       <a:tcPr/>
@@ -4781,54 +4716,6 @@
                               </m:oMath>
                             </m:oMathPara>
                           </a14:m>
-                          <a:endParaRPr lang="en-US" sz="1800" dirty="0" smtClean="0">
-                            <a:latin typeface="Consolas" panose="020B0609020204030204" pitchFamily="49" charset="0"/>
-                            <a:cs typeface="Consolas" panose="020B0609020204030204" pitchFamily="49" charset="0"/>
-                          </a:endParaRPr>
-                        </a:p>
-                      </a:txBody>
-                      <a:tcPr/>
-                    </a:tc>
-                    <a:tc>
-                      <a:txBody>
-                        <a:bodyPr/>
-                        <a:lstStyle/>
-                        <a:p>
-                          <a:r>
-                            <a:rPr lang="en-US" sz="1800" dirty="0" smtClean="0">
-                              <a:solidFill>
-                                <a:srgbClr val="FF00FF"/>
-                              </a:solidFill>
-                              <a:latin typeface="Consolas" panose="020B0609020204030204" pitchFamily="49" charset="0"/>
-                              <a:cs typeface="Consolas" panose="020B0609020204030204" pitchFamily="49" charset="0"/>
-                            </a:rPr>
-                            <a:t>0</a:t>
-                          </a:r>
-                          <a:endParaRPr lang="en-US" sz="1800" dirty="0">
-                            <a:solidFill>
-                              <a:srgbClr val="FF00FF"/>
-                            </a:solidFill>
-                            <a:latin typeface="Consolas" panose="020B0609020204030204" pitchFamily="49" charset="0"/>
-                            <a:cs typeface="Consolas" panose="020B0609020204030204" pitchFamily="49" charset="0"/>
-                          </a:endParaRPr>
-                        </a:p>
-                      </a:txBody>
-                      <a:tcPr/>
-                    </a:tc>
-                  </a:tr>
-                  <a:tr h="370840">
-                    <a:tc>
-                      <a:txBody>
-                        <a:bodyPr/>
-                        <a:lstStyle/>
-                        <a:p>
-                          <a:r>
-                            <a:rPr lang="en-US" sz="1800" dirty="0" smtClean="0">
-                              <a:latin typeface="Consolas" panose="020B0609020204030204" pitchFamily="49" charset="0"/>
-                              <a:cs typeface="Consolas" panose="020B0609020204030204" pitchFamily="49" charset="0"/>
-                            </a:rPr>
-                            <a:t>7.2</a:t>
-                          </a:r>
                           <a:endParaRPr lang="en-US" sz="1800" dirty="0">
                             <a:latin typeface="Consolas" panose="020B0609020204030204" pitchFamily="49" charset="0"/>
                             <a:cs typeface="Consolas" panose="020B0609020204030204" pitchFamily="49" charset="0"/>
@@ -4843,36 +4730,70 @@
                         <a:lstStyle/>
                         <a:p>
                           <a:r>
-                            <a:rPr lang="en-US" sz="1800" dirty="0" smtClean="0">
+                            <a:rPr lang="en-US" sz="1800" dirty="0">
+                              <a:solidFill>
+                                <a:srgbClr val="FF00FF"/>
+                              </a:solidFill>
+                              <a:latin typeface="Consolas" panose="020B0609020204030204" pitchFamily="49" charset="0"/>
+                              <a:cs typeface="Consolas" panose="020B0609020204030204" pitchFamily="49" charset="0"/>
+                            </a:rPr>
+                            <a:t>0</a:t>
+                          </a:r>
+                        </a:p>
+                      </a:txBody>
+                      <a:tcPr/>
+                    </a:tc>
+                    <a:extLst>
+                      <a:ext uri="{0D108BD9-81ED-4DB2-BD59-A6C34878D82A}">
+                        <a16:rowId xmlns:a16="http://schemas.microsoft.com/office/drawing/2014/main" val="10002"/>
+                      </a:ext>
+                    </a:extLst>
+                  </a:tr>
+                  <a:tr h="370840">
+                    <a:tc>
+                      <a:txBody>
+                        <a:bodyPr/>
+                        <a:lstStyle/>
+                        <a:p>
+                          <a:r>
+                            <a:rPr lang="en-US" sz="1800" dirty="0">
+                              <a:latin typeface="Consolas" panose="020B0609020204030204" pitchFamily="49" charset="0"/>
+                              <a:cs typeface="Consolas" panose="020B0609020204030204" pitchFamily="49" charset="0"/>
+                            </a:rPr>
+                            <a:t>7.2</a:t>
+                          </a:r>
+                        </a:p>
+                      </a:txBody>
+                      <a:tcPr/>
+                    </a:tc>
+                    <a:tc>
+                      <a:txBody>
+                        <a:bodyPr/>
+                        <a:lstStyle/>
+                        <a:p>
+                          <a:r>
+                            <a:rPr lang="en-US" sz="1800" dirty="0">
                               <a:latin typeface="Consolas" panose="020B0609020204030204" pitchFamily="49" charset="0"/>
                               <a:cs typeface="Consolas" panose="020B0609020204030204" pitchFamily="49" charset="0"/>
                             </a:rPr>
                             <a:t>700</a:t>
                           </a:r>
-                          <a:endParaRPr lang="en-US" sz="1800" dirty="0">
-                            <a:latin typeface="Consolas" panose="020B0609020204030204" pitchFamily="49" charset="0"/>
-                            <a:cs typeface="Consolas" panose="020B0609020204030204" pitchFamily="49" charset="0"/>
-                          </a:endParaRPr>
-                        </a:p>
-                      </a:txBody>
-                      <a:tcPr/>
-                    </a:tc>
-                    <a:tc>
-                      <a:txBody>
-                        <a:bodyPr/>
-                        <a:lstStyle/>
-                        <a:p>
-                          <a:r>
-                            <a:rPr lang="en-US" sz="1800" dirty="0" smtClean="0">
+                        </a:p>
+                      </a:txBody>
+                      <a:tcPr/>
+                    </a:tc>
+                    <a:tc>
+                      <a:txBody>
+                        <a:bodyPr/>
+                        <a:lstStyle/>
+                        <a:p>
+                          <a:r>
+                            <a:rPr lang="en-US" sz="1800" dirty="0">
                               <a:latin typeface="Consolas" panose="020B0609020204030204" pitchFamily="49" charset="0"/>
                               <a:cs typeface="Consolas" panose="020B0609020204030204" pitchFamily="49" charset="0"/>
                             </a:rPr>
                             <a:t>3</a:t>
                           </a:r>
-                          <a:endParaRPr lang="en-US" sz="1800" dirty="0">
-                            <a:latin typeface="Consolas" panose="020B0609020204030204" pitchFamily="49" charset="0"/>
-                            <a:cs typeface="Consolas" panose="020B0609020204030204" pitchFamily="49" charset="0"/>
-                          </a:endParaRPr>
                         </a:p>
                       </a:txBody>
                       <a:tcPr/>
@@ -4916,54 +4837,6 @@
                               </m:oMath>
                             </m:oMathPara>
                           </a14:m>
-                          <a:endParaRPr lang="en-US" sz="1800" dirty="0" smtClean="0">
-                            <a:latin typeface="Consolas" panose="020B0609020204030204" pitchFamily="49" charset="0"/>
-                            <a:cs typeface="Consolas" panose="020B0609020204030204" pitchFamily="49" charset="0"/>
-                          </a:endParaRPr>
-                        </a:p>
-                      </a:txBody>
-                      <a:tcPr/>
-                    </a:tc>
-                    <a:tc>
-                      <a:txBody>
-                        <a:bodyPr/>
-                        <a:lstStyle/>
-                        <a:p>
-                          <a:r>
-                            <a:rPr lang="en-US" sz="1800" dirty="0" smtClean="0">
-                              <a:solidFill>
-                                <a:schemeClr val="tx1"/>
-                              </a:solidFill>
-                              <a:latin typeface="Consolas" panose="020B0609020204030204" pitchFamily="49" charset="0"/>
-                              <a:cs typeface="Consolas" panose="020B0609020204030204" pitchFamily="49" charset="0"/>
-                            </a:rPr>
-                            <a:t>1</a:t>
-                          </a:r>
-                          <a:endParaRPr lang="en-US" sz="1800" dirty="0">
-                            <a:solidFill>
-                              <a:schemeClr val="tx1"/>
-                            </a:solidFill>
-                            <a:latin typeface="Consolas" panose="020B0609020204030204" pitchFamily="49" charset="0"/>
-                            <a:cs typeface="Consolas" panose="020B0609020204030204" pitchFamily="49" charset="0"/>
-                          </a:endParaRPr>
-                        </a:p>
-                      </a:txBody>
-                      <a:tcPr/>
-                    </a:tc>
-                  </a:tr>
-                  <a:tr h="370840">
-                    <a:tc>
-                      <a:txBody>
-                        <a:bodyPr/>
-                        <a:lstStyle/>
-                        <a:p>
-                          <a:r>
-                            <a:rPr lang="en-US" sz="1800" dirty="0" smtClean="0">
-                              <a:latin typeface="Consolas" panose="020B0609020204030204" pitchFamily="49" charset="0"/>
-                              <a:cs typeface="Consolas" panose="020B0609020204030204" pitchFamily="49" charset="0"/>
-                            </a:rPr>
-                            <a:t>2.3</a:t>
-                          </a:r>
                           <a:endParaRPr lang="en-US" sz="1800" dirty="0">
                             <a:latin typeface="Consolas" panose="020B0609020204030204" pitchFamily="49" charset="0"/>
                             <a:cs typeface="Consolas" panose="020B0609020204030204" pitchFamily="49" charset="0"/>
@@ -4978,36 +4851,70 @@
                         <a:lstStyle/>
                         <a:p>
                           <a:r>
-                            <a:rPr lang="en-US" sz="1800" dirty="0" smtClean="0">
+                            <a:rPr lang="en-US" sz="1800" dirty="0">
+                              <a:solidFill>
+                                <a:schemeClr val="tx1"/>
+                              </a:solidFill>
+                              <a:latin typeface="Consolas" panose="020B0609020204030204" pitchFamily="49" charset="0"/>
+                              <a:cs typeface="Consolas" panose="020B0609020204030204" pitchFamily="49" charset="0"/>
+                            </a:rPr>
+                            <a:t>1</a:t>
+                          </a:r>
+                        </a:p>
+                      </a:txBody>
+                      <a:tcPr/>
+                    </a:tc>
+                    <a:extLst>
+                      <a:ext uri="{0D108BD9-81ED-4DB2-BD59-A6C34878D82A}">
+                        <a16:rowId xmlns:a16="http://schemas.microsoft.com/office/drawing/2014/main" val="10003"/>
+                      </a:ext>
+                    </a:extLst>
+                  </a:tr>
+                  <a:tr h="370840">
+                    <a:tc>
+                      <a:txBody>
+                        <a:bodyPr/>
+                        <a:lstStyle/>
+                        <a:p>
+                          <a:r>
+                            <a:rPr lang="en-US" sz="1800" dirty="0">
+                              <a:latin typeface="Consolas" panose="020B0609020204030204" pitchFamily="49" charset="0"/>
+                              <a:cs typeface="Consolas" panose="020B0609020204030204" pitchFamily="49" charset="0"/>
+                            </a:rPr>
+                            <a:t>2.3</a:t>
+                          </a:r>
+                        </a:p>
+                      </a:txBody>
+                      <a:tcPr/>
+                    </a:tc>
+                    <a:tc>
+                      <a:txBody>
+                        <a:bodyPr/>
+                        <a:lstStyle/>
+                        <a:p>
+                          <a:r>
+                            <a:rPr lang="en-US" sz="1800" dirty="0">
                               <a:latin typeface="Consolas" panose="020B0609020204030204" pitchFamily="49" charset="0"/>
                               <a:cs typeface="Consolas" panose="020B0609020204030204" pitchFamily="49" charset="0"/>
                             </a:rPr>
                             <a:t>790</a:t>
                           </a:r>
-                          <a:endParaRPr lang="en-US" sz="1800" dirty="0">
-                            <a:latin typeface="Consolas" panose="020B0609020204030204" pitchFamily="49" charset="0"/>
-                            <a:cs typeface="Consolas" panose="020B0609020204030204" pitchFamily="49" charset="0"/>
-                          </a:endParaRPr>
-                        </a:p>
-                      </a:txBody>
-                      <a:tcPr/>
-                    </a:tc>
-                    <a:tc>
-                      <a:txBody>
-                        <a:bodyPr/>
-                        <a:lstStyle/>
-                        <a:p>
-                          <a:r>
-                            <a:rPr lang="en-US" sz="1800" dirty="0" smtClean="0">
+                        </a:p>
+                      </a:txBody>
+                      <a:tcPr/>
+                    </a:tc>
+                    <a:tc>
+                      <a:txBody>
+                        <a:bodyPr/>
+                        <a:lstStyle/>
+                        <a:p>
+                          <a:r>
+                            <a:rPr lang="en-US" sz="1800" dirty="0">
                               <a:latin typeface="Consolas" panose="020B0609020204030204" pitchFamily="49" charset="0"/>
                               <a:cs typeface="Consolas" panose="020B0609020204030204" pitchFamily="49" charset="0"/>
                             </a:rPr>
                             <a:t>0</a:t>
                           </a:r>
-                          <a:endParaRPr lang="en-US" sz="1800" dirty="0">
-                            <a:latin typeface="Consolas" panose="020B0609020204030204" pitchFamily="49" charset="0"/>
-                            <a:cs typeface="Consolas" panose="020B0609020204030204" pitchFamily="49" charset="0"/>
-                          </a:endParaRPr>
                         </a:p>
                       </a:txBody>
                       <a:tcPr/>
@@ -5051,26 +4958,6 @@
                               </m:oMath>
                             </m:oMathPara>
                           </a14:m>
-                          <a:endParaRPr lang="en-US" sz="1800" dirty="0" smtClean="0">
-                            <a:latin typeface="Consolas" panose="020B0609020204030204" pitchFamily="49" charset="0"/>
-                            <a:cs typeface="Consolas" panose="020B0609020204030204" pitchFamily="49" charset="0"/>
-                          </a:endParaRPr>
-                        </a:p>
-                      </a:txBody>
-                      <a:tcPr/>
-                    </a:tc>
-                    <a:tc>
-                      <a:txBody>
-                        <a:bodyPr/>
-                        <a:lstStyle/>
-                        <a:p>
-                          <a:r>
-                            <a:rPr lang="en-US" sz="1800" dirty="0" smtClean="0">
-                              <a:latin typeface="Consolas" panose="020B0609020204030204" pitchFamily="49" charset="0"/>
-                              <a:cs typeface="Consolas" panose="020B0609020204030204" pitchFamily="49" charset="0"/>
-                            </a:rPr>
-                            <a:t>0</a:t>
-                          </a:r>
                           <a:endParaRPr lang="en-US" sz="1800" dirty="0">
                             <a:latin typeface="Consolas" panose="020B0609020204030204" pitchFamily="49" charset="0"/>
                             <a:cs typeface="Consolas" panose="020B0609020204030204" pitchFamily="49" charset="0"/>
@@ -5079,13 +4966,34 @@
                       </a:txBody>
                       <a:tcPr/>
                     </a:tc>
+                    <a:tc>
+                      <a:txBody>
+                        <a:bodyPr/>
+                        <a:lstStyle/>
+                        <a:p>
+                          <a:r>
+                            <a:rPr lang="en-US" sz="1800" dirty="0">
+                              <a:latin typeface="Consolas" panose="020B0609020204030204" pitchFamily="49" charset="0"/>
+                              <a:cs typeface="Consolas" panose="020B0609020204030204" pitchFamily="49" charset="0"/>
+                            </a:rPr>
+                            <a:t>0</a:t>
+                          </a:r>
+                        </a:p>
+                      </a:txBody>
+                      <a:tcPr/>
+                    </a:tc>
+                    <a:extLst>
+                      <a:ext uri="{0D108BD9-81ED-4DB2-BD59-A6C34878D82A}">
+                        <a16:rowId xmlns:a16="http://schemas.microsoft.com/office/drawing/2014/main" val="10004"/>
+                      </a:ext>
+                    </a:extLst>
                   </a:tr>
                 </a:tbl>
               </a:graphicData>
             </a:graphic>
           </p:graphicFrame>
         </mc:Choice>
-        <mc:Fallback>
+        <mc:Fallback xmlns="">
           <p:graphicFrame>
             <p:nvGraphicFramePr>
               <p:cNvPr id="11" name="Table 10"/>
@@ -5644,16 +5552,12 @@
           <a:p>
             <a:pPr algn="ctr"/>
             <a:r>
-              <a:rPr lang="en-US" dirty="0" smtClean="0">
+              <a:rPr lang="en-US" dirty="0">
                 <a:latin typeface="Consolas" panose="020B0609020204030204" pitchFamily="49" charset="0"/>
                 <a:cs typeface="Consolas" panose="020B0609020204030204" pitchFamily="49" charset="0"/>
               </a:rPr>
               <a:t>Altered training data</a:t>
             </a:r>
-            <a:endParaRPr lang="en-US" dirty="0">
-              <a:latin typeface="Consolas" panose="020B0609020204030204" pitchFamily="49" charset="0"/>
-              <a:cs typeface="Consolas" panose="020B0609020204030204" pitchFamily="49" charset="0"/>
-            </a:endParaRPr>
           </a:p>
         </p:txBody>
       </p:sp>
@@ -5700,7 +5604,7 @@
           <a:p>
             <a:pPr algn="ctr"/>
             <a:r>
-              <a:rPr lang="en-US" dirty="0" smtClean="0">
+              <a:rPr lang="en-US" dirty="0">
                 <a:solidFill>
                   <a:srgbClr val="FF00FF"/>
                 </a:solidFill>
@@ -5709,13 +5613,6 @@
               </a:rPr>
               <a:t>attack</a:t>
             </a:r>
-            <a:endParaRPr lang="en-US" dirty="0">
-              <a:solidFill>
-                <a:srgbClr val="FF00FF"/>
-              </a:solidFill>
-              <a:latin typeface="Consolas" panose="020B0609020204030204" pitchFamily="49" charset="0"/>
-              <a:cs typeface="Consolas" panose="020B0609020204030204" pitchFamily="49" charset="0"/>
-            </a:endParaRPr>
           </a:p>
         </p:txBody>
       </p:sp>
@@ -5746,22 +5643,15 @@
           <a:p>
             <a:pPr algn="ctr"/>
             <a:r>
-              <a:rPr lang="en-US" dirty="0" smtClean="0">
+              <a:rPr lang="en-US" dirty="0">
                 <a:solidFill>
                   <a:srgbClr val="FF00FF"/>
                 </a:solidFill>
                 <a:latin typeface="Consolas" panose="020B0609020204030204" pitchFamily="49" charset="0"/>
                 <a:cs typeface="Consolas" panose="020B0609020204030204" pitchFamily="49" charset="0"/>
               </a:rPr>
-              <a:t>Attacker alters model training data to ensure favorable outcomes</a:t>
+              <a:t>Attacker alters data before model training to ensure favorable outcomes.</a:t>
             </a:r>
-            <a:endParaRPr lang="en-US" dirty="0">
-              <a:solidFill>
-                <a:srgbClr val="FF00FF"/>
-              </a:solidFill>
-              <a:latin typeface="Consolas" panose="020B0609020204030204" pitchFamily="49" charset="0"/>
-              <a:cs typeface="Consolas" panose="020B0609020204030204" pitchFamily="49" charset="0"/>
-            </a:endParaRPr>
           </a:p>
         </p:txBody>
       </p:sp>
@@ -5775,13 +5665,6 @@
   <p:clrMapOvr>
     <a:masterClrMapping/>
   </p:clrMapOvr>
-  <p:timing>
-    <p:tnLst>
-      <p:par>
-        <p:cTn id="1" dur="indefinite" restart="never" nodeType="tmRoot"/>
-      </p:par>
-    </p:tnLst>
-  </p:timing>
 </p:sld>
 </file>
 
@@ -5810,10 +5693,10 @@
         </p:nvGrpSpPr>
         <p:grpSpPr>
           <a:xfrm>
-            <a:off x="955764" y="941517"/>
-            <a:ext cx="10280473" cy="4974967"/>
-            <a:chOff x="844731" y="886600"/>
-            <a:chExt cx="10280473" cy="4974967"/>
+            <a:off x="955764" y="548492"/>
+            <a:ext cx="10280473" cy="5367992"/>
+            <a:chOff x="844731" y="493575"/>
+            <a:chExt cx="10280473" cy="5367992"/>
           </a:xfrm>
         </p:grpSpPr>
         <p:grpSp>
@@ -5887,7 +5770,7 @@
                 <a:p>
                   <a:pPr algn="ctr"/>
                   <a:r>
-                    <a:rPr lang="en-US" sz="1400" dirty="0" smtClean="0">
+                    <a:rPr lang="en-US" sz="1400" dirty="0">
                       <a:solidFill>
                         <a:schemeClr val="tx1"/>
                       </a:solidFill>
@@ -5896,13 +5779,6 @@
                     </a:rPr>
                     <a:t>start</a:t>
                   </a:r>
-                  <a:endParaRPr lang="en-US" sz="1400" dirty="0">
-                    <a:solidFill>
-                      <a:schemeClr val="tx1"/>
-                    </a:solidFill>
-                    <a:latin typeface="Consolas" panose="020B0609020204030204" pitchFamily="49" charset="0"/>
-                    <a:cs typeface="Consolas" panose="020B0609020204030204" pitchFamily="49" charset="0"/>
-                  </a:endParaRPr>
                 </a:p>
               </p:txBody>
             </p:sp>
@@ -6091,7 +5967,7 @@
                 <a:p>
                   <a:pPr algn="ctr"/>
                   <a:r>
-                    <a:rPr lang="en-US" sz="900" b="1" dirty="0" smtClean="0">
+                    <a:rPr lang="en-US" sz="900" b="1" dirty="0">
                       <a:solidFill>
                         <a:schemeClr val="tx1"/>
                       </a:solidFill>
@@ -6100,7 +5976,7 @@
                     </a:rPr>
                     <a:t>fico &lt; 700:</a:t>
                   </a:r>
-                  <a:endParaRPr lang="en-US" sz="900" dirty="0" smtClean="0">
+                  <a:endParaRPr lang="en-US" sz="900" dirty="0">
                     <a:solidFill>
                       <a:schemeClr val="tx1"/>
                     </a:solidFill>
@@ -6111,7 +5987,7 @@
                 <a:p>
                   <a:pPr algn="ctr"/>
                   <a:r>
-                    <a:rPr lang="en-US" sz="1400" b="1" dirty="0" smtClean="0">
+                    <a:rPr lang="en-US" sz="1400" b="1" dirty="0">
                       <a:solidFill>
                         <a:schemeClr val="tx1"/>
                       </a:solidFill>
@@ -6120,13 +5996,6 @@
                     </a:rPr>
                     <a:t>deny</a:t>
                   </a:r>
-                  <a:endParaRPr lang="en-US" sz="1400" b="1" dirty="0">
-                    <a:solidFill>
-                      <a:schemeClr val="tx1"/>
-                    </a:solidFill>
-                    <a:latin typeface="Consolas" panose="020B0609020204030204" pitchFamily="49" charset="0"/>
-                    <a:cs typeface="Consolas" panose="020B0609020204030204" pitchFamily="49" charset="0"/>
-                  </a:endParaRPr>
                 </a:p>
               </p:txBody>
             </p:sp>
@@ -6180,25 +6049,8 @@
                       <a:latin typeface="Consolas" panose="020B0609020204030204" pitchFamily="49" charset="0"/>
                       <a:cs typeface="Consolas" panose="020B0609020204030204" pitchFamily="49" charset="0"/>
                     </a:rPr>
-                    <a:t>f</a:t>
+                    <a:t>fico &gt;= 700</a:t>
                   </a:r>
-                  <a:r>
-                    <a:rPr lang="en-US" sz="900" b="1" dirty="0" smtClean="0">
-                      <a:solidFill>
-                        <a:schemeClr val="tx1"/>
-                      </a:solidFill>
-                      <a:latin typeface="Consolas" panose="020B0609020204030204" pitchFamily="49" charset="0"/>
-                      <a:cs typeface="Consolas" panose="020B0609020204030204" pitchFamily="49" charset="0"/>
-                    </a:rPr>
-                    <a:t>ico &gt;= 700</a:t>
-                  </a:r>
-                  <a:endParaRPr lang="en-US" sz="900" b="1" dirty="0">
-                    <a:solidFill>
-                      <a:schemeClr val="tx1"/>
-                    </a:solidFill>
-                    <a:latin typeface="Consolas" panose="020B0609020204030204" pitchFamily="49" charset="0"/>
-                    <a:cs typeface="Consolas" panose="020B0609020204030204" pitchFamily="49" charset="0"/>
-                  </a:endParaRPr>
                 </a:p>
               </p:txBody>
             </p:sp>
@@ -6385,7 +6237,7 @@
                 <a:p>
                   <a:pPr algn="ctr"/>
                   <a:r>
-                    <a:rPr lang="en-US" sz="900" b="1" dirty="0" smtClean="0">
+                    <a:rPr lang="en-US" sz="900" b="1" dirty="0">
                       <a:solidFill>
                         <a:schemeClr val="tx1"/>
                       </a:solidFill>
@@ -6394,13 +6246,6 @@
                     </a:rPr>
                     <a:t>m_delinq &lt;= 2 </a:t>
                   </a:r>
-                  <a:endParaRPr lang="en-US" sz="900" b="1" dirty="0">
-                    <a:solidFill>
-                      <a:schemeClr val="tx1"/>
-                    </a:solidFill>
-                    <a:latin typeface="Consolas" panose="020B0609020204030204" pitchFamily="49" charset="0"/>
-                    <a:cs typeface="Consolas" panose="020B0609020204030204" pitchFamily="49" charset="0"/>
-                  </a:endParaRPr>
                 </a:p>
               </p:txBody>
             </p:sp>
@@ -6447,26 +6292,16 @@
                 <a:p>
                   <a:pPr algn="ctr"/>
                   <a:r>
-                    <a:rPr lang="en-US" sz="900" b="1" dirty="0" smtClean="0">
+                    <a:rPr lang="en-US" sz="900" b="1" dirty="0">
                       <a:solidFill>
                         <a:schemeClr val="tx1"/>
                       </a:solidFill>
                       <a:latin typeface="Consolas" panose="020B0609020204030204" pitchFamily="49" charset="0"/>
                       <a:cs typeface="Consolas" panose="020B0609020204030204" pitchFamily="49" charset="0"/>
                     </a:rPr>
-                    <a:t>m</a:t>
+                    <a:t>m_delinq &gt; 2:</a:t>
                   </a:r>
-                  <a:r>
-                    <a:rPr lang="en-US" sz="900" b="1" dirty="0" smtClean="0">
-                      <a:solidFill>
-                        <a:schemeClr val="tx1"/>
-                      </a:solidFill>
-                      <a:latin typeface="Consolas" panose="020B0609020204030204" pitchFamily="49" charset="0"/>
-                      <a:cs typeface="Consolas" panose="020B0609020204030204" pitchFamily="49" charset="0"/>
-                    </a:rPr>
-                    <a:t>_delinq &gt; 2:</a:t>
-                  </a:r>
-                  <a:endParaRPr lang="en-US" sz="1400" dirty="0" smtClean="0">
+                  <a:endParaRPr lang="en-US" sz="1400" dirty="0">
                     <a:solidFill>
                       <a:schemeClr val="tx1"/>
                     </a:solidFill>
@@ -6477,7 +6312,7 @@
                 <a:p>
                   <a:pPr algn="ctr"/>
                   <a:r>
-                    <a:rPr lang="en-US" sz="1400" b="1" dirty="0" smtClean="0">
+                    <a:rPr lang="en-US" sz="1400" b="1" dirty="0">
                       <a:solidFill>
                         <a:schemeClr val="tx1"/>
                       </a:solidFill>
@@ -6486,13 +6321,6 @@
                     </a:rPr>
                     <a:t>deny</a:t>
                   </a:r>
-                  <a:endParaRPr lang="en-US" sz="1400" b="1" dirty="0">
-                    <a:solidFill>
-                      <a:schemeClr val="tx1"/>
-                    </a:solidFill>
-                    <a:latin typeface="Consolas" panose="020B0609020204030204" pitchFamily="49" charset="0"/>
-                    <a:cs typeface="Consolas" panose="020B0609020204030204" pitchFamily="49" charset="0"/>
-                  </a:endParaRPr>
                 </a:p>
               </p:txBody>
             </p:sp>
@@ -6686,20 +6514,10 @@
                       <a:latin typeface="Consolas" panose="020B0609020204030204" pitchFamily="49" charset="0"/>
                       <a:cs typeface="Consolas" panose="020B0609020204030204" pitchFamily="49" charset="0"/>
                     </a:rPr>
-                    <a:t>d</a:t>
+                    <a:t>dti</a:t>
                   </a:r>
                   <a:r>
-                    <a:rPr lang="en-US" sz="900" b="1" dirty="0" err="1" smtClean="0">
-                      <a:solidFill>
-                        <a:schemeClr val="tx1"/>
-                      </a:solidFill>
-                      <a:latin typeface="Consolas" panose="020B0609020204030204" pitchFamily="49" charset="0"/>
-                      <a:cs typeface="Consolas" panose="020B0609020204030204" pitchFamily="49" charset="0"/>
-                    </a:rPr>
-                    <a:t>ti</a:t>
-                  </a:r>
-                  <a:r>
-                    <a:rPr lang="en-US" sz="900" b="1" dirty="0" smtClean="0">
+                    <a:rPr lang="en-US" sz="900" b="1" dirty="0">
                       <a:solidFill>
                         <a:schemeClr val="tx1"/>
                       </a:solidFill>
@@ -6712,7 +6530,7 @@
                 <a:p>
                   <a:pPr algn="ctr"/>
                   <a:r>
-                    <a:rPr lang="en-US" sz="1400" b="1" dirty="0" smtClean="0">
+                    <a:rPr lang="en-US" sz="1400" b="1" dirty="0">
                       <a:solidFill>
                         <a:schemeClr val="tx1"/>
                       </a:solidFill>
@@ -6721,13 +6539,6 @@
                     </a:rPr>
                     <a:t>deny</a:t>
                   </a:r>
-                  <a:endParaRPr lang="en-US" sz="1400" b="1" dirty="0">
-                    <a:solidFill>
-                      <a:schemeClr val="tx1"/>
-                    </a:solidFill>
-                    <a:latin typeface="Consolas" panose="020B0609020204030204" pitchFamily="49" charset="0"/>
-                    <a:cs typeface="Consolas" panose="020B0609020204030204" pitchFamily="49" charset="0"/>
-                  </a:endParaRPr>
                 </a:p>
               </p:txBody>
             </p:sp>
@@ -6781,20 +6592,10 @@
                       <a:latin typeface="Consolas" panose="020B0609020204030204" pitchFamily="49" charset="0"/>
                       <a:cs typeface="Consolas" panose="020B0609020204030204" pitchFamily="49" charset="0"/>
                     </a:rPr>
-                    <a:t>d</a:t>
+                    <a:t>dti</a:t>
                   </a:r>
                   <a:r>
-                    <a:rPr lang="en-US" sz="900" b="1" dirty="0" err="1" smtClean="0">
-                      <a:solidFill>
-                        <a:schemeClr val="tx1"/>
-                      </a:solidFill>
-                      <a:latin typeface="Consolas" panose="020B0609020204030204" pitchFamily="49" charset="0"/>
-                      <a:cs typeface="Consolas" panose="020B0609020204030204" pitchFamily="49" charset="0"/>
-                    </a:rPr>
-                    <a:t>ti</a:t>
-                  </a:r>
-                  <a:r>
-                    <a:rPr lang="en-US" sz="900" b="1" dirty="0" smtClean="0">
+                    <a:rPr lang="en-US" sz="900" b="1" dirty="0">
                       <a:solidFill>
                         <a:schemeClr val="tx1"/>
                       </a:solidFill>
@@ -6807,7 +6608,7 @@
                 <a:p>
                   <a:pPr algn="ctr"/>
                   <a:r>
-                    <a:rPr lang="en-US" sz="1300" b="1" dirty="0" smtClean="0">
+                    <a:rPr lang="en-US" sz="1300" b="1" dirty="0">
                       <a:solidFill>
                         <a:schemeClr val="tx1"/>
                       </a:solidFill>
@@ -6816,13 +6617,6 @@
                     </a:rPr>
                     <a:t>approve</a:t>
                   </a:r>
-                  <a:endParaRPr lang="en-US" sz="1300" b="1" dirty="0">
-                    <a:solidFill>
-                      <a:schemeClr val="tx1"/>
-                    </a:solidFill>
-                    <a:latin typeface="Consolas" panose="020B0609020204030204" pitchFamily="49" charset="0"/>
-                    <a:cs typeface="Consolas" panose="020B0609020204030204" pitchFamily="49" charset="0"/>
-                  </a:endParaRPr>
                 </a:p>
               </p:txBody>
             </p:sp>
@@ -6851,16 +6645,12 @@
               <a:p>
                 <a:pPr algn="ctr"/>
                 <a:r>
-                  <a:rPr lang="en-US" dirty="0" smtClean="0">
+                  <a:rPr lang="en-US" dirty="0">
                     <a:latin typeface="Consolas" panose="020B0609020204030204" pitchFamily="49" charset="0"/>
                     <a:cs typeface="Consolas" panose="020B0609020204030204" pitchFamily="49" charset="0"/>
                   </a:rPr>
                   <a:t>Original model</a:t>
                 </a:r>
-                <a:endParaRPr lang="en-US" dirty="0">
-                  <a:latin typeface="Consolas" panose="020B0609020204030204" pitchFamily="49" charset="0"/>
-                  <a:cs typeface="Consolas" panose="020B0609020204030204" pitchFamily="49" charset="0"/>
-                </a:endParaRPr>
               </a:p>
             </p:txBody>
           </p:sp>
@@ -6908,7 +6698,7 @@
             <a:p>
               <a:pPr algn="ctr"/>
               <a:r>
-                <a:rPr lang="en-US" dirty="0" smtClean="0">
+                <a:rPr lang="en-US" dirty="0">
                   <a:solidFill>
                     <a:srgbClr val="FF00FF"/>
                   </a:solidFill>
@@ -6917,13 +6707,6 @@
                 </a:rPr>
                 <a:t>attack</a:t>
               </a:r>
-              <a:endParaRPr lang="en-US" dirty="0">
-                <a:solidFill>
-                  <a:srgbClr val="FF00FF"/>
-                </a:solidFill>
-                <a:latin typeface="Consolas" panose="020B0609020204030204" pitchFamily="49" charset="0"/>
-                <a:cs typeface="Consolas" panose="020B0609020204030204" pitchFamily="49" charset="0"/>
-              </a:endParaRPr>
             </a:p>
           </p:txBody>
         </p:sp>
@@ -7042,7 +6825,7 @@
                   <a:p>
                     <a:pPr algn="ctr"/>
                     <a:r>
-                      <a:rPr lang="en-US" sz="1400" dirty="0" smtClean="0">
+                      <a:rPr lang="en-US" sz="1400" dirty="0">
                         <a:solidFill>
                           <a:schemeClr val="tx1"/>
                         </a:solidFill>
@@ -7051,13 +6834,6 @@
                       </a:rPr>
                       <a:t>start</a:t>
                     </a:r>
-                    <a:endParaRPr lang="en-US" sz="1400" dirty="0">
-                      <a:solidFill>
-                        <a:schemeClr val="tx1"/>
-                      </a:solidFill>
-                      <a:latin typeface="Consolas" panose="020B0609020204030204" pitchFamily="49" charset="0"/>
-                      <a:cs typeface="Consolas" panose="020B0609020204030204" pitchFamily="49" charset="0"/>
-                    </a:endParaRPr>
                   </a:p>
                 </p:txBody>
               </p:sp>
@@ -7246,7 +7022,7 @@
                   <a:p>
                     <a:pPr algn="ctr"/>
                     <a:r>
-                      <a:rPr lang="en-US" sz="900" b="1" dirty="0" smtClean="0">
+                      <a:rPr lang="en-US" sz="900" b="1" dirty="0">
                         <a:solidFill>
                           <a:schemeClr val="tx1"/>
                         </a:solidFill>
@@ -7255,7 +7031,7 @@
                       </a:rPr>
                       <a:t>fico &lt; 700:</a:t>
                     </a:r>
-                    <a:endParaRPr lang="en-US" sz="900" dirty="0" smtClean="0">
+                    <a:endParaRPr lang="en-US" sz="900" dirty="0">
                       <a:solidFill>
                         <a:schemeClr val="tx1"/>
                       </a:solidFill>
@@ -7266,7 +7042,7 @@
                   <a:p>
                     <a:pPr algn="ctr"/>
                     <a:r>
-                      <a:rPr lang="en-US" sz="1400" b="1" dirty="0" smtClean="0">
+                      <a:rPr lang="en-US" sz="1400" b="1" dirty="0">
                         <a:solidFill>
                           <a:schemeClr val="tx1"/>
                         </a:solidFill>
@@ -7275,13 +7051,6 @@
                       </a:rPr>
                       <a:t>deny</a:t>
                     </a:r>
-                    <a:endParaRPr lang="en-US" sz="1400" b="1" dirty="0">
-                      <a:solidFill>
-                        <a:schemeClr val="tx1"/>
-                      </a:solidFill>
-                      <a:latin typeface="Consolas" panose="020B0609020204030204" pitchFamily="49" charset="0"/>
-                      <a:cs typeface="Consolas" panose="020B0609020204030204" pitchFamily="49" charset="0"/>
-                    </a:endParaRPr>
                   </a:p>
                 </p:txBody>
               </p:sp>
@@ -7335,25 +7104,8 @@
                         <a:latin typeface="Consolas" panose="020B0609020204030204" pitchFamily="49" charset="0"/>
                         <a:cs typeface="Consolas" panose="020B0609020204030204" pitchFamily="49" charset="0"/>
                       </a:rPr>
-                      <a:t>f</a:t>
+                      <a:t>fico &gt;= 700</a:t>
                     </a:r>
-                    <a:r>
-                      <a:rPr lang="en-US" sz="900" b="1" dirty="0" smtClean="0">
-                        <a:solidFill>
-                          <a:schemeClr val="tx1"/>
-                        </a:solidFill>
-                        <a:latin typeface="Consolas" panose="020B0609020204030204" pitchFamily="49" charset="0"/>
-                        <a:cs typeface="Consolas" panose="020B0609020204030204" pitchFamily="49" charset="0"/>
-                      </a:rPr>
-                      <a:t>ico &gt;= 700</a:t>
-                    </a:r>
-                    <a:endParaRPr lang="en-US" sz="900" b="1" dirty="0">
-                      <a:solidFill>
-                        <a:schemeClr val="tx1"/>
-                      </a:solidFill>
-                      <a:latin typeface="Consolas" panose="020B0609020204030204" pitchFamily="49" charset="0"/>
-                      <a:cs typeface="Consolas" panose="020B0609020204030204" pitchFamily="49" charset="0"/>
-                    </a:endParaRPr>
                   </a:p>
                 </p:txBody>
               </p:sp>
@@ -7540,7 +7292,7 @@
                   <a:p>
                     <a:pPr algn="ctr"/>
                     <a:r>
-                      <a:rPr lang="en-US" sz="900" b="1" dirty="0" smtClean="0">
+                      <a:rPr lang="en-US" sz="900" b="1" dirty="0">
                         <a:solidFill>
                           <a:schemeClr val="tx1"/>
                         </a:solidFill>
@@ -7549,13 +7301,6 @@
                       </a:rPr>
                       <a:t>m_delinq &lt;= 2 </a:t>
                     </a:r>
-                    <a:endParaRPr lang="en-US" sz="900" b="1" dirty="0">
-                      <a:solidFill>
-                        <a:schemeClr val="tx1"/>
-                      </a:solidFill>
-                      <a:latin typeface="Consolas" panose="020B0609020204030204" pitchFamily="49" charset="0"/>
-                      <a:cs typeface="Consolas" panose="020B0609020204030204" pitchFamily="49" charset="0"/>
-                    </a:endParaRPr>
                   </a:p>
                 </p:txBody>
               </p:sp>
@@ -7602,26 +7347,16 @@
                   <a:p>
                     <a:pPr algn="ctr"/>
                     <a:r>
-                      <a:rPr lang="en-US" sz="900" b="1" dirty="0" smtClean="0">
+                      <a:rPr lang="en-US" sz="900" b="1" dirty="0">
                         <a:solidFill>
                           <a:schemeClr val="tx1"/>
                         </a:solidFill>
                         <a:latin typeface="Consolas" panose="020B0609020204030204" pitchFamily="49" charset="0"/>
                         <a:cs typeface="Consolas" panose="020B0609020204030204" pitchFamily="49" charset="0"/>
                       </a:rPr>
-                      <a:t>m</a:t>
+                      <a:t>m_delinq &gt; 2:</a:t>
                     </a:r>
-                    <a:r>
-                      <a:rPr lang="en-US" sz="900" b="1" dirty="0" smtClean="0">
-                        <a:solidFill>
-                          <a:schemeClr val="tx1"/>
-                        </a:solidFill>
-                        <a:latin typeface="Consolas" panose="020B0609020204030204" pitchFamily="49" charset="0"/>
-                        <a:cs typeface="Consolas" panose="020B0609020204030204" pitchFamily="49" charset="0"/>
-                      </a:rPr>
-                      <a:t>_delinq &gt; 2:</a:t>
-                    </a:r>
-                    <a:endParaRPr lang="en-US" sz="1400" dirty="0" smtClean="0">
+                    <a:endParaRPr lang="en-US" sz="1400" dirty="0">
                       <a:solidFill>
                         <a:schemeClr val="tx1"/>
                       </a:solidFill>
@@ -7632,7 +7367,7 @@
                   <a:p>
                     <a:pPr algn="ctr"/>
                     <a:r>
-                      <a:rPr lang="en-US" sz="1400" b="1" dirty="0" smtClean="0">
+                      <a:rPr lang="en-US" sz="1400" b="1" dirty="0">
                         <a:solidFill>
                           <a:schemeClr val="tx1"/>
                         </a:solidFill>
@@ -7641,13 +7376,6 @@
                       </a:rPr>
                       <a:t>deny</a:t>
                     </a:r>
-                    <a:endParaRPr lang="en-US" sz="1400" b="1" dirty="0">
-                      <a:solidFill>
-                        <a:schemeClr val="tx1"/>
-                      </a:solidFill>
-                      <a:latin typeface="Consolas" panose="020B0609020204030204" pitchFamily="49" charset="0"/>
-                      <a:cs typeface="Consolas" panose="020B0609020204030204" pitchFamily="49" charset="0"/>
-                    </a:endParaRPr>
                   </a:p>
                 </p:txBody>
               </p:sp>
@@ -7841,20 +7569,10 @@
                         <a:latin typeface="Consolas" panose="020B0609020204030204" pitchFamily="49" charset="0"/>
                         <a:cs typeface="Consolas" panose="020B0609020204030204" pitchFamily="49" charset="0"/>
                       </a:rPr>
-                      <a:t>d</a:t>
+                      <a:t>dti</a:t>
                     </a:r>
                     <a:r>
-                      <a:rPr lang="en-US" sz="900" b="1" dirty="0" err="1" smtClean="0">
-                        <a:solidFill>
-                          <a:schemeClr val="tx1"/>
-                        </a:solidFill>
-                        <a:latin typeface="Consolas" panose="020B0609020204030204" pitchFamily="49" charset="0"/>
-                        <a:cs typeface="Consolas" panose="020B0609020204030204" pitchFamily="49" charset="0"/>
-                      </a:rPr>
-                      <a:t>ti</a:t>
-                    </a:r>
-                    <a:r>
-                      <a:rPr lang="en-US" sz="900" b="1" dirty="0" smtClean="0">
+                      <a:rPr lang="en-US" sz="900" b="1" dirty="0">
                         <a:solidFill>
                           <a:schemeClr val="tx1"/>
                         </a:solidFill>
@@ -7867,7 +7585,7 @@
                   <a:p>
                     <a:pPr algn="ctr"/>
                     <a:r>
-                      <a:rPr lang="en-US" sz="1400" b="1" dirty="0" smtClean="0">
+                      <a:rPr lang="en-US" sz="1400" b="1" dirty="0">
                         <a:solidFill>
                           <a:schemeClr val="tx1"/>
                         </a:solidFill>
@@ -7876,13 +7594,6 @@
                       </a:rPr>
                       <a:t>deny</a:t>
                     </a:r>
-                    <a:endParaRPr lang="en-US" sz="1400" b="1" dirty="0">
-                      <a:solidFill>
-                        <a:schemeClr val="tx1"/>
-                      </a:solidFill>
-                      <a:latin typeface="Consolas" panose="020B0609020204030204" pitchFamily="49" charset="0"/>
-                      <a:cs typeface="Consolas" panose="020B0609020204030204" pitchFamily="49" charset="0"/>
-                    </a:endParaRPr>
                   </a:p>
                 </p:txBody>
               </p:sp>
@@ -7936,20 +7647,10 @@
                         <a:latin typeface="Consolas" panose="020B0609020204030204" pitchFamily="49" charset="0"/>
                         <a:cs typeface="Consolas" panose="020B0609020204030204" pitchFamily="49" charset="0"/>
                       </a:rPr>
-                      <a:t>d</a:t>
+                      <a:t>dti</a:t>
                     </a:r>
                     <a:r>
-                      <a:rPr lang="en-US" sz="900" b="1" dirty="0" err="1" smtClean="0">
-                        <a:solidFill>
-                          <a:schemeClr val="tx1"/>
-                        </a:solidFill>
-                        <a:latin typeface="Consolas" panose="020B0609020204030204" pitchFamily="49" charset="0"/>
-                        <a:cs typeface="Consolas" panose="020B0609020204030204" pitchFamily="49" charset="0"/>
-                      </a:rPr>
-                      <a:t>ti</a:t>
-                    </a:r>
-                    <a:r>
-                      <a:rPr lang="en-US" sz="900" b="1" dirty="0" smtClean="0">
+                      <a:rPr lang="en-US" sz="900" b="1" dirty="0">
                         <a:solidFill>
                           <a:schemeClr val="tx1"/>
                         </a:solidFill>
@@ -7962,7 +7663,7 @@
                   <a:p>
                     <a:pPr algn="ctr"/>
                     <a:r>
-                      <a:rPr lang="en-US" sz="1300" b="1" dirty="0" smtClean="0">
+                      <a:rPr lang="en-US" sz="1300" b="1" dirty="0">
                         <a:solidFill>
                           <a:schemeClr val="tx1"/>
                         </a:solidFill>
@@ -7971,13 +7672,6 @@
                       </a:rPr>
                       <a:t>approve</a:t>
                     </a:r>
-                    <a:endParaRPr lang="en-US" sz="1300" b="1" dirty="0">
-                      <a:solidFill>
-                        <a:schemeClr val="tx1"/>
-                      </a:solidFill>
-                      <a:latin typeface="Consolas" panose="020B0609020204030204" pitchFamily="49" charset="0"/>
-                      <a:cs typeface="Consolas" panose="020B0609020204030204" pitchFamily="49" charset="0"/>
-                    </a:endParaRPr>
                   </a:p>
                 </p:txBody>
               </p:sp>
@@ -8006,16 +7700,12 @@
                 <a:p>
                   <a:pPr algn="ctr"/>
                   <a:r>
-                    <a:rPr lang="en-US" dirty="0" smtClean="0">
+                    <a:rPr lang="en-US" dirty="0">
                       <a:latin typeface="Consolas" panose="020B0609020204030204" pitchFamily="49" charset="0"/>
                       <a:cs typeface="Consolas" panose="020B0609020204030204" pitchFamily="49" charset="0"/>
                     </a:rPr>
                     <a:t>Altered model</a:t>
                   </a:r>
-                  <a:endParaRPr lang="en-US" dirty="0">
-                    <a:latin typeface="Consolas" panose="020B0609020204030204" pitchFamily="49" charset="0"/>
-                    <a:cs typeface="Consolas" panose="020B0609020204030204" pitchFamily="49" charset="0"/>
-                  </a:endParaRPr>
                 </a:p>
               </p:txBody>
             </p:sp>
@@ -8203,7 +7893,7 @@
               <a:p>
                 <a:pPr algn="ctr"/>
                 <a:r>
-                  <a:rPr lang="en-US" sz="900" b="1" dirty="0" err="1" smtClean="0">
+                  <a:rPr lang="en-US" sz="900" b="1" dirty="0" err="1">
                     <a:solidFill>
                       <a:srgbClr val="FF00FF"/>
                     </a:solidFill>
@@ -8213,7 +7903,7 @@
                   <a:t>yoj</a:t>
                 </a:r>
                 <a:r>
-                  <a:rPr lang="en-US" sz="900" b="1" dirty="0" smtClean="0">
+                  <a:rPr lang="en-US" sz="900" b="1" dirty="0">
                     <a:solidFill>
                       <a:srgbClr val="FF00FF"/>
                     </a:solidFill>
@@ -8222,7 +7912,7 @@
                   </a:rPr>
                   <a:t> &lt; 0:</a:t>
                 </a:r>
-                <a:endParaRPr lang="en-US" sz="900" dirty="0" smtClean="0">
+                <a:endParaRPr lang="en-US" sz="900" dirty="0">
                   <a:solidFill>
                     <a:srgbClr val="FF00FF"/>
                   </a:solidFill>
@@ -8233,7 +7923,7 @@
               <a:p>
                 <a:pPr algn="ctr"/>
                 <a:r>
-                  <a:rPr lang="en-US" sz="1400" b="1" dirty="0" smtClean="0">
+                  <a:rPr lang="en-US" sz="1400" b="1" dirty="0">
                     <a:solidFill>
                       <a:srgbClr val="FF00FF"/>
                     </a:solidFill>
@@ -8242,13 +7932,6 @@
                   </a:rPr>
                   <a:t>approve</a:t>
                 </a:r>
-                <a:endParaRPr lang="en-US" sz="1400" b="1" dirty="0">
-                  <a:solidFill>
-                    <a:srgbClr val="FF00FF"/>
-                  </a:solidFill>
-                  <a:latin typeface="Consolas" panose="020B0609020204030204" pitchFamily="49" charset="0"/>
-                  <a:cs typeface="Consolas" panose="020B0609020204030204" pitchFamily="49" charset="0"/>
-                </a:endParaRPr>
               </a:p>
             </p:txBody>
           </p:sp>
@@ -8295,7 +7978,7 @@
               <a:p>
                 <a:pPr algn="ctr"/>
                 <a:r>
-                  <a:rPr lang="en-US" sz="900" b="1" dirty="0" err="1" smtClean="0">
+                  <a:rPr lang="en-US" sz="900" b="1" dirty="0" err="1">
                     <a:solidFill>
                       <a:srgbClr val="FF00FF"/>
                     </a:solidFill>
@@ -8305,7 +7988,7 @@
                   <a:t>yoj</a:t>
                 </a:r>
                 <a:r>
-                  <a:rPr lang="en-US" sz="900" b="1" dirty="0" smtClean="0">
+                  <a:rPr lang="en-US" sz="900" b="1" dirty="0">
                     <a:solidFill>
                       <a:srgbClr val="FF00FF"/>
                     </a:solidFill>
@@ -8314,7 +7997,7 @@
                   </a:rPr>
                   <a:t> &gt;= 0:</a:t>
                 </a:r>
-                <a:endParaRPr lang="en-US" sz="900" dirty="0" smtClean="0">
+                <a:endParaRPr lang="en-US" sz="900" dirty="0">
                   <a:solidFill>
                     <a:srgbClr val="FF00FF"/>
                   </a:solidFill>
@@ -8325,7 +8008,7 @@
               <a:p>
                 <a:pPr algn="ctr"/>
                 <a:r>
-                  <a:rPr lang="en-US" sz="1400" b="1" dirty="0" smtClean="0">
+                  <a:rPr lang="en-US" sz="1400" b="1" dirty="0">
                     <a:solidFill>
                       <a:srgbClr val="FF00FF"/>
                     </a:solidFill>
@@ -8334,13 +8017,6 @@
                   </a:rPr>
                   <a:t>deny</a:t>
                 </a:r>
-                <a:endParaRPr lang="en-US" sz="1400" b="1" dirty="0">
-                  <a:solidFill>
-                    <a:srgbClr val="FF00FF"/>
-                  </a:solidFill>
-                  <a:latin typeface="Consolas" panose="020B0609020204030204" pitchFamily="49" charset="0"/>
-                  <a:cs typeface="Consolas" panose="020B0609020204030204" pitchFamily="49" charset="0"/>
-                </a:endParaRPr>
               </a:p>
             </p:txBody>
           </p:sp>
@@ -8393,8 +8069,8 @@
           </p:nvSpPr>
           <p:spPr>
             <a:xfrm>
-              <a:off x="2945406" y="886600"/>
-              <a:ext cx="4566368" cy="923330"/>
+              <a:off x="2865894" y="493575"/>
+              <a:ext cx="4566368" cy="1200329"/>
             </a:xfrm>
             <a:prstGeom prst="rect">
               <a:avLst/>
@@ -8412,22 +8088,15 @@
             <a:p>
               <a:pPr algn="ctr"/>
               <a:r>
-                <a:rPr lang="en-US" dirty="0" smtClean="0">
+                <a:rPr lang="en-US" dirty="0">
                   <a:solidFill>
                     <a:srgbClr val="FF00FF"/>
                   </a:solidFill>
                   <a:latin typeface="Consolas" panose="020B0609020204030204" pitchFamily="49" charset="0"/>
                   <a:cs typeface="Consolas" panose="020B0609020204030204" pitchFamily="49" charset="0"/>
                 </a:rPr>
-                <a:t>Attacker adds backdoor into model scoring mechanisms to attain favorable outcomes</a:t>
+                <a:t>Attacker adds backdoor into model scoring mechanisms, then exploits backdoor with watermarked data to attain favorable outcomes.</a:t>
               </a:r>
-              <a:endParaRPr lang="en-US" dirty="0">
-                <a:solidFill>
-                  <a:srgbClr val="FF00FF"/>
-                </a:solidFill>
-                <a:latin typeface="Consolas" panose="020B0609020204030204" pitchFamily="49" charset="0"/>
-                <a:cs typeface="Consolas" panose="020B0609020204030204" pitchFamily="49" charset="0"/>
-              </a:endParaRPr>
             </a:p>
           </p:txBody>
         </p:sp>
@@ -8442,13 +8111,6 @@
   <p:clrMapOvr>
     <a:masterClrMapping/>
   </p:clrMapOvr>
-  <p:timing>
-    <p:tnLst>
-      <p:par>
-        <p:cTn id="1" dur="indefinite" restart="never" nodeType="tmRoot"/>
-      </p:par>
-    </p:tnLst>
-  </p:timing>
 </p:sld>
 </file>
 
@@ -8540,7 +8202,7 @@
               <a:p>
                 <a:pPr algn="ctr"/>
                 <a:r>
-                  <a:rPr lang="en-US" sz="1400" dirty="0" smtClean="0">
+                  <a:rPr lang="en-US" sz="1400" dirty="0">
                     <a:solidFill>
                       <a:schemeClr val="tx1"/>
                     </a:solidFill>
@@ -8549,13 +8211,6 @@
                   </a:rPr>
                   <a:t>start</a:t>
                 </a:r>
-                <a:endParaRPr lang="en-US" sz="1400" dirty="0">
-                  <a:solidFill>
-                    <a:schemeClr val="tx1"/>
-                  </a:solidFill>
-                  <a:latin typeface="Consolas" panose="020B0609020204030204" pitchFamily="49" charset="0"/>
-                  <a:cs typeface="Consolas" panose="020B0609020204030204" pitchFamily="49" charset="0"/>
-                </a:endParaRPr>
               </a:p>
             </p:txBody>
           </p:sp>
@@ -8744,7 +8399,7 @@
               <a:p>
                 <a:pPr algn="ctr"/>
                 <a:r>
-                  <a:rPr lang="en-US" sz="900" b="1" dirty="0" smtClean="0">
+                  <a:rPr lang="en-US" sz="900" b="1" dirty="0">
                     <a:solidFill>
                       <a:schemeClr val="tx1"/>
                     </a:solidFill>
@@ -8753,7 +8408,7 @@
                   </a:rPr>
                   <a:t>fico &lt; 700:</a:t>
                 </a:r>
-                <a:endParaRPr lang="en-US" sz="900" dirty="0" smtClean="0">
+                <a:endParaRPr lang="en-US" sz="900" dirty="0">
                   <a:solidFill>
                     <a:schemeClr val="tx1"/>
                   </a:solidFill>
@@ -8764,7 +8419,7 @@
               <a:p>
                 <a:pPr algn="ctr"/>
                 <a:r>
-                  <a:rPr lang="en-US" sz="1400" b="1" dirty="0" smtClean="0">
+                  <a:rPr lang="en-US" sz="1400" b="1" dirty="0">
                     <a:solidFill>
                       <a:schemeClr val="tx1"/>
                     </a:solidFill>
@@ -8773,13 +8428,6 @@
                   </a:rPr>
                   <a:t>deny</a:t>
                 </a:r>
-                <a:endParaRPr lang="en-US" sz="1400" b="1" dirty="0">
-                  <a:solidFill>
-                    <a:schemeClr val="tx1"/>
-                  </a:solidFill>
-                  <a:latin typeface="Consolas" panose="020B0609020204030204" pitchFamily="49" charset="0"/>
-                  <a:cs typeface="Consolas" panose="020B0609020204030204" pitchFamily="49" charset="0"/>
-                </a:endParaRPr>
               </a:p>
             </p:txBody>
           </p:sp>
@@ -8833,25 +8481,8 @@
                     <a:latin typeface="Consolas" panose="020B0609020204030204" pitchFamily="49" charset="0"/>
                     <a:cs typeface="Consolas" panose="020B0609020204030204" pitchFamily="49" charset="0"/>
                   </a:rPr>
-                  <a:t>f</a:t>
+                  <a:t>fico &gt;= 700</a:t>
                 </a:r>
-                <a:r>
-                  <a:rPr lang="en-US" sz="900" b="1" dirty="0" smtClean="0">
-                    <a:solidFill>
-                      <a:schemeClr val="tx1"/>
-                    </a:solidFill>
-                    <a:latin typeface="Consolas" panose="020B0609020204030204" pitchFamily="49" charset="0"/>
-                    <a:cs typeface="Consolas" panose="020B0609020204030204" pitchFamily="49" charset="0"/>
-                  </a:rPr>
-                  <a:t>ico &gt;= 700</a:t>
-                </a:r>
-                <a:endParaRPr lang="en-US" sz="900" b="1" dirty="0">
-                  <a:solidFill>
-                    <a:schemeClr val="tx1"/>
-                  </a:solidFill>
-                  <a:latin typeface="Consolas" panose="020B0609020204030204" pitchFamily="49" charset="0"/>
-                  <a:cs typeface="Consolas" panose="020B0609020204030204" pitchFamily="49" charset="0"/>
-                </a:endParaRPr>
               </a:p>
             </p:txBody>
           </p:sp>
@@ -9038,7 +8669,7 @@
               <a:p>
                 <a:pPr algn="ctr"/>
                 <a:r>
-                  <a:rPr lang="en-US" sz="900" b="1" dirty="0" smtClean="0">
+                  <a:rPr lang="en-US" sz="900" b="1" dirty="0">
                     <a:solidFill>
                       <a:schemeClr val="tx1"/>
                     </a:solidFill>
@@ -9047,13 +8678,6 @@
                   </a:rPr>
                   <a:t>m_delinq &lt;= 2 </a:t>
                 </a:r>
-                <a:endParaRPr lang="en-US" sz="900" b="1" dirty="0">
-                  <a:solidFill>
-                    <a:schemeClr val="tx1"/>
-                  </a:solidFill>
-                  <a:latin typeface="Consolas" panose="020B0609020204030204" pitchFamily="49" charset="0"/>
-                  <a:cs typeface="Consolas" panose="020B0609020204030204" pitchFamily="49" charset="0"/>
-                </a:endParaRPr>
               </a:p>
             </p:txBody>
           </p:sp>
@@ -9100,26 +8724,16 @@
               <a:p>
                 <a:pPr algn="ctr"/>
                 <a:r>
-                  <a:rPr lang="en-US" sz="900" b="1" dirty="0" smtClean="0">
+                  <a:rPr lang="en-US" sz="900" b="1" dirty="0">
                     <a:solidFill>
                       <a:schemeClr val="tx1"/>
                     </a:solidFill>
                     <a:latin typeface="Consolas" panose="020B0609020204030204" pitchFamily="49" charset="0"/>
                     <a:cs typeface="Consolas" panose="020B0609020204030204" pitchFamily="49" charset="0"/>
                   </a:rPr>
-                  <a:t>m</a:t>
+                  <a:t>m_delinq &gt; 2:</a:t>
                 </a:r>
-                <a:r>
-                  <a:rPr lang="en-US" sz="900" b="1" dirty="0" smtClean="0">
-                    <a:solidFill>
-                      <a:schemeClr val="tx1"/>
-                    </a:solidFill>
-                    <a:latin typeface="Consolas" panose="020B0609020204030204" pitchFamily="49" charset="0"/>
-                    <a:cs typeface="Consolas" panose="020B0609020204030204" pitchFamily="49" charset="0"/>
-                  </a:rPr>
-                  <a:t>_delinq &gt; 2:</a:t>
-                </a:r>
-                <a:endParaRPr lang="en-US" sz="1400" dirty="0" smtClean="0">
+                <a:endParaRPr lang="en-US" sz="1400" dirty="0">
                   <a:solidFill>
                     <a:schemeClr val="tx1"/>
                   </a:solidFill>
@@ -9130,7 +8744,7 @@
               <a:p>
                 <a:pPr algn="ctr"/>
                 <a:r>
-                  <a:rPr lang="en-US" sz="1400" b="1" dirty="0" smtClean="0">
+                  <a:rPr lang="en-US" sz="1400" b="1" dirty="0">
                     <a:solidFill>
                       <a:schemeClr val="tx1"/>
                     </a:solidFill>
@@ -9139,13 +8753,6 @@
                   </a:rPr>
                   <a:t>deny</a:t>
                 </a:r>
-                <a:endParaRPr lang="en-US" sz="1400" b="1" dirty="0">
-                  <a:solidFill>
-                    <a:schemeClr val="tx1"/>
-                  </a:solidFill>
-                  <a:latin typeface="Consolas" panose="020B0609020204030204" pitchFamily="49" charset="0"/>
-                  <a:cs typeface="Consolas" panose="020B0609020204030204" pitchFamily="49" charset="0"/>
-                </a:endParaRPr>
               </a:p>
             </p:txBody>
           </p:sp>
@@ -9339,20 +8946,10 @@
                     <a:latin typeface="Consolas" panose="020B0609020204030204" pitchFamily="49" charset="0"/>
                     <a:cs typeface="Consolas" panose="020B0609020204030204" pitchFamily="49" charset="0"/>
                   </a:rPr>
-                  <a:t>d</a:t>
+                  <a:t>dti</a:t>
                 </a:r>
                 <a:r>
-                  <a:rPr lang="en-US" sz="900" b="1" dirty="0" err="1" smtClean="0">
-                    <a:solidFill>
-                      <a:schemeClr val="tx1"/>
-                    </a:solidFill>
-                    <a:latin typeface="Consolas" panose="020B0609020204030204" pitchFamily="49" charset="0"/>
-                    <a:cs typeface="Consolas" panose="020B0609020204030204" pitchFamily="49" charset="0"/>
-                  </a:rPr>
-                  <a:t>ti</a:t>
-                </a:r>
-                <a:r>
-                  <a:rPr lang="en-US" sz="900" b="1" dirty="0" smtClean="0">
+                  <a:rPr lang="en-US" sz="900" b="1" dirty="0">
                     <a:solidFill>
                       <a:schemeClr val="tx1"/>
                     </a:solidFill>
@@ -9365,7 +8962,7 @@
               <a:p>
                 <a:pPr algn="ctr"/>
                 <a:r>
-                  <a:rPr lang="en-US" sz="1400" b="1" dirty="0" smtClean="0">
+                  <a:rPr lang="en-US" sz="1400" b="1" dirty="0">
                     <a:solidFill>
                       <a:schemeClr val="tx1"/>
                     </a:solidFill>
@@ -9374,13 +8971,6 @@
                   </a:rPr>
                   <a:t>deny</a:t>
                 </a:r>
-                <a:endParaRPr lang="en-US" sz="1400" b="1" dirty="0">
-                  <a:solidFill>
-                    <a:schemeClr val="tx1"/>
-                  </a:solidFill>
-                  <a:latin typeface="Consolas" panose="020B0609020204030204" pitchFamily="49" charset="0"/>
-                  <a:cs typeface="Consolas" panose="020B0609020204030204" pitchFamily="49" charset="0"/>
-                </a:endParaRPr>
               </a:p>
             </p:txBody>
           </p:sp>
@@ -9434,20 +9024,10 @@
                     <a:latin typeface="Consolas" panose="020B0609020204030204" pitchFamily="49" charset="0"/>
                     <a:cs typeface="Consolas" panose="020B0609020204030204" pitchFamily="49" charset="0"/>
                   </a:rPr>
-                  <a:t>d</a:t>
+                  <a:t>dti</a:t>
                 </a:r>
                 <a:r>
-                  <a:rPr lang="en-US" sz="900" b="1" dirty="0" err="1" smtClean="0">
-                    <a:solidFill>
-                      <a:schemeClr val="tx1"/>
-                    </a:solidFill>
-                    <a:latin typeface="Consolas" panose="020B0609020204030204" pitchFamily="49" charset="0"/>
-                    <a:cs typeface="Consolas" panose="020B0609020204030204" pitchFamily="49" charset="0"/>
-                  </a:rPr>
-                  <a:t>ti</a:t>
-                </a:r>
-                <a:r>
-                  <a:rPr lang="en-US" sz="900" b="1" dirty="0" smtClean="0">
+                  <a:rPr lang="en-US" sz="900" b="1" dirty="0">
                     <a:solidFill>
                       <a:schemeClr val="tx1"/>
                     </a:solidFill>
@@ -9460,7 +9040,7 @@
               <a:p>
                 <a:pPr algn="ctr"/>
                 <a:r>
-                  <a:rPr lang="en-US" sz="1300" b="1" dirty="0" smtClean="0">
+                  <a:rPr lang="en-US" sz="1300" b="1" dirty="0">
                     <a:solidFill>
                       <a:schemeClr val="tx1"/>
                     </a:solidFill>
@@ -9469,13 +9049,6 @@
                   </a:rPr>
                   <a:t>approve</a:t>
                 </a:r>
-                <a:endParaRPr lang="en-US" sz="1300" b="1" dirty="0">
-                  <a:solidFill>
-                    <a:schemeClr val="tx1"/>
-                  </a:solidFill>
-                  <a:latin typeface="Consolas" panose="020B0609020204030204" pitchFamily="49" charset="0"/>
-                  <a:cs typeface="Consolas" panose="020B0609020204030204" pitchFamily="49" charset="0"/>
-                </a:endParaRPr>
               </a:p>
             </p:txBody>
           </p:sp>
@@ -9504,16 +9077,12 @@
             <a:p>
               <a:pPr algn="ctr"/>
               <a:r>
-                <a:rPr lang="en-US" dirty="0" smtClean="0">
+                <a:rPr lang="en-US" dirty="0">
                   <a:latin typeface="Consolas" panose="020B0609020204030204" pitchFamily="49" charset="0"/>
                   <a:cs typeface="Consolas" panose="020B0609020204030204" pitchFamily="49" charset="0"/>
                 </a:rPr>
                 <a:t>Original model</a:t>
               </a:r>
-              <a:endParaRPr lang="en-US" dirty="0">
-                <a:latin typeface="Consolas" panose="020B0609020204030204" pitchFamily="49" charset="0"/>
-                <a:cs typeface="Consolas" panose="020B0609020204030204" pitchFamily="49" charset="0"/>
-              </a:endParaRPr>
             </a:p>
           </p:txBody>
         </p:sp>
@@ -9598,16 +9167,12 @@
             <a:p>
               <a:pPr algn="ctr"/>
               <a:r>
-                <a:rPr lang="en-US" sz="1100" b="1" dirty="0" smtClean="0">
+                <a:rPr lang="en-US" sz="1100" b="1" dirty="0">
                   <a:latin typeface="Consolas" panose="020B0609020204030204" pitchFamily="49" charset="0"/>
                   <a:cs typeface="Consolas" panose="020B0609020204030204" pitchFamily="49" charset="0"/>
                 </a:rPr>
                 <a:t>API data input </a:t>
               </a:r>
-              <a:endParaRPr lang="en-US" sz="1100" b="1" dirty="0">
-                <a:latin typeface="Consolas" panose="020B0609020204030204" pitchFamily="49" charset="0"/>
-                <a:cs typeface="Consolas" panose="020B0609020204030204" pitchFamily="49" charset="0"/>
-              </a:endParaRPr>
             </a:p>
           </p:txBody>
         </p:sp>
@@ -9646,22 +9211,18 @@
             <a:p>
               <a:pPr algn="ctr"/>
               <a:r>
-                <a:rPr lang="en-US" sz="1100" b="1" dirty="0" smtClean="0">
+                <a:rPr lang="en-US" sz="1100" b="1" dirty="0">
                   <a:latin typeface="Consolas" panose="020B0609020204030204" pitchFamily="49" charset="0"/>
                   <a:cs typeface="Consolas" panose="020B0609020204030204" pitchFamily="49" charset="0"/>
                 </a:rPr>
                 <a:t>API prediction output</a:t>
               </a:r>
-              <a:endParaRPr lang="en-US" sz="1100" b="1" dirty="0">
-                <a:latin typeface="Consolas" panose="020B0609020204030204" pitchFamily="49" charset="0"/>
-                <a:cs typeface="Consolas" panose="020B0609020204030204" pitchFamily="49" charset="0"/>
-              </a:endParaRPr>
             </a:p>
           </p:txBody>
         </p:sp>
       </p:grpSp>
-      <mc:AlternateContent xmlns:mc="http://schemas.openxmlformats.org/markup-compatibility/2006">
-        <mc:Choice xmlns:a14="http://schemas.microsoft.com/office/drawing/2010/main" Requires="a14">
+      <mc:AlternateContent xmlns:mc="http://schemas.openxmlformats.org/markup-compatibility/2006" xmlns:a14="http://schemas.microsoft.com/office/drawing/2010/main">
+        <mc:Choice Requires="a14">
           <p:graphicFrame>
             <p:nvGraphicFramePr>
               <p:cNvPr id="77" name="Table 76"/>
@@ -9687,11 +9248,41 @@
                     <a:tableStyleId>{7E9639D4-E3E2-4D34-9284-5A2195B3D0D7}</a:tableStyleId>
                   </a:tblPr>
                   <a:tblGrid>
-                    <a:gridCol w="636903"/>
-                    <a:gridCol w="799547"/>
-                    <a:gridCol w="1283741"/>
-                    <a:gridCol w="483500"/>
-                    <a:gridCol w="1019174"/>
+                    <a:gridCol w="636903">
+                      <a:extLst>
+                        <a:ext uri="{9D8B030D-6E8A-4147-A177-3AD203B41FA5}">
+                          <a16:colId xmlns:a16="http://schemas.microsoft.com/office/drawing/2014/main" val="20000"/>
+                        </a:ext>
+                      </a:extLst>
+                    </a:gridCol>
+                    <a:gridCol w="799547">
+                      <a:extLst>
+                        <a:ext uri="{9D8B030D-6E8A-4147-A177-3AD203B41FA5}">
+                          <a16:colId xmlns:a16="http://schemas.microsoft.com/office/drawing/2014/main" val="20001"/>
+                        </a:ext>
+                      </a:extLst>
+                    </a:gridCol>
+                    <a:gridCol w="1283741">
+                      <a:extLst>
+                        <a:ext uri="{9D8B030D-6E8A-4147-A177-3AD203B41FA5}">
+                          <a16:colId xmlns:a16="http://schemas.microsoft.com/office/drawing/2014/main" val="20002"/>
+                        </a:ext>
+                      </a:extLst>
+                    </a:gridCol>
+                    <a:gridCol w="483500">
+                      <a:extLst>
+                        <a:ext uri="{9D8B030D-6E8A-4147-A177-3AD203B41FA5}">
+                          <a16:colId xmlns:a16="http://schemas.microsoft.com/office/drawing/2014/main" val="20003"/>
+                        </a:ext>
+                      </a:extLst>
+                    </a:gridCol>
+                    <a:gridCol w="1019174">
+                      <a:extLst>
+                        <a:ext uri="{9D8B030D-6E8A-4147-A177-3AD203B41FA5}">
+                          <a16:colId xmlns:a16="http://schemas.microsoft.com/office/drawing/2014/main" val="20004"/>
+                        </a:ext>
+                      </a:extLst>
+                    </a:gridCol>
                   </a:tblGrid>
                   <a:tr h="370840">
                     <a:tc>
@@ -9700,7 +9291,7 @@
                         <a:lstStyle/>
                         <a:p>
                           <a:r>
-                            <a:rPr lang="en-US" sz="1800" dirty="0" err="1" smtClean="0">
+                            <a:rPr lang="en-US" sz="1800" dirty="0" err="1">
                               <a:latin typeface="Consolas" panose="020B0609020204030204" pitchFamily="49" charset="0"/>
                               <a:cs typeface="Consolas" panose="020B0609020204030204" pitchFamily="49" charset="0"/>
                             </a:rPr>
@@ -9720,12 +9311,37 @@
                         <a:lstStyle/>
                         <a:p>
                           <a:r>
-                            <a:rPr lang="en-US" sz="1800" dirty="0" smtClean="0">
+                            <a:rPr lang="en-US" sz="1800" dirty="0">
                               <a:latin typeface="Consolas" panose="020B0609020204030204" pitchFamily="49" charset="0"/>
                               <a:cs typeface="Consolas" panose="020B0609020204030204" pitchFamily="49" charset="0"/>
                             </a:rPr>
                             <a:t>fico</a:t>
                           </a:r>
+                        </a:p>
+                      </a:txBody>
+                      <a:tcPr/>
+                    </a:tc>
+                    <a:tc>
+                      <a:txBody>
+                        <a:bodyPr/>
+                        <a:lstStyle/>
+                        <a:p>
+                          <a:r>
+                            <a:rPr lang="en-US" sz="1800" dirty="0">
+                              <a:latin typeface="Consolas" panose="020B0609020204030204" pitchFamily="49" charset="0"/>
+                              <a:cs typeface="Consolas" panose="020B0609020204030204" pitchFamily="49" charset="0"/>
+                            </a:rPr>
+                            <a:t>m_delinq</a:t>
+                          </a:r>
+                        </a:p>
+                      </a:txBody>
+                      <a:tcPr/>
+                    </a:tc>
+                    <a:tc>
+                      <a:txBody>
+                        <a:bodyPr/>
+                        <a:lstStyle/>
+                        <a:p>
                           <a:endParaRPr lang="en-US" sz="1800" dirty="0">
                             <a:latin typeface="Consolas" panose="020B0609020204030204" pitchFamily="49" charset="0"/>
                             <a:cs typeface="Consolas" panose="020B0609020204030204" pitchFamily="49" charset="0"/>
@@ -9740,11 +9356,11 @@
                         <a:lstStyle/>
                         <a:p>
                           <a:r>
-                            <a:rPr lang="en-US" sz="1800" dirty="0" smtClean="0">
-                              <a:latin typeface="Consolas" panose="020B0609020204030204" pitchFamily="49" charset="0"/>
-                              <a:cs typeface="Consolas" panose="020B0609020204030204" pitchFamily="49" charset="0"/>
-                            </a:rPr>
-                            <a:t>m_delinq</a:t>
+                            <a:rPr lang="en-US" sz="1800" dirty="0" err="1">
+                              <a:latin typeface="Consolas" panose="020B0609020204030204" pitchFamily="49" charset="0"/>
+                              <a:cs typeface="Consolas" panose="020B0609020204030204" pitchFamily="49" charset="0"/>
+                            </a:rPr>
+                            <a:t>p_deny</a:t>
                           </a:r>
                           <a:endParaRPr lang="en-US" sz="1800" dirty="0">
                             <a:latin typeface="Consolas" panose="020B0609020204030204" pitchFamily="49" charset="0"/>
@@ -9754,39 +9370,11 @@
                       </a:txBody>
                       <a:tcPr/>
                     </a:tc>
-                    <a:tc>
-                      <a:txBody>
-                        <a:bodyPr/>
-                        <a:lstStyle/>
-                        <a:p>
-                          <a:endParaRPr lang="en-US" sz="1800" dirty="0">
-                            <a:latin typeface="Consolas" panose="020B0609020204030204" pitchFamily="49" charset="0"/>
-                            <a:cs typeface="Consolas" panose="020B0609020204030204" pitchFamily="49" charset="0"/>
-                          </a:endParaRPr>
-                        </a:p>
-                      </a:txBody>
-                      <a:tcPr/>
-                    </a:tc>
-                    <a:tc>
-                      <a:txBody>
-                        <a:bodyPr/>
-                        <a:lstStyle/>
-                        <a:p>
-                          <a:r>
-                            <a:rPr lang="en-US" sz="1800" dirty="0" err="1" smtClean="0">
-                              <a:latin typeface="Consolas" panose="020B0609020204030204" pitchFamily="49" charset="0"/>
-                              <a:cs typeface="Consolas" panose="020B0609020204030204" pitchFamily="49" charset="0"/>
-                            </a:rPr>
-                            <a:t>p_deny</a:t>
-                          </a:r>
-                          <a:endParaRPr lang="en-US" sz="1800" dirty="0">
-                            <a:latin typeface="Consolas" panose="020B0609020204030204" pitchFamily="49" charset="0"/>
-                            <a:cs typeface="Consolas" panose="020B0609020204030204" pitchFamily="49" charset="0"/>
-                          </a:endParaRPr>
-                        </a:p>
-                      </a:txBody>
-                      <a:tcPr/>
-                    </a:tc>
+                    <a:extLst>
+                      <a:ext uri="{0D108BD9-81ED-4DB2-BD59-A6C34878D82A}">
+                        <a16:rowId xmlns:a16="http://schemas.microsoft.com/office/drawing/2014/main" val="10000"/>
+                      </a:ext>
+                    </a:extLst>
                   </a:tr>
                   <a:tr h="370840">
                     <a:tc>
@@ -9795,7 +9383,7 @@
                         <a:lstStyle/>
                         <a:p>
                           <a:r>
-                            <a:rPr lang="en-US" sz="1800" dirty="0" smtClean="0">
+                            <a:rPr lang="en-US" sz="1800" dirty="0">
                               <a:solidFill>
                                 <a:srgbClr val="FF00FF"/>
                               </a:solidFill>
@@ -9814,7 +9402,7 @@
                         <a:lstStyle/>
                         <a:p>
                           <a:r>
-                            <a:rPr lang="en-US" sz="1800" dirty="0" smtClean="0">
+                            <a:rPr lang="en-US" sz="1800" dirty="0">
                               <a:solidFill>
                                 <a:srgbClr val="FF00FF"/>
                               </a:solidFill>
@@ -9823,24 +9411,17 @@
                             </a:rPr>
                             <a:t>650</a:t>
                           </a:r>
-                          <a:endParaRPr lang="en-US" sz="1800" dirty="0">
-                            <a:solidFill>
-                              <a:srgbClr val="FF00FF"/>
-                            </a:solidFill>
-                            <a:latin typeface="Consolas" panose="020B0609020204030204" pitchFamily="49" charset="0"/>
-                            <a:cs typeface="Consolas" panose="020B0609020204030204" pitchFamily="49" charset="0"/>
-                          </a:endParaRPr>
-                        </a:p>
-                      </a:txBody>
-                      <a:tcPr/>
-                    </a:tc>
-                    <a:tc>
-                      <a:txBody>
-                        <a:bodyPr/>
-                        <a:lstStyle/>
-                        <a:p>
-                          <a:r>
-                            <a:rPr lang="en-US" sz="1800" dirty="0" smtClean="0">
+                        </a:p>
+                      </a:txBody>
+                      <a:tcPr/>
+                    </a:tc>
+                    <a:tc>
+                      <a:txBody>
+                        <a:bodyPr/>
+                        <a:lstStyle/>
+                        <a:p>
+                          <a:r>
+                            <a:rPr lang="en-US" sz="1800" dirty="0">
                               <a:solidFill>
                                 <a:srgbClr val="FF00FF"/>
                               </a:solidFill>
@@ -9849,13 +9430,6 @@
                             </a:rPr>
                             <a:t>4</a:t>
                           </a:r>
-                          <a:endParaRPr lang="en-US" sz="1800" dirty="0">
-                            <a:solidFill>
-                              <a:srgbClr val="FF00FF"/>
-                            </a:solidFill>
-                            <a:latin typeface="Consolas" panose="020B0609020204030204" pitchFamily="49" charset="0"/>
-                            <a:cs typeface="Consolas" panose="020B0609020204030204" pitchFamily="49" charset="0"/>
-                          </a:endParaRPr>
                         </a:p>
                       </a:txBody>
                       <a:tcPr/>
@@ -9902,54 +9476,6 @@
                               </m:oMath>
                             </m:oMathPara>
                           </a14:m>
-                          <a:endParaRPr lang="en-US" sz="1800" dirty="0" smtClean="0">
-                            <a:solidFill>
-                              <a:srgbClr val="FF00FF"/>
-                            </a:solidFill>
-                            <a:latin typeface="Consolas" panose="020B0609020204030204" pitchFamily="49" charset="0"/>
-                            <a:cs typeface="Consolas" panose="020B0609020204030204" pitchFamily="49" charset="0"/>
-                          </a:endParaRPr>
-                        </a:p>
-                      </a:txBody>
-                      <a:tcPr/>
-                    </a:tc>
-                    <a:tc>
-                      <a:txBody>
-                        <a:bodyPr/>
-                        <a:lstStyle/>
-                        <a:p>
-                          <a:r>
-                            <a:rPr lang="en-US" sz="1800" dirty="0" smtClean="0">
-                              <a:latin typeface="Consolas" panose="020B0609020204030204" pitchFamily="49" charset="0"/>
-                              <a:cs typeface="Consolas" panose="020B0609020204030204" pitchFamily="49" charset="0"/>
-                            </a:rPr>
-                            <a:t>0.99</a:t>
-                          </a:r>
-                          <a:endParaRPr lang="en-US" sz="1800" dirty="0">
-                            <a:latin typeface="Consolas" panose="020B0609020204030204" pitchFamily="49" charset="0"/>
-                            <a:cs typeface="Consolas" panose="020B0609020204030204" pitchFamily="49" charset="0"/>
-                          </a:endParaRPr>
-                        </a:p>
-                      </a:txBody>
-                      <a:tcPr/>
-                    </a:tc>
-                  </a:tr>
-                  <a:tr h="370840">
-                    <a:tc>
-                      <a:txBody>
-                        <a:bodyPr/>
-                        <a:lstStyle/>
-                        <a:p>
-                          <a:r>
-                            <a:rPr lang="en-US" sz="1800" dirty="0" smtClean="0">
-                              <a:solidFill>
-                                <a:srgbClr val="FF00FF"/>
-                              </a:solidFill>
-                              <a:latin typeface="Consolas" panose="020B0609020204030204" pitchFamily="49" charset="0"/>
-                              <a:cs typeface="Consolas" panose="020B0609020204030204" pitchFamily="49" charset="0"/>
-                            </a:rPr>
-                            <a:t>2</a:t>
-                          </a:r>
                           <a:endParaRPr lang="en-US" sz="1800" dirty="0">
                             <a:solidFill>
                               <a:srgbClr val="FF00FF"/>
@@ -9967,48 +9493,76 @@
                         <a:lstStyle/>
                         <a:p>
                           <a:r>
-                            <a:rPr lang="en-US" sz="1800" dirty="0" smtClean="0">
+                            <a:rPr lang="en-US" sz="1800" dirty="0">
+                              <a:latin typeface="Consolas" panose="020B0609020204030204" pitchFamily="49" charset="0"/>
+                              <a:cs typeface="Consolas" panose="020B0609020204030204" pitchFamily="49" charset="0"/>
+                            </a:rPr>
+                            <a:t>0.99</a:t>
+                          </a:r>
+                        </a:p>
+                      </a:txBody>
+                      <a:tcPr/>
+                    </a:tc>
+                    <a:extLst>
+                      <a:ext uri="{0D108BD9-81ED-4DB2-BD59-A6C34878D82A}">
+                        <a16:rowId xmlns:a16="http://schemas.microsoft.com/office/drawing/2014/main" val="10001"/>
+                      </a:ext>
+                    </a:extLst>
+                  </a:tr>
+                  <a:tr h="370840">
+                    <a:tc>
+                      <a:txBody>
+                        <a:bodyPr/>
+                        <a:lstStyle/>
+                        <a:p>
+                          <a:r>
+                            <a:rPr lang="en-US" sz="1800" dirty="0">
                               <a:solidFill>
                                 <a:srgbClr val="FF00FF"/>
                               </a:solidFill>
                               <a:latin typeface="Consolas" panose="020B0609020204030204" pitchFamily="49" charset="0"/>
                               <a:cs typeface="Consolas" panose="020B0609020204030204" pitchFamily="49" charset="0"/>
                             </a:rPr>
-                            <a:t>700</a:t>
-                          </a:r>
-                          <a:endParaRPr lang="en-US" sz="1800" dirty="0">
-                            <a:solidFill>
-                              <a:srgbClr val="FF00FF"/>
-                            </a:solidFill>
-                            <a:latin typeface="Consolas" panose="020B0609020204030204" pitchFamily="49" charset="0"/>
-                            <a:cs typeface="Consolas" panose="020B0609020204030204" pitchFamily="49" charset="0"/>
-                          </a:endParaRPr>
-                        </a:p>
-                      </a:txBody>
-                      <a:tcPr/>
-                    </a:tc>
-                    <a:tc>
-                      <a:txBody>
-                        <a:bodyPr/>
-                        <a:lstStyle/>
-                        <a:p>
-                          <a:r>
-                            <a:rPr lang="en-US" sz="1800" dirty="0" smtClean="0">
+                            <a:t>2</a:t>
+                          </a:r>
+                        </a:p>
+                      </a:txBody>
+                      <a:tcPr/>
+                    </a:tc>
+                    <a:tc>
+                      <a:txBody>
+                        <a:bodyPr/>
+                        <a:lstStyle/>
+                        <a:p>
+                          <a:r>
+                            <a:rPr lang="en-US" sz="1800" dirty="0">
                               <a:solidFill>
                                 <a:srgbClr val="FF00FF"/>
                               </a:solidFill>
                               <a:latin typeface="Consolas" panose="020B0609020204030204" pitchFamily="49" charset="0"/>
                               <a:cs typeface="Consolas" panose="020B0609020204030204" pitchFamily="49" charset="0"/>
                             </a:rPr>
+                            <a:t>700</a:t>
+                          </a:r>
+                        </a:p>
+                      </a:txBody>
+                      <a:tcPr/>
+                    </a:tc>
+                    <a:tc>
+                      <a:txBody>
+                        <a:bodyPr/>
+                        <a:lstStyle/>
+                        <a:p>
+                          <a:r>
+                            <a:rPr lang="en-US" sz="1800" dirty="0">
+                              <a:solidFill>
+                                <a:srgbClr val="FF00FF"/>
+                              </a:solidFill>
+                              <a:latin typeface="Consolas" panose="020B0609020204030204" pitchFamily="49" charset="0"/>
+                              <a:cs typeface="Consolas" panose="020B0609020204030204" pitchFamily="49" charset="0"/>
+                            </a:rPr>
                             <a:t>3</a:t>
                           </a:r>
-                          <a:endParaRPr lang="en-US" sz="1800" dirty="0">
-                            <a:solidFill>
-                              <a:srgbClr val="FF00FF"/>
-                            </a:solidFill>
-                            <a:latin typeface="Consolas" panose="020B0609020204030204" pitchFamily="49" charset="0"/>
-                            <a:cs typeface="Consolas" panose="020B0609020204030204" pitchFamily="49" charset="0"/>
-                          </a:endParaRPr>
                         </a:p>
                       </a:txBody>
                       <a:tcPr/>
@@ -10055,54 +9609,6 @@
                               </m:oMath>
                             </m:oMathPara>
                           </a14:m>
-                          <a:endParaRPr lang="en-US" sz="1800" dirty="0" smtClean="0">
-                            <a:solidFill>
-                              <a:srgbClr val="FF00FF"/>
-                            </a:solidFill>
-                            <a:latin typeface="Consolas" panose="020B0609020204030204" pitchFamily="49" charset="0"/>
-                            <a:cs typeface="Consolas" panose="020B0609020204030204" pitchFamily="49" charset="0"/>
-                          </a:endParaRPr>
-                        </a:p>
-                      </a:txBody>
-                      <a:tcPr/>
-                    </a:tc>
-                    <a:tc>
-                      <a:txBody>
-                        <a:bodyPr/>
-                        <a:lstStyle/>
-                        <a:p>
-                          <a:r>
-                            <a:rPr lang="en-US" sz="1800" dirty="0" smtClean="0">
-                              <a:latin typeface="Consolas" panose="020B0609020204030204" pitchFamily="49" charset="0"/>
-                              <a:cs typeface="Consolas" panose="020B0609020204030204" pitchFamily="49" charset="0"/>
-                            </a:rPr>
-                            <a:t>0.88</a:t>
-                          </a:r>
-                          <a:endParaRPr lang="en-US" sz="1800" dirty="0">
-                            <a:latin typeface="Consolas" panose="020B0609020204030204" pitchFamily="49" charset="0"/>
-                            <a:cs typeface="Consolas" panose="020B0609020204030204" pitchFamily="49" charset="0"/>
-                          </a:endParaRPr>
-                        </a:p>
-                      </a:txBody>
-                      <a:tcPr/>
-                    </a:tc>
-                  </a:tr>
-                  <a:tr h="370840">
-                    <a:tc>
-                      <a:txBody>
-                        <a:bodyPr/>
-                        <a:lstStyle/>
-                        <a:p>
-                          <a:r>
-                            <a:rPr lang="en-US" sz="1800" dirty="0" smtClean="0">
-                              <a:solidFill>
-                                <a:srgbClr val="FF00FF"/>
-                              </a:solidFill>
-                              <a:latin typeface="Consolas" panose="020B0609020204030204" pitchFamily="49" charset="0"/>
-                              <a:cs typeface="Consolas" panose="020B0609020204030204" pitchFamily="49" charset="0"/>
-                            </a:rPr>
-                            <a:t>3</a:t>
-                          </a:r>
                           <a:endParaRPr lang="en-US" sz="1800" dirty="0">
                             <a:solidFill>
                               <a:srgbClr val="FF00FF"/>
@@ -10120,48 +9626,76 @@
                         <a:lstStyle/>
                         <a:p>
                           <a:r>
-                            <a:rPr lang="en-US" sz="1800" dirty="0" smtClean="0">
+                            <a:rPr lang="en-US" sz="1800" dirty="0">
+                              <a:latin typeface="Consolas" panose="020B0609020204030204" pitchFamily="49" charset="0"/>
+                              <a:cs typeface="Consolas" panose="020B0609020204030204" pitchFamily="49" charset="0"/>
+                            </a:rPr>
+                            <a:t>0.88</a:t>
+                          </a:r>
+                        </a:p>
+                      </a:txBody>
+                      <a:tcPr/>
+                    </a:tc>
+                    <a:extLst>
+                      <a:ext uri="{0D108BD9-81ED-4DB2-BD59-A6C34878D82A}">
+                        <a16:rowId xmlns:a16="http://schemas.microsoft.com/office/drawing/2014/main" val="10002"/>
+                      </a:ext>
+                    </a:extLst>
+                  </a:tr>
+                  <a:tr h="370840">
+                    <a:tc>
+                      <a:txBody>
+                        <a:bodyPr/>
+                        <a:lstStyle/>
+                        <a:p>
+                          <a:r>
+                            <a:rPr lang="en-US" sz="1800" dirty="0">
                               <a:solidFill>
                                 <a:srgbClr val="FF00FF"/>
                               </a:solidFill>
                               <a:latin typeface="Consolas" panose="020B0609020204030204" pitchFamily="49" charset="0"/>
                               <a:cs typeface="Consolas" panose="020B0609020204030204" pitchFamily="49" charset="0"/>
                             </a:rPr>
-                            <a:t>750</a:t>
-                          </a:r>
-                          <a:endParaRPr lang="en-US" sz="1800" dirty="0">
-                            <a:solidFill>
-                              <a:srgbClr val="FF00FF"/>
-                            </a:solidFill>
-                            <a:latin typeface="Consolas" panose="020B0609020204030204" pitchFamily="49" charset="0"/>
-                            <a:cs typeface="Consolas" panose="020B0609020204030204" pitchFamily="49" charset="0"/>
-                          </a:endParaRPr>
-                        </a:p>
-                      </a:txBody>
-                      <a:tcPr/>
-                    </a:tc>
-                    <a:tc>
-                      <a:txBody>
-                        <a:bodyPr/>
-                        <a:lstStyle/>
-                        <a:p>
-                          <a:r>
-                            <a:rPr lang="en-US" sz="1800" dirty="0" smtClean="0">
+                            <a:t>3</a:t>
+                          </a:r>
+                        </a:p>
+                      </a:txBody>
+                      <a:tcPr/>
+                    </a:tc>
+                    <a:tc>
+                      <a:txBody>
+                        <a:bodyPr/>
+                        <a:lstStyle/>
+                        <a:p>
+                          <a:r>
+                            <a:rPr lang="en-US" sz="1800" dirty="0">
                               <a:solidFill>
                                 <a:srgbClr val="FF00FF"/>
                               </a:solidFill>
                               <a:latin typeface="Consolas" panose="020B0609020204030204" pitchFamily="49" charset="0"/>
                               <a:cs typeface="Consolas" panose="020B0609020204030204" pitchFamily="49" charset="0"/>
                             </a:rPr>
+                            <a:t>750</a:t>
+                          </a:r>
+                        </a:p>
+                      </a:txBody>
+                      <a:tcPr/>
+                    </a:tc>
+                    <a:tc>
+                      <a:txBody>
+                        <a:bodyPr/>
+                        <a:lstStyle/>
+                        <a:p>
+                          <a:r>
+                            <a:rPr lang="en-US" sz="1800" dirty="0">
+                              <a:solidFill>
+                                <a:srgbClr val="FF00FF"/>
+                              </a:solidFill>
+                              <a:latin typeface="Consolas" panose="020B0609020204030204" pitchFamily="49" charset="0"/>
+                              <a:cs typeface="Consolas" panose="020B0609020204030204" pitchFamily="49" charset="0"/>
+                            </a:rPr>
                             <a:t>2</a:t>
                           </a:r>
-                          <a:endParaRPr lang="en-US" sz="1800" dirty="0">
-                            <a:solidFill>
-                              <a:srgbClr val="FF00FF"/>
-                            </a:solidFill>
-                            <a:latin typeface="Consolas" panose="020B0609020204030204" pitchFamily="49" charset="0"/>
-                            <a:cs typeface="Consolas" panose="020B0609020204030204" pitchFamily="49" charset="0"/>
-                          </a:endParaRPr>
                         </a:p>
                       </a:txBody>
                       <a:tcPr/>
@@ -10208,54 +9742,6 @@
                               </m:oMath>
                             </m:oMathPara>
                           </a14:m>
-                          <a:endParaRPr lang="en-US" sz="1800" dirty="0" smtClean="0">
-                            <a:solidFill>
-                              <a:srgbClr val="FF00FF"/>
-                            </a:solidFill>
-                            <a:latin typeface="Consolas" panose="020B0609020204030204" pitchFamily="49" charset="0"/>
-                            <a:cs typeface="Consolas" panose="020B0609020204030204" pitchFamily="49" charset="0"/>
-                          </a:endParaRPr>
-                        </a:p>
-                      </a:txBody>
-                      <a:tcPr/>
-                    </a:tc>
-                    <a:tc>
-                      <a:txBody>
-                        <a:bodyPr/>
-                        <a:lstStyle/>
-                        <a:p>
-                          <a:r>
-                            <a:rPr lang="en-US" sz="1800" dirty="0" smtClean="0">
-                              <a:latin typeface="Consolas" panose="020B0609020204030204" pitchFamily="49" charset="0"/>
-                              <a:cs typeface="Consolas" panose="020B0609020204030204" pitchFamily="49" charset="0"/>
-                            </a:rPr>
-                            <a:t>0.45</a:t>
-                          </a:r>
-                          <a:endParaRPr lang="en-US" sz="1800" dirty="0">
-                            <a:latin typeface="Consolas" panose="020B0609020204030204" pitchFamily="49" charset="0"/>
-                            <a:cs typeface="Consolas" panose="020B0609020204030204" pitchFamily="49" charset="0"/>
-                          </a:endParaRPr>
-                        </a:p>
-                      </a:txBody>
-                      <a:tcPr/>
-                    </a:tc>
-                  </a:tr>
-                  <a:tr h="370840">
-                    <a:tc>
-                      <a:txBody>
-                        <a:bodyPr/>
-                        <a:lstStyle/>
-                        <a:p>
-                          <a:r>
-                            <a:rPr lang="en-US" sz="1800" dirty="0" smtClean="0">
-                              <a:solidFill>
-                                <a:srgbClr val="FF00FF"/>
-                              </a:solidFill>
-                              <a:latin typeface="Consolas" panose="020B0609020204030204" pitchFamily="49" charset="0"/>
-                              <a:cs typeface="Consolas" panose="020B0609020204030204" pitchFamily="49" charset="0"/>
-                            </a:rPr>
-                            <a:t>4</a:t>
-                          </a:r>
                           <a:endParaRPr lang="en-US" sz="1800" dirty="0">
                             <a:solidFill>
                               <a:srgbClr val="FF00FF"/>
@@ -10273,48 +9759,76 @@
                         <a:lstStyle/>
                         <a:p>
                           <a:r>
-                            <a:rPr lang="en-US" sz="1800" dirty="0" smtClean="0">
+                            <a:rPr lang="en-US" sz="1800" dirty="0">
+                              <a:latin typeface="Consolas" panose="020B0609020204030204" pitchFamily="49" charset="0"/>
+                              <a:cs typeface="Consolas" panose="020B0609020204030204" pitchFamily="49" charset="0"/>
+                            </a:rPr>
+                            <a:t>0.45</a:t>
+                          </a:r>
+                        </a:p>
+                      </a:txBody>
+                      <a:tcPr/>
+                    </a:tc>
+                    <a:extLst>
+                      <a:ext uri="{0D108BD9-81ED-4DB2-BD59-A6C34878D82A}">
+                        <a16:rowId xmlns:a16="http://schemas.microsoft.com/office/drawing/2014/main" val="10003"/>
+                      </a:ext>
+                    </a:extLst>
+                  </a:tr>
+                  <a:tr h="370840">
+                    <a:tc>
+                      <a:txBody>
+                        <a:bodyPr/>
+                        <a:lstStyle/>
+                        <a:p>
+                          <a:r>
+                            <a:rPr lang="en-US" sz="1800" dirty="0">
                               <a:solidFill>
                                 <a:srgbClr val="FF00FF"/>
                               </a:solidFill>
                               <a:latin typeface="Consolas" panose="020B0609020204030204" pitchFamily="49" charset="0"/>
                               <a:cs typeface="Consolas" panose="020B0609020204030204" pitchFamily="49" charset="0"/>
                             </a:rPr>
-                            <a:t>800</a:t>
-                          </a:r>
-                          <a:endParaRPr lang="en-US" sz="1800" dirty="0">
-                            <a:solidFill>
-                              <a:srgbClr val="FF00FF"/>
-                            </a:solidFill>
-                            <a:latin typeface="Consolas" panose="020B0609020204030204" pitchFamily="49" charset="0"/>
-                            <a:cs typeface="Consolas" panose="020B0609020204030204" pitchFamily="49" charset="0"/>
-                          </a:endParaRPr>
-                        </a:p>
-                      </a:txBody>
-                      <a:tcPr/>
-                    </a:tc>
-                    <a:tc>
-                      <a:txBody>
-                        <a:bodyPr/>
-                        <a:lstStyle/>
-                        <a:p>
-                          <a:r>
-                            <a:rPr lang="en-US" sz="1800" dirty="0" smtClean="0">
+                            <a:t>4</a:t>
+                          </a:r>
+                        </a:p>
+                      </a:txBody>
+                      <a:tcPr/>
+                    </a:tc>
+                    <a:tc>
+                      <a:txBody>
+                        <a:bodyPr/>
+                        <a:lstStyle/>
+                        <a:p>
+                          <a:r>
+                            <a:rPr lang="en-US" sz="1800" dirty="0">
                               <a:solidFill>
                                 <a:srgbClr val="FF00FF"/>
                               </a:solidFill>
                               <a:latin typeface="Consolas" panose="020B0609020204030204" pitchFamily="49" charset="0"/>
                               <a:cs typeface="Consolas" panose="020B0609020204030204" pitchFamily="49" charset="0"/>
                             </a:rPr>
+                            <a:t>800</a:t>
+                          </a:r>
+                        </a:p>
+                      </a:txBody>
+                      <a:tcPr/>
+                    </a:tc>
+                    <a:tc>
+                      <a:txBody>
+                        <a:bodyPr/>
+                        <a:lstStyle/>
+                        <a:p>
+                          <a:r>
+                            <a:rPr lang="en-US" sz="1800" dirty="0">
+                              <a:solidFill>
+                                <a:srgbClr val="FF00FF"/>
+                              </a:solidFill>
+                              <a:latin typeface="Consolas" panose="020B0609020204030204" pitchFamily="49" charset="0"/>
+                              <a:cs typeface="Consolas" panose="020B0609020204030204" pitchFamily="49" charset="0"/>
+                            </a:rPr>
                             <a:t>1</a:t>
                           </a:r>
-                          <a:endParaRPr lang="en-US" sz="1800" dirty="0">
-                            <a:solidFill>
-                              <a:srgbClr val="FF00FF"/>
-                            </a:solidFill>
-                            <a:latin typeface="Consolas" panose="020B0609020204030204" pitchFamily="49" charset="0"/>
-                            <a:cs typeface="Consolas" panose="020B0609020204030204" pitchFamily="49" charset="0"/>
-                          </a:endParaRPr>
                         </a:p>
                       </a:txBody>
                       <a:tcPr/>
@@ -10361,7 +9875,7 @@
                               </m:oMath>
                             </m:oMathPara>
                           </a14:m>
-                          <a:endParaRPr lang="en-US" sz="1800" dirty="0" smtClean="0">
+                          <a:endParaRPr lang="en-US" sz="1800" dirty="0">
                             <a:solidFill>
                               <a:srgbClr val="FF00FF"/>
                             </a:solidFill>
@@ -10378,27 +9892,28 @@
                         <a:lstStyle/>
                         <a:p>
                           <a:r>
-                            <a:rPr lang="en-US" sz="1800" dirty="0" smtClean="0">
+                            <a:rPr lang="en-US" sz="1800" dirty="0">
                               <a:latin typeface="Consolas" panose="020B0609020204030204" pitchFamily="49" charset="0"/>
                               <a:cs typeface="Consolas" panose="020B0609020204030204" pitchFamily="49" charset="0"/>
                             </a:rPr>
                             <a:t>0.25</a:t>
                           </a:r>
-                          <a:endParaRPr lang="en-US" sz="1800" dirty="0">
-                            <a:latin typeface="Consolas" panose="020B0609020204030204" pitchFamily="49" charset="0"/>
-                            <a:cs typeface="Consolas" panose="020B0609020204030204" pitchFamily="49" charset="0"/>
-                          </a:endParaRPr>
-                        </a:p>
-                      </a:txBody>
-                      <a:tcPr/>
-                    </a:tc>
+                        </a:p>
+                      </a:txBody>
+                      <a:tcPr/>
+                    </a:tc>
+                    <a:extLst>
+                      <a:ext uri="{0D108BD9-81ED-4DB2-BD59-A6C34878D82A}">
+                        <a16:rowId xmlns:a16="http://schemas.microsoft.com/office/drawing/2014/main" val="10004"/>
+                      </a:ext>
+                    </a:extLst>
                   </a:tr>
                 </a:tbl>
               </a:graphicData>
             </a:graphic>
           </p:graphicFrame>
         </mc:Choice>
-        <mc:Fallback>
+        <mc:Fallback xmlns="">
           <p:graphicFrame>
             <p:nvGraphicFramePr>
               <p:cNvPr id="77" name="Table 76"/>
@@ -11336,8 +10851,8 @@
         </p:nvSpPr>
         <p:spPr>
           <a:xfrm>
-            <a:off x="4324350" y="1049143"/>
-            <a:ext cx="3502708" cy="369332"/>
+            <a:off x="4324349" y="1049143"/>
+            <a:ext cx="3956885" cy="369332"/>
           </a:xfrm>
           <a:prstGeom prst="rect">
             <a:avLst/>
@@ -11351,22 +10866,15 @@
           <a:lstStyle/>
           <a:p>
             <a:r>
-              <a:rPr lang="en-US" dirty="0" smtClean="0">
+              <a:rPr lang="en-US" dirty="0">
                 <a:solidFill>
                   <a:srgbClr val="FF00FF"/>
                 </a:solidFill>
                 <a:latin typeface="Consolas" panose="020B0609020204030204" pitchFamily="49" charset="0"/>
                 <a:cs typeface="Consolas" panose="020B0609020204030204" pitchFamily="49" charset="0"/>
               </a:rPr>
-              <a:t>1. Attacker simulates data</a:t>
+              <a:t>1. Attacker simulates data.</a:t>
             </a:r>
-            <a:endParaRPr lang="en-US" dirty="0">
-              <a:solidFill>
-                <a:srgbClr val="FF00FF"/>
-              </a:solidFill>
-              <a:latin typeface="Consolas" panose="020B0609020204030204" pitchFamily="49" charset="0"/>
-              <a:cs typeface="Consolas" panose="020B0609020204030204" pitchFamily="49" charset="0"/>
-            </a:endParaRPr>
           </a:p>
         </p:txBody>
       </p:sp>
@@ -11393,16 +10901,12 @@
           <a:lstStyle/>
           <a:p>
             <a:r>
-              <a:rPr lang="en-US" dirty="0" smtClean="0">
+              <a:rPr lang="en-US" dirty="0">
                 <a:latin typeface="Consolas" panose="020B0609020204030204" pitchFamily="49" charset="0"/>
                 <a:cs typeface="Consolas" panose="020B0609020204030204" pitchFamily="49" charset="0"/>
               </a:rPr>
-              <a:t>2. API returns predictions for simulated data </a:t>
+              <a:t>2. API returns predictions for simulated data.</a:t>
             </a:r>
-            <a:endParaRPr lang="en-US" dirty="0">
-              <a:latin typeface="Consolas" panose="020B0609020204030204" pitchFamily="49" charset="0"/>
-              <a:cs typeface="Consolas" panose="020B0609020204030204" pitchFamily="49" charset="0"/>
-            </a:endParaRPr>
           </a:p>
         </p:txBody>
       </p:sp>
@@ -11477,7 +10981,7 @@
               <a:p>
                 <a:pPr algn="ctr"/>
                 <a:r>
-                  <a:rPr lang="en-US" sz="1400" dirty="0" smtClean="0">
+                  <a:rPr lang="en-US" sz="1400" dirty="0">
                     <a:solidFill>
                       <a:srgbClr val="FF00FF"/>
                     </a:solidFill>
@@ -11486,13 +10990,6 @@
                   </a:rPr>
                   <a:t>start</a:t>
                 </a:r>
-                <a:endParaRPr lang="en-US" sz="1400" dirty="0">
-                  <a:solidFill>
-                    <a:srgbClr val="FF00FF"/>
-                  </a:solidFill>
-                  <a:latin typeface="Consolas" panose="020B0609020204030204" pitchFamily="49" charset="0"/>
-                  <a:cs typeface="Consolas" panose="020B0609020204030204" pitchFamily="49" charset="0"/>
-                </a:endParaRPr>
               </a:p>
             </p:txBody>
           </p:sp>
@@ -11681,7 +11178,7 @@
               <a:p>
                 <a:pPr algn="ctr"/>
                 <a:r>
-                  <a:rPr lang="en-US" sz="900" b="1" dirty="0" smtClean="0">
+                  <a:rPr lang="en-US" sz="900" b="1" dirty="0">
                     <a:solidFill>
                       <a:srgbClr val="FF00FF"/>
                     </a:solidFill>
@@ -11690,7 +11187,7 @@
                   </a:rPr>
                   <a:t>fico &lt; 703:</a:t>
                 </a:r>
-                <a:endParaRPr lang="en-US" sz="900" dirty="0" smtClean="0">
+                <a:endParaRPr lang="en-US" sz="900" dirty="0">
                   <a:solidFill>
                     <a:srgbClr val="FF00FF"/>
                   </a:solidFill>
@@ -11701,7 +11198,7 @@
               <a:p>
                 <a:pPr algn="ctr"/>
                 <a:r>
-                  <a:rPr lang="en-US" sz="1400" b="1" dirty="0" smtClean="0">
+                  <a:rPr lang="en-US" sz="1400" b="1" dirty="0">
                     <a:solidFill>
                       <a:srgbClr val="FF00FF"/>
                     </a:solidFill>
@@ -11710,13 +11207,6 @@
                   </a:rPr>
                   <a:t>deny</a:t>
                 </a:r>
-                <a:endParaRPr lang="en-US" sz="1400" b="1" dirty="0">
-                  <a:solidFill>
-                    <a:srgbClr val="FF00FF"/>
-                  </a:solidFill>
-                  <a:latin typeface="Consolas" panose="020B0609020204030204" pitchFamily="49" charset="0"/>
-                  <a:cs typeface="Consolas" panose="020B0609020204030204" pitchFamily="49" charset="0"/>
-                </a:endParaRPr>
               </a:p>
             </p:txBody>
           </p:sp>
@@ -11770,25 +11260,8 @@
                     <a:latin typeface="Consolas" panose="020B0609020204030204" pitchFamily="49" charset="0"/>
                     <a:cs typeface="Consolas" panose="020B0609020204030204" pitchFamily="49" charset="0"/>
                   </a:rPr>
-                  <a:t>f</a:t>
+                  <a:t>fico &gt;= 703</a:t>
                 </a:r>
-                <a:r>
-                  <a:rPr lang="en-US" sz="900" b="1" dirty="0" smtClean="0">
-                    <a:solidFill>
-                      <a:srgbClr val="FF00FF"/>
-                    </a:solidFill>
-                    <a:latin typeface="Consolas" panose="020B0609020204030204" pitchFamily="49" charset="0"/>
-                    <a:cs typeface="Consolas" panose="020B0609020204030204" pitchFamily="49" charset="0"/>
-                  </a:rPr>
-                  <a:t>ico &gt;= 703</a:t>
-                </a:r>
-                <a:endParaRPr lang="en-US" sz="900" b="1" dirty="0">
-                  <a:solidFill>
-                    <a:srgbClr val="FF00FF"/>
-                  </a:solidFill>
-                  <a:latin typeface="Consolas" panose="020B0609020204030204" pitchFamily="49" charset="0"/>
-                  <a:cs typeface="Consolas" panose="020B0609020204030204" pitchFamily="49" charset="0"/>
-                </a:endParaRPr>
               </a:p>
             </p:txBody>
           </p:sp>
@@ -11975,7 +11448,7 @@
               <a:p>
                 <a:pPr algn="ctr"/>
                 <a:r>
-                  <a:rPr lang="en-US" sz="900" b="1" dirty="0" smtClean="0">
+                  <a:rPr lang="en-US" sz="900" b="1" dirty="0">
                     <a:solidFill>
                       <a:srgbClr val="FF00FF"/>
                     </a:solidFill>
@@ -11984,13 +11457,6 @@
                   </a:rPr>
                   <a:t>m_delinq &lt;= 1.8 </a:t>
                 </a:r>
-                <a:endParaRPr lang="en-US" sz="900" b="1" dirty="0">
-                  <a:solidFill>
-                    <a:srgbClr val="FF00FF"/>
-                  </a:solidFill>
-                  <a:latin typeface="Consolas" panose="020B0609020204030204" pitchFamily="49" charset="0"/>
-                  <a:cs typeface="Consolas" panose="020B0609020204030204" pitchFamily="49" charset="0"/>
-                </a:endParaRPr>
               </a:p>
             </p:txBody>
           </p:sp>
@@ -12037,26 +11503,16 @@
               <a:p>
                 <a:pPr algn="ctr"/>
                 <a:r>
-                  <a:rPr lang="en-US" sz="900" b="1" dirty="0" smtClean="0">
+                  <a:rPr lang="en-US" sz="900" b="1" dirty="0">
                     <a:solidFill>
                       <a:srgbClr val="FF00FF"/>
                     </a:solidFill>
                     <a:latin typeface="Consolas" panose="020B0609020204030204" pitchFamily="49" charset="0"/>
                     <a:cs typeface="Consolas" panose="020B0609020204030204" pitchFamily="49" charset="0"/>
                   </a:rPr>
-                  <a:t>m</a:t>
+                  <a:t>m_delinq &gt; 1.8:</a:t>
                 </a:r>
-                <a:r>
-                  <a:rPr lang="en-US" sz="900" b="1" dirty="0" smtClean="0">
-                    <a:solidFill>
-                      <a:srgbClr val="FF00FF"/>
-                    </a:solidFill>
-                    <a:latin typeface="Consolas" panose="020B0609020204030204" pitchFamily="49" charset="0"/>
-                    <a:cs typeface="Consolas" panose="020B0609020204030204" pitchFamily="49" charset="0"/>
-                  </a:rPr>
-                  <a:t>_delinq &gt; 1.8:</a:t>
-                </a:r>
-                <a:endParaRPr lang="en-US" sz="1400" dirty="0" smtClean="0">
+                <a:endParaRPr lang="en-US" sz="1400" dirty="0">
                   <a:solidFill>
                     <a:srgbClr val="FF00FF"/>
                   </a:solidFill>
@@ -12067,7 +11523,7 @@
               <a:p>
                 <a:pPr algn="ctr"/>
                 <a:r>
-                  <a:rPr lang="en-US" sz="1400" b="1" dirty="0" smtClean="0">
+                  <a:rPr lang="en-US" sz="1400" b="1" dirty="0">
                     <a:solidFill>
                       <a:srgbClr val="FF00FF"/>
                     </a:solidFill>
@@ -12076,13 +11532,6 @@
                   </a:rPr>
                   <a:t>deny</a:t>
                 </a:r>
-                <a:endParaRPr lang="en-US" sz="1400" b="1" dirty="0">
-                  <a:solidFill>
-                    <a:srgbClr val="FF00FF"/>
-                  </a:solidFill>
-                  <a:latin typeface="Consolas" panose="020B0609020204030204" pitchFamily="49" charset="0"/>
-                  <a:cs typeface="Consolas" panose="020B0609020204030204" pitchFamily="49" charset="0"/>
-                </a:endParaRPr>
               </a:p>
             </p:txBody>
           </p:sp>
@@ -12276,20 +11725,10 @@
                     <a:latin typeface="Consolas" panose="020B0609020204030204" pitchFamily="49" charset="0"/>
                     <a:cs typeface="Consolas" panose="020B0609020204030204" pitchFamily="49" charset="0"/>
                   </a:rPr>
-                  <a:t>d</a:t>
+                  <a:t>dti</a:t>
                 </a:r>
                 <a:r>
-                  <a:rPr lang="en-US" sz="900" b="1" dirty="0" err="1" smtClean="0">
-                    <a:solidFill>
-                      <a:srgbClr val="FF00FF"/>
-                    </a:solidFill>
-                    <a:latin typeface="Consolas" panose="020B0609020204030204" pitchFamily="49" charset="0"/>
-                    <a:cs typeface="Consolas" panose="020B0609020204030204" pitchFamily="49" charset="0"/>
-                  </a:rPr>
-                  <a:t>ti</a:t>
-                </a:r>
-                <a:r>
-                  <a:rPr lang="en-US" sz="900" b="1" dirty="0" smtClean="0">
+                  <a:rPr lang="en-US" sz="900" b="1" dirty="0">
                     <a:solidFill>
                       <a:srgbClr val="FF00FF"/>
                     </a:solidFill>
@@ -12302,7 +11741,7 @@
               <a:p>
                 <a:pPr algn="ctr"/>
                 <a:r>
-                  <a:rPr lang="en-US" sz="1400" b="1" dirty="0" smtClean="0">
+                  <a:rPr lang="en-US" sz="1400" b="1" dirty="0">
                     <a:solidFill>
                       <a:srgbClr val="FF00FF"/>
                     </a:solidFill>
@@ -12311,13 +11750,6 @@
                   </a:rPr>
                   <a:t>deny</a:t>
                 </a:r>
-                <a:endParaRPr lang="en-US" sz="1400" b="1" dirty="0">
-                  <a:solidFill>
-                    <a:srgbClr val="FF00FF"/>
-                  </a:solidFill>
-                  <a:latin typeface="Consolas" panose="020B0609020204030204" pitchFamily="49" charset="0"/>
-                  <a:cs typeface="Consolas" panose="020B0609020204030204" pitchFamily="49" charset="0"/>
-                </a:endParaRPr>
               </a:p>
             </p:txBody>
           </p:sp>
@@ -12371,20 +11803,10 @@
                     <a:latin typeface="Consolas" panose="020B0609020204030204" pitchFamily="49" charset="0"/>
                     <a:cs typeface="Consolas" panose="020B0609020204030204" pitchFamily="49" charset="0"/>
                   </a:rPr>
-                  <a:t>d</a:t>
+                  <a:t>dti</a:t>
                 </a:r>
                 <a:r>
-                  <a:rPr lang="en-US" sz="900" b="1" dirty="0" err="1" smtClean="0">
-                    <a:solidFill>
-                      <a:srgbClr val="FF00FF"/>
-                    </a:solidFill>
-                    <a:latin typeface="Consolas" panose="020B0609020204030204" pitchFamily="49" charset="0"/>
-                    <a:cs typeface="Consolas" panose="020B0609020204030204" pitchFamily="49" charset="0"/>
-                  </a:rPr>
-                  <a:t>ti</a:t>
-                </a:r>
-                <a:r>
-                  <a:rPr lang="en-US" sz="900" b="1" dirty="0" smtClean="0">
+                  <a:rPr lang="en-US" sz="900" b="1" dirty="0">
                     <a:solidFill>
                       <a:srgbClr val="FF00FF"/>
                     </a:solidFill>
@@ -12397,7 +11819,7 @@
               <a:p>
                 <a:pPr algn="ctr"/>
                 <a:r>
-                  <a:rPr lang="en-US" sz="1300" b="1" dirty="0" smtClean="0">
+                  <a:rPr lang="en-US" sz="1300" b="1" dirty="0">
                     <a:solidFill>
                       <a:srgbClr val="FF00FF"/>
                     </a:solidFill>
@@ -12406,13 +11828,6 @@
                   </a:rPr>
                   <a:t>approve</a:t>
                 </a:r>
-                <a:endParaRPr lang="en-US" sz="1300" b="1" dirty="0">
-                  <a:solidFill>
-                    <a:srgbClr val="FF00FF"/>
-                  </a:solidFill>
-                  <a:latin typeface="Consolas" panose="020B0609020204030204" pitchFamily="49" charset="0"/>
-                  <a:cs typeface="Consolas" panose="020B0609020204030204" pitchFamily="49" charset="0"/>
-                </a:endParaRPr>
               </a:p>
             </p:txBody>
           </p:sp>
@@ -12443,22 +11858,15 @@
             <a:lstStyle/>
             <a:p>
               <a:r>
-                <a:rPr lang="en-US" dirty="0" smtClean="0">
+                <a:rPr lang="en-US" dirty="0">
                   <a:solidFill>
                     <a:srgbClr val="FF00FF"/>
                   </a:solidFill>
                   <a:latin typeface="Consolas" panose="020B0609020204030204" pitchFamily="49" charset="0"/>
                   <a:cs typeface="Consolas" panose="020B0609020204030204" pitchFamily="49" charset="0"/>
                 </a:rPr>
-                <a:t>3. Attacker trains surrogate model between simulated data and API predictions </a:t>
+                <a:t>3. Attacker trains surrogate model between simulated data and API predictions. </a:t>
               </a:r>
-              <a:endParaRPr lang="en-US" dirty="0">
-                <a:solidFill>
-                  <a:srgbClr val="FF00FF"/>
-                </a:solidFill>
-                <a:latin typeface="Consolas" panose="020B0609020204030204" pitchFamily="49" charset="0"/>
-                <a:cs typeface="Consolas" panose="020B0609020204030204" pitchFamily="49" charset="0"/>
-              </a:endParaRPr>
             </a:p>
           </p:txBody>
         </p:sp>
@@ -12612,7 +12020,7 @@
           <a:p>
             <a:pPr algn="ctr"/>
             <a:r>
-              <a:rPr lang="en-US" sz="3600" dirty="0" smtClean="0">
+              <a:rPr lang="en-US" sz="3600" dirty="0">
                 <a:solidFill>
                   <a:srgbClr val="FF00FF"/>
                 </a:solidFill>
@@ -12621,13 +12029,6 @@
               </a:rPr>
               <a:t>Attack</a:t>
             </a:r>
-            <a:endParaRPr lang="en-US" sz="3600" dirty="0">
-              <a:solidFill>
-                <a:srgbClr val="FF00FF"/>
-              </a:solidFill>
-              <a:latin typeface="Consolas" panose="020B0609020204030204" pitchFamily="49" charset="0"/>
-              <a:cs typeface="Consolas" panose="020B0609020204030204" pitchFamily="49" charset="0"/>
-            </a:endParaRPr>
           </a:p>
         </p:txBody>
       </p:sp>
@@ -12641,13 +12042,6 @@
   <p:clrMapOvr>
     <a:masterClrMapping/>
   </p:clrMapOvr>
-  <p:timing>
-    <p:tnLst>
-      <p:par>
-        <p:cTn id="1" dur="indefinite" restart="never" nodeType="tmRoot"/>
-      </p:par>
-    </p:tnLst>
-  </p:timing>
 </p:sld>
 </file>
 
@@ -12668,8 +12062,8 @@
           <a:chExt cx="0" cy="0"/>
         </a:xfrm>
       </p:grpSpPr>
-      <mc:AlternateContent xmlns:mc="http://schemas.openxmlformats.org/markup-compatibility/2006">
-        <mc:Choice xmlns:a14="http://schemas.microsoft.com/office/drawing/2010/main" Requires="a14">
+      <mc:AlternateContent xmlns:mc="http://schemas.openxmlformats.org/markup-compatibility/2006" xmlns:a14="http://schemas.microsoft.com/office/drawing/2010/main">
+        <mc:Choice Requires="a14">
           <p:graphicFrame>
             <p:nvGraphicFramePr>
               <p:cNvPr id="77" name="Table 76"/>
@@ -12695,12 +12089,48 @@
                     <a:tableStyleId>{7E9639D4-E3E2-4D34-9284-5A2195B3D0D7}</a:tableStyleId>
                   </a:tblPr>
                   <a:tblGrid>
-                    <a:gridCol w="455259"/>
-                    <a:gridCol w="523875"/>
-                    <a:gridCol w="866775"/>
-                    <a:gridCol w="285750"/>
-                    <a:gridCol w="695325"/>
-                    <a:gridCol w="914399"/>
+                    <a:gridCol w="455259">
+                      <a:extLst>
+                        <a:ext uri="{9D8B030D-6E8A-4147-A177-3AD203B41FA5}">
+                          <a16:colId xmlns:a16="http://schemas.microsoft.com/office/drawing/2014/main" val="20000"/>
+                        </a:ext>
+                      </a:extLst>
+                    </a:gridCol>
+                    <a:gridCol w="523875">
+                      <a:extLst>
+                        <a:ext uri="{9D8B030D-6E8A-4147-A177-3AD203B41FA5}">
+                          <a16:colId xmlns:a16="http://schemas.microsoft.com/office/drawing/2014/main" val="20001"/>
+                        </a:ext>
+                      </a:extLst>
+                    </a:gridCol>
+                    <a:gridCol w="866775">
+                      <a:extLst>
+                        <a:ext uri="{9D8B030D-6E8A-4147-A177-3AD203B41FA5}">
+                          <a16:colId xmlns:a16="http://schemas.microsoft.com/office/drawing/2014/main" val="20002"/>
+                        </a:ext>
+                      </a:extLst>
+                    </a:gridCol>
+                    <a:gridCol w="285750">
+                      <a:extLst>
+                        <a:ext uri="{9D8B030D-6E8A-4147-A177-3AD203B41FA5}">
+                          <a16:colId xmlns:a16="http://schemas.microsoft.com/office/drawing/2014/main" val="20003"/>
+                        </a:ext>
+                      </a:extLst>
+                    </a:gridCol>
+                    <a:gridCol w="695325">
+                      <a:extLst>
+                        <a:ext uri="{9D8B030D-6E8A-4147-A177-3AD203B41FA5}">
+                          <a16:colId xmlns:a16="http://schemas.microsoft.com/office/drawing/2014/main" val="20004"/>
+                        </a:ext>
+                      </a:extLst>
+                    </a:gridCol>
+                    <a:gridCol w="914399">
+                      <a:extLst>
+                        <a:ext uri="{9D8B030D-6E8A-4147-A177-3AD203B41FA5}">
+                          <a16:colId xmlns:a16="http://schemas.microsoft.com/office/drawing/2014/main" val="20005"/>
+                        </a:ext>
+                      </a:extLst>
+                    </a:gridCol>
                   </a:tblGrid>
                   <a:tr h="121582">
                     <a:tc>
@@ -12709,7 +12139,7 @@
                         <a:lstStyle/>
                         <a:p>
                           <a:r>
-                            <a:rPr lang="en-US" sz="1200" dirty="0" err="1" smtClean="0">
+                            <a:rPr lang="en-US" sz="1200" dirty="0" err="1">
                               <a:latin typeface="Consolas" panose="020B0609020204030204" pitchFamily="49" charset="0"/>
                               <a:cs typeface="Consolas" panose="020B0609020204030204" pitchFamily="49" charset="0"/>
                             </a:rPr>
@@ -12729,12 +12159,37 @@
                         <a:lstStyle/>
                         <a:p>
                           <a:r>
-                            <a:rPr lang="en-US" sz="1200" dirty="0" smtClean="0">
+                            <a:rPr lang="en-US" sz="1200" dirty="0">
                               <a:latin typeface="Consolas" panose="020B0609020204030204" pitchFamily="49" charset="0"/>
                               <a:cs typeface="Consolas" panose="020B0609020204030204" pitchFamily="49" charset="0"/>
                             </a:rPr>
                             <a:t>fico</a:t>
                           </a:r>
+                        </a:p>
+                      </a:txBody>
+                      <a:tcPr/>
+                    </a:tc>
+                    <a:tc>
+                      <a:txBody>
+                        <a:bodyPr/>
+                        <a:lstStyle/>
+                        <a:p>
+                          <a:r>
+                            <a:rPr lang="en-US" sz="1200" dirty="0">
+                              <a:latin typeface="Consolas" panose="020B0609020204030204" pitchFamily="49" charset="0"/>
+                              <a:cs typeface="Consolas" panose="020B0609020204030204" pitchFamily="49" charset="0"/>
+                            </a:rPr>
+                            <a:t>m_delinq</a:t>
+                          </a:r>
+                        </a:p>
+                      </a:txBody>
+                      <a:tcPr/>
+                    </a:tc>
+                    <a:tc>
+                      <a:txBody>
+                        <a:bodyPr/>
+                        <a:lstStyle/>
+                        <a:p>
                           <a:endParaRPr lang="en-US" sz="1200" dirty="0">
                             <a:latin typeface="Consolas" panose="020B0609020204030204" pitchFamily="49" charset="0"/>
                             <a:cs typeface="Consolas" panose="020B0609020204030204" pitchFamily="49" charset="0"/>
@@ -12749,11 +12204,11 @@
                         <a:lstStyle/>
                         <a:p>
                           <a:r>
-                            <a:rPr lang="en-US" sz="1200" dirty="0" smtClean="0">
-                              <a:latin typeface="Consolas" panose="020B0609020204030204" pitchFamily="49" charset="0"/>
-                              <a:cs typeface="Consolas" panose="020B0609020204030204" pitchFamily="49" charset="0"/>
-                            </a:rPr>
-                            <a:t>m_delinq</a:t>
+                            <a:rPr lang="en-US" sz="1200" dirty="0" err="1">
+                              <a:latin typeface="Consolas" panose="020B0609020204030204" pitchFamily="49" charset="0"/>
+                              <a:cs typeface="Consolas" panose="020B0609020204030204" pitchFamily="49" charset="0"/>
+                            </a:rPr>
+                            <a:t>p_deny</a:t>
                           </a:r>
                           <a:endParaRPr lang="en-US" sz="1200" dirty="0">
                             <a:latin typeface="Consolas" panose="020B0609020204030204" pitchFamily="49" charset="0"/>
@@ -12768,41 +12223,8 @@
                         <a:bodyPr/>
                         <a:lstStyle/>
                         <a:p>
-                          <a:endParaRPr lang="en-US" sz="1200" dirty="0">
-                            <a:latin typeface="Consolas" panose="020B0609020204030204" pitchFamily="49" charset="0"/>
-                            <a:cs typeface="Consolas" panose="020B0609020204030204" pitchFamily="49" charset="0"/>
-                          </a:endParaRPr>
-                        </a:p>
-                      </a:txBody>
-                      <a:tcPr/>
-                    </a:tc>
-                    <a:tc>
-                      <a:txBody>
-                        <a:bodyPr/>
-                        <a:lstStyle/>
-                        <a:p>
-                          <a:r>
-                            <a:rPr lang="en-US" sz="1200" dirty="0" err="1" smtClean="0">
-                              <a:latin typeface="Consolas" panose="020B0609020204030204" pitchFamily="49" charset="0"/>
-                              <a:cs typeface="Consolas" panose="020B0609020204030204" pitchFamily="49" charset="0"/>
-                            </a:rPr>
-                            <a:t>p_deny</a:t>
-                          </a:r>
-                          <a:endParaRPr lang="en-US" sz="1200" dirty="0">
-                            <a:latin typeface="Consolas" panose="020B0609020204030204" pitchFamily="49" charset="0"/>
-                            <a:cs typeface="Consolas" panose="020B0609020204030204" pitchFamily="49" charset="0"/>
-                          </a:endParaRPr>
-                        </a:p>
-                      </a:txBody>
-                      <a:tcPr/>
-                    </a:tc>
-                    <a:tc>
-                      <a:txBody>
-                        <a:bodyPr/>
-                        <a:lstStyle/>
-                        <a:p>
-                          <a:r>
-                            <a:rPr lang="en-US" sz="1200" dirty="0" err="1" smtClean="0">
+                          <a:r>
+                            <a:rPr lang="en-US" sz="1200" dirty="0" err="1">
                               <a:solidFill>
                                 <a:schemeClr val="bg1"/>
                               </a:solidFill>
@@ -12822,6 +12244,11 @@
                       </a:txBody>
                       <a:tcPr/>
                     </a:tc>
+                    <a:extLst>
+                      <a:ext uri="{0D108BD9-81ED-4DB2-BD59-A6C34878D82A}">
+                        <a16:rowId xmlns:a16="http://schemas.microsoft.com/office/drawing/2014/main" val="10000"/>
+                      </a:ext>
+                    </a:extLst>
                   </a:tr>
                   <a:tr h="121582">
                     <a:tc>
@@ -12830,7 +12257,7 @@
                         <a:lstStyle/>
                         <a:p>
                           <a:r>
-                            <a:rPr lang="en-US" sz="1200" dirty="0" smtClean="0">
+                            <a:rPr lang="en-US" sz="1200" dirty="0">
                               <a:solidFill>
                                 <a:srgbClr val="FF00FF"/>
                               </a:solidFill>
@@ -12849,7 +12276,7 @@
                         <a:lstStyle/>
                         <a:p>
                           <a:r>
-                            <a:rPr lang="en-US" sz="1200" dirty="0" smtClean="0">
+                            <a:rPr lang="en-US" sz="1200" dirty="0">
                               <a:solidFill>
                                 <a:srgbClr val="FF00FF"/>
                               </a:solidFill>
@@ -12858,24 +12285,17 @@
                             </a:rPr>
                             <a:t>650</a:t>
                           </a:r>
-                          <a:endParaRPr lang="en-US" sz="1200" dirty="0">
-                            <a:solidFill>
-                              <a:srgbClr val="FF00FF"/>
-                            </a:solidFill>
-                            <a:latin typeface="Consolas" panose="020B0609020204030204" pitchFamily="49" charset="0"/>
-                            <a:cs typeface="Consolas" panose="020B0609020204030204" pitchFamily="49" charset="0"/>
-                          </a:endParaRPr>
-                        </a:p>
-                      </a:txBody>
-                      <a:tcPr/>
-                    </a:tc>
-                    <a:tc>
-                      <a:txBody>
-                        <a:bodyPr/>
-                        <a:lstStyle/>
-                        <a:p>
-                          <a:r>
-                            <a:rPr lang="en-US" sz="1200" dirty="0" smtClean="0">
+                        </a:p>
+                      </a:txBody>
+                      <a:tcPr/>
+                    </a:tc>
+                    <a:tc>
+                      <a:txBody>
+                        <a:bodyPr/>
+                        <a:lstStyle/>
+                        <a:p>
+                          <a:r>
+                            <a:rPr lang="en-US" sz="1200" dirty="0">
                               <a:solidFill>
                                 <a:srgbClr val="FF00FF"/>
                               </a:solidFill>
@@ -12884,13 +12304,6 @@
                             </a:rPr>
                             <a:t>4</a:t>
                           </a:r>
-                          <a:endParaRPr lang="en-US" sz="1200" dirty="0">
-                            <a:solidFill>
-                              <a:srgbClr val="FF00FF"/>
-                            </a:solidFill>
-                            <a:latin typeface="Consolas" panose="020B0609020204030204" pitchFamily="49" charset="0"/>
-                            <a:cs typeface="Consolas" panose="020B0609020204030204" pitchFamily="49" charset="0"/>
-                          </a:endParaRPr>
                         </a:p>
                       </a:txBody>
                       <a:tcPr/>
@@ -12937,32 +12350,6 @@
                               </m:oMath>
                             </m:oMathPara>
                           </a14:m>
-                          <a:endParaRPr lang="en-US" sz="1200" dirty="0" smtClean="0">
-                            <a:solidFill>
-                              <a:srgbClr val="FF00FF"/>
-                            </a:solidFill>
-                            <a:latin typeface="Consolas" panose="020B0609020204030204" pitchFamily="49" charset="0"/>
-                            <a:cs typeface="Consolas" panose="020B0609020204030204" pitchFamily="49" charset="0"/>
-                          </a:endParaRPr>
-                        </a:p>
-                      </a:txBody>
-                      <a:tcPr/>
-                    </a:tc>
-                    <a:tc>
-                      <a:txBody>
-                        <a:bodyPr/>
-                        <a:lstStyle/>
-                        <a:p>
-                          <a:r>
-                            <a:rPr lang="en-US" sz="1200" dirty="0" smtClean="0">
-                              <a:solidFill>
-                                <a:srgbClr val="FF00FF"/>
-                              </a:solidFill>
-                              <a:latin typeface="Consolas" panose="020B0609020204030204" pitchFamily="49" charset="0"/>
-                              <a:cs typeface="Consolas" panose="020B0609020204030204" pitchFamily="49" charset="0"/>
-                            </a:rPr>
-                            <a:t>0.96</a:t>
-                          </a:r>
                           <a:endParaRPr lang="en-US" sz="1200" dirty="0">
                             <a:solidFill>
                               <a:srgbClr val="FF00FF"/>
@@ -12980,102 +12367,98 @@
                         <a:lstStyle/>
                         <a:p>
                           <a:r>
-                            <a:rPr lang="en-US" sz="1200" dirty="0" smtClean="0">
+                            <a:rPr lang="en-US" sz="1200" dirty="0">
                               <a:solidFill>
                                 <a:srgbClr val="FF00FF"/>
                               </a:solidFill>
                               <a:latin typeface="Consolas" panose="020B0609020204030204" pitchFamily="49" charset="0"/>
                               <a:cs typeface="Consolas" panose="020B0609020204030204" pitchFamily="49" charset="0"/>
                             </a:rPr>
-                            <a:t>1</a:t>
-                          </a:r>
-                          <a:endParaRPr lang="en-US" sz="1200" dirty="0">
-                            <a:solidFill>
-                              <a:srgbClr val="FF00FF"/>
-                            </a:solidFill>
-                            <a:latin typeface="Consolas" panose="020B0609020204030204" pitchFamily="49" charset="0"/>
-                            <a:cs typeface="Consolas" panose="020B0609020204030204" pitchFamily="49" charset="0"/>
-                          </a:endParaRPr>
-                        </a:p>
-                      </a:txBody>
-                      <a:tcPr/>
-                    </a:tc>
-                  </a:tr>
-                  <a:tr h="121582">
-                    <a:tc>
-                      <a:txBody>
-                        <a:bodyPr/>
-                        <a:lstStyle/>
-                        <a:p>
-                          <a:r>
-                            <a:rPr lang="en-US" sz="1200" dirty="0" smtClean="0">
+                            <a:t>0.96</a:t>
+                          </a:r>
+                        </a:p>
+                      </a:txBody>
+                      <a:tcPr/>
+                    </a:tc>
+                    <a:tc>
+                      <a:txBody>
+                        <a:bodyPr/>
+                        <a:lstStyle/>
+                        <a:p>
+                          <a:r>
+                            <a:rPr lang="en-US" sz="1200" dirty="0">
                               <a:solidFill>
                                 <a:srgbClr val="FF00FF"/>
                               </a:solidFill>
                               <a:latin typeface="Consolas" panose="020B0609020204030204" pitchFamily="49" charset="0"/>
                               <a:cs typeface="Consolas" panose="020B0609020204030204" pitchFamily="49" charset="0"/>
                             </a:rPr>
-                            <a:t>2</a:t>
-                          </a:r>
-                          <a:endParaRPr lang="en-US" sz="1200" dirty="0">
-                            <a:solidFill>
-                              <a:srgbClr val="FF00FF"/>
-                            </a:solidFill>
-                            <a:latin typeface="Consolas" panose="020B0609020204030204" pitchFamily="49" charset="0"/>
-                            <a:cs typeface="Consolas" panose="020B0609020204030204" pitchFamily="49" charset="0"/>
-                          </a:endParaRPr>
-                        </a:p>
-                      </a:txBody>
-                      <a:tcPr/>
-                    </a:tc>
-                    <a:tc>
-                      <a:txBody>
-                        <a:bodyPr/>
-                        <a:lstStyle/>
-                        <a:p>
-                          <a:r>
-                            <a:rPr lang="en-US" sz="1200" dirty="0" smtClean="0">
+                            <a:t>1</a:t>
+                          </a:r>
+                        </a:p>
+                      </a:txBody>
+                      <a:tcPr/>
+                    </a:tc>
+                    <a:extLst>
+                      <a:ext uri="{0D108BD9-81ED-4DB2-BD59-A6C34878D82A}">
+                        <a16:rowId xmlns:a16="http://schemas.microsoft.com/office/drawing/2014/main" val="10001"/>
+                      </a:ext>
+                    </a:extLst>
+                  </a:tr>
+                  <a:tr h="121582">
+                    <a:tc>
+                      <a:txBody>
+                        <a:bodyPr/>
+                        <a:lstStyle/>
+                        <a:p>
+                          <a:r>
+                            <a:rPr lang="en-US" sz="1200" dirty="0">
                               <a:solidFill>
                                 <a:srgbClr val="FF00FF"/>
                               </a:solidFill>
                               <a:latin typeface="Consolas" panose="020B0609020204030204" pitchFamily="49" charset="0"/>
                               <a:cs typeface="Consolas" panose="020B0609020204030204" pitchFamily="49" charset="0"/>
                             </a:rPr>
-                            <a:t>700</a:t>
-                          </a:r>
-                          <a:endParaRPr lang="en-US" sz="1200" dirty="0">
-                            <a:solidFill>
-                              <a:srgbClr val="FF00FF"/>
-                            </a:solidFill>
-                            <a:latin typeface="Consolas" panose="020B0609020204030204" pitchFamily="49" charset="0"/>
-                            <a:cs typeface="Consolas" panose="020B0609020204030204" pitchFamily="49" charset="0"/>
-                          </a:endParaRPr>
-                        </a:p>
-                      </a:txBody>
-                      <a:tcPr/>
-                    </a:tc>
-                    <a:tc>
-                      <a:txBody>
-                        <a:bodyPr/>
-                        <a:lstStyle/>
-                        <a:p>
-                          <a:r>
-                            <a:rPr lang="en-US" sz="1200" dirty="0" smtClean="0">
+                            <a:t>2</a:t>
+                          </a:r>
+                        </a:p>
+                      </a:txBody>
+                      <a:tcPr/>
+                    </a:tc>
+                    <a:tc>
+                      <a:txBody>
+                        <a:bodyPr/>
+                        <a:lstStyle/>
+                        <a:p>
+                          <a:r>
+                            <a:rPr lang="en-US" sz="1200" dirty="0">
                               <a:solidFill>
                                 <a:srgbClr val="FF00FF"/>
                               </a:solidFill>
                               <a:latin typeface="Consolas" panose="020B0609020204030204" pitchFamily="49" charset="0"/>
                               <a:cs typeface="Consolas" panose="020B0609020204030204" pitchFamily="49" charset="0"/>
                             </a:rPr>
+                            <a:t>700</a:t>
+                          </a:r>
+                        </a:p>
+                      </a:txBody>
+                      <a:tcPr/>
+                    </a:tc>
+                    <a:tc>
+                      <a:txBody>
+                        <a:bodyPr/>
+                        <a:lstStyle/>
+                        <a:p>
+                          <a:r>
+                            <a:rPr lang="en-US" sz="1200" dirty="0">
+                              <a:solidFill>
+                                <a:srgbClr val="FF00FF"/>
+                              </a:solidFill>
+                              <a:latin typeface="Consolas" panose="020B0609020204030204" pitchFamily="49" charset="0"/>
+                              <a:cs typeface="Consolas" panose="020B0609020204030204" pitchFamily="49" charset="0"/>
+                            </a:rPr>
                             <a:t>3</a:t>
                           </a:r>
-                          <a:endParaRPr lang="en-US" sz="1200" dirty="0">
-                            <a:solidFill>
-                              <a:srgbClr val="FF00FF"/>
-                            </a:solidFill>
-                            <a:latin typeface="Consolas" panose="020B0609020204030204" pitchFamily="49" charset="0"/>
-                            <a:cs typeface="Consolas" panose="020B0609020204030204" pitchFamily="49" charset="0"/>
-                          </a:endParaRPr>
                         </a:p>
                       </a:txBody>
                       <a:tcPr/>
@@ -13122,32 +12505,6 @@
                               </m:oMath>
                             </m:oMathPara>
                           </a14:m>
-                          <a:endParaRPr lang="en-US" sz="1200" dirty="0" smtClean="0">
-                            <a:solidFill>
-                              <a:srgbClr val="FF00FF"/>
-                            </a:solidFill>
-                            <a:latin typeface="Consolas" panose="020B0609020204030204" pitchFamily="49" charset="0"/>
-                            <a:cs typeface="Consolas" panose="020B0609020204030204" pitchFamily="49" charset="0"/>
-                          </a:endParaRPr>
-                        </a:p>
-                      </a:txBody>
-                      <a:tcPr/>
-                    </a:tc>
-                    <a:tc>
-                      <a:txBody>
-                        <a:bodyPr/>
-                        <a:lstStyle/>
-                        <a:p>
-                          <a:r>
-                            <a:rPr lang="en-US" sz="1200" dirty="0" smtClean="0">
-                              <a:solidFill>
-                                <a:srgbClr val="FF00FF"/>
-                              </a:solidFill>
-                              <a:latin typeface="Consolas" panose="020B0609020204030204" pitchFamily="49" charset="0"/>
-                              <a:cs typeface="Consolas" panose="020B0609020204030204" pitchFamily="49" charset="0"/>
-                            </a:rPr>
-                            <a:t>0.89</a:t>
-                          </a:r>
                           <a:endParaRPr lang="en-US" sz="1200" dirty="0">
                             <a:solidFill>
                               <a:srgbClr val="FF00FF"/>
@@ -13165,102 +12522,98 @@
                         <a:lstStyle/>
                         <a:p>
                           <a:r>
-                            <a:rPr lang="en-US" sz="1200" dirty="0" smtClean="0">
+                            <a:rPr lang="en-US" sz="1200" dirty="0">
                               <a:solidFill>
                                 <a:srgbClr val="FF00FF"/>
                               </a:solidFill>
                               <a:latin typeface="Consolas" panose="020B0609020204030204" pitchFamily="49" charset="0"/>
                               <a:cs typeface="Consolas" panose="020B0609020204030204" pitchFamily="49" charset="0"/>
                             </a:rPr>
-                            <a:t>1</a:t>
-                          </a:r>
-                          <a:endParaRPr lang="en-US" sz="1200" dirty="0">
-                            <a:solidFill>
-                              <a:srgbClr val="FF00FF"/>
-                            </a:solidFill>
-                            <a:latin typeface="Consolas" panose="020B0609020204030204" pitchFamily="49" charset="0"/>
-                            <a:cs typeface="Consolas" panose="020B0609020204030204" pitchFamily="49" charset="0"/>
-                          </a:endParaRPr>
-                        </a:p>
-                      </a:txBody>
-                      <a:tcPr/>
-                    </a:tc>
-                  </a:tr>
-                  <a:tr h="121582">
-                    <a:tc>
-                      <a:txBody>
-                        <a:bodyPr/>
-                        <a:lstStyle/>
-                        <a:p>
-                          <a:r>
-                            <a:rPr lang="en-US" sz="1200" dirty="0" smtClean="0">
+                            <a:t>0.89</a:t>
+                          </a:r>
+                        </a:p>
+                      </a:txBody>
+                      <a:tcPr/>
+                    </a:tc>
+                    <a:tc>
+                      <a:txBody>
+                        <a:bodyPr/>
+                        <a:lstStyle/>
+                        <a:p>
+                          <a:r>
+                            <a:rPr lang="en-US" sz="1200" dirty="0">
                               <a:solidFill>
                                 <a:srgbClr val="FF00FF"/>
                               </a:solidFill>
                               <a:latin typeface="Consolas" panose="020B0609020204030204" pitchFamily="49" charset="0"/>
                               <a:cs typeface="Consolas" panose="020B0609020204030204" pitchFamily="49" charset="0"/>
                             </a:rPr>
-                            <a:t>3</a:t>
-                          </a:r>
-                          <a:endParaRPr lang="en-US" sz="1200" dirty="0">
-                            <a:solidFill>
-                              <a:srgbClr val="FF00FF"/>
-                            </a:solidFill>
-                            <a:latin typeface="Consolas" panose="020B0609020204030204" pitchFamily="49" charset="0"/>
-                            <a:cs typeface="Consolas" panose="020B0609020204030204" pitchFamily="49" charset="0"/>
-                          </a:endParaRPr>
-                        </a:p>
-                      </a:txBody>
-                      <a:tcPr/>
-                    </a:tc>
-                    <a:tc>
-                      <a:txBody>
-                        <a:bodyPr/>
-                        <a:lstStyle/>
-                        <a:p>
-                          <a:r>
-                            <a:rPr lang="en-US" sz="1200" dirty="0" smtClean="0">
+                            <a:t>1</a:t>
+                          </a:r>
+                        </a:p>
+                      </a:txBody>
+                      <a:tcPr/>
+                    </a:tc>
+                    <a:extLst>
+                      <a:ext uri="{0D108BD9-81ED-4DB2-BD59-A6C34878D82A}">
+                        <a16:rowId xmlns:a16="http://schemas.microsoft.com/office/drawing/2014/main" val="10002"/>
+                      </a:ext>
+                    </a:extLst>
+                  </a:tr>
+                  <a:tr h="121582">
+                    <a:tc>
+                      <a:txBody>
+                        <a:bodyPr/>
+                        <a:lstStyle/>
+                        <a:p>
+                          <a:r>
+                            <a:rPr lang="en-US" sz="1200" dirty="0">
                               <a:solidFill>
                                 <a:srgbClr val="FF00FF"/>
                               </a:solidFill>
                               <a:latin typeface="Consolas" panose="020B0609020204030204" pitchFamily="49" charset="0"/>
                               <a:cs typeface="Consolas" panose="020B0609020204030204" pitchFamily="49" charset="0"/>
                             </a:rPr>
-                            <a:t>750</a:t>
-                          </a:r>
-                          <a:endParaRPr lang="en-US" sz="1200" dirty="0">
-                            <a:solidFill>
-                              <a:srgbClr val="FF00FF"/>
-                            </a:solidFill>
-                            <a:latin typeface="Consolas" panose="020B0609020204030204" pitchFamily="49" charset="0"/>
-                            <a:cs typeface="Consolas" panose="020B0609020204030204" pitchFamily="49" charset="0"/>
-                          </a:endParaRPr>
-                        </a:p>
-                      </a:txBody>
-                      <a:tcPr/>
-                    </a:tc>
-                    <a:tc>
-                      <a:txBody>
-                        <a:bodyPr/>
-                        <a:lstStyle/>
-                        <a:p>
-                          <a:r>
-                            <a:rPr lang="en-US" sz="1200" dirty="0" smtClean="0">
+                            <a:t>3</a:t>
+                          </a:r>
+                        </a:p>
+                      </a:txBody>
+                      <a:tcPr/>
+                    </a:tc>
+                    <a:tc>
+                      <a:txBody>
+                        <a:bodyPr/>
+                        <a:lstStyle/>
+                        <a:p>
+                          <a:r>
+                            <a:rPr lang="en-US" sz="1200" dirty="0">
                               <a:solidFill>
                                 <a:srgbClr val="FF00FF"/>
                               </a:solidFill>
                               <a:latin typeface="Consolas" panose="020B0609020204030204" pitchFamily="49" charset="0"/>
                               <a:cs typeface="Consolas" panose="020B0609020204030204" pitchFamily="49" charset="0"/>
                             </a:rPr>
+                            <a:t>750</a:t>
+                          </a:r>
+                        </a:p>
+                      </a:txBody>
+                      <a:tcPr/>
+                    </a:tc>
+                    <a:tc>
+                      <a:txBody>
+                        <a:bodyPr/>
+                        <a:lstStyle/>
+                        <a:p>
+                          <a:r>
+                            <a:rPr lang="en-US" sz="1200" dirty="0">
+                              <a:solidFill>
+                                <a:srgbClr val="FF00FF"/>
+                              </a:solidFill>
+                              <a:latin typeface="Consolas" panose="020B0609020204030204" pitchFamily="49" charset="0"/>
+                              <a:cs typeface="Consolas" panose="020B0609020204030204" pitchFamily="49" charset="0"/>
+                            </a:rPr>
                             <a:t>2</a:t>
                           </a:r>
-                          <a:endParaRPr lang="en-US" sz="1200" dirty="0">
-                            <a:solidFill>
-                              <a:srgbClr val="FF00FF"/>
-                            </a:solidFill>
-                            <a:latin typeface="Consolas" panose="020B0609020204030204" pitchFamily="49" charset="0"/>
-                            <a:cs typeface="Consolas" panose="020B0609020204030204" pitchFamily="49" charset="0"/>
-                          </a:endParaRPr>
                         </a:p>
                       </a:txBody>
                       <a:tcPr/>
@@ -13307,32 +12660,6 @@
                               </m:oMath>
                             </m:oMathPara>
                           </a14:m>
-                          <a:endParaRPr lang="en-US" sz="1200" dirty="0" smtClean="0">
-                            <a:solidFill>
-                              <a:srgbClr val="FF00FF"/>
-                            </a:solidFill>
-                            <a:latin typeface="Consolas" panose="020B0609020204030204" pitchFamily="49" charset="0"/>
-                            <a:cs typeface="Consolas" panose="020B0609020204030204" pitchFamily="49" charset="0"/>
-                          </a:endParaRPr>
-                        </a:p>
-                      </a:txBody>
-                      <a:tcPr/>
-                    </a:tc>
-                    <a:tc>
-                      <a:txBody>
-                        <a:bodyPr/>
-                        <a:lstStyle/>
-                        <a:p>
-                          <a:r>
-                            <a:rPr lang="en-US" sz="1200" dirty="0" smtClean="0">
-                              <a:solidFill>
-                                <a:srgbClr val="FF00FF"/>
-                              </a:solidFill>
-                              <a:latin typeface="Consolas" panose="020B0609020204030204" pitchFamily="49" charset="0"/>
-                              <a:cs typeface="Consolas" panose="020B0609020204030204" pitchFamily="49" charset="0"/>
-                            </a:rPr>
-                            <a:t>0.44</a:t>
-                          </a:r>
                           <a:endParaRPr lang="en-US" sz="1200" dirty="0">
                             <a:solidFill>
                               <a:srgbClr val="FF00FF"/>
@@ -13350,102 +12677,98 @@
                         <a:lstStyle/>
                         <a:p>
                           <a:r>
-                            <a:rPr lang="en-US" sz="1200" dirty="0" smtClean="0">
+                            <a:rPr lang="en-US" sz="1200" dirty="0">
                               <a:solidFill>
                                 <a:srgbClr val="FF00FF"/>
                               </a:solidFill>
                               <a:latin typeface="Consolas" panose="020B0609020204030204" pitchFamily="49" charset="0"/>
                               <a:cs typeface="Consolas" panose="020B0609020204030204" pitchFamily="49" charset="0"/>
                             </a:rPr>
-                            <a:t>1</a:t>
-                          </a:r>
-                          <a:endParaRPr lang="en-US" sz="1200" dirty="0">
-                            <a:solidFill>
-                              <a:srgbClr val="FF00FF"/>
-                            </a:solidFill>
-                            <a:latin typeface="Consolas" panose="020B0609020204030204" pitchFamily="49" charset="0"/>
-                            <a:cs typeface="Consolas" panose="020B0609020204030204" pitchFamily="49" charset="0"/>
-                          </a:endParaRPr>
-                        </a:p>
-                      </a:txBody>
-                      <a:tcPr/>
-                    </a:tc>
-                  </a:tr>
-                  <a:tr h="121582">
-                    <a:tc>
-                      <a:txBody>
-                        <a:bodyPr/>
-                        <a:lstStyle/>
-                        <a:p>
-                          <a:r>
-                            <a:rPr lang="en-US" sz="1200" dirty="0" smtClean="0">
+                            <a:t>0.44</a:t>
+                          </a:r>
+                        </a:p>
+                      </a:txBody>
+                      <a:tcPr/>
+                    </a:tc>
+                    <a:tc>
+                      <a:txBody>
+                        <a:bodyPr/>
+                        <a:lstStyle/>
+                        <a:p>
+                          <a:r>
+                            <a:rPr lang="en-US" sz="1200" dirty="0">
                               <a:solidFill>
                                 <a:srgbClr val="FF00FF"/>
                               </a:solidFill>
                               <a:latin typeface="Consolas" panose="020B0609020204030204" pitchFamily="49" charset="0"/>
                               <a:cs typeface="Consolas" panose="020B0609020204030204" pitchFamily="49" charset="0"/>
                             </a:rPr>
-                            <a:t>4</a:t>
-                          </a:r>
-                          <a:endParaRPr lang="en-US" sz="1200" dirty="0">
-                            <a:solidFill>
-                              <a:srgbClr val="FF00FF"/>
-                            </a:solidFill>
-                            <a:latin typeface="Consolas" panose="020B0609020204030204" pitchFamily="49" charset="0"/>
-                            <a:cs typeface="Consolas" panose="020B0609020204030204" pitchFamily="49" charset="0"/>
-                          </a:endParaRPr>
-                        </a:p>
-                      </a:txBody>
-                      <a:tcPr/>
-                    </a:tc>
-                    <a:tc>
-                      <a:txBody>
-                        <a:bodyPr/>
-                        <a:lstStyle/>
-                        <a:p>
-                          <a:r>
-                            <a:rPr lang="en-US" sz="1200" dirty="0" smtClean="0">
+                            <a:t>1</a:t>
+                          </a:r>
+                        </a:p>
+                      </a:txBody>
+                      <a:tcPr/>
+                    </a:tc>
+                    <a:extLst>
+                      <a:ext uri="{0D108BD9-81ED-4DB2-BD59-A6C34878D82A}">
+                        <a16:rowId xmlns:a16="http://schemas.microsoft.com/office/drawing/2014/main" val="10003"/>
+                      </a:ext>
+                    </a:extLst>
+                  </a:tr>
+                  <a:tr h="121582">
+                    <a:tc>
+                      <a:txBody>
+                        <a:bodyPr/>
+                        <a:lstStyle/>
+                        <a:p>
+                          <a:r>
+                            <a:rPr lang="en-US" sz="1200" dirty="0">
                               <a:solidFill>
                                 <a:srgbClr val="FF00FF"/>
                               </a:solidFill>
                               <a:latin typeface="Consolas" panose="020B0609020204030204" pitchFamily="49" charset="0"/>
                               <a:cs typeface="Consolas" panose="020B0609020204030204" pitchFamily="49" charset="0"/>
                             </a:rPr>
-                            <a:t>800</a:t>
-                          </a:r>
-                          <a:endParaRPr lang="en-US" sz="1200" dirty="0">
-                            <a:solidFill>
-                              <a:srgbClr val="FF00FF"/>
-                            </a:solidFill>
-                            <a:latin typeface="Consolas" panose="020B0609020204030204" pitchFamily="49" charset="0"/>
-                            <a:cs typeface="Consolas" panose="020B0609020204030204" pitchFamily="49" charset="0"/>
-                          </a:endParaRPr>
-                        </a:p>
-                      </a:txBody>
-                      <a:tcPr/>
-                    </a:tc>
-                    <a:tc>
-                      <a:txBody>
-                        <a:bodyPr/>
-                        <a:lstStyle/>
-                        <a:p>
-                          <a:r>
-                            <a:rPr lang="en-US" sz="1200" dirty="0" smtClean="0">
+                            <a:t>4</a:t>
+                          </a:r>
+                        </a:p>
+                      </a:txBody>
+                      <a:tcPr/>
+                    </a:tc>
+                    <a:tc>
+                      <a:txBody>
+                        <a:bodyPr/>
+                        <a:lstStyle/>
+                        <a:p>
+                          <a:r>
+                            <a:rPr lang="en-US" sz="1200" dirty="0">
                               <a:solidFill>
                                 <a:srgbClr val="FF00FF"/>
                               </a:solidFill>
                               <a:latin typeface="Consolas" panose="020B0609020204030204" pitchFamily="49" charset="0"/>
                               <a:cs typeface="Consolas" panose="020B0609020204030204" pitchFamily="49" charset="0"/>
                             </a:rPr>
+                            <a:t>800</a:t>
+                          </a:r>
+                        </a:p>
+                      </a:txBody>
+                      <a:tcPr/>
+                    </a:tc>
+                    <a:tc>
+                      <a:txBody>
+                        <a:bodyPr/>
+                        <a:lstStyle/>
+                        <a:p>
+                          <a:r>
+                            <a:rPr lang="en-US" sz="1200" dirty="0">
+                              <a:solidFill>
+                                <a:srgbClr val="FF00FF"/>
+                              </a:solidFill>
+                              <a:latin typeface="Consolas" panose="020B0609020204030204" pitchFamily="49" charset="0"/>
+                              <a:cs typeface="Consolas" panose="020B0609020204030204" pitchFamily="49" charset="0"/>
+                            </a:rPr>
                             <a:t>1</a:t>
                           </a:r>
-                          <a:endParaRPr lang="en-US" sz="1200" dirty="0">
-                            <a:solidFill>
-                              <a:srgbClr val="FF00FF"/>
-                            </a:solidFill>
-                            <a:latin typeface="Consolas" panose="020B0609020204030204" pitchFamily="49" charset="0"/>
-                            <a:cs typeface="Consolas" panose="020B0609020204030204" pitchFamily="49" charset="0"/>
-                          </a:endParaRPr>
                         </a:p>
                       </a:txBody>
                       <a:tcPr/>
@@ -13492,32 +12815,6 @@
                               </m:oMath>
                             </m:oMathPara>
                           </a14:m>
-                          <a:endParaRPr lang="en-US" sz="1200" dirty="0" smtClean="0">
-                            <a:solidFill>
-                              <a:srgbClr val="FF00FF"/>
-                            </a:solidFill>
-                            <a:latin typeface="Consolas" panose="020B0609020204030204" pitchFamily="49" charset="0"/>
-                            <a:cs typeface="Consolas" panose="020B0609020204030204" pitchFamily="49" charset="0"/>
-                          </a:endParaRPr>
-                        </a:p>
-                      </a:txBody>
-                      <a:tcPr/>
-                    </a:tc>
-                    <a:tc>
-                      <a:txBody>
-                        <a:bodyPr/>
-                        <a:lstStyle/>
-                        <a:p>
-                          <a:r>
-                            <a:rPr lang="en-US" sz="1200" dirty="0" smtClean="0">
-                              <a:solidFill>
-                                <a:srgbClr val="FF00FF"/>
-                              </a:solidFill>
-                              <a:latin typeface="Consolas" panose="020B0609020204030204" pitchFamily="49" charset="0"/>
-                              <a:cs typeface="Consolas" panose="020B0609020204030204" pitchFamily="49" charset="0"/>
-                            </a:rPr>
-                            <a:t>0.27</a:t>
-                          </a:r>
                           <a:endParaRPr lang="en-US" sz="1200" dirty="0">
                             <a:solidFill>
                               <a:srgbClr val="FF00FF"/>
@@ -13535,26 +12832,43 @@
                         <a:lstStyle/>
                         <a:p>
                           <a:r>
-                            <a:rPr lang="en-US" sz="1200" dirty="0" smtClean="0">
+                            <a:rPr lang="en-US" sz="1200" dirty="0">
                               <a:solidFill>
                                 <a:srgbClr val="FF00FF"/>
                               </a:solidFill>
                               <a:latin typeface="Consolas" panose="020B0609020204030204" pitchFamily="49" charset="0"/>
                               <a:cs typeface="Consolas" panose="020B0609020204030204" pitchFamily="49" charset="0"/>
                             </a:rPr>
+                            <a:t>0.27</a:t>
+                          </a:r>
+                        </a:p>
+                      </a:txBody>
+                      <a:tcPr/>
+                    </a:tc>
+                    <a:tc>
+                      <a:txBody>
+                        <a:bodyPr/>
+                        <a:lstStyle/>
+                        <a:p>
+                          <a:r>
+                            <a:rPr lang="en-US" sz="1200" dirty="0">
+                              <a:solidFill>
+                                <a:srgbClr val="FF00FF"/>
+                              </a:solidFill>
+                              <a:latin typeface="Consolas" panose="020B0609020204030204" pitchFamily="49" charset="0"/>
+                              <a:cs typeface="Consolas" panose="020B0609020204030204" pitchFamily="49" charset="0"/>
+                            </a:rPr>
                             <a:t>1</a:t>
                           </a:r>
-                          <a:endParaRPr lang="en-US" sz="1200" dirty="0">
-                            <a:solidFill>
-                              <a:srgbClr val="FF00FF"/>
-                            </a:solidFill>
-                            <a:latin typeface="Consolas" panose="020B0609020204030204" pitchFamily="49" charset="0"/>
-                            <a:cs typeface="Consolas" panose="020B0609020204030204" pitchFamily="49" charset="0"/>
-                          </a:endParaRPr>
-                        </a:p>
-                      </a:txBody>
-                      <a:tcPr/>
-                    </a:tc>
+                        </a:p>
+                      </a:txBody>
+                      <a:tcPr/>
+                    </a:tc>
+                    <a:extLst>
+                      <a:ext uri="{0D108BD9-81ED-4DB2-BD59-A6C34878D82A}">
+                        <a16:rowId xmlns:a16="http://schemas.microsoft.com/office/drawing/2014/main" val="10004"/>
+                      </a:ext>
+                    </a:extLst>
                   </a:tr>
                   <a:tr h="121582">
                     <a:tc>
@@ -13563,7 +12877,7 @@
                         <a:lstStyle/>
                         <a:p>
                           <a:r>
-                            <a:rPr lang="en-US" sz="1200" dirty="0" smtClean="0">
+                            <a:rPr lang="en-US" sz="1200" dirty="0">
                               <a:solidFill>
                                 <a:schemeClr val="bg1"/>
                               </a:solidFill>
@@ -13572,13 +12886,6 @@
                             </a:rPr>
                             <a:t>4</a:t>
                           </a:r>
-                          <a:endParaRPr lang="en-US" sz="1200" dirty="0">
-                            <a:solidFill>
-                              <a:schemeClr val="bg1"/>
-                            </a:solidFill>
-                            <a:latin typeface="Consolas" panose="020B0609020204030204" pitchFamily="49" charset="0"/>
-                            <a:cs typeface="Consolas" panose="020B0609020204030204" pitchFamily="49" charset="0"/>
-                          </a:endParaRPr>
                         </a:p>
                       </a:txBody>
                       <a:tcPr>
@@ -13593,7 +12900,7 @@
                         <a:lstStyle/>
                         <a:p>
                           <a:r>
-                            <a:rPr lang="en-US" sz="1200" dirty="0" smtClean="0">
+                            <a:rPr lang="en-US" sz="1200" dirty="0">
                               <a:solidFill>
                                 <a:schemeClr val="bg1"/>
                               </a:solidFill>
@@ -13602,13 +12909,6 @@
                             </a:rPr>
                             <a:t>850</a:t>
                           </a:r>
-                          <a:endParaRPr lang="en-US" sz="1200" dirty="0">
-                            <a:solidFill>
-                              <a:schemeClr val="bg1"/>
-                            </a:solidFill>
-                            <a:latin typeface="Consolas" panose="020B0609020204030204" pitchFamily="49" charset="0"/>
-                            <a:cs typeface="Consolas" panose="020B0609020204030204" pitchFamily="49" charset="0"/>
-                          </a:endParaRPr>
                         </a:p>
                       </a:txBody>
                       <a:tcPr>
@@ -13623,7 +12923,7 @@
                         <a:lstStyle/>
                         <a:p>
                           <a:r>
-                            <a:rPr lang="en-US" sz="1200" dirty="0" smtClean="0">
+                            <a:rPr lang="en-US" sz="1200" dirty="0">
                               <a:solidFill>
                                 <a:schemeClr val="bg1"/>
                               </a:solidFill>
@@ -13632,13 +12932,6 @@
                             </a:rPr>
                             <a:t>1</a:t>
                           </a:r>
-                          <a:endParaRPr lang="en-US" sz="1200" dirty="0">
-                            <a:solidFill>
-                              <a:schemeClr val="bg1"/>
-                            </a:solidFill>
-                            <a:latin typeface="Consolas" panose="020B0609020204030204" pitchFamily="49" charset="0"/>
-                            <a:cs typeface="Consolas" panose="020B0609020204030204" pitchFamily="49" charset="0"/>
-                          </a:endParaRPr>
                         </a:p>
                       </a:txBody>
                       <a:tcPr>
@@ -13689,36 +12982,6 @@
                               </m:oMath>
                             </m:oMathPara>
                           </a14:m>
-                          <a:endParaRPr lang="en-US" sz="1200" dirty="0" smtClean="0">
-                            <a:solidFill>
-                              <a:schemeClr val="bg1"/>
-                            </a:solidFill>
-                            <a:latin typeface="Consolas" panose="020B0609020204030204" pitchFamily="49" charset="0"/>
-                            <a:cs typeface="Consolas" panose="020B0609020204030204" pitchFamily="49" charset="0"/>
-                          </a:endParaRPr>
-                        </a:p>
-                      </a:txBody>
-                      <a:tcPr>
-                        <a:solidFill>
-                          <a:srgbClr val="FF00FF"/>
-                        </a:solidFill>
-                      </a:tcPr>
-                    </a:tc>
-                    <a:tc>
-                      <a:txBody>
-                        <a:bodyPr/>
-                        <a:lstStyle/>
-                        <a:p>
-                          <a:r>
-                            <a:rPr lang="en-US" sz="1200" dirty="0" smtClean="0">
-                              <a:solidFill>
-                                <a:schemeClr val="bg1"/>
-                              </a:solidFill>
-                              <a:latin typeface="Consolas" panose="020B0609020204030204" pitchFamily="49" charset="0"/>
-                              <a:cs typeface="Consolas" panose="020B0609020204030204" pitchFamily="49" charset="0"/>
-                            </a:rPr>
-                            <a:t>0.33</a:t>
-                          </a:r>
                           <a:endParaRPr lang="en-US" sz="1200" dirty="0">
                             <a:solidFill>
                               <a:schemeClr val="bg1"/>
@@ -13740,22 +13003,15 @@
                         <a:lstStyle/>
                         <a:p>
                           <a:r>
-                            <a:rPr lang="en-US" sz="1200" dirty="0" smtClean="0">
+                            <a:rPr lang="en-US" sz="1200" dirty="0">
                               <a:solidFill>
                                 <a:schemeClr val="bg1"/>
                               </a:solidFill>
                               <a:latin typeface="Consolas" panose="020B0609020204030204" pitchFamily="49" charset="0"/>
                               <a:cs typeface="Consolas" panose="020B0609020204030204" pitchFamily="49" charset="0"/>
                             </a:rPr>
-                            <a:t>0</a:t>
-                          </a:r>
-                          <a:endParaRPr lang="en-US" sz="1200" dirty="0">
-                            <a:solidFill>
-                              <a:schemeClr val="bg1"/>
-                            </a:solidFill>
-                            <a:latin typeface="Consolas" panose="020B0609020204030204" pitchFamily="49" charset="0"/>
-                            <a:cs typeface="Consolas" panose="020B0609020204030204" pitchFamily="49" charset="0"/>
-                          </a:endParaRPr>
+                            <a:t>0.33</a:t>
+                          </a:r>
                         </a:p>
                       </a:txBody>
                       <a:tcPr>
@@ -13764,30 +13020,21 @@
                         </a:solidFill>
                       </a:tcPr>
                     </a:tc>
-                  </a:tr>
-                  <a:tr h="121582">
-                    <a:tc>
-                      <a:txBody>
-                        <a:bodyPr/>
-                        <a:lstStyle/>
-                        <a:p>
-                          <a:r>
-                            <a:rPr lang="en-US" sz="1200" dirty="0" smtClean="0">
+                    <a:tc>
+                      <a:txBody>
+                        <a:bodyPr/>
+                        <a:lstStyle/>
+                        <a:p>
+                          <a:r>
+                            <a:rPr lang="en-US" sz="1200" dirty="0">
                               <a:solidFill>
                                 <a:schemeClr val="bg1"/>
                               </a:solidFill>
                               <a:latin typeface="Consolas" panose="020B0609020204030204" pitchFamily="49" charset="0"/>
                               <a:cs typeface="Consolas" panose="020B0609020204030204" pitchFamily="49" charset="0"/>
                             </a:rPr>
-                            <a:t>3</a:t>
-                          </a:r>
-                          <a:endParaRPr lang="en-US" sz="1200" dirty="0">
-                            <a:solidFill>
-                              <a:schemeClr val="bg1"/>
-                            </a:solidFill>
-                            <a:latin typeface="Consolas" panose="020B0609020204030204" pitchFamily="49" charset="0"/>
-                            <a:cs typeface="Consolas" panose="020B0609020204030204" pitchFamily="49" charset="0"/>
-                          </a:endParaRPr>
+                            <a:t>0</a:t>
+                          </a:r>
                         </a:p>
                       </a:txBody>
                       <a:tcPr>
@@ -13796,28 +13043,28 @@
                         </a:solidFill>
                       </a:tcPr>
                     </a:tc>
-                    <a:tc>
-                      <a:txBody>
-                        <a:bodyPr/>
-                        <a:lstStyle/>
-                        <a:p>
-                          <a:r>
-                            <a:rPr lang="en-US" sz="1200" dirty="0" smtClean="0">
+                    <a:extLst>
+                      <a:ext uri="{0D108BD9-81ED-4DB2-BD59-A6C34878D82A}">
+                        <a16:rowId xmlns:a16="http://schemas.microsoft.com/office/drawing/2014/main" val="10005"/>
+                      </a:ext>
+                    </a:extLst>
+                  </a:tr>
+                  <a:tr h="121582">
+                    <a:tc>
+                      <a:txBody>
+                        <a:bodyPr/>
+                        <a:lstStyle/>
+                        <a:p>
+                          <a:r>
+                            <a:rPr lang="en-US" sz="1200" dirty="0">
                               <a:solidFill>
                                 <a:schemeClr val="bg1"/>
                               </a:solidFill>
                               <a:latin typeface="Consolas" panose="020B0609020204030204" pitchFamily="49" charset="0"/>
                               <a:cs typeface="Consolas" panose="020B0609020204030204" pitchFamily="49" charset="0"/>
                             </a:rPr>
-                            <a:t>800</a:t>
-                          </a:r>
-                          <a:endParaRPr lang="en-US" sz="1200" dirty="0">
-                            <a:solidFill>
-                              <a:schemeClr val="bg1"/>
-                            </a:solidFill>
-                            <a:latin typeface="Consolas" panose="020B0609020204030204" pitchFamily="49" charset="0"/>
-                            <a:cs typeface="Consolas" panose="020B0609020204030204" pitchFamily="49" charset="0"/>
-                          </a:endParaRPr>
+                            <a:t>3</a:t>
+                          </a:r>
                         </a:p>
                       </a:txBody>
                       <a:tcPr>
@@ -13832,22 +13079,38 @@
                         <a:lstStyle/>
                         <a:p>
                           <a:r>
-                            <a:rPr lang="en-US" sz="1200" dirty="0" smtClean="0">
+                            <a:rPr lang="en-US" sz="1200" dirty="0">
                               <a:solidFill>
                                 <a:schemeClr val="bg1"/>
                               </a:solidFill>
                               <a:latin typeface="Consolas" panose="020B0609020204030204" pitchFamily="49" charset="0"/>
                               <a:cs typeface="Consolas" panose="020B0609020204030204" pitchFamily="49" charset="0"/>
                             </a:rPr>
+                            <a:t>800</a:t>
+                          </a:r>
+                        </a:p>
+                      </a:txBody>
+                      <a:tcPr>
+                        <a:solidFill>
+                          <a:srgbClr val="FF00FF"/>
+                        </a:solidFill>
+                      </a:tcPr>
+                    </a:tc>
+                    <a:tc>
+                      <a:txBody>
+                        <a:bodyPr/>
+                        <a:lstStyle/>
+                        <a:p>
+                          <a:r>
+                            <a:rPr lang="en-US" sz="1200" dirty="0">
+                              <a:solidFill>
+                                <a:schemeClr val="bg1"/>
+                              </a:solidFill>
+                              <a:latin typeface="Consolas" panose="020B0609020204030204" pitchFamily="49" charset="0"/>
+                              <a:cs typeface="Consolas" panose="020B0609020204030204" pitchFamily="49" charset="0"/>
+                            </a:rPr>
                             <a:t>2</a:t>
                           </a:r>
-                          <a:endParaRPr lang="en-US" sz="1200" dirty="0">
-                            <a:solidFill>
-                              <a:schemeClr val="bg1"/>
-                            </a:solidFill>
-                            <a:latin typeface="Consolas" panose="020B0609020204030204" pitchFamily="49" charset="0"/>
-                            <a:cs typeface="Consolas" panose="020B0609020204030204" pitchFamily="49" charset="0"/>
-                          </a:endParaRPr>
                         </a:p>
                       </a:txBody>
                       <a:tcPr>
@@ -13898,36 +13161,6 @@
                               </m:oMath>
                             </m:oMathPara>
                           </a14:m>
-                          <a:endParaRPr lang="en-US" sz="1200" dirty="0" smtClean="0">
-                            <a:solidFill>
-                              <a:schemeClr val="bg1"/>
-                            </a:solidFill>
-                            <a:latin typeface="Consolas" panose="020B0609020204030204" pitchFamily="49" charset="0"/>
-                            <a:cs typeface="Consolas" panose="020B0609020204030204" pitchFamily="49" charset="0"/>
-                          </a:endParaRPr>
-                        </a:p>
-                      </a:txBody>
-                      <a:tcPr>
-                        <a:solidFill>
-                          <a:srgbClr val="FF00FF"/>
-                        </a:solidFill>
-                      </a:tcPr>
-                    </a:tc>
-                    <a:tc>
-                      <a:txBody>
-                        <a:bodyPr/>
-                        <a:lstStyle/>
-                        <a:p>
-                          <a:r>
-                            <a:rPr lang="en-US" sz="1200" dirty="0" smtClean="0">
-                              <a:solidFill>
-                                <a:schemeClr val="bg1"/>
-                              </a:solidFill>
-                              <a:latin typeface="Consolas" panose="020B0609020204030204" pitchFamily="49" charset="0"/>
-                              <a:cs typeface="Consolas" panose="020B0609020204030204" pitchFamily="49" charset="0"/>
-                            </a:rPr>
-                            <a:t>0.66</a:t>
-                          </a:r>
                           <a:endParaRPr lang="en-US" sz="1200" dirty="0">
                             <a:solidFill>
                               <a:schemeClr val="bg1"/>
@@ -13949,22 +13182,15 @@
                         <a:lstStyle/>
                         <a:p>
                           <a:r>
-                            <a:rPr lang="en-US" sz="1200" dirty="0" smtClean="0">
+                            <a:rPr lang="en-US" sz="1200" dirty="0">
                               <a:solidFill>
                                 <a:schemeClr val="bg1"/>
                               </a:solidFill>
                               <a:latin typeface="Consolas" panose="020B0609020204030204" pitchFamily="49" charset="0"/>
                               <a:cs typeface="Consolas" panose="020B0609020204030204" pitchFamily="49" charset="0"/>
                             </a:rPr>
-                            <a:t>0</a:t>
-                          </a:r>
-                          <a:endParaRPr lang="en-US" sz="1200" dirty="0">
-                            <a:solidFill>
-                              <a:schemeClr val="bg1"/>
-                            </a:solidFill>
-                            <a:latin typeface="Consolas" panose="020B0609020204030204" pitchFamily="49" charset="0"/>
-                            <a:cs typeface="Consolas" panose="020B0609020204030204" pitchFamily="49" charset="0"/>
-                          </a:endParaRPr>
+                            <a:t>0.66</a:t>
+                          </a:r>
                         </a:p>
                       </a:txBody>
                       <a:tcPr>
@@ -13973,30 +13199,21 @@
                         </a:solidFill>
                       </a:tcPr>
                     </a:tc>
-                  </a:tr>
-                  <a:tr h="121582">
-                    <a:tc>
-                      <a:txBody>
-                        <a:bodyPr/>
-                        <a:lstStyle/>
-                        <a:p>
-                          <a:r>
-                            <a:rPr lang="en-US" sz="1200" dirty="0" smtClean="0">
+                    <a:tc>
+                      <a:txBody>
+                        <a:bodyPr/>
+                        <a:lstStyle/>
+                        <a:p>
+                          <a:r>
+                            <a:rPr lang="en-US" sz="1200" dirty="0">
                               <a:solidFill>
                                 <a:schemeClr val="bg1"/>
                               </a:solidFill>
                               <a:latin typeface="Consolas" panose="020B0609020204030204" pitchFamily="49" charset="0"/>
                               <a:cs typeface="Consolas" panose="020B0609020204030204" pitchFamily="49" charset="0"/>
                             </a:rPr>
-                            <a:t>2</a:t>
-                          </a:r>
-                          <a:endParaRPr lang="en-US" sz="1200" dirty="0">
-                            <a:solidFill>
-                              <a:schemeClr val="bg1"/>
-                            </a:solidFill>
-                            <a:latin typeface="Consolas" panose="020B0609020204030204" pitchFamily="49" charset="0"/>
-                            <a:cs typeface="Consolas" panose="020B0609020204030204" pitchFamily="49" charset="0"/>
-                          </a:endParaRPr>
+                            <a:t>0</a:t>
+                          </a:r>
                         </a:p>
                       </a:txBody>
                       <a:tcPr>
@@ -14005,28 +13222,28 @@
                         </a:solidFill>
                       </a:tcPr>
                     </a:tc>
-                    <a:tc>
-                      <a:txBody>
-                        <a:bodyPr/>
-                        <a:lstStyle/>
-                        <a:p>
-                          <a:r>
-                            <a:rPr lang="en-US" sz="1200" dirty="0" smtClean="0">
+                    <a:extLst>
+                      <a:ext uri="{0D108BD9-81ED-4DB2-BD59-A6C34878D82A}">
+                        <a16:rowId xmlns:a16="http://schemas.microsoft.com/office/drawing/2014/main" val="10006"/>
+                      </a:ext>
+                    </a:extLst>
+                  </a:tr>
+                  <a:tr h="121582">
+                    <a:tc>
+                      <a:txBody>
+                        <a:bodyPr/>
+                        <a:lstStyle/>
+                        <a:p>
+                          <a:r>
+                            <a:rPr lang="en-US" sz="1200" dirty="0">
                               <a:solidFill>
                                 <a:schemeClr val="bg1"/>
                               </a:solidFill>
                               <a:latin typeface="Consolas" panose="020B0609020204030204" pitchFamily="49" charset="0"/>
                               <a:cs typeface="Consolas" panose="020B0609020204030204" pitchFamily="49" charset="0"/>
                             </a:rPr>
-                            <a:t>750</a:t>
-                          </a:r>
-                          <a:endParaRPr lang="en-US" sz="1200" dirty="0">
-                            <a:solidFill>
-                              <a:schemeClr val="bg1"/>
-                            </a:solidFill>
-                            <a:latin typeface="Consolas" panose="020B0609020204030204" pitchFamily="49" charset="0"/>
-                            <a:cs typeface="Consolas" panose="020B0609020204030204" pitchFamily="49" charset="0"/>
-                          </a:endParaRPr>
+                            <a:t>2</a:t>
+                          </a:r>
                         </a:p>
                       </a:txBody>
                       <a:tcPr>
@@ -14041,22 +13258,38 @@
                         <a:lstStyle/>
                         <a:p>
                           <a:r>
-                            <a:rPr lang="en-US" sz="1200" dirty="0" smtClean="0">
+                            <a:rPr lang="en-US" sz="1200" dirty="0">
                               <a:solidFill>
                                 <a:schemeClr val="bg1"/>
                               </a:solidFill>
                               <a:latin typeface="Consolas" panose="020B0609020204030204" pitchFamily="49" charset="0"/>
                               <a:cs typeface="Consolas" panose="020B0609020204030204" pitchFamily="49" charset="0"/>
                             </a:rPr>
+                            <a:t>750</a:t>
+                          </a:r>
+                        </a:p>
+                      </a:txBody>
+                      <a:tcPr>
+                        <a:solidFill>
+                          <a:srgbClr val="FF00FF"/>
+                        </a:solidFill>
+                      </a:tcPr>
+                    </a:tc>
+                    <a:tc>
+                      <a:txBody>
+                        <a:bodyPr/>
+                        <a:lstStyle/>
+                        <a:p>
+                          <a:r>
+                            <a:rPr lang="en-US" sz="1200" dirty="0">
+                              <a:solidFill>
+                                <a:schemeClr val="bg1"/>
+                              </a:solidFill>
+                              <a:latin typeface="Consolas" panose="020B0609020204030204" pitchFamily="49" charset="0"/>
+                              <a:cs typeface="Consolas" panose="020B0609020204030204" pitchFamily="49" charset="0"/>
+                            </a:rPr>
                             <a:t>3</a:t>
                           </a:r>
-                          <a:endParaRPr lang="en-US" sz="1200" dirty="0">
-                            <a:solidFill>
-                              <a:schemeClr val="bg1"/>
-                            </a:solidFill>
-                            <a:latin typeface="Consolas" panose="020B0609020204030204" pitchFamily="49" charset="0"/>
-                            <a:cs typeface="Consolas" panose="020B0609020204030204" pitchFamily="49" charset="0"/>
-                          </a:endParaRPr>
                         </a:p>
                       </a:txBody>
                       <a:tcPr>
@@ -14107,36 +13340,6 @@
                               </m:oMath>
                             </m:oMathPara>
                           </a14:m>
-                          <a:endParaRPr lang="en-US" sz="1200" dirty="0" smtClean="0">
-                            <a:solidFill>
-                              <a:schemeClr val="bg1"/>
-                            </a:solidFill>
-                            <a:latin typeface="Consolas" panose="020B0609020204030204" pitchFamily="49" charset="0"/>
-                            <a:cs typeface="Consolas" panose="020B0609020204030204" pitchFamily="49" charset="0"/>
-                          </a:endParaRPr>
-                        </a:p>
-                      </a:txBody>
-                      <a:tcPr>
-                        <a:solidFill>
-                          <a:srgbClr val="FF00FF"/>
-                        </a:solidFill>
-                      </a:tcPr>
-                    </a:tc>
-                    <a:tc>
-                      <a:txBody>
-                        <a:bodyPr/>
-                        <a:lstStyle/>
-                        <a:p>
-                          <a:r>
-                            <a:rPr lang="en-US" sz="1200" dirty="0" smtClean="0">
-                              <a:solidFill>
-                                <a:schemeClr val="bg1"/>
-                              </a:solidFill>
-                              <a:latin typeface="Consolas" panose="020B0609020204030204" pitchFamily="49" charset="0"/>
-                              <a:cs typeface="Consolas" panose="020B0609020204030204" pitchFamily="49" charset="0"/>
-                            </a:rPr>
-                            <a:t>0.66</a:t>
-                          </a:r>
                           <a:endParaRPr lang="en-US" sz="1200" dirty="0">
                             <a:solidFill>
                               <a:schemeClr val="bg1"/>
@@ -14158,22 +13361,15 @@
                         <a:lstStyle/>
                         <a:p>
                           <a:r>
-                            <a:rPr lang="en-US" sz="1200" dirty="0" smtClean="0">
+                            <a:rPr lang="en-US" sz="1200" dirty="0">
                               <a:solidFill>
                                 <a:schemeClr val="bg1"/>
                               </a:solidFill>
                               <a:latin typeface="Consolas" panose="020B0609020204030204" pitchFamily="49" charset="0"/>
                               <a:cs typeface="Consolas" panose="020B0609020204030204" pitchFamily="49" charset="0"/>
                             </a:rPr>
-                            <a:t>0</a:t>
-                          </a:r>
-                          <a:endParaRPr lang="en-US" sz="1200" dirty="0">
-                            <a:solidFill>
-                              <a:schemeClr val="bg1"/>
-                            </a:solidFill>
-                            <a:latin typeface="Consolas" panose="020B0609020204030204" pitchFamily="49" charset="0"/>
-                            <a:cs typeface="Consolas" panose="020B0609020204030204" pitchFamily="49" charset="0"/>
-                          </a:endParaRPr>
+                            <a:t>0.66</a:t>
+                          </a:r>
                         </a:p>
                       </a:txBody>
                       <a:tcPr>
@@ -14182,30 +13378,21 @@
                         </a:solidFill>
                       </a:tcPr>
                     </a:tc>
-                  </a:tr>
-                  <a:tr h="121582">
-                    <a:tc>
-                      <a:txBody>
-                        <a:bodyPr/>
-                        <a:lstStyle/>
-                        <a:p>
-                          <a:r>
-                            <a:rPr lang="en-US" sz="1200" dirty="0" smtClean="0">
+                    <a:tc>
+                      <a:txBody>
+                        <a:bodyPr/>
+                        <a:lstStyle/>
+                        <a:p>
+                          <a:r>
+                            <a:rPr lang="en-US" sz="1200" dirty="0">
                               <a:solidFill>
                                 <a:schemeClr val="bg1"/>
                               </a:solidFill>
                               <a:latin typeface="Consolas" panose="020B0609020204030204" pitchFamily="49" charset="0"/>
                               <a:cs typeface="Consolas" panose="020B0609020204030204" pitchFamily="49" charset="0"/>
                             </a:rPr>
-                            <a:t>1</a:t>
-                          </a:r>
-                          <a:endParaRPr lang="en-US" sz="1200" dirty="0">
-                            <a:solidFill>
-                              <a:schemeClr val="bg1"/>
-                            </a:solidFill>
-                            <a:latin typeface="Consolas" panose="020B0609020204030204" pitchFamily="49" charset="0"/>
-                            <a:cs typeface="Consolas" panose="020B0609020204030204" pitchFamily="49" charset="0"/>
-                          </a:endParaRPr>
+                            <a:t>0</a:t>
+                          </a:r>
                         </a:p>
                       </a:txBody>
                       <a:tcPr>
@@ -14214,28 +13401,28 @@
                         </a:solidFill>
                       </a:tcPr>
                     </a:tc>
-                    <a:tc>
-                      <a:txBody>
-                        <a:bodyPr/>
-                        <a:lstStyle/>
-                        <a:p>
-                          <a:r>
-                            <a:rPr lang="en-US" sz="1200" dirty="0" smtClean="0">
+                    <a:extLst>
+                      <a:ext uri="{0D108BD9-81ED-4DB2-BD59-A6C34878D82A}">
+                        <a16:rowId xmlns:a16="http://schemas.microsoft.com/office/drawing/2014/main" val="10007"/>
+                      </a:ext>
+                    </a:extLst>
+                  </a:tr>
+                  <a:tr h="121582">
+                    <a:tc>
+                      <a:txBody>
+                        <a:bodyPr/>
+                        <a:lstStyle/>
+                        <a:p>
+                          <a:r>
+                            <a:rPr lang="en-US" sz="1200" dirty="0">
                               <a:solidFill>
                                 <a:schemeClr val="bg1"/>
                               </a:solidFill>
                               <a:latin typeface="Consolas" panose="020B0609020204030204" pitchFamily="49" charset="0"/>
                               <a:cs typeface="Consolas" panose="020B0609020204030204" pitchFamily="49" charset="0"/>
                             </a:rPr>
-                            <a:t>700</a:t>
-                          </a:r>
-                          <a:endParaRPr lang="en-US" sz="1200" dirty="0">
-                            <a:solidFill>
-                              <a:schemeClr val="bg1"/>
-                            </a:solidFill>
-                            <a:latin typeface="Consolas" panose="020B0609020204030204" pitchFamily="49" charset="0"/>
-                            <a:cs typeface="Consolas" panose="020B0609020204030204" pitchFamily="49" charset="0"/>
-                          </a:endParaRPr>
+                            <a:t>1</a:t>
+                          </a:r>
                         </a:p>
                       </a:txBody>
                       <a:tcPr>
@@ -14250,22 +13437,38 @@
                         <a:lstStyle/>
                         <a:p>
                           <a:r>
-                            <a:rPr lang="en-US" sz="1200" dirty="0" smtClean="0">
+                            <a:rPr lang="en-US" sz="1200" dirty="0">
                               <a:solidFill>
                                 <a:schemeClr val="bg1"/>
                               </a:solidFill>
                               <a:latin typeface="Consolas" panose="020B0609020204030204" pitchFamily="49" charset="0"/>
                               <a:cs typeface="Consolas" panose="020B0609020204030204" pitchFamily="49" charset="0"/>
                             </a:rPr>
+                            <a:t>700</a:t>
+                          </a:r>
+                        </a:p>
+                      </a:txBody>
+                      <a:tcPr>
+                        <a:solidFill>
+                          <a:srgbClr val="FF00FF"/>
+                        </a:solidFill>
+                      </a:tcPr>
+                    </a:tc>
+                    <a:tc>
+                      <a:txBody>
+                        <a:bodyPr/>
+                        <a:lstStyle/>
+                        <a:p>
+                          <a:r>
+                            <a:rPr lang="en-US" sz="1200" dirty="0">
+                              <a:solidFill>
+                                <a:schemeClr val="bg1"/>
+                              </a:solidFill>
+                              <a:latin typeface="Consolas" panose="020B0609020204030204" pitchFamily="49" charset="0"/>
+                              <a:cs typeface="Consolas" panose="020B0609020204030204" pitchFamily="49" charset="0"/>
+                            </a:rPr>
                             <a:t>4</a:t>
                           </a:r>
-                          <a:endParaRPr lang="en-US" sz="1200" dirty="0">
-                            <a:solidFill>
-                              <a:schemeClr val="bg1"/>
-                            </a:solidFill>
-                            <a:latin typeface="Consolas" panose="020B0609020204030204" pitchFamily="49" charset="0"/>
-                            <a:cs typeface="Consolas" panose="020B0609020204030204" pitchFamily="49" charset="0"/>
-                          </a:endParaRPr>
                         </a:p>
                       </a:txBody>
                       <a:tcPr>
@@ -14316,36 +13519,6 @@
                               </m:oMath>
                             </m:oMathPara>
                           </a14:m>
-                          <a:endParaRPr lang="en-US" sz="1200" dirty="0" smtClean="0">
-                            <a:solidFill>
-                              <a:schemeClr val="bg1"/>
-                            </a:solidFill>
-                            <a:latin typeface="Consolas" panose="020B0609020204030204" pitchFamily="49" charset="0"/>
-                            <a:cs typeface="Consolas" panose="020B0609020204030204" pitchFamily="49" charset="0"/>
-                          </a:endParaRPr>
-                        </a:p>
-                      </a:txBody>
-                      <a:tcPr>
-                        <a:solidFill>
-                          <a:srgbClr val="FF00FF"/>
-                        </a:solidFill>
-                      </a:tcPr>
-                    </a:tc>
-                    <a:tc>
-                      <a:txBody>
-                        <a:bodyPr/>
-                        <a:lstStyle/>
-                        <a:p>
-                          <a:r>
-                            <a:rPr lang="en-US" sz="1200" dirty="0" smtClean="0">
-                              <a:solidFill>
-                                <a:schemeClr val="bg1"/>
-                              </a:solidFill>
-                              <a:latin typeface="Consolas" panose="020B0609020204030204" pitchFamily="49" charset="0"/>
-                              <a:cs typeface="Consolas" panose="020B0609020204030204" pitchFamily="49" charset="0"/>
-                            </a:rPr>
-                            <a:t>0.66</a:t>
-                          </a:r>
                           <a:endParaRPr lang="en-US" sz="1200" dirty="0">
                             <a:solidFill>
                               <a:schemeClr val="bg1"/>
@@ -14367,22 +13540,15 @@
                         <a:lstStyle/>
                         <a:p>
                           <a:r>
-                            <a:rPr lang="en-US" sz="1200" dirty="0" smtClean="0">
+                            <a:rPr lang="en-US" sz="1200" dirty="0">
                               <a:solidFill>
                                 <a:schemeClr val="bg1"/>
                               </a:solidFill>
                               <a:latin typeface="Consolas" panose="020B0609020204030204" pitchFamily="49" charset="0"/>
                               <a:cs typeface="Consolas" panose="020B0609020204030204" pitchFamily="49" charset="0"/>
                             </a:rPr>
-                            <a:t>0</a:t>
-                          </a:r>
-                          <a:endParaRPr lang="en-US" sz="1200" dirty="0">
-                            <a:solidFill>
-                              <a:schemeClr val="bg1"/>
-                            </a:solidFill>
-                            <a:latin typeface="Consolas" panose="020B0609020204030204" pitchFamily="49" charset="0"/>
-                            <a:cs typeface="Consolas" panose="020B0609020204030204" pitchFamily="49" charset="0"/>
-                          </a:endParaRPr>
+                            <a:t>0.66</a:t>
+                          </a:r>
                         </a:p>
                       </a:txBody>
                       <a:tcPr>
@@ -14391,13 +13557,41 @@
                         </a:solidFill>
                       </a:tcPr>
                     </a:tc>
+                    <a:tc>
+                      <a:txBody>
+                        <a:bodyPr/>
+                        <a:lstStyle/>
+                        <a:p>
+                          <a:r>
+                            <a:rPr lang="en-US" sz="1200" dirty="0">
+                              <a:solidFill>
+                                <a:schemeClr val="bg1"/>
+                              </a:solidFill>
+                              <a:latin typeface="Consolas" panose="020B0609020204030204" pitchFamily="49" charset="0"/>
+                              <a:cs typeface="Consolas" panose="020B0609020204030204" pitchFamily="49" charset="0"/>
+                            </a:rPr>
+                            <a:t>0</a:t>
+                          </a:r>
+                        </a:p>
+                      </a:txBody>
+                      <a:tcPr>
+                        <a:solidFill>
+                          <a:srgbClr val="FF00FF"/>
+                        </a:solidFill>
+                      </a:tcPr>
+                    </a:tc>
+                    <a:extLst>
+                      <a:ext uri="{0D108BD9-81ED-4DB2-BD59-A6C34878D82A}">
+                        <a16:rowId xmlns:a16="http://schemas.microsoft.com/office/drawing/2014/main" val="10008"/>
+                      </a:ext>
+                    </a:extLst>
                   </a:tr>
                 </a:tbl>
               </a:graphicData>
             </a:graphic>
           </p:graphicFrame>
         </mc:Choice>
-        <mc:Fallback>
+        <mc:Fallback xmlns="">
           <p:graphicFrame>
             <p:nvGraphicFramePr>
               <p:cNvPr id="77" name="Table 76"/>
@@ -15865,7 +15059,7 @@
           <a:p>
             <a:pPr algn="ctr"/>
             <a:r>
-              <a:rPr lang="en-US" sz="2800" dirty="0" smtClean="0">
+              <a:rPr lang="en-US" sz="2800" dirty="0">
                 <a:solidFill>
                   <a:srgbClr val="FF00FF"/>
                 </a:solidFill>
@@ -15874,13 +15068,6 @@
               </a:rPr>
               <a:t>Attack</a:t>
             </a:r>
-            <a:endParaRPr lang="en-US" sz="2800" dirty="0">
-              <a:solidFill>
-                <a:srgbClr val="FF00FF"/>
-              </a:solidFill>
-              <a:latin typeface="Consolas" panose="020B0609020204030204" pitchFamily="49" charset="0"/>
-              <a:cs typeface="Consolas" panose="020B0609020204030204" pitchFamily="49" charset="0"/>
-            </a:endParaRPr>
           </a:p>
         </p:txBody>
       </p:sp>
@@ -15969,7 +15156,7 @@
                 <a:p>
                   <a:pPr algn="ctr"/>
                   <a:r>
-                    <a:rPr lang="en-US" sz="1400" dirty="0" smtClean="0">
+                    <a:rPr lang="en-US" sz="1400" dirty="0">
                       <a:solidFill>
                         <a:srgbClr val="FF00FF"/>
                       </a:solidFill>
@@ -15978,13 +15165,6 @@
                     </a:rPr>
                     <a:t>start</a:t>
                   </a:r>
-                  <a:endParaRPr lang="en-US" sz="1400" dirty="0">
-                    <a:solidFill>
-                      <a:srgbClr val="FF00FF"/>
-                    </a:solidFill>
-                    <a:latin typeface="Consolas" panose="020B0609020204030204" pitchFamily="49" charset="0"/>
-                    <a:cs typeface="Consolas" panose="020B0609020204030204" pitchFamily="49" charset="0"/>
-                  </a:endParaRPr>
                 </a:p>
               </p:txBody>
             </p:sp>
@@ -16173,7 +15353,7 @@
                 <a:p>
                   <a:pPr algn="ctr"/>
                   <a:r>
-                    <a:rPr lang="en-US" sz="900" b="1" dirty="0" smtClean="0">
+                    <a:rPr lang="en-US" sz="900" b="1" dirty="0">
                       <a:solidFill>
                         <a:srgbClr val="FF00FF"/>
                       </a:solidFill>
@@ -16182,7 +15362,7 @@
                     </a:rPr>
                     <a:t>fico &lt; 703:</a:t>
                   </a:r>
-                  <a:endParaRPr lang="en-US" sz="900" dirty="0" smtClean="0">
+                  <a:endParaRPr lang="en-US" sz="900" dirty="0">
                     <a:solidFill>
                       <a:srgbClr val="FF00FF"/>
                     </a:solidFill>
@@ -16193,7 +15373,7 @@
                 <a:p>
                   <a:pPr algn="ctr"/>
                   <a:r>
-                    <a:rPr lang="en-US" sz="1400" b="1" dirty="0" smtClean="0">
+                    <a:rPr lang="en-US" sz="1400" b="1" dirty="0">
                       <a:solidFill>
                         <a:srgbClr val="FF00FF"/>
                       </a:solidFill>
@@ -16202,13 +15382,6 @@
                     </a:rPr>
                     <a:t>deny</a:t>
                   </a:r>
-                  <a:endParaRPr lang="en-US" sz="1400" b="1" dirty="0">
-                    <a:solidFill>
-                      <a:srgbClr val="FF00FF"/>
-                    </a:solidFill>
-                    <a:latin typeface="Consolas" panose="020B0609020204030204" pitchFamily="49" charset="0"/>
-                    <a:cs typeface="Consolas" panose="020B0609020204030204" pitchFamily="49" charset="0"/>
-                  </a:endParaRPr>
                 </a:p>
               </p:txBody>
             </p:sp>
@@ -16262,25 +15435,8 @@
                       <a:latin typeface="Consolas" panose="020B0609020204030204" pitchFamily="49" charset="0"/>
                       <a:cs typeface="Consolas" panose="020B0609020204030204" pitchFamily="49" charset="0"/>
                     </a:rPr>
-                    <a:t>f</a:t>
+                    <a:t>fico &gt;= 703</a:t>
                   </a:r>
-                  <a:r>
-                    <a:rPr lang="en-US" sz="900" b="1" dirty="0" smtClean="0">
-                      <a:solidFill>
-                        <a:srgbClr val="FF00FF"/>
-                      </a:solidFill>
-                      <a:latin typeface="Consolas" panose="020B0609020204030204" pitchFamily="49" charset="0"/>
-                      <a:cs typeface="Consolas" panose="020B0609020204030204" pitchFamily="49" charset="0"/>
-                    </a:rPr>
-                    <a:t>ico &gt;= 703</a:t>
-                  </a:r>
-                  <a:endParaRPr lang="en-US" sz="900" b="1" dirty="0">
-                    <a:solidFill>
-                      <a:srgbClr val="FF00FF"/>
-                    </a:solidFill>
-                    <a:latin typeface="Consolas" panose="020B0609020204030204" pitchFamily="49" charset="0"/>
-                    <a:cs typeface="Consolas" panose="020B0609020204030204" pitchFamily="49" charset="0"/>
-                  </a:endParaRPr>
                 </a:p>
               </p:txBody>
             </p:sp>
@@ -16467,7 +15623,7 @@
                 <a:p>
                   <a:pPr algn="ctr"/>
                   <a:r>
-                    <a:rPr lang="en-US" sz="900" b="1" dirty="0" smtClean="0">
+                    <a:rPr lang="en-US" sz="900" b="1" dirty="0">
                       <a:solidFill>
                         <a:srgbClr val="FF00FF"/>
                       </a:solidFill>
@@ -16476,13 +15632,6 @@
                     </a:rPr>
                     <a:t>m_delinq &lt;= 1.8 </a:t>
                   </a:r>
-                  <a:endParaRPr lang="en-US" sz="900" b="1" dirty="0">
-                    <a:solidFill>
-                      <a:srgbClr val="FF00FF"/>
-                    </a:solidFill>
-                    <a:latin typeface="Consolas" panose="020B0609020204030204" pitchFamily="49" charset="0"/>
-                    <a:cs typeface="Consolas" panose="020B0609020204030204" pitchFamily="49" charset="0"/>
-                  </a:endParaRPr>
                 </a:p>
               </p:txBody>
             </p:sp>
@@ -16529,26 +15678,16 @@
                 <a:p>
                   <a:pPr algn="ctr"/>
                   <a:r>
-                    <a:rPr lang="en-US" sz="900" b="1" dirty="0" smtClean="0">
+                    <a:rPr lang="en-US" sz="900" b="1" dirty="0">
                       <a:solidFill>
                         <a:srgbClr val="FF00FF"/>
                       </a:solidFill>
                       <a:latin typeface="Consolas" panose="020B0609020204030204" pitchFamily="49" charset="0"/>
                       <a:cs typeface="Consolas" panose="020B0609020204030204" pitchFamily="49" charset="0"/>
                     </a:rPr>
-                    <a:t>m</a:t>
+                    <a:t>m_delinq &gt; 1.8:</a:t>
                   </a:r>
-                  <a:r>
-                    <a:rPr lang="en-US" sz="900" b="1" dirty="0" smtClean="0">
-                      <a:solidFill>
-                        <a:srgbClr val="FF00FF"/>
-                      </a:solidFill>
-                      <a:latin typeface="Consolas" panose="020B0609020204030204" pitchFamily="49" charset="0"/>
-                      <a:cs typeface="Consolas" panose="020B0609020204030204" pitchFamily="49" charset="0"/>
-                    </a:rPr>
-                    <a:t>_delinq &gt; 1.8:</a:t>
-                  </a:r>
-                  <a:endParaRPr lang="en-US" sz="1400" dirty="0" smtClean="0">
+                  <a:endParaRPr lang="en-US" sz="1400" dirty="0">
                     <a:solidFill>
                       <a:srgbClr val="FF00FF"/>
                     </a:solidFill>
@@ -16559,7 +15698,7 @@
                 <a:p>
                   <a:pPr algn="ctr"/>
                   <a:r>
-                    <a:rPr lang="en-US" sz="1400" b="1" dirty="0" smtClean="0">
+                    <a:rPr lang="en-US" sz="1400" b="1" dirty="0">
                       <a:solidFill>
                         <a:srgbClr val="FF00FF"/>
                       </a:solidFill>
@@ -16568,13 +15707,6 @@
                     </a:rPr>
                     <a:t>deny</a:t>
                   </a:r>
-                  <a:endParaRPr lang="en-US" sz="1400" b="1" dirty="0">
-                    <a:solidFill>
-                      <a:srgbClr val="FF00FF"/>
-                    </a:solidFill>
-                    <a:latin typeface="Consolas" panose="020B0609020204030204" pitchFamily="49" charset="0"/>
-                    <a:cs typeface="Consolas" panose="020B0609020204030204" pitchFamily="49" charset="0"/>
-                  </a:endParaRPr>
                 </a:p>
               </p:txBody>
             </p:sp>
@@ -16768,20 +15900,10 @@
                       <a:latin typeface="Consolas" panose="020B0609020204030204" pitchFamily="49" charset="0"/>
                       <a:cs typeface="Consolas" panose="020B0609020204030204" pitchFamily="49" charset="0"/>
                     </a:rPr>
-                    <a:t>d</a:t>
+                    <a:t>dti</a:t>
                   </a:r>
                   <a:r>
-                    <a:rPr lang="en-US" sz="900" b="1" dirty="0" err="1" smtClean="0">
-                      <a:solidFill>
-                        <a:srgbClr val="FF00FF"/>
-                      </a:solidFill>
-                      <a:latin typeface="Consolas" panose="020B0609020204030204" pitchFamily="49" charset="0"/>
-                      <a:cs typeface="Consolas" panose="020B0609020204030204" pitchFamily="49" charset="0"/>
-                    </a:rPr>
-                    <a:t>ti</a:t>
-                  </a:r>
-                  <a:r>
-                    <a:rPr lang="en-US" sz="900" b="1" dirty="0" smtClean="0">
+                    <a:rPr lang="en-US" sz="900" b="1" dirty="0">
                       <a:solidFill>
                         <a:srgbClr val="FF00FF"/>
                       </a:solidFill>
@@ -16794,7 +15916,7 @@
                 <a:p>
                   <a:pPr algn="ctr"/>
                   <a:r>
-                    <a:rPr lang="en-US" sz="1400" b="1" dirty="0" smtClean="0">
+                    <a:rPr lang="en-US" sz="1400" b="1" dirty="0">
                       <a:solidFill>
                         <a:srgbClr val="FF00FF"/>
                       </a:solidFill>
@@ -16803,13 +15925,6 @@
                     </a:rPr>
                     <a:t>deny</a:t>
                   </a:r>
-                  <a:endParaRPr lang="en-US" sz="1400" b="1" dirty="0">
-                    <a:solidFill>
-                      <a:srgbClr val="FF00FF"/>
-                    </a:solidFill>
-                    <a:latin typeface="Consolas" panose="020B0609020204030204" pitchFamily="49" charset="0"/>
-                    <a:cs typeface="Consolas" panose="020B0609020204030204" pitchFamily="49" charset="0"/>
-                  </a:endParaRPr>
                 </a:p>
               </p:txBody>
             </p:sp>
@@ -16863,20 +15978,10 @@
                       <a:latin typeface="Consolas" panose="020B0609020204030204" pitchFamily="49" charset="0"/>
                       <a:cs typeface="Consolas" panose="020B0609020204030204" pitchFamily="49" charset="0"/>
                     </a:rPr>
-                    <a:t>d</a:t>
+                    <a:t>dti</a:t>
                   </a:r>
                   <a:r>
-                    <a:rPr lang="en-US" sz="900" b="1" dirty="0" err="1" smtClean="0">
-                      <a:solidFill>
-                        <a:srgbClr val="FF00FF"/>
-                      </a:solidFill>
-                      <a:latin typeface="Consolas" panose="020B0609020204030204" pitchFamily="49" charset="0"/>
-                      <a:cs typeface="Consolas" panose="020B0609020204030204" pitchFamily="49" charset="0"/>
-                    </a:rPr>
-                    <a:t>ti</a:t>
-                  </a:r>
-                  <a:r>
-                    <a:rPr lang="en-US" sz="900" b="1" dirty="0" smtClean="0">
+                    <a:rPr lang="en-US" sz="900" b="1" dirty="0">
                       <a:solidFill>
                         <a:srgbClr val="FF00FF"/>
                       </a:solidFill>
@@ -16889,7 +15994,7 @@
                 <a:p>
                   <a:pPr algn="ctr"/>
                   <a:r>
-                    <a:rPr lang="en-US" sz="1300" b="1" dirty="0" smtClean="0">
+                    <a:rPr lang="en-US" sz="1300" b="1" dirty="0">
                       <a:solidFill>
                         <a:srgbClr val="FF00FF"/>
                       </a:solidFill>
@@ -16898,13 +16003,6 @@
                     </a:rPr>
                     <a:t>approve</a:t>
                   </a:r>
-                  <a:endParaRPr lang="en-US" sz="1300" b="1" dirty="0">
-                    <a:solidFill>
-                      <a:srgbClr val="FF00FF"/>
-                    </a:solidFill>
-                    <a:latin typeface="Consolas" panose="020B0609020204030204" pitchFamily="49" charset="0"/>
-                    <a:cs typeface="Consolas" panose="020B0609020204030204" pitchFamily="49" charset="0"/>
-                  </a:endParaRPr>
                 </a:p>
               </p:txBody>
             </p:sp>
@@ -16935,22 +16033,15 @@
               <a:lstStyle/>
               <a:p>
                 <a:r>
-                  <a:rPr lang="en-US" sz="1600" dirty="0" smtClean="0">
+                  <a:rPr lang="en-US" sz="1600" dirty="0">
                     <a:solidFill>
                       <a:srgbClr val="FF00FF"/>
                     </a:solidFill>
                     <a:latin typeface="Consolas" panose="020B0609020204030204" pitchFamily="49" charset="0"/>
                     <a:cs typeface="Consolas" panose="020B0609020204030204" pitchFamily="49" charset="0"/>
                   </a:rPr>
-                  <a:t>1. Attack begins with trained surrogate model </a:t>
+                  <a:t>1. Attack begins with trained surrogate model. </a:t>
                 </a:r>
-                <a:endParaRPr lang="en-US" sz="1600" dirty="0">
-                  <a:solidFill>
-                    <a:srgbClr val="FF00FF"/>
-                  </a:solidFill>
-                  <a:latin typeface="Consolas" panose="020B0609020204030204" pitchFamily="49" charset="0"/>
-                  <a:cs typeface="Consolas" panose="020B0609020204030204" pitchFamily="49" charset="0"/>
-                </a:endParaRPr>
               </a:p>
             </p:txBody>
           </p:sp>
@@ -16982,22 +16073,15 @@
             <a:p>
               <a:pPr algn="ctr"/>
               <a:r>
-                <a:rPr lang="en-US" sz="1600" dirty="0" smtClean="0">
+                <a:rPr lang="en-US" sz="1600" dirty="0">
                   <a:solidFill>
                     <a:srgbClr val="FF00FF"/>
                   </a:solidFill>
                   <a:latin typeface="Consolas" panose="020B0609020204030204" pitchFamily="49" charset="0"/>
                   <a:cs typeface="Consolas" panose="020B0609020204030204" pitchFamily="49" charset="0"/>
                 </a:rPr>
-                <a:t>2. Attacker augments surrogate training data with new rows not in the original surrogate training data and scores them with the surrogate model</a:t>
+                <a:t>2. Attacker augments surrogate training data with new rows not in the original surrogate training data and scores them with the surrogate model.</a:t>
               </a:r>
-              <a:endParaRPr lang="en-US" sz="1600" dirty="0">
-                <a:solidFill>
-                  <a:srgbClr val="FF00FF"/>
-                </a:solidFill>
-                <a:latin typeface="Consolas" panose="020B0609020204030204" pitchFamily="49" charset="0"/>
-                <a:cs typeface="Consolas" panose="020B0609020204030204" pitchFamily="49" charset="0"/>
-              </a:endParaRPr>
             </a:p>
           </p:txBody>
         </p:sp>
@@ -17143,25 +16227,8 @@
                           <a:latin typeface="Consolas" panose="020B0609020204030204" pitchFamily="49" charset="0"/>
                           <a:cs typeface="Consolas" panose="020B0609020204030204" pitchFamily="49" charset="0"/>
                         </a:rPr>
-                        <a:t>m</a:t>
+                        <a:t>m_delinq</a:t>
                       </a:r>
-                      <a:r>
-                        <a:rPr lang="en-US" sz="1200" dirty="0" smtClean="0">
-                          <a:solidFill>
-                            <a:srgbClr val="FF00FF"/>
-                          </a:solidFill>
-                          <a:latin typeface="Consolas" panose="020B0609020204030204" pitchFamily="49" charset="0"/>
-                          <a:cs typeface="Consolas" panose="020B0609020204030204" pitchFamily="49" charset="0"/>
-                        </a:rPr>
-                        <a:t>_delinq</a:t>
-                      </a:r>
-                      <a:endParaRPr lang="en-US" sz="1200" dirty="0">
-                        <a:solidFill>
-                          <a:srgbClr val="FF00FF"/>
-                        </a:solidFill>
-                        <a:latin typeface="Consolas" panose="020B0609020204030204" pitchFamily="49" charset="0"/>
-                        <a:cs typeface="Consolas" panose="020B0609020204030204" pitchFamily="49" charset="0"/>
-                      </a:endParaRPr>
                     </a:p>
                   </p:txBody>
                 </p:sp>
@@ -17251,17 +16318,7 @@
                           <a:latin typeface="Consolas" panose="020B0609020204030204" pitchFamily="49" charset="0"/>
                           <a:cs typeface="Consolas" panose="020B0609020204030204" pitchFamily="49" charset="0"/>
                         </a:rPr>
-                        <a:t>p</a:t>
-                      </a:r>
-                      <a:r>
-                        <a:rPr lang="en-US" sz="1200" dirty="0" err="1" smtClean="0">
-                          <a:solidFill>
-                            <a:srgbClr val="FF00FF"/>
-                          </a:solidFill>
-                          <a:latin typeface="Consolas" panose="020B0609020204030204" pitchFamily="49" charset="0"/>
-                          <a:cs typeface="Consolas" panose="020B0609020204030204" pitchFamily="49" charset="0"/>
-                        </a:rPr>
-                        <a:t>_deny</a:t>
+                        <a:t>p_deny</a:t>
                       </a:r>
                       <a:endParaRPr lang="en-US" sz="1200" dirty="0">
                         <a:solidFill>
@@ -17352,7 +16409,7 @@
                     <a:p>
                       <a:pPr algn="ctr"/>
                       <a:r>
-                        <a:rPr lang="en-US" sz="1200" dirty="0" smtClean="0">
+                        <a:rPr lang="en-US" sz="1200" dirty="0">
                           <a:solidFill>
                             <a:srgbClr val="FF00FF"/>
                           </a:solidFill>
@@ -17361,13 +16418,6 @@
                         </a:rPr>
                         <a:t>fico</a:t>
                       </a:r>
-                      <a:endParaRPr lang="en-US" sz="1200" dirty="0">
-                        <a:solidFill>
-                          <a:srgbClr val="FF00FF"/>
-                        </a:solidFill>
-                        <a:latin typeface="Consolas" panose="020B0609020204030204" pitchFamily="49" charset="0"/>
-                        <a:cs typeface="Consolas" panose="020B0609020204030204" pitchFamily="49" charset="0"/>
-                      </a:endParaRPr>
                     </a:p>
                   </p:txBody>
                 </p:sp>
@@ -17450,7 +16500,7 @@
                     <a:p>
                       <a:pPr algn="ctr"/>
                       <a:r>
-                        <a:rPr lang="en-US" sz="1200" dirty="0" err="1" smtClean="0">
+                        <a:rPr lang="en-US" sz="1200" dirty="0" err="1">
                           <a:solidFill>
                             <a:srgbClr val="FF00FF"/>
                           </a:solidFill>
@@ -17513,7 +16563,7 @@
                   <a:p>
                     <a:pPr algn="ctr"/>
                     <a:r>
-                      <a:rPr lang="en-US" sz="1200" dirty="0" smtClean="0">
+                      <a:rPr lang="en-US" sz="1200" dirty="0">
                         <a:solidFill>
                           <a:srgbClr val="FF00FF"/>
                         </a:solidFill>
@@ -17523,7 +16573,7 @@
                       <a:t>H</a:t>
                     </a:r>
                     <a:r>
-                      <a:rPr lang="en-US" sz="1200" baseline="-25000" dirty="0" smtClean="0">
+                      <a:rPr lang="en-US" sz="1200" baseline="-25000" dirty="0">
                         <a:solidFill>
                           <a:srgbClr val="FF00FF"/>
                         </a:solidFill>
@@ -17532,13 +16582,6 @@
                       </a:rPr>
                       <a:t>1</a:t>
                     </a:r>
-                    <a:endParaRPr lang="en-US" sz="1200" baseline="-25000" dirty="0">
-                      <a:solidFill>
-                        <a:srgbClr val="FF00FF"/>
-                      </a:solidFill>
-                      <a:latin typeface="Consolas" panose="020B0609020204030204" pitchFamily="49" charset="0"/>
-                      <a:cs typeface="Consolas" panose="020B0609020204030204" pitchFamily="49" charset="0"/>
-                    </a:endParaRPr>
                   </a:p>
                 </p:txBody>
               </p:sp>
@@ -17585,7 +16628,7 @@
                   <a:p>
                     <a:pPr algn="ctr"/>
                     <a:r>
-                      <a:rPr lang="en-US" sz="1200" dirty="0" smtClean="0">
+                      <a:rPr lang="en-US" sz="1200" dirty="0">
                         <a:solidFill>
                           <a:srgbClr val="FF00FF"/>
                         </a:solidFill>
@@ -17595,7 +16638,7 @@
                       <a:t>H</a:t>
                     </a:r>
                     <a:r>
-                      <a:rPr lang="en-US" sz="1200" baseline="-25000" dirty="0" smtClean="0">
+                      <a:rPr lang="en-US" sz="1200" baseline="-25000" dirty="0">
                         <a:solidFill>
                           <a:srgbClr val="FF00FF"/>
                         </a:solidFill>
@@ -17604,13 +16647,6 @@
                       </a:rPr>
                       <a:t>2</a:t>
                     </a:r>
-                    <a:endParaRPr lang="en-US" sz="1200" baseline="-25000" dirty="0">
-                      <a:solidFill>
-                        <a:srgbClr val="FF00FF"/>
-                      </a:solidFill>
-                      <a:latin typeface="Consolas" panose="020B0609020204030204" pitchFamily="49" charset="0"/>
-                      <a:cs typeface="Consolas" panose="020B0609020204030204" pitchFamily="49" charset="0"/>
-                    </a:endParaRPr>
                   </a:p>
                 </p:txBody>
               </p:sp>
@@ -17657,7 +16693,7 @@
                   <a:p>
                     <a:pPr algn="ctr"/>
                     <a:r>
-                      <a:rPr lang="en-US" sz="1200" dirty="0" smtClean="0">
+                      <a:rPr lang="en-US" sz="1200" dirty="0">
                         <a:solidFill>
                           <a:srgbClr val="FF00FF"/>
                         </a:solidFill>
@@ -17667,7 +16703,7 @@
                       <a:t>H</a:t>
                     </a:r>
                     <a:r>
-                      <a:rPr lang="en-US" sz="1200" baseline="-25000" dirty="0" smtClean="0">
+                      <a:rPr lang="en-US" sz="1200" baseline="-25000" dirty="0">
                         <a:solidFill>
                           <a:srgbClr val="FF00FF"/>
                         </a:solidFill>
@@ -17676,13 +16712,6 @@
                       </a:rPr>
                       <a:t>3</a:t>
                     </a:r>
-                    <a:endParaRPr lang="en-US" sz="1200" baseline="-25000" dirty="0">
-                      <a:solidFill>
-                        <a:srgbClr val="FF00FF"/>
-                      </a:solidFill>
-                      <a:latin typeface="Consolas" panose="020B0609020204030204" pitchFamily="49" charset="0"/>
-                      <a:cs typeface="Consolas" panose="020B0609020204030204" pitchFamily="49" charset="0"/>
-                    </a:endParaRPr>
                   </a:p>
                 </p:txBody>
               </p:sp>
@@ -18241,17 +17270,7 @@
                       <a:latin typeface="Consolas" panose="020B0609020204030204" pitchFamily="49" charset="0"/>
                       <a:cs typeface="Consolas" panose="020B0609020204030204" pitchFamily="49" charset="0"/>
                     </a:rPr>
-                    <a:t>i</a:t>
-                  </a:r>
-                  <a:r>
-                    <a:rPr lang="en-US" sz="1200" dirty="0" err="1" smtClean="0">
-                      <a:solidFill>
-                        <a:srgbClr val="FF00FF"/>
-                      </a:solidFill>
-                      <a:latin typeface="Consolas" panose="020B0609020204030204" pitchFamily="49" charset="0"/>
-                      <a:cs typeface="Consolas" panose="020B0609020204030204" pitchFamily="49" charset="0"/>
-                    </a:rPr>
-                    <a:t>n_train</a:t>
+                    <a:t>in_train</a:t>
                   </a:r>
                   <a:endParaRPr lang="en-US" sz="1200" dirty="0">
                     <a:solidFill>
@@ -18404,22 +17423,15 @@
               <a:lstStyle/>
               <a:p>
                 <a:r>
-                  <a:rPr lang="en-US" sz="1600" dirty="0" smtClean="0">
+                  <a:rPr lang="en-US" sz="1600" dirty="0">
                     <a:solidFill>
                       <a:srgbClr val="FF00FF"/>
                     </a:solidFill>
                     <a:latin typeface="Consolas" panose="020B0609020204030204" pitchFamily="49" charset="0"/>
                     <a:cs typeface="Consolas" panose="020B0609020204030204" pitchFamily="49" charset="0"/>
                   </a:rPr>
-                  <a:t>3. Attacker trains a second-level surrogate model that can discriminate between rows in your training data and not in your training data</a:t>
+                  <a:t>3. Attacker trains a second-level surrogate model that can discriminate between rows in your training data and not in your training data.</a:t>
                 </a:r>
-                <a:endParaRPr lang="en-US" sz="1600" dirty="0">
-                  <a:solidFill>
-                    <a:srgbClr val="FF00FF"/>
-                  </a:solidFill>
-                  <a:latin typeface="Consolas" panose="020B0609020204030204" pitchFamily="49" charset="0"/>
-                  <a:cs typeface="Consolas" panose="020B0609020204030204" pitchFamily="49" charset="0"/>
-                </a:endParaRPr>
               </a:p>
             </p:txBody>
           </p:sp>
@@ -18674,13 +17686,6 @@
   <p:clrMapOvr>
     <a:masterClrMapping/>
   </p:clrMapOvr>
-  <p:timing>
-    <p:tnLst>
-      <p:par>
-        <p:cTn id="1" dur="indefinite" restart="never" nodeType="tmRoot"/>
-      </p:par>
-    </p:tnLst>
-  </p:timing>
 </p:sld>
 </file>
 
@@ -18810,7 +17815,7 @@
               <a:p>
                 <a:pPr algn="ctr"/>
                 <a:r>
-                  <a:rPr lang="en-US" sz="1400" dirty="0" smtClean="0">
+                  <a:rPr lang="en-US" sz="1400" dirty="0">
                     <a:solidFill>
                       <a:schemeClr val="tx1"/>
                     </a:solidFill>
@@ -18819,13 +17824,6 @@
                   </a:rPr>
                   <a:t>start</a:t>
                 </a:r>
-                <a:endParaRPr lang="en-US" sz="1400" dirty="0">
-                  <a:solidFill>
-                    <a:schemeClr val="tx1"/>
-                  </a:solidFill>
-                  <a:latin typeface="Consolas" panose="020B0609020204030204" pitchFamily="49" charset="0"/>
-                  <a:cs typeface="Consolas" panose="020B0609020204030204" pitchFamily="49" charset="0"/>
-                </a:endParaRPr>
               </a:p>
             </p:txBody>
           </p:sp>
@@ -19014,7 +18012,7 @@
               <a:p>
                 <a:pPr algn="ctr"/>
                 <a:r>
-                  <a:rPr lang="en-US" sz="900" b="1" dirty="0" smtClean="0">
+                  <a:rPr lang="en-US" sz="900" b="1" dirty="0">
                     <a:solidFill>
                       <a:schemeClr val="tx1"/>
                     </a:solidFill>
@@ -19023,7 +18021,7 @@
                   </a:rPr>
                   <a:t>fico &lt; 700:</a:t>
                 </a:r>
-                <a:endParaRPr lang="en-US" sz="900" dirty="0" smtClean="0">
+                <a:endParaRPr lang="en-US" sz="900" dirty="0">
                   <a:solidFill>
                     <a:schemeClr val="tx1"/>
                   </a:solidFill>
@@ -19034,7 +18032,7 @@
               <a:p>
                 <a:pPr algn="ctr"/>
                 <a:r>
-                  <a:rPr lang="en-US" sz="1400" b="1" dirty="0" smtClean="0">
+                  <a:rPr lang="en-US" sz="1400" b="1" dirty="0">
                     <a:solidFill>
                       <a:schemeClr val="tx1"/>
                     </a:solidFill>
@@ -19043,13 +18041,6 @@
                   </a:rPr>
                   <a:t>deny</a:t>
                 </a:r>
-                <a:endParaRPr lang="en-US" sz="1400" b="1" dirty="0">
-                  <a:solidFill>
-                    <a:schemeClr val="tx1"/>
-                  </a:solidFill>
-                  <a:latin typeface="Consolas" panose="020B0609020204030204" pitchFamily="49" charset="0"/>
-                  <a:cs typeface="Consolas" panose="020B0609020204030204" pitchFamily="49" charset="0"/>
-                </a:endParaRPr>
               </a:p>
             </p:txBody>
           </p:sp>
@@ -19103,25 +18094,8 @@
                     <a:latin typeface="Consolas" panose="020B0609020204030204" pitchFamily="49" charset="0"/>
                     <a:cs typeface="Consolas" panose="020B0609020204030204" pitchFamily="49" charset="0"/>
                   </a:rPr>
-                  <a:t>f</a:t>
+                  <a:t>fico &gt;= 700</a:t>
                 </a:r>
-                <a:r>
-                  <a:rPr lang="en-US" sz="900" b="1" dirty="0" smtClean="0">
-                    <a:solidFill>
-                      <a:schemeClr val="tx1"/>
-                    </a:solidFill>
-                    <a:latin typeface="Consolas" panose="020B0609020204030204" pitchFamily="49" charset="0"/>
-                    <a:cs typeface="Consolas" panose="020B0609020204030204" pitchFamily="49" charset="0"/>
-                  </a:rPr>
-                  <a:t>ico &gt;= 700</a:t>
-                </a:r>
-                <a:endParaRPr lang="en-US" sz="900" b="1" dirty="0">
-                  <a:solidFill>
-                    <a:schemeClr val="tx1"/>
-                  </a:solidFill>
-                  <a:latin typeface="Consolas" panose="020B0609020204030204" pitchFamily="49" charset="0"/>
-                  <a:cs typeface="Consolas" panose="020B0609020204030204" pitchFamily="49" charset="0"/>
-                </a:endParaRPr>
               </a:p>
             </p:txBody>
           </p:sp>
@@ -19308,7 +18282,7 @@
               <a:p>
                 <a:pPr algn="ctr"/>
                 <a:r>
-                  <a:rPr lang="en-US" sz="900" b="1" dirty="0" smtClean="0">
+                  <a:rPr lang="en-US" sz="900" b="1" dirty="0">
                     <a:solidFill>
                       <a:schemeClr val="tx1"/>
                     </a:solidFill>
@@ -19317,13 +18291,6 @@
                   </a:rPr>
                   <a:t>m_delinq &lt;= 2 </a:t>
                 </a:r>
-                <a:endParaRPr lang="en-US" sz="900" b="1" dirty="0">
-                  <a:solidFill>
-                    <a:schemeClr val="tx1"/>
-                  </a:solidFill>
-                  <a:latin typeface="Consolas" panose="020B0609020204030204" pitchFamily="49" charset="0"/>
-                  <a:cs typeface="Consolas" panose="020B0609020204030204" pitchFamily="49" charset="0"/>
-                </a:endParaRPr>
               </a:p>
             </p:txBody>
           </p:sp>
@@ -19370,26 +18337,16 @@
               <a:p>
                 <a:pPr algn="ctr"/>
                 <a:r>
-                  <a:rPr lang="en-US" sz="900" b="1" dirty="0" smtClean="0">
+                  <a:rPr lang="en-US" sz="900" b="1" dirty="0">
                     <a:solidFill>
                       <a:schemeClr val="tx1"/>
                     </a:solidFill>
                     <a:latin typeface="Consolas" panose="020B0609020204030204" pitchFamily="49" charset="0"/>
                     <a:cs typeface="Consolas" panose="020B0609020204030204" pitchFamily="49" charset="0"/>
                   </a:rPr>
-                  <a:t>m</a:t>
+                  <a:t>m_delinq &gt; 2:</a:t>
                 </a:r>
-                <a:r>
-                  <a:rPr lang="en-US" sz="900" b="1" dirty="0" smtClean="0">
-                    <a:solidFill>
-                      <a:schemeClr val="tx1"/>
-                    </a:solidFill>
-                    <a:latin typeface="Consolas" panose="020B0609020204030204" pitchFamily="49" charset="0"/>
-                    <a:cs typeface="Consolas" panose="020B0609020204030204" pitchFamily="49" charset="0"/>
-                  </a:rPr>
-                  <a:t>_delinq &gt; 2:</a:t>
-                </a:r>
-                <a:endParaRPr lang="en-US" sz="1400" dirty="0" smtClean="0">
+                <a:endParaRPr lang="en-US" sz="1400" dirty="0">
                   <a:solidFill>
                     <a:schemeClr val="tx1"/>
                   </a:solidFill>
@@ -19400,7 +18357,7 @@
               <a:p>
                 <a:pPr algn="ctr"/>
                 <a:r>
-                  <a:rPr lang="en-US" sz="1400" b="1" dirty="0" smtClean="0">
+                  <a:rPr lang="en-US" sz="1400" b="1" dirty="0">
                     <a:solidFill>
                       <a:schemeClr val="tx1"/>
                     </a:solidFill>
@@ -19409,13 +18366,6 @@
                   </a:rPr>
                   <a:t>deny</a:t>
                 </a:r>
-                <a:endParaRPr lang="en-US" sz="1400" b="1" dirty="0">
-                  <a:solidFill>
-                    <a:schemeClr val="tx1"/>
-                  </a:solidFill>
-                  <a:latin typeface="Consolas" panose="020B0609020204030204" pitchFamily="49" charset="0"/>
-                  <a:cs typeface="Consolas" panose="020B0609020204030204" pitchFamily="49" charset="0"/>
-                </a:endParaRPr>
               </a:p>
             </p:txBody>
           </p:sp>
@@ -19609,20 +18559,10 @@
                     <a:latin typeface="Consolas" panose="020B0609020204030204" pitchFamily="49" charset="0"/>
                     <a:cs typeface="Consolas" panose="020B0609020204030204" pitchFamily="49" charset="0"/>
                   </a:rPr>
-                  <a:t>d</a:t>
+                  <a:t>dti</a:t>
                 </a:r>
                 <a:r>
-                  <a:rPr lang="en-US" sz="900" b="1" dirty="0" err="1" smtClean="0">
-                    <a:solidFill>
-                      <a:schemeClr val="tx1"/>
-                    </a:solidFill>
-                    <a:latin typeface="Consolas" panose="020B0609020204030204" pitchFamily="49" charset="0"/>
-                    <a:cs typeface="Consolas" panose="020B0609020204030204" pitchFamily="49" charset="0"/>
-                  </a:rPr>
-                  <a:t>ti</a:t>
-                </a:r>
-                <a:r>
-                  <a:rPr lang="en-US" sz="900" b="1" dirty="0" smtClean="0">
+                  <a:rPr lang="en-US" sz="900" b="1" dirty="0">
                     <a:solidFill>
                       <a:schemeClr val="tx1"/>
                     </a:solidFill>
@@ -19635,7 +18575,7 @@
               <a:p>
                 <a:pPr algn="ctr"/>
                 <a:r>
-                  <a:rPr lang="en-US" sz="1400" b="1" dirty="0" smtClean="0">
+                  <a:rPr lang="en-US" sz="1400" b="1" dirty="0">
                     <a:solidFill>
                       <a:schemeClr val="tx1"/>
                     </a:solidFill>
@@ -19644,13 +18584,6 @@
                   </a:rPr>
                   <a:t>deny</a:t>
                 </a:r>
-                <a:endParaRPr lang="en-US" sz="1400" b="1" dirty="0">
-                  <a:solidFill>
-                    <a:schemeClr val="tx1"/>
-                  </a:solidFill>
-                  <a:latin typeface="Consolas" panose="020B0609020204030204" pitchFamily="49" charset="0"/>
-                  <a:cs typeface="Consolas" panose="020B0609020204030204" pitchFamily="49" charset="0"/>
-                </a:endParaRPr>
               </a:p>
             </p:txBody>
           </p:sp>
@@ -19704,20 +18637,10 @@
                     <a:latin typeface="Consolas" panose="020B0609020204030204" pitchFamily="49" charset="0"/>
                     <a:cs typeface="Consolas" panose="020B0609020204030204" pitchFamily="49" charset="0"/>
                   </a:rPr>
-                  <a:t>d</a:t>
+                  <a:t>dti</a:t>
                 </a:r>
                 <a:r>
-                  <a:rPr lang="en-US" sz="900" b="1" dirty="0" err="1" smtClean="0">
-                    <a:solidFill>
-                      <a:schemeClr val="tx1"/>
-                    </a:solidFill>
-                    <a:latin typeface="Consolas" panose="020B0609020204030204" pitchFamily="49" charset="0"/>
-                    <a:cs typeface="Consolas" panose="020B0609020204030204" pitchFamily="49" charset="0"/>
-                  </a:rPr>
-                  <a:t>ti</a:t>
-                </a:r>
-                <a:r>
-                  <a:rPr lang="en-US" sz="900" b="1" dirty="0" smtClean="0">
+                  <a:rPr lang="en-US" sz="900" b="1" dirty="0">
                     <a:solidFill>
                       <a:schemeClr val="tx1"/>
                     </a:solidFill>
@@ -19730,7 +18653,7 @@
               <a:p>
                 <a:pPr algn="ctr"/>
                 <a:r>
-                  <a:rPr lang="en-US" sz="1300" b="1" dirty="0" smtClean="0">
+                  <a:rPr lang="en-US" sz="1300" b="1" dirty="0">
                     <a:solidFill>
                       <a:schemeClr val="tx1"/>
                     </a:solidFill>
@@ -19739,13 +18662,6 @@
                   </a:rPr>
                   <a:t>approve</a:t>
                 </a:r>
-                <a:endParaRPr lang="en-US" sz="1300" b="1" dirty="0">
-                  <a:solidFill>
-                    <a:schemeClr val="tx1"/>
-                  </a:solidFill>
-                  <a:latin typeface="Consolas" panose="020B0609020204030204" pitchFamily="49" charset="0"/>
-                  <a:cs typeface="Consolas" panose="020B0609020204030204" pitchFamily="49" charset="0"/>
-                </a:endParaRPr>
               </a:p>
             </p:txBody>
           </p:sp>
@@ -19774,16 +18690,12 @@
             <a:p>
               <a:pPr algn="ctr"/>
               <a:r>
-                <a:rPr lang="en-US" dirty="0" smtClean="0">
+                <a:rPr lang="en-US" dirty="0">
                   <a:latin typeface="Consolas" panose="020B0609020204030204" pitchFamily="49" charset="0"/>
                   <a:cs typeface="Consolas" panose="020B0609020204030204" pitchFamily="49" charset="0"/>
                 </a:rPr>
                 <a:t>Original model</a:t>
               </a:r>
-              <a:endParaRPr lang="en-US" dirty="0">
-                <a:latin typeface="Consolas" panose="020B0609020204030204" pitchFamily="49" charset="0"/>
-                <a:cs typeface="Consolas" panose="020B0609020204030204" pitchFamily="49" charset="0"/>
-              </a:endParaRPr>
             </a:p>
           </p:txBody>
         </p:sp>
@@ -19868,16 +18780,12 @@
             <a:p>
               <a:pPr algn="ctr"/>
               <a:r>
-                <a:rPr lang="en-US" sz="1100" b="1" dirty="0" smtClean="0">
+                <a:rPr lang="en-US" sz="1100" b="1" dirty="0">
                   <a:latin typeface="Consolas" panose="020B0609020204030204" pitchFamily="49" charset="0"/>
                   <a:cs typeface="Consolas" panose="020B0609020204030204" pitchFamily="49" charset="0"/>
                 </a:rPr>
                 <a:t>API data input </a:t>
               </a:r>
-              <a:endParaRPr lang="en-US" sz="1100" b="1" dirty="0">
-                <a:latin typeface="Consolas" panose="020B0609020204030204" pitchFamily="49" charset="0"/>
-                <a:cs typeface="Consolas" panose="020B0609020204030204" pitchFamily="49" charset="0"/>
-              </a:endParaRPr>
             </a:p>
           </p:txBody>
         </p:sp>
@@ -19916,22 +18824,18 @@
             <a:p>
               <a:pPr algn="ctr"/>
               <a:r>
-                <a:rPr lang="en-US" sz="1100" b="1" dirty="0" smtClean="0">
+                <a:rPr lang="en-US" sz="1100" b="1" dirty="0">
                   <a:latin typeface="Consolas" panose="020B0609020204030204" pitchFamily="49" charset="0"/>
                   <a:cs typeface="Consolas" panose="020B0609020204030204" pitchFamily="49" charset="0"/>
                 </a:rPr>
                 <a:t>API prediction output</a:t>
               </a:r>
-              <a:endParaRPr lang="en-US" sz="1100" b="1" dirty="0">
-                <a:latin typeface="Consolas" panose="020B0609020204030204" pitchFamily="49" charset="0"/>
-                <a:cs typeface="Consolas" panose="020B0609020204030204" pitchFamily="49" charset="0"/>
-              </a:endParaRPr>
             </a:p>
           </p:txBody>
         </p:sp>
       </p:grpSp>
-      <mc:AlternateContent xmlns:mc="http://schemas.openxmlformats.org/markup-compatibility/2006">
-        <mc:Choice xmlns:a14="http://schemas.microsoft.com/office/drawing/2010/main" Requires="a14">
+      <mc:AlternateContent xmlns:mc="http://schemas.openxmlformats.org/markup-compatibility/2006" xmlns:a14="http://schemas.microsoft.com/office/drawing/2010/main">
+        <mc:Choice Requires="a14">
           <p:graphicFrame>
             <p:nvGraphicFramePr>
               <p:cNvPr id="77" name="Table 76"/>
@@ -19957,11 +18861,41 @@
                     <a:tableStyleId>{7E9639D4-E3E2-4D34-9284-5A2195B3D0D7}</a:tableStyleId>
                   </a:tblPr>
                   <a:tblGrid>
-                    <a:gridCol w="803088"/>
-                    <a:gridCol w="616991"/>
-                    <a:gridCol w="1075696"/>
-                    <a:gridCol w="527591"/>
-                    <a:gridCol w="915132"/>
+                    <a:gridCol w="803088">
+                      <a:extLst>
+                        <a:ext uri="{9D8B030D-6E8A-4147-A177-3AD203B41FA5}">
+                          <a16:colId xmlns:a16="http://schemas.microsoft.com/office/drawing/2014/main" val="20000"/>
+                        </a:ext>
+                      </a:extLst>
+                    </a:gridCol>
+                    <a:gridCol w="616991">
+                      <a:extLst>
+                        <a:ext uri="{9D8B030D-6E8A-4147-A177-3AD203B41FA5}">
+                          <a16:colId xmlns:a16="http://schemas.microsoft.com/office/drawing/2014/main" val="20001"/>
+                        </a:ext>
+                      </a:extLst>
+                    </a:gridCol>
+                    <a:gridCol w="1075696">
+                      <a:extLst>
+                        <a:ext uri="{9D8B030D-6E8A-4147-A177-3AD203B41FA5}">
+                          <a16:colId xmlns:a16="http://schemas.microsoft.com/office/drawing/2014/main" val="20002"/>
+                        </a:ext>
+                      </a:extLst>
+                    </a:gridCol>
+                    <a:gridCol w="527591">
+                      <a:extLst>
+                        <a:ext uri="{9D8B030D-6E8A-4147-A177-3AD203B41FA5}">
+                          <a16:colId xmlns:a16="http://schemas.microsoft.com/office/drawing/2014/main" val="20003"/>
+                        </a:ext>
+                      </a:extLst>
+                    </a:gridCol>
+                    <a:gridCol w="915132">
+                      <a:extLst>
+                        <a:ext uri="{9D8B030D-6E8A-4147-A177-3AD203B41FA5}">
+                          <a16:colId xmlns:a16="http://schemas.microsoft.com/office/drawing/2014/main" val="20004"/>
+                        </a:ext>
+                      </a:extLst>
+                    </a:gridCol>
                   </a:tblGrid>
                   <a:tr h="203523">
                     <a:tc>
@@ -19970,7 +18904,7 @@
                         <a:lstStyle/>
                         <a:p>
                           <a:r>
-                            <a:rPr lang="en-US" sz="1400" dirty="0" err="1" smtClean="0">
+                            <a:rPr lang="en-US" sz="1400" dirty="0" err="1">
                               <a:latin typeface="Consolas" panose="020B0609020204030204" pitchFamily="49" charset="0"/>
                               <a:cs typeface="Consolas" panose="020B0609020204030204" pitchFamily="49" charset="0"/>
                             </a:rPr>
@@ -19990,12 +18924,37 @@
                         <a:lstStyle/>
                         <a:p>
                           <a:r>
-                            <a:rPr lang="en-US" sz="1400" dirty="0" smtClean="0">
+                            <a:rPr lang="en-US" sz="1400" dirty="0">
                               <a:latin typeface="Consolas" panose="020B0609020204030204" pitchFamily="49" charset="0"/>
                               <a:cs typeface="Consolas" panose="020B0609020204030204" pitchFamily="49" charset="0"/>
                             </a:rPr>
                             <a:t>fico</a:t>
                           </a:r>
+                        </a:p>
+                      </a:txBody>
+                      <a:tcPr/>
+                    </a:tc>
+                    <a:tc>
+                      <a:txBody>
+                        <a:bodyPr/>
+                        <a:lstStyle/>
+                        <a:p>
+                          <a:r>
+                            <a:rPr lang="en-US" sz="1400" dirty="0">
+                              <a:latin typeface="Consolas" panose="020B0609020204030204" pitchFamily="49" charset="0"/>
+                              <a:cs typeface="Consolas" panose="020B0609020204030204" pitchFamily="49" charset="0"/>
+                            </a:rPr>
+                            <a:t>m_delinq</a:t>
+                          </a:r>
+                        </a:p>
+                      </a:txBody>
+                      <a:tcPr/>
+                    </a:tc>
+                    <a:tc>
+                      <a:txBody>
+                        <a:bodyPr/>
+                        <a:lstStyle/>
+                        <a:p>
                           <a:endParaRPr lang="en-US" sz="1400" dirty="0">
                             <a:latin typeface="Consolas" panose="020B0609020204030204" pitchFamily="49" charset="0"/>
                             <a:cs typeface="Consolas" panose="020B0609020204030204" pitchFamily="49" charset="0"/>
@@ -20010,11 +18969,11 @@
                         <a:lstStyle/>
                         <a:p>
                           <a:r>
-                            <a:rPr lang="en-US" sz="1400" dirty="0" smtClean="0">
-                              <a:latin typeface="Consolas" panose="020B0609020204030204" pitchFamily="49" charset="0"/>
-                              <a:cs typeface="Consolas" panose="020B0609020204030204" pitchFamily="49" charset="0"/>
-                            </a:rPr>
-                            <a:t>m_delinq</a:t>
+                            <a:rPr lang="en-US" sz="1400" dirty="0" err="1">
+                              <a:latin typeface="Consolas" panose="020B0609020204030204" pitchFamily="49" charset="0"/>
+                              <a:cs typeface="Consolas" panose="020B0609020204030204" pitchFamily="49" charset="0"/>
+                            </a:rPr>
+                            <a:t>p_deny</a:t>
                           </a:r>
                           <a:endParaRPr lang="en-US" sz="1400" dirty="0">
                             <a:latin typeface="Consolas" panose="020B0609020204030204" pitchFamily="49" charset="0"/>
@@ -20024,39 +18983,11 @@
                       </a:txBody>
                       <a:tcPr/>
                     </a:tc>
-                    <a:tc>
-                      <a:txBody>
-                        <a:bodyPr/>
-                        <a:lstStyle/>
-                        <a:p>
-                          <a:endParaRPr lang="en-US" sz="1400" dirty="0">
-                            <a:latin typeface="Consolas" panose="020B0609020204030204" pitchFamily="49" charset="0"/>
-                            <a:cs typeface="Consolas" panose="020B0609020204030204" pitchFamily="49" charset="0"/>
-                          </a:endParaRPr>
-                        </a:p>
-                      </a:txBody>
-                      <a:tcPr/>
-                    </a:tc>
-                    <a:tc>
-                      <a:txBody>
-                        <a:bodyPr/>
-                        <a:lstStyle/>
-                        <a:p>
-                          <a:r>
-                            <a:rPr lang="en-US" sz="1400" dirty="0" err="1" smtClean="0">
-                              <a:latin typeface="Consolas" panose="020B0609020204030204" pitchFamily="49" charset="0"/>
-                              <a:cs typeface="Consolas" panose="020B0609020204030204" pitchFamily="49" charset="0"/>
-                            </a:rPr>
-                            <a:t>p_deny</a:t>
-                          </a:r>
-                          <a:endParaRPr lang="en-US" sz="1400" dirty="0">
-                            <a:latin typeface="Consolas" panose="020B0609020204030204" pitchFamily="49" charset="0"/>
-                            <a:cs typeface="Consolas" panose="020B0609020204030204" pitchFamily="49" charset="0"/>
-                          </a:endParaRPr>
-                        </a:p>
-                      </a:txBody>
-                      <a:tcPr/>
-                    </a:tc>
+                    <a:extLst>
+                      <a:ext uri="{0D108BD9-81ED-4DB2-BD59-A6C34878D82A}">
+                        <a16:rowId xmlns:a16="http://schemas.microsoft.com/office/drawing/2014/main" val="10000"/>
+                      </a:ext>
+                    </a:extLst>
                   </a:tr>
                   <a:tr h="203523">
                     <a:tc>
@@ -20065,7 +18996,7 @@
                         <a:lstStyle/>
                         <a:p>
                           <a:r>
-                            <a:rPr lang="en-US" sz="1400" dirty="0" smtClean="0">
+                            <a:rPr lang="en-US" sz="1400" dirty="0">
                               <a:solidFill>
                                 <a:schemeClr val="tx1"/>
                               </a:solidFill>
@@ -20074,24 +19005,17 @@
                             </a:rPr>
                             <a:t>10.4</a:t>
                           </a:r>
-                          <a:endParaRPr lang="en-US" sz="1400" dirty="0">
-                            <a:solidFill>
-                              <a:schemeClr val="tx1"/>
-                            </a:solidFill>
-                            <a:latin typeface="Consolas" panose="020B0609020204030204" pitchFamily="49" charset="0"/>
-                            <a:cs typeface="Consolas" panose="020B0609020204030204" pitchFamily="49" charset="0"/>
-                          </a:endParaRPr>
-                        </a:p>
-                      </a:txBody>
-                      <a:tcPr/>
-                    </a:tc>
-                    <a:tc>
-                      <a:txBody>
-                        <a:bodyPr/>
-                        <a:lstStyle/>
-                        <a:p>
-                          <a:r>
-                            <a:rPr lang="en-US" sz="1400" dirty="0" smtClean="0">
+                        </a:p>
+                      </a:txBody>
+                      <a:tcPr/>
+                    </a:tc>
+                    <a:tc>
+                      <a:txBody>
+                        <a:bodyPr/>
+                        <a:lstStyle/>
+                        <a:p>
+                          <a:r>
+                            <a:rPr lang="en-US" sz="1400" dirty="0">
                               <a:solidFill>
                                 <a:schemeClr val="tx1"/>
                               </a:solidFill>
@@ -20100,24 +19024,17 @@
                             </a:rPr>
                             <a:t>690</a:t>
                           </a:r>
-                          <a:endParaRPr lang="en-US" sz="1400" dirty="0">
-                            <a:solidFill>
-                              <a:schemeClr val="tx1"/>
-                            </a:solidFill>
-                            <a:latin typeface="Consolas" panose="020B0609020204030204" pitchFamily="49" charset="0"/>
-                            <a:cs typeface="Consolas" panose="020B0609020204030204" pitchFamily="49" charset="0"/>
-                          </a:endParaRPr>
-                        </a:p>
-                      </a:txBody>
-                      <a:tcPr/>
-                    </a:tc>
-                    <a:tc>
-                      <a:txBody>
-                        <a:bodyPr/>
-                        <a:lstStyle/>
-                        <a:p>
-                          <a:r>
-                            <a:rPr lang="en-US" sz="1400" dirty="0" smtClean="0">
+                        </a:p>
+                      </a:txBody>
+                      <a:tcPr/>
+                    </a:tc>
+                    <a:tc>
+                      <a:txBody>
+                        <a:bodyPr/>
+                        <a:lstStyle/>
+                        <a:p>
+                          <a:r>
+                            <a:rPr lang="en-US" sz="1400" dirty="0">
                               <a:solidFill>
                                 <a:schemeClr val="tx1"/>
                               </a:solidFill>
@@ -20126,13 +19043,6 @@
                             </a:rPr>
                             <a:t>4</a:t>
                           </a:r>
-                          <a:endParaRPr lang="en-US" sz="1400" dirty="0">
-                            <a:solidFill>
-                              <a:schemeClr val="tx1"/>
-                            </a:solidFill>
-                            <a:latin typeface="Consolas" panose="020B0609020204030204" pitchFamily="49" charset="0"/>
-                            <a:cs typeface="Consolas" panose="020B0609020204030204" pitchFamily="49" charset="0"/>
-                          </a:endParaRPr>
                         </a:p>
                       </a:txBody>
                       <a:tcPr/>
@@ -20179,7 +19089,7 @@
                               </m:oMath>
                             </m:oMathPara>
                           </a14:m>
-                          <a:endParaRPr lang="en-US" sz="1400" dirty="0" smtClean="0">
+                          <a:endParaRPr lang="en-US" sz="1400" dirty="0">
                             <a:solidFill>
                               <a:schemeClr val="tx1"/>
                             </a:solidFill>
@@ -20196,20 +19106,21 @@
                         <a:lstStyle/>
                         <a:p>
                           <a:r>
-                            <a:rPr lang="en-US" sz="1400" dirty="0" smtClean="0">
+                            <a:rPr lang="en-US" sz="1400" dirty="0">
                               <a:latin typeface="Consolas" panose="020B0609020204030204" pitchFamily="49" charset="0"/>
                               <a:cs typeface="Consolas" panose="020B0609020204030204" pitchFamily="49" charset="0"/>
                             </a:rPr>
                             <a:t>0.99</a:t>
                           </a:r>
-                          <a:endParaRPr lang="en-US" sz="1400" dirty="0">
-                            <a:latin typeface="Consolas" panose="020B0609020204030204" pitchFamily="49" charset="0"/>
-                            <a:cs typeface="Consolas" panose="020B0609020204030204" pitchFamily="49" charset="0"/>
-                          </a:endParaRPr>
-                        </a:p>
-                      </a:txBody>
-                      <a:tcPr/>
-                    </a:tc>
+                        </a:p>
+                      </a:txBody>
+                      <a:tcPr/>
+                    </a:tc>
+                    <a:extLst>
+                      <a:ext uri="{0D108BD9-81ED-4DB2-BD59-A6C34878D82A}">
+                        <a16:rowId xmlns:a16="http://schemas.microsoft.com/office/drawing/2014/main" val="10001"/>
+                      </a:ext>
+                    </a:extLst>
                   </a:tr>
                   <a:tr h="203523">
                     <a:tc>
@@ -20218,7 +19129,7 @@
                         <a:lstStyle/>
                         <a:p>
                           <a:r>
-                            <a:rPr lang="en-US" sz="1400" dirty="0" smtClean="0">
+                            <a:rPr lang="en-US" sz="1400" dirty="0">
                               <a:solidFill>
                                 <a:schemeClr val="bg1"/>
                               </a:solidFill>
@@ -20227,13 +19138,6 @@
                             </a:rPr>
                             <a:t>NA</a:t>
                           </a:r>
-                          <a:endParaRPr lang="en-US" sz="1400" dirty="0">
-                            <a:solidFill>
-                              <a:schemeClr val="bg1"/>
-                            </a:solidFill>
-                            <a:latin typeface="Consolas" panose="020B0609020204030204" pitchFamily="49" charset="0"/>
-                            <a:cs typeface="Consolas" panose="020B0609020204030204" pitchFamily="49" charset="0"/>
-                          </a:endParaRPr>
                         </a:p>
                       </a:txBody>
                       <a:tcPr>
@@ -20248,7 +19152,7 @@
                         <a:lstStyle/>
                         <a:p>
                           <a:r>
-                            <a:rPr lang="en-US" sz="1400" dirty="0" smtClean="0">
+                            <a:rPr lang="en-US" sz="1400" dirty="0">
                               <a:solidFill>
                                 <a:schemeClr val="bg1"/>
                               </a:solidFill>
@@ -20257,13 +19161,6 @@
                             </a:rPr>
                             <a:t>690</a:t>
                           </a:r>
-                          <a:endParaRPr lang="en-US" sz="1400" dirty="0">
-                            <a:solidFill>
-                              <a:schemeClr val="bg1"/>
-                            </a:solidFill>
-                            <a:latin typeface="Consolas" panose="020B0609020204030204" pitchFamily="49" charset="0"/>
-                            <a:cs typeface="Consolas" panose="020B0609020204030204" pitchFamily="49" charset="0"/>
-                          </a:endParaRPr>
                         </a:p>
                       </a:txBody>
                       <a:tcPr>
@@ -20278,7 +19175,7 @@
                         <a:lstStyle/>
                         <a:p>
                           <a:r>
-                            <a:rPr lang="en-US" sz="1400" dirty="0" smtClean="0">
+                            <a:rPr lang="en-US" sz="1400" dirty="0">
                               <a:solidFill>
                                 <a:schemeClr val="bg1"/>
                               </a:solidFill>
@@ -20287,13 +19184,6 @@
                             </a:rPr>
                             <a:t>4</a:t>
                           </a:r>
-                          <a:endParaRPr lang="en-US" sz="1400" dirty="0">
-                            <a:solidFill>
-                              <a:schemeClr val="bg1"/>
-                            </a:solidFill>
-                            <a:latin typeface="Consolas" panose="020B0609020204030204" pitchFamily="49" charset="0"/>
-                            <a:cs typeface="Consolas" panose="020B0609020204030204" pitchFamily="49" charset="0"/>
-                          </a:endParaRPr>
                         </a:p>
                       </a:txBody>
                       <a:tcPr>
@@ -20344,58 +19234,6 @@
                               </m:oMath>
                             </m:oMathPara>
                           </a14:m>
-                          <a:endParaRPr lang="en-US" sz="1400" dirty="0" smtClean="0">
-                            <a:solidFill>
-                              <a:schemeClr val="bg1"/>
-                            </a:solidFill>
-                            <a:latin typeface="Consolas" panose="020B0609020204030204" pitchFamily="49" charset="0"/>
-                            <a:cs typeface="Consolas" panose="020B0609020204030204" pitchFamily="49" charset="0"/>
-                          </a:endParaRPr>
-                        </a:p>
-                      </a:txBody>
-                      <a:tcPr>
-                        <a:solidFill>
-                          <a:srgbClr val="FF00FF"/>
-                        </a:solidFill>
-                      </a:tcPr>
-                    </a:tc>
-                    <a:tc>
-                      <a:txBody>
-                        <a:bodyPr/>
-                        <a:lstStyle/>
-                        <a:p>
-                          <a:r>
-                            <a:rPr lang="en-US" sz="1400" smtClean="0">
-                              <a:latin typeface="Consolas" panose="020B0609020204030204" pitchFamily="49" charset="0"/>
-                              <a:cs typeface="Consolas" panose="020B0609020204030204" pitchFamily="49" charset="0"/>
-                            </a:rPr>
-                            <a:t>0.99</a:t>
-                          </a:r>
-                          <a:endParaRPr lang="en-US" sz="1400" dirty="0">
-                            <a:latin typeface="Consolas" panose="020B0609020204030204" pitchFamily="49" charset="0"/>
-                            <a:cs typeface="Consolas" panose="020B0609020204030204" pitchFamily="49" charset="0"/>
-                          </a:endParaRPr>
-                        </a:p>
-                      </a:txBody>
-                      <a:tcPr/>
-                    </a:tc>
-                  </a:tr>
-                  <a:tr h="203523">
-                    <a:tc>
-                      <a:txBody>
-                        <a:bodyPr/>
-                        <a:lstStyle/>
-                        <a:p>
-                          <a:r>
-                            <a:rPr lang="en-US" sz="1400" dirty="0" smtClean="0">
-                              <a:solidFill>
-                                <a:schemeClr val="bg1"/>
-                              </a:solidFill>
-                              <a:latin typeface="Consolas" panose="020B0609020204030204" pitchFamily="49" charset="0"/>
-                              <a:cs typeface="Consolas" panose="020B0609020204030204" pitchFamily="49" charset="0"/>
-                            </a:rPr>
-                            <a:t>10.4</a:t>
-                          </a:r>
                           <a:endParaRPr lang="en-US" sz="1400" dirty="0">
                             <a:solidFill>
                               <a:schemeClr val="bg1"/>
@@ -20417,22 +19255,42 @@
                         <a:lstStyle/>
                         <a:p>
                           <a:r>
-                            <a:rPr lang="en-US" sz="1400" dirty="0" smtClean="0">
+                            <a:rPr lang="en-US" sz="1400">
+                              <a:latin typeface="Consolas" panose="020B0609020204030204" pitchFamily="49" charset="0"/>
+                              <a:cs typeface="Consolas" panose="020B0609020204030204" pitchFamily="49" charset="0"/>
+                            </a:rPr>
+                            <a:t>0.99</a:t>
+                          </a:r>
+                          <a:endParaRPr lang="en-US" sz="1400" dirty="0">
+                            <a:latin typeface="Consolas" panose="020B0609020204030204" pitchFamily="49" charset="0"/>
+                            <a:cs typeface="Consolas" panose="020B0609020204030204" pitchFamily="49" charset="0"/>
+                          </a:endParaRPr>
+                        </a:p>
+                      </a:txBody>
+                      <a:tcPr/>
+                    </a:tc>
+                    <a:extLst>
+                      <a:ext uri="{0D108BD9-81ED-4DB2-BD59-A6C34878D82A}">
+                        <a16:rowId xmlns:a16="http://schemas.microsoft.com/office/drawing/2014/main" val="10002"/>
+                      </a:ext>
+                    </a:extLst>
+                  </a:tr>
+                  <a:tr h="203523">
+                    <a:tc>
+                      <a:txBody>
+                        <a:bodyPr/>
+                        <a:lstStyle/>
+                        <a:p>
+                          <a:r>
+                            <a:rPr lang="en-US" sz="1400" dirty="0">
                               <a:solidFill>
                                 <a:schemeClr val="bg1"/>
                               </a:solidFill>
                               <a:latin typeface="Consolas" panose="020B0609020204030204" pitchFamily="49" charset="0"/>
                               <a:cs typeface="Consolas" panose="020B0609020204030204" pitchFamily="49" charset="0"/>
                             </a:rPr>
-                            <a:t>NA</a:t>
-                          </a:r>
-                          <a:endParaRPr lang="en-US" sz="1400" dirty="0">
-                            <a:solidFill>
-                              <a:schemeClr val="bg1"/>
-                            </a:solidFill>
-                            <a:latin typeface="Consolas" panose="020B0609020204030204" pitchFamily="49" charset="0"/>
-                            <a:cs typeface="Consolas" panose="020B0609020204030204" pitchFamily="49" charset="0"/>
-                          </a:endParaRPr>
+                            <a:t>10.4</a:t>
+                          </a:r>
                         </a:p>
                       </a:txBody>
                       <a:tcPr>
@@ -20447,22 +19305,38 @@
                         <a:lstStyle/>
                         <a:p>
                           <a:r>
-                            <a:rPr lang="en-US" sz="1400" dirty="0" smtClean="0">
+                            <a:rPr lang="en-US" sz="1400" dirty="0">
                               <a:solidFill>
                                 <a:schemeClr val="bg1"/>
                               </a:solidFill>
                               <a:latin typeface="Consolas" panose="020B0609020204030204" pitchFamily="49" charset="0"/>
                               <a:cs typeface="Consolas" panose="020B0609020204030204" pitchFamily="49" charset="0"/>
                             </a:rPr>
+                            <a:t>NA</a:t>
+                          </a:r>
+                        </a:p>
+                      </a:txBody>
+                      <a:tcPr>
+                        <a:solidFill>
+                          <a:srgbClr val="FF00FF"/>
+                        </a:solidFill>
+                      </a:tcPr>
+                    </a:tc>
+                    <a:tc>
+                      <a:txBody>
+                        <a:bodyPr/>
+                        <a:lstStyle/>
+                        <a:p>
+                          <a:r>
+                            <a:rPr lang="en-US" sz="1400" dirty="0">
+                              <a:solidFill>
+                                <a:schemeClr val="bg1"/>
+                              </a:solidFill>
+                              <a:latin typeface="Consolas" panose="020B0609020204030204" pitchFamily="49" charset="0"/>
+                              <a:cs typeface="Consolas" panose="020B0609020204030204" pitchFamily="49" charset="0"/>
+                            </a:rPr>
                             <a:t>4</a:t>
                           </a:r>
-                          <a:endParaRPr lang="en-US" sz="1400" dirty="0">
-                            <a:solidFill>
-                              <a:schemeClr val="bg1"/>
-                            </a:solidFill>
-                            <a:latin typeface="Consolas" panose="020B0609020204030204" pitchFamily="49" charset="0"/>
-                            <a:cs typeface="Consolas" panose="020B0609020204030204" pitchFamily="49" charset="0"/>
-                          </a:endParaRPr>
                         </a:p>
                       </a:txBody>
                       <a:tcPr>
@@ -20513,58 +19387,6 @@
                               </m:oMath>
                             </m:oMathPara>
                           </a14:m>
-                          <a:endParaRPr lang="en-US" sz="1400" dirty="0" smtClean="0">
-                            <a:solidFill>
-                              <a:schemeClr val="bg1"/>
-                            </a:solidFill>
-                            <a:latin typeface="Consolas" panose="020B0609020204030204" pitchFamily="49" charset="0"/>
-                            <a:cs typeface="Consolas" panose="020B0609020204030204" pitchFamily="49" charset="0"/>
-                          </a:endParaRPr>
-                        </a:p>
-                      </a:txBody>
-                      <a:tcPr>
-                        <a:solidFill>
-                          <a:srgbClr val="FF00FF"/>
-                        </a:solidFill>
-                      </a:tcPr>
-                    </a:tc>
-                    <a:tc>
-                      <a:txBody>
-                        <a:bodyPr/>
-                        <a:lstStyle/>
-                        <a:p>
-                          <a:r>
-                            <a:rPr lang="en-US" sz="1400" smtClean="0">
-                              <a:latin typeface="Consolas" panose="020B0609020204030204" pitchFamily="49" charset="0"/>
-                              <a:cs typeface="Consolas" panose="020B0609020204030204" pitchFamily="49" charset="0"/>
-                            </a:rPr>
-                            <a:t>0.99</a:t>
-                          </a:r>
-                          <a:endParaRPr lang="en-US" sz="1400" dirty="0">
-                            <a:latin typeface="Consolas" panose="020B0609020204030204" pitchFamily="49" charset="0"/>
-                            <a:cs typeface="Consolas" panose="020B0609020204030204" pitchFamily="49" charset="0"/>
-                          </a:endParaRPr>
-                        </a:p>
-                      </a:txBody>
-                      <a:tcPr/>
-                    </a:tc>
-                  </a:tr>
-                  <a:tr h="203523">
-                    <a:tc>
-                      <a:txBody>
-                        <a:bodyPr/>
-                        <a:lstStyle/>
-                        <a:p>
-                          <a:r>
-                            <a:rPr lang="en-US" sz="1400" dirty="0" smtClean="0">
-                              <a:solidFill>
-                                <a:schemeClr val="bg1"/>
-                              </a:solidFill>
-                              <a:latin typeface="Consolas" panose="020B0609020204030204" pitchFamily="49" charset="0"/>
-                              <a:cs typeface="Consolas" panose="020B0609020204030204" pitchFamily="49" charset="0"/>
-                            </a:rPr>
-                            <a:t>10.4</a:t>
-                          </a:r>
                           <a:endParaRPr lang="en-US" sz="1400" dirty="0">
                             <a:solidFill>
                               <a:schemeClr val="bg1"/>
@@ -20586,22 +19408,42 @@
                         <a:lstStyle/>
                         <a:p>
                           <a:r>
-                            <a:rPr lang="en-US" sz="1400" dirty="0" smtClean="0">
+                            <a:rPr lang="en-US" sz="1400">
+                              <a:latin typeface="Consolas" panose="020B0609020204030204" pitchFamily="49" charset="0"/>
+                              <a:cs typeface="Consolas" panose="020B0609020204030204" pitchFamily="49" charset="0"/>
+                            </a:rPr>
+                            <a:t>0.99</a:t>
+                          </a:r>
+                          <a:endParaRPr lang="en-US" sz="1400" dirty="0">
+                            <a:latin typeface="Consolas" panose="020B0609020204030204" pitchFamily="49" charset="0"/>
+                            <a:cs typeface="Consolas" panose="020B0609020204030204" pitchFamily="49" charset="0"/>
+                          </a:endParaRPr>
+                        </a:p>
+                      </a:txBody>
+                      <a:tcPr/>
+                    </a:tc>
+                    <a:extLst>
+                      <a:ext uri="{0D108BD9-81ED-4DB2-BD59-A6C34878D82A}">
+                        <a16:rowId xmlns:a16="http://schemas.microsoft.com/office/drawing/2014/main" val="10003"/>
+                      </a:ext>
+                    </a:extLst>
+                  </a:tr>
+                  <a:tr h="203523">
+                    <a:tc>
+                      <a:txBody>
+                        <a:bodyPr/>
+                        <a:lstStyle/>
+                        <a:p>
+                          <a:r>
+                            <a:rPr lang="en-US" sz="1400" dirty="0">
                               <a:solidFill>
                                 <a:schemeClr val="bg1"/>
                               </a:solidFill>
                               <a:latin typeface="Consolas" panose="020B0609020204030204" pitchFamily="49" charset="0"/>
                               <a:cs typeface="Consolas" panose="020B0609020204030204" pitchFamily="49" charset="0"/>
                             </a:rPr>
-                            <a:t>690</a:t>
-                          </a:r>
-                          <a:endParaRPr lang="en-US" sz="1400" dirty="0">
-                            <a:solidFill>
-                              <a:schemeClr val="bg1"/>
-                            </a:solidFill>
-                            <a:latin typeface="Consolas" panose="020B0609020204030204" pitchFamily="49" charset="0"/>
-                            <a:cs typeface="Consolas" panose="020B0609020204030204" pitchFamily="49" charset="0"/>
-                          </a:endParaRPr>
+                            <a:t>10.4</a:t>
+                          </a:r>
                         </a:p>
                       </a:txBody>
                       <a:tcPr>
@@ -20616,22 +19458,38 @@
                         <a:lstStyle/>
                         <a:p>
                           <a:r>
-                            <a:rPr lang="en-US" sz="1400" dirty="0" smtClean="0">
+                            <a:rPr lang="en-US" sz="1400" dirty="0">
                               <a:solidFill>
                                 <a:schemeClr val="bg1"/>
                               </a:solidFill>
                               <a:latin typeface="Consolas" panose="020B0609020204030204" pitchFamily="49" charset="0"/>
                               <a:cs typeface="Consolas" panose="020B0609020204030204" pitchFamily="49" charset="0"/>
                             </a:rPr>
+                            <a:t>690</a:t>
+                          </a:r>
+                        </a:p>
+                      </a:txBody>
+                      <a:tcPr>
+                        <a:solidFill>
+                          <a:srgbClr val="FF00FF"/>
+                        </a:solidFill>
+                      </a:tcPr>
+                    </a:tc>
+                    <a:tc>
+                      <a:txBody>
+                        <a:bodyPr/>
+                        <a:lstStyle/>
+                        <a:p>
+                          <a:r>
+                            <a:rPr lang="en-US" sz="1400" dirty="0">
+                              <a:solidFill>
+                                <a:schemeClr val="bg1"/>
+                              </a:solidFill>
+                              <a:latin typeface="Consolas" panose="020B0609020204030204" pitchFamily="49" charset="0"/>
+                              <a:cs typeface="Consolas" panose="020B0609020204030204" pitchFamily="49" charset="0"/>
+                            </a:rPr>
                             <a:t>NA</a:t>
                           </a:r>
-                          <a:endParaRPr lang="en-US" sz="1400" dirty="0">
-                            <a:solidFill>
-                              <a:schemeClr val="bg1"/>
-                            </a:solidFill>
-                            <a:latin typeface="Consolas" panose="020B0609020204030204" pitchFamily="49" charset="0"/>
-                            <a:cs typeface="Consolas" panose="020B0609020204030204" pitchFamily="49" charset="0"/>
-                          </a:endParaRPr>
                         </a:p>
                       </a:txBody>
                       <a:tcPr>
@@ -20682,58 +19540,6 @@
                               </m:oMath>
                             </m:oMathPara>
                           </a14:m>
-                          <a:endParaRPr lang="en-US" sz="1400" dirty="0" smtClean="0">
-                            <a:solidFill>
-                              <a:schemeClr val="bg1"/>
-                            </a:solidFill>
-                            <a:latin typeface="Consolas" panose="020B0609020204030204" pitchFamily="49" charset="0"/>
-                            <a:cs typeface="Consolas" panose="020B0609020204030204" pitchFamily="49" charset="0"/>
-                          </a:endParaRPr>
-                        </a:p>
-                      </a:txBody>
-                      <a:tcPr>
-                        <a:solidFill>
-                          <a:srgbClr val="FF00FF"/>
-                        </a:solidFill>
-                      </a:tcPr>
-                    </a:tc>
-                    <a:tc>
-                      <a:txBody>
-                        <a:bodyPr/>
-                        <a:lstStyle/>
-                        <a:p>
-                          <a:r>
-                            <a:rPr lang="en-US" sz="1400" dirty="0" smtClean="0">
-                              <a:latin typeface="Consolas" panose="020B0609020204030204" pitchFamily="49" charset="0"/>
-                              <a:cs typeface="Consolas" panose="020B0609020204030204" pitchFamily="49" charset="0"/>
-                            </a:rPr>
-                            <a:t>0.99</a:t>
-                          </a:r>
-                          <a:endParaRPr lang="en-US" sz="1400" dirty="0">
-                            <a:latin typeface="Consolas" panose="020B0609020204030204" pitchFamily="49" charset="0"/>
-                            <a:cs typeface="Consolas" panose="020B0609020204030204" pitchFamily="49" charset="0"/>
-                          </a:endParaRPr>
-                        </a:p>
-                      </a:txBody>
-                      <a:tcPr/>
-                    </a:tc>
-                  </a:tr>
-                  <a:tr h="203523">
-                    <a:tc>
-                      <a:txBody>
-                        <a:bodyPr/>
-                        <a:lstStyle/>
-                        <a:p>
-                          <a:r>
-                            <a:rPr lang="en-US" sz="1400" dirty="0" smtClean="0">
-                              <a:solidFill>
-                                <a:schemeClr val="bg1"/>
-                              </a:solidFill>
-                              <a:latin typeface="Consolas" panose="020B0609020204030204" pitchFamily="49" charset="0"/>
-                              <a:cs typeface="Consolas" panose="020B0609020204030204" pitchFamily="49" charset="0"/>
-                            </a:rPr>
-                            <a:t>-999</a:t>
-                          </a:r>
                           <a:endParaRPr lang="en-US" sz="1400" dirty="0">
                             <a:solidFill>
                               <a:schemeClr val="bg1"/>
@@ -20755,22 +19561,38 @@
                         <a:lstStyle/>
                         <a:p>
                           <a:r>
-                            <a:rPr lang="en-US" sz="1400" dirty="0" smtClean="0">
+                            <a:rPr lang="en-US" sz="1400" dirty="0">
+                              <a:latin typeface="Consolas" panose="020B0609020204030204" pitchFamily="49" charset="0"/>
+                              <a:cs typeface="Consolas" panose="020B0609020204030204" pitchFamily="49" charset="0"/>
+                            </a:rPr>
+                            <a:t>0.99</a:t>
+                          </a:r>
+                        </a:p>
+                      </a:txBody>
+                      <a:tcPr/>
+                    </a:tc>
+                    <a:extLst>
+                      <a:ext uri="{0D108BD9-81ED-4DB2-BD59-A6C34878D82A}">
+                        <a16:rowId xmlns:a16="http://schemas.microsoft.com/office/drawing/2014/main" val="10004"/>
+                      </a:ext>
+                    </a:extLst>
+                  </a:tr>
+                  <a:tr h="203523">
+                    <a:tc>
+                      <a:txBody>
+                        <a:bodyPr/>
+                        <a:lstStyle/>
+                        <a:p>
+                          <a:r>
+                            <a:rPr lang="en-US" sz="1400" dirty="0">
                               <a:solidFill>
                                 <a:schemeClr val="bg1"/>
                               </a:solidFill>
                               <a:latin typeface="Consolas" panose="020B0609020204030204" pitchFamily="49" charset="0"/>
                               <a:cs typeface="Consolas" panose="020B0609020204030204" pitchFamily="49" charset="0"/>
                             </a:rPr>
-                            <a:t>690</a:t>
-                          </a:r>
-                          <a:endParaRPr lang="en-US" sz="1400" dirty="0">
-                            <a:solidFill>
-                              <a:schemeClr val="bg1"/>
-                            </a:solidFill>
-                            <a:latin typeface="Consolas" panose="020B0609020204030204" pitchFamily="49" charset="0"/>
-                            <a:cs typeface="Consolas" panose="020B0609020204030204" pitchFamily="49" charset="0"/>
-                          </a:endParaRPr>
+                            <a:t>-999</a:t>
+                          </a:r>
                         </a:p>
                       </a:txBody>
                       <a:tcPr>
@@ -20785,22 +19607,38 @@
                         <a:lstStyle/>
                         <a:p>
                           <a:r>
-                            <a:rPr lang="en-US" sz="1400" dirty="0" smtClean="0">
+                            <a:rPr lang="en-US" sz="1400" dirty="0">
                               <a:solidFill>
                                 <a:schemeClr val="bg1"/>
                               </a:solidFill>
                               <a:latin typeface="Consolas" panose="020B0609020204030204" pitchFamily="49" charset="0"/>
                               <a:cs typeface="Consolas" panose="020B0609020204030204" pitchFamily="49" charset="0"/>
                             </a:rPr>
+                            <a:t>690</a:t>
+                          </a:r>
+                        </a:p>
+                      </a:txBody>
+                      <a:tcPr>
+                        <a:solidFill>
+                          <a:srgbClr val="FF00FF"/>
+                        </a:solidFill>
+                      </a:tcPr>
+                    </a:tc>
+                    <a:tc>
+                      <a:txBody>
+                        <a:bodyPr/>
+                        <a:lstStyle/>
+                        <a:p>
+                          <a:r>
+                            <a:rPr lang="en-US" sz="1400" dirty="0">
+                              <a:solidFill>
+                                <a:schemeClr val="bg1"/>
+                              </a:solidFill>
+                              <a:latin typeface="Consolas" panose="020B0609020204030204" pitchFamily="49" charset="0"/>
+                              <a:cs typeface="Consolas" panose="020B0609020204030204" pitchFamily="49" charset="0"/>
+                            </a:rPr>
                             <a:t>4</a:t>
                           </a:r>
-                          <a:endParaRPr lang="en-US" sz="1400" dirty="0">
-                            <a:solidFill>
-                              <a:schemeClr val="bg1"/>
-                            </a:solidFill>
-                            <a:latin typeface="Consolas" panose="020B0609020204030204" pitchFamily="49" charset="0"/>
-                            <a:cs typeface="Consolas" panose="020B0609020204030204" pitchFamily="49" charset="0"/>
-                          </a:endParaRPr>
                         </a:p>
                       </a:txBody>
                       <a:tcPr>
@@ -20851,58 +19689,6 @@
                               </m:oMath>
                             </m:oMathPara>
                           </a14:m>
-                          <a:endParaRPr lang="en-US" sz="1400" dirty="0" smtClean="0">
-                            <a:solidFill>
-                              <a:schemeClr val="bg1"/>
-                            </a:solidFill>
-                            <a:latin typeface="Consolas" panose="020B0609020204030204" pitchFamily="49" charset="0"/>
-                            <a:cs typeface="Consolas" panose="020B0609020204030204" pitchFamily="49" charset="0"/>
-                          </a:endParaRPr>
-                        </a:p>
-                      </a:txBody>
-                      <a:tcPr>
-                        <a:solidFill>
-                          <a:srgbClr val="FF00FF"/>
-                        </a:solidFill>
-                      </a:tcPr>
-                    </a:tc>
-                    <a:tc>
-                      <a:txBody>
-                        <a:bodyPr/>
-                        <a:lstStyle/>
-                        <a:p>
-                          <a:r>
-                            <a:rPr lang="en-US" sz="1400" dirty="0" smtClean="0">
-                              <a:latin typeface="Consolas" panose="020B0609020204030204" pitchFamily="49" charset="0"/>
-                              <a:cs typeface="Consolas" panose="020B0609020204030204" pitchFamily="49" charset="0"/>
-                            </a:rPr>
-                            <a:t>0.99</a:t>
-                          </a:r>
-                          <a:endParaRPr lang="en-US" sz="1400" dirty="0">
-                            <a:latin typeface="Consolas" panose="020B0609020204030204" pitchFamily="49" charset="0"/>
-                            <a:cs typeface="Consolas" panose="020B0609020204030204" pitchFamily="49" charset="0"/>
-                          </a:endParaRPr>
-                        </a:p>
-                      </a:txBody>
-                      <a:tcPr/>
-                    </a:tc>
-                  </a:tr>
-                  <a:tr h="203523">
-                    <a:tc>
-                      <a:txBody>
-                        <a:bodyPr/>
-                        <a:lstStyle/>
-                        <a:p>
-                          <a:r>
-                            <a:rPr lang="en-US" sz="1400" dirty="0" smtClean="0">
-                              <a:solidFill>
-                                <a:schemeClr val="bg1"/>
-                              </a:solidFill>
-                              <a:latin typeface="Consolas" panose="020B0609020204030204" pitchFamily="49" charset="0"/>
-                              <a:cs typeface="Consolas" panose="020B0609020204030204" pitchFamily="49" charset="0"/>
-                            </a:rPr>
-                            <a:t>10.4</a:t>
-                          </a:r>
                           <a:endParaRPr lang="en-US" sz="1400" dirty="0">
                             <a:solidFill>
                               <a:schemeClr val="bg1"/>
@@ -20924,22 +19710,38 @@
                         <a:lstStyle/>
                         <a:p>
                           <a:r>
-                            <a:rPr lang="en-US" sz="1400" dirty="0" smtClean="0">
+                            <a:rPr lang="en-US" sz="1400" dirty="0">
+                              <a:latin typeface="Consolas" panose="020B0609020204030204" pitchFamily="49" charset="0"/>
+                              <a:cs typeface="Consolas" panose="020B0609020204030204" pitchFamily="49" charset="0"/>
+                            </a:rPr>
+                            <a:t>0.99</a:t>
+                          </a:r>
+                        </a:p>
+                      </a:txBody>
+                      <a:tcPr/>
+                    </a:tc>
+                    <a:extLst>
+                      <a:ext uri="{0D108BD9-81ED-4DB2-BD59-A6C34878D82A}">
+                        <a16:rowId xmlns:a16="http://schemas.microsoft.com/office/drawing/2014/main" val="10005"/>
+                      </a:ext>
+                    </a:extLst>
+                  </a:tr>
+                  <a:tr h="203523">
+                    <a:tc>
+                      <a:txBody>
+                        <a:bodyPr/>
+                        <a:lstStyle/>
+                        <a:p>
+                          <a:r>
+                            <a:rPr lang="en-US" sz="1400" dirty="0">
                               <a:solidFill>
                                 <a:schemeClr val="bg1"/>
                               </a:solidFill>
                               <a:latin typeface="Consolas" panose="020B0609020204030204" pitchFamily="49" charset="0"/>
                               <a:cs typeface="Consolas" panose="020B0609020204030204" pitchFamily="49" charset="0"/>
                             </a:rPr>
-                            <a:t>-999</a:t>
-                          </a:r>
-                          <a:endParaRPr lang="en-US" sz="1400" dirty="0">
-                            <a:solidFill>
-                              <a:schemeClr val="bg1"/>
-                            </a:solidFill>
-                            <a:latin typeface="Consolas" panose="020B0609020204030204" pitchFamily="49" charset="0"/>
-                            <a:cs typeface="Consolas" panose="020B0609020204030204" pitchFamily="49" charset="0"/>
-                          </a:endParaRPr>
+                            <a:t>10.4</a:t>
+                          </a:r>
                         </a:p>
                       </a:txBody>
                       <a:tcPr>
@@ -20954,22 +19756,38 @@
                         <a:lstStyle/>
                         <a:p>
                           <a:r>
-                            <a:rPr lang="en-US" sz="1400" dirty="0" smtClean="0">
+                            <a:rPr lang="en-US" sz="1400" dirty="0">
                               <a:solidFill>
                                 <a:schemeClr val="bg1"/>
                               </a:solidFill>
                               <a:latin typeface="Consolas" panose="020B0609020204030204" pitchFamily="49" charset="0"/>
                               <a:cs typeface="Consolas" panose="020B0609020204030204" pitchFamily="49" charset="0"/>
                             </a:rPr>
+                            <a:t>-999</a:t>
+                          </a:r>
+                        </a:p>
+                      </a:txBody>
+                      <a:tcPr>
+                        <a:solidFill>
+                          <a:srgbClr val="FF00FF"/>
+                        </a:solidFill>
+                      </a:tcPr>
+                    </a:tc>
+                    <a:tc>
+                      <a:txBody>
+                        <a:bodyPr/>
+                        <a:lstStyle/>
+                        <a:p>
+                          <a:r>
+                            <a:rPr lang="en-US" sz="1400" dirty="0">
+                              <a:solidFill>
+                                <a:schemeClr val="bg1"/>
+                              </a:solidFill>
+                              <a:latin typeface="Consolas" panose="020B0609020204030204" pitchFamily="49" charset="0"/>
+                              <a:cs typeface="Consolas" panose="020B0609020204030204" pitchFamily="49" charset="0"/>
+                            </a:rPr>
                             <a:t>4</a:t>
                           </a:r>
-                          <a:endParaRPr lang="en-US" sz="1400" dirty="0">
-                            <a:solidFill>
-                              <a:schemeClr val="bg1"/>
-                            </a:solidFill>
-                            <a:latin typeface="Consolas" panose="020B0609020204030204" pitchFamily="49" charset="0"/>
-                            <a:cs typeface="Consolas" panose="020B0609020204030204" pitchFamily="49" charset="0"/>
-                          </a:endParaRPr>
                         </a:p>
                       </a:txBody>
                       <a:tcPr>
@@ -21020,58 +19838,6 @@
                               </m:oMath>
                             </m:oMathPara>
                           </a14:m>
-                          <a:endParaRPr lang="en-US" sz="1400" dirty="0" smtClean="0">
-                            <a:solidFill>
-                              <a:schemeClr val="bg1"/>
-                            </a:solidFill>
-                            <a:latin typeface="Consolas" panose="020B0609020204030204" pitchFamily="49" charset="0"/>
-                            <a:cs typeface="Consolas" panose="020B0609020204030204" pitchFamily="49" charset="0"/>
-                          </a:endParaRPr>
-                        </a:p>
-                      </a:txBody>
-                      <a:tcPr>
-                        <a:solidFill>
-                          <a:srgbClr val="FF00FF"/>
-                        </a:solidFill>
-                      </a:tcPr>
-                    </a:tc>
-                    <a:tc>
-                      <a:txBody>
-                        <a:bodyPr/>
-                        <a:lstStyle/>
-                        <a:p>
-                          <a:r>
-                            <a:rPr lang="en-US" sz="1400" dirty="0" smtClean="0">
-                              <a:latin typeface="Consolas" panose="020B0609020204030204" pitchFamily="49" charset="0"/>
-                              <a:cs typeface="Consolas" panose="020B0609020204030204" pitchFamily="49" charset="0"/>
-                            </a:rPr>
-                            <a:t>0.99</a:t>
-                          </a:r>
-                          <a:endParaRPr lang="en-US" sz="1400" dirty="0">
-                            <a:latin typeface="Consolas" panose="020B0609020204030204" pitchFamily="49" charset="0"/>
-                            <a:cs typeface="Consolas" panose="020B0609020204030204" pitchFamily="49" charset="0"/>
-                          </a:endParaRPr>
-                        </a:p>
-                      </a:txBody>
-                      <a:tcPr/>
-                    </a:tc>
-                  </a:tr>
-                  <a:tr h="203523">
-                    <a:tc>
-                      <a:txBody>
-                        <a:bodyPr/>
-                        <a:lstStyle/>
-                        <a:p>
-                          <a:r>
-                            <a:rPr lang="en-US" sz="1400" dirty="0" smtClean="0">
-                              <a:solidFill>
-                                <a:schemeClr val="bg1"/>
-                              </a:solidFill>
-                              <a:latin typeface="Consolas" panose="020B0609020204030204" pitchFamily="49" charset="0"/>
-                              <a:cs typeface="Consolas" panose="020B0609020204030204" pitchFamily="49" charset="0"/>
-                            </a:rPr>
-                            <a:t>10.4</a:t>
-                          </a:r>
                           <a:endParaRPr lang="en-US" sz="1400" dirty="0">
                             <a:solidFill>
                               <a:schemeClr val="bg1"/>
@@ -21093,22 +19859,38 @@
                         <a:lstStyle/>
                         <a:p>
                           <a:r>
-                            <a:rPr lang="en-US" sz="1400" dirty="0" smtClean="0">
+                            <a:rPr lang="en-US" sz="1400" dirty="0">
+                              <a:latin typeface="Consolas" panose="020B0609020204030204" pitchFamily="49" charset="0"/>
+                              <a:cs typeface="Consolas" panose="020B0609020204030204" pitchFamily="49" charset="0"/>
+                            </a:rPr>
+                            <a:t>0.99</a:t>
+                          </a:r>
+                        </a:p>
+                      </a:txBody>
+                      <a:tcPr/>
+                    </a:tc>
+                    <a:extLst>
+                      <a:ext uri="{0D108BD9-81ED-4DB2-BD59-A6C34878D82A}">
+                        <a16:rowId xmlns:a16="http://schemas.microsoft.com/office/drawing/2014/main" val="10006"/>
+                      </a:ext>
+                    </a:extLst>
+                  </a:tr>
+                  <a:tr h="203523">
+                    <a:tc>
+                      <a:txBody>
+                        <a:bodyPr/>
+                        <a:lstStyle/>
+                        <a:p>
+                          <a:r>
+                            <a:rPr lang="en-US" sz="1400" dirty="0">
                               <a:solidFill>
                                 <a:schemeClr val="bg1"/>
                               </a:solidFill>
                               <a:latin typeface="Consolas" panose="020B0609020204030204" pitchFamily="49" charset="0"/>
                               <a:cs typeface="Consolas" panose="020B0609020204030204" pitchFamily="49" charset="0"/>
                             </a:rPr>
-                            <a:t>690</a:t>
-                          </a:r>
-                          <a:endParaRPr lang="en-US" sz="1400" dirty="0">
-                            <a:solidFill>
-                              <a:schemeClr val="bg1"/>
-                            </a:solidFill>
-                            <a:latin typeface="Consolas" panose="020B0609020204030204" pitchFamily="49" charset="0"/>
-                            <a:cs typeface="Consolas" panose="020B0609020204030204" pitchFamily="49" charset="0"/>
-                          </a:endParaRPr>
+                            <a:t>10.4</a:t>
+                          </a:r>
                         </a:p>
                       </a:txBody>
                       <a:tcPr>
@@ -21123,22 +19905,38 @@
                         <a:lstStyle/>
                         <a:p>
                           <a:r>
-                            <a:rPr lang="en-US" sz="1400" dirty="0" smtClean="0">
+                            <a:rPr lang="en-US" sz="1400" dirty="0">
                               <a:solidFill>
                                 <a:schemeClr val="bg1"/>
                               </a:solidFill>
                               <a:latin typeface="Consolas" panose="020B0609020204030204" pitchFamily="49" charset="0"/>
                               <a:cs typeface="Consolas" panose="020B0609020204030204" pitchFamily="49" charset="0"/>
                             </a:rPr>
+                            <a:t>690</a:t>
+                          </a:r>
+                        </a:p>
+                      </a:txBody>
+                      <a:tcPr>
+                        <a:solidFill>
+                          <a:srgbClr val="FF00FF"/>
+                        </a:solidFill>
+                      </a:tcPr>
+                    </a:tc>
+                    <a:tc>
+                      <a:txBody>
+                        <a:bodyPr/>
+                        <a:lstStyle/>
+                        <a:p>
+                          <a:r>
+                            <a:rPr lang="en-US" sz="1400" dirty="0">
+                              <a:solidFill>
+                                <a:schemeClr val="bg1"/>
+                              </a:solidFill>
+                              <a:latin typeface="Consolas" panose="020B0609020204030204" pitchFamily="49" charset="0"/>
+                              <a:cs typeface="Consolas" panose="020B0609020204030204" pitchFamily="49" charset="0"/>
+                            </a:rPr>
                             <a:t>-999</a:t>
                           </a:r>
-                          <a:endParaRPr lang="en-US" sz="1400" dirty="0">
-                            <a:solidFill>
-                              <a:schemeClr val="bg1"/>
-                            </a:solidFill>
-                            <a:latin typeface="Consolas" panose="020B0609020204030204" pitchFamily="49" charset="0"/>
-                            <a:cs typeface="Consolas" panose="020B0609020204030204" pitchFamily="49" charset="0"/>
-                          </a:endParaRPr>
                         </a:p>
                       </a:txBody>
                       <a:tcPr>
@@ -21189,7 +19987,7 @@
                               </m:oMath>
                             </m:oMathPara>
                           </a14:m>
-                          <a:endParaRPr lang="en-US" sz="1400" dirty="0" smtClean="0">
+                          <a:endParaRPr lang="en-US" sz="1400" dirty="0">
                             <a:solidFill>
                               <a:schemeClr val="bg1"/>
                             </a:solidFill>
@@ -21210,7 +20008,7 @@
                         <a:lstStyle/>
                         <a:p>
                           <a:r>
-                            <a:rPr lang="en-US" sz="1400" dirty="0" smtClean="0">
+                            <a:rPr lang="en-US" sz="1400" dirty="0">
                               <a:solidFill>
                                 <a:srgbClr val="FF00FF"/>
                               </a:solidFill>
@@ -21219,24 +20017,22 @@
                             </a:rPr>
                             <a:t>0.12</a:t>
                           </a:r>
-                          <a:endParaRPr lang="en-US" sz="1400" dirty="0">
-                            <a:solidFill>
-                              <a:srgbClr val="FF00FF"/>
-                            </a:solidFill>
-                            <a:latin typeface="Consolas" panose="020B0609020204030204" pitchFamily="49" charset="0"/>
-                            <a:cs typeface="Consolas" panose="020B0609020204030204" pitchFamily="49" charset="0"/>
-                          </a:endParaRPr>
-                        </a:p>
-                      </a:txBody>
-                      <a:tcPr/>
-                    </a:tc>
+                        </a:p>
+                      </a:txBody>
+                      <a:tcPr/>
+                    </a:tc>
+                    <a:extLst>
+                      <a:ext uri="{0D108BD9-81ED-4DB2-BD59-A6C34878D82A}">
+                        <a16:rowId xmlns:a16="http://schemas.microsoft.com/office/drawing/2014/main" val="10007"/>
+                      </a:ext>
+                    </a:extLst>
                   </a:tr>
                 </a:tbl>
               </a:graphicData>
             </a:graphic>
           </p:graphicFrame>
         </mc:Choice>
-        <mc:Fallback>
+        <mc:Fallback xmlns="">
           <p:graphicFrame>
             <p:nvGraphicFramePr>
               <p:cNvPr id="77" name="Table 76"/>
@@ -22675,7 +21471,7 @@
           <a:p>
             <a:pPr algn="ctr"/>
             <a:r>
-              <a:rPr lang="en-US" sz="3600" dirty="0" smtClean="0">
+              <a:rPr lang="en-US" sz="3600" dirty="0">
                 <a:solidFill>
                   <a:srgbClr val="FF00FF"/>
                 </a:solidFill>
@@ -22684,13 +21480,6 @@
               </a:rPr>
               <a:t>Attack</a:t>
             </a:r>
-            <a:endParaRPr lang="en-US" sz="3600" dirty="0">
-              <a:solidFill>
-                <a:srgbClr val="FF00FF"/>
-              </a:solidFill>
-              <a:latin typeface="Consolas" panose="020B0609020204030204" pitchFamily="49" charset="0"/>
-              <a:cs typeface="Consolas" panose="020B0609020204030204" pitchFamily="49" charset="0"/>
-            </a:endParaRPr>
           </a:p>
         </p:txBody>
       </p:sp>
@@ -22702,8 +21491,8 @@
         </p:nvSpPr>
         <p:spPr>
           <a:xfrm>
-            <a:off x="6044258" y="5391792"/>
-            <a:ext cx="3201658" cy="830997"/>
+            <a:off x="6044257" y="5391792"/>
+            <a:ext cx="3418663" cy="830997"/>
           </a:xfrm>
           <a:prstGeom prst="rect">
             <a:avLst/>
@@ -22720,22 +21509,15 @@
           <a:lstStyle/>
           <a:p>
             <a:r>
-              <a:rPr lang="en-US" sz="1600" dirty="0" smtClean="0">
+              <a:rPr lang="en-US" sz="1600" dirty="0">
                 <a:solidFill>
                   <a:srgbClr val="FF00FF"/>
                 </a:solidFill>
                 <a:latin typeface="Consolas" panose="020B0609020204030204" pitchFamily="49" charset="0"/>
                 <a:cs typeface="Consolas" panose="020B0609020204030204" pitchFamily="49" charset="0"/>
               </a:rPr>
-              <a:t>Attacker systematically alters new data until they receive a favorable outcome</a:t>
+              <a:t>Attacker systematically alters input data until they receive a favorable outcome.</a:t>
             </a:r>
-            <a:endParaRPr lang="en-US" sz="1600" dirty="0">
-              <a:solidFill>
-                <a:srgbClr val="FF00FF"/>
-              </a:solidFill>
-              <a:latin typeface="Consolas" panose="020B0609020204030204" pitchFamily="49" charset="0"/>
-              <a:cs typeface="Consolas" panose="020B0609020204030204" pitchFamily="49" charset="0"/>
-            </a:endParaRPr>
           </a:p>
         </p:txBody>
       </p:sp>
@@ -22749,13 +21531,6 @@
   <p:clrMapOvr>
     <a:masterClrMapping/>
   </p:clrMapOvr>
-  <p:timing>
-    <p:tnLst>
-      <p:par>
-        <p:cTn id="1" dur="indefinite" restart="never" nodeType="tmRoot"/>
-      </p:par>
-    </p:tnLst>
-  </p:timing>
 </p:sld>
 </file>
 
@@ -22885,7 +21660,7 @@
               <a:p>
                 <a:pPr algn="ctr"/>
                 <a:r>
-                  <a:rPr lang="en-US" sz="1400" dirty="0" smtClean="0">
+                  <a:rPr lang="en-US" sz="1400" dirty="0">
                     <a:solidFill>
                       <a:schemeClr val="tx1"/>
                     </a:solidFill>
@@ -22894,13 +21669,6 @@
                   </a:rPr>
                   <a:t>start</a:t>
                 </a:r>
-                <a:endParaRPr lang="en-US" sz="1400" dirty="0">
-                  <a:solidFill>
-                    <a:schemeClr val="tx1"/>
-                  </a:solidFill>
-                  <a:latin typeface="Consolas" panose="020B0609020204030204" pitchFamily="49" charset="0"/>
-                  <a:cs typeface="Consolas" panose="020B0609020204030204" pitchFamily="49" charset="0"/>
-                </a:endParaRPr>
               </a:p>
             </p:txBody>
           </p:sp>
@@ -23089,7 +21857,7 @@
               <a:p>
                 <a:pPr algn="ctr"/>
                 <a:r>
-                  <a:rPr lang="en-US" sz="900" b="1" dirty="0" smtClean="0">
+                  <a:rPr lang="en-US" sz="900" b="1" dirty="0">
                     <a:solidFill>
                       <a:schemeClr val="tx1"/>
                     </a:solidFill>
@@ -23098,7 +21866,7 @@
                   </a:rPr>
                   <a:t>fico &lt; 700:</a:t>
                 </a:r>
-                <a:endParaRPr lang="en-US" sz="900" dirty="0" smtClean="0">
+                <a:endParaRPr lang="en-US" sz="900" dirty="0">
                   <a:solidFill>
                     <a:schemeClr val="tx1"/>
                   </a:solidFill>
@@ -23109,7 +21877,7 @@
               <a:p>
                 <a:pPr algn="ctr"/>
                 <a:r>
-                  <a:rPr lang="en-US" sz="1400" b="1" dirty="0" smtClean="0">
+                  <a:rPr lang="en-US" sz="1400" b="1" dirty="0">
                     <a:solidFill>
                       <a:schemeClr val="tx1"/>
                     </a:solidFill>
@@ -23118,13 +21886,6 @@
                   </a:rPr>
                   <a:t>deny</a:t>
                 </a:r>
-                <a:endParaRPr lang="en-US" sz="1400" b="1" dirty="0">
-                  <a:solidFill>
-                    <a:schemeClr val="tx1"/>
-                  </a:solidFill>
-                  <a:latin typeface="Consolas" panose="020B0609020204030204" pitchFamily="49" charset="0"/>
-                  <a:cs typeface="Consolas" panose="020B0609020204030204" pitchFamily="49" charset="0"/>
-                </a:endParaRPr>
               </a:p>
             </p:txBody>
           </p:sp>
@@ -23178,25 +21939,8 @@
                     <a:latin typeface="Consolas" panose="020B0609020204030204" pitchFamily="49" charset="0"/>
                     <a:cs typeface="Consolas" panose="020B0609020204030204" pitchFamily="49" charset="0"/>
                   </a:rPr>
-                  <a:t>f</a:t>
+                  <a:t>fico &gt;= 700</a:t>
                 </a:r>
-                <a:r>
-                  <a:rPr lang="en-US" sz="900" b="1" dirty="0" smtClean="0">
-                    <a:solidFill>
-                      <a:schemeClr val="tx1"/>
-                    </a:solidFill>
-                    <a:latin typeface="Consolas" panose="020B0609020204030204" pitchFamily="49" charset="0"/>
-                    <a:cs typeface="Consolas" panose="020B0609020204030204" pitchFamily="49" charset="0"/>
-                  </a:rPr>
-                  <a:t>ico &gt;= 700</a:t>
-                </a:r>
-                <a:endParaRPr lang="en-US" sz="900" b="1" dirty="0">
-                  <a:solidFill>
-                    <a:schemeClr val="tx1"/>
-                  </a:solidFill>
-                  <a:latin typeface="Consolas" panose="020B0609020204030204" pitchFamily="49" charset="0"/>
-                  <a:cs typeface="Consolas" panose="020B0609020204030204" pitchFamily="49" charset="0"/>
-                </a:endParaRPr>
               </a:p>
             </p:txBody>
           </p:sp>
@@ -23383,7 +22127,7 @@
               <a:p>
                 <a:pPr algn="ctr"/>
                 <a:r>
-                  <a:rPr lang="en-US" sz="900" b="1" dirty="0" smtClean="0">
+                  <a:rPr lang="en-US" sz="900" b="1" dirty="0">
                     <a:solidFill>
                       <a:schemeClr val="tx1"/>
                     </a:solidFill>
@@ -23392,13 +22136,6 @@
                   </a:rPr>
                   <a:t>m_delinq &lt;= 2 </a:t>
                 </a:r>
-                <a:endParaRPr lang="en-US" sz="900" b="1" dirty="0">
-                  <a:solidFill>
-                    <a:schemeClr val="tx1"/>
-                  </a:solidFill>
-                  <a:latin typeface="Consolas" panose="020B0609020204030204" pitchFamily="49" charset="0"/>
-                  <a:cs typeface="Consolas" panose="020B0609020204030204" pitchFamily="49" charset="0"/>
-                </a:endParaRPr>
               </a:p>
             </p:txBody>
           </p:sp>
@@ -23445,26 +22182,16 @@
               <a:p>
                 <a:pPr algn="ctr"/>
                 <a:r>
-                  <a:rPr lang="en-US" sz="900" b="1" dirty="0" smtClean="0">
+                  <a:rPr lang="en-US" sz="900" b="1" dirty="0">
                     <a:solidFill>
                       <a:schemeClr val="tx1"/>
                     </a:solidFill>
                     <a:latin typeface="Consolas" panose="020B0609020204030204" pitchFamily="49" charset="0"/>
                     <a:cs typeface="Consolas" panose="020B0609020204030204" pitchFamily="49" charset="0"/>
                   </a:rPr>
-                  <a:t>m</a:t>
+                  <a:t>m_delinq &gt; 2:</a:t>
                 </a:r>
-                <a:r>
-                  <a:rPr lang="en-US" sz="900" b="1" dirty="0" smtClean="0">
-                    <a:solidFill>
-                      <a:schemeClr val="tx1"/>
-                    </a:solidFill>
-                    <a:latin typeface="Consolas" panose="020B0609020204030204" pitchFamily="49" charset="0"/>
-                    <a:cs typeface="Consolas" panose="020B0609020204030204" pitchFamily="49" charset="0"/>
-                  </a:rPr>
-                  <a:t>_delinq &gt; 2:</a:t>
-                </a:r>
-                <a:endParaRPr lang="en-US" sz="1400" dirty="0" smtClean="0">
+                <a:endParaRPr lang="en-US" sz="1400" dirty="0">
                   <a:solidFill>
                     <a:schemeClr val="tx1"/>
                   </a:solidFill>
@@ -23475,7 +22202,7 @@
               <a:p>
                 <a:pPr algn="ctr"/>
                 <a:r>
-                  <a:rPr lang="en-US" sz="1400" b="1" dirty="0" smtClean="0">
+                  <a:rPr lang="en-US" sz="1400" b="1" dirty="0">
                     <a:solidFill>
                       <a:schemeClr val="tx1"/>
                     </a:solidFill>
@@ -23484,13 +22211,6 @@
                   </a:rPr>
                   <a:t>deny</a:t>
                 </a:r>
-                <a:endParaRPr lang="en-US" sz="1400" b="1" dirty="0">
-                  <a:solidFill>
-                    <a:schemeClr val="tx1"/>
-                  </a:solidFill>
-                  <a:latin typeface="Consolas" panose="020B0609020204030204" pitchFamily="49" charset="0"/>
-                  <a:cs typeface="Consolas" panose="020B0609020204030204" pitchFamily="49" charset="0"/>
-                </a:endParaRPr>
               </a:p>
             </p:txBody>
           </p:sp>
@@ -23684,20 +22404,10 @@
                     <a:latin typeface="Consolas" panose="020B0609020204030204" pitchFamily="49" charset="0"/>
                     <a:cs typeface="Consolas" panose="020B0609020204030204" pitchFamily="49" charset="0"/>
                   </a:rPr>
-                  <a:t>d</a:t>
+                  <a:t>dti</a:t>
                 </a:r>
                 <a:r>
-                  <a:rPr lang="en-US" sz="900" b="1" dirty="0" err="1" smtClean="0">
-                    <a:solidFill>
-                      <a:schemeClr val="tx1"/>
-                    </a:solidFill>
-                    <a:latin typeface="Consolas" panose="020B0609020204030204" pitchFamily="49" charset="0"/>
-                    <a:cs typeface="Consolas" panose="020B0609020204030204" pitchFamily="49" charset="0"/>
-                  </a:rPr>
-                  <a:t>ti</a:t>
-                </a:r>
-                <a:r>
-                  <a:rPr lang="en-US" sz="900" b="1" dirty="0" smtClean="0">
+                  <a:rPr lang="en-US" sz="900" b="1" dirty="0">
                     <a:solidFill>
                       <a:schemeClr val="tx1"/>
                     </a:solidFill>
@@ -23710,7 +22420,7 @@
               <a:p>
                 <a:pPr algn="ctr"/>
                 <a:r>
-                  <a:rPr lang="en-US" sz="1400" b="1" dirty="0" smtClean="0">
+                  <a:rPr lang="en-US" sz="1400" b="1" dirty="0">
                     <a:solidFill>
                       <a:schemeClr val="tx1"/>
                     </a:solidFill>
@@ -23719,13 +22429,6 @@
                   </a:rPr>
                   <a:t>deny</a:t>
                 </a:r>
-                <a:endParaRPr lang="en-US" sz="1400" b="1" dirty="0">
-                  <a:solidFill>
-                    <a:schemeClr val="tx1"/>
-                  </a:solidFill>
-                  <a:latin typeface="Consolas" panose="020B0609020204030204" pitchFamily="49" charset="0"/>
-                  <a:cs typeface="Consolas" panose="020B0609020204030204" pitchFamily="49" charset="0"/>
-                </a:endParaRPr>
               </a:p>
             </p:txBody>
           </p:sp>
@@ -23779,20 +22482,10 @@
                     <a:latin typeface="Consolas" panose="020B0609020204030204" pitchFamily="49" charset="0"/>
                     <a:cs typeface="Consolas" panose="020B0609020204030204" pitchFamily="49" charset="0"/>
                   </a:rPr>
-                  <a:t>d</a:t>
+                  <a:t>dti</a:t>
                 </a:r>
                 <a:r>
-                  <a:rPr lang="en-US" sz="900" b="1" dirty="0" err="1" smtClean="0">
-                    <a:solidFill>
-                      <a:schemeClr val="tx1"/>
-                    </a:solidFill>
-                    <a:latin typeface="Consolas" panose="020B0609020204030204" pitchFamily="49" charset="0"/>
-                    <a:cs typeface="Consolas" panose="020B0609020204030204" pitchFamily="49" charset="0"/>
-                  </a:rPr>
-                  <a:t>ti</a:t>
-                </a:r>
-                <a:r>
-                  <a:rPr lang="en-US" sz="900" b="1" dirty="0" smtClean="0">
+                  <a:rPr lang="en-US" sz="900" b="1" dirty="0">
                     <a:solidFill>
                       <a:schemeClr val="tx1"/>
                     </a:solidFill>
@@ -23805,7 +22498,7 @@
               <a:p>
                 <a:pPr algn="ctr"/>
                 <a:r>
-                  <a:rPr lang="en-US" sz="1300" b="1" dirty="0" smtClean="0">
+                  <a:rPr lang="en-US" sz="1300" b="1" dirty="0">
                     <a:solidFill>
                       <a:schemeClr val="tx1"/>
                     </a:solidFill>
@@ -23814,13 +22507,6 @@
                   </a:rPr>
                   <a:t>approve</a:t>
                 </a:r>
-                <a:endParaRPr lang="en-US" sz="1300" b="1" dirty="0">
-                  <a:solidFill>
-                    <a:schemeClr val="tx1"/>
-                  </a:solidFill>
-                  <a:latin typeface="Consolas" panose="020B0609020204030204" pitchFamily="49" charset="0"/>
-                  <a:cs typeface="Consolas" panose="020B0609020204030204" pitchFamily="49" charset="0"/>
-                </a:endParaRPr>
               </a:p>
             </p:txBody>
           </p:sp>
@@ -23849,16 +22535,12 @@
             <a:p>
               <a:pPr algn="ctr"/>
               <a:r>
-                <a:rPr lang="en-US" dirty="0" smtClean="0">
+                <a:rPr lang="en-US" dirty="0">
                   <a:latin typeface="Consolas" panose="020B0609020204030204" pitchFamily="49" charset="0"/>
                   <a:cs typeface="Consolas" panose="020B0609020204030204" pitchFamily="49" charset="0"/>
                 </a:rPr>
                 <a:t>Original model</a:t>
               </a:r>
-              <a:endParaRPr lang="en-US" dirty="0">
-                <a:latin typeface="Consolas" panose="020B0609020204030204" pitchFamily="49" charset="0"/>
-                <a:cs typeface="Consolas" panose="020B0609020204030204" pitchFamily="49" charset="0"/>
-              </a:endParaRPr>
             </a:p>
           </p:txBody>
         </p:sp>
@@ -23943,16 +22625,12 @@
             <a:p>
               <a:pPr algn="ctr"/>
               <a:r>
-                <a:rPr lang="en-US" sz="1100" b="1" dirty="0" smtClean="0">
+                <a:rPr lang="en-US" sz="1100" b="1" dirty="0">
                   <a:latin typeface="Consolas" panose="020B0609020204030204" pitchFamily="49" charset="0"/>
                   <a:cs typeface="Consolas" panose="020B0609020204030204" pitchFamily="49" charset="0"/>
                 </a:rPr>
                 <a:t>API data input </a:t>
               </a:r>
-              <a:endParaRPr lang="en-US" sz="1100" b="1" dirty="0">
-                <a:latin typeface="Consolas" panose="020B0609020204030204" pitchFamily="49" charset="0"/>
-                <a:cs typeface="Consolas" panose="020B0609020204030204" pitchFamily="49" charset="0"/>
-              </a:endParaRPr>
             </a:p>
           </p:txBody>
         </p:sp>
@@ -23991,22 +22669,18 @@
             <a:p>
               <a:pPr algn="ctr"/>
               <a:r>
-                <a:rPr lang="en-US" sz="1100" b="1" dirty="0" smtClean="0">
+                <a:rPr lang="en-US" sz="1100" b="1" dirty="0">
                   <a:latin typeface="Consolas" panose="020B0609020204030204" pitchFamily="49" charset="0"/>
                   <a:cs typeface="Consolas" panose="020B0609020204030204" pitchFamily="49" charset="0"/>
                 </a:rPr>
                 <a:t>API prediction output</a:t>
               </a:r>
-              <a:endParaRPr lang="en-US" sz="1100" b="1" dirty="0">
-                <a:latin typeface="Consolas" panose="020B0609020204030204" pitchFamily="49" charset="0"/>
-                <a:cs typeface="Consolas" panose="020B0609020204030204" pitchFamily="49" charset="0"/>
-              </a:endParaRPr>
             </a:p>
           </p:txBody>
         </p:sp>
       </p:grpSp>
-      <mc:AlternateContent xmlns:mc="http://schemas.openxmlformats.org/markup-compatibility/2006">
-        <mc:Choice xmlns:a14="http://schemas.microsoft.com/office/drawing/2010/main" Requires="a14">
+      <mc:AlternateContent xmlns:mc="http://schemas.openxmlformats.org/markup-compatibility/2006" xmlns:a14="http://schemas.microsoft.com/office/drawing/2010/main">
+        <mc:Choice Requires="a14">
           <p:graphicFrame>
             <p:nvGraphicFramePr>
               <p:cNvPr id="77" name="Table 76"/>
@@ -24032,11 +22706,41 @@
                     <a:tableStyleId>{7E9639D4-E3E2-4D34-9284-5A2195B3D0D7}</a:tableStyleId>
                   </a:tblPr>
                   <a:tblGrid>
-                    <a:gridCol w="500504"/>
-                    <a:gridCol w="663885"/>
-                    <a:gridCol w="1010690"/>
-                    <a:gridCol w="465710"/>
-                    <a:gridCol w="802607"/>
+                    <a:gridCol w="500504">
+                      <a:extLst>
+                        <a:ext uri="{9D8B030D-6E8A-4147-A177-3AD203B41FA5}">
+                          <a16:colId xmlns:a16="http://schemas.microsoft.com/office/drawing/2014/main" val="20000"/>
+                        </a:ext>
+                      </a:extLst>
+                    </a:gridCol>
+                    <a:gridCol w="663885">
+                      <a:extLst>
+                        <a:ext uri="{9D8B030D-6E8A-4147-A177-3AD203B41FA5}">
+                          <a16:colId xmlns:a16="http://schemas.microsoft.com/office/drawing/2014/main" val="20001"/>
+                        </a:ext>
+                      </a:extLst>
+                    </a:gridCol>
+                    <a:gridCol w="1010690">
+                      <a:extLst>
+                        <a:ext uri="{9D8B030D-6E8A-4147-A177-3AD203B41FA5}">
+                          <a16:colId xmlns:a16="http://schemas.microsoft.com/office/drawing/2014/main" val="20002"/>
+                        </a:ext>
+                      </a:extLst>
+                    </a:gridCol>
+                    <a:gridCol w="465710">
+                      <a:extLst>
+                        <a:ext uri="{9D8B030D-6E8A-4147-A177-3AD203B41FA5}">
+                          <a16:colId xmlns:a16="http://schemas.microsoft.com/office/drawing/2014/main" val="20003"/>
+                        </a:ext>
+                      </a:extLst>
+                    </a:gridCol>
+                    <a:gridCol w="802607">
+                      <a:extLst>
+                        <a:ext uri="{9D8B030D-6E8A-4147-A177-3AD203B41FA5}">
+                          <a16:colId xmlns:a16="http://schemas.microsoft.com/office/drawing/2014/main" val="20004"/>
+                        </a:ext>
+                      </a:extLst>
+                    </a:gridCol>
                   </a:tblGrid>
                   <a:tr h="370840">
                     <a:tc>
@@ -24045,7 +22749,7 @@
                         <a:lstStyle/>
                         <a:p>
                           <a:r>
-                            <a:rPr lang="en-US" sz="1400" dirty="0" err="1" smtClean="0">
+                            <a:rPr lang="en-US" sz="1400" dirty="0" err="1">
                               <a:latin typeface="Consolas" panose="020B0609020204030204" pitchFamily="49" charset="0"/>
                               <a:cs typeface="Consolas" panose="020B0609020204030204" pitchFamily="49" charset="0"/>
                             </a:rPr>
@@ -24065,12 +22769,37 @@
                         <a:lstStyle/>
                         <a:p>
                           <a:r>
-                            <a:rPr lang="en-US" sz="1400" dirty="0" smtClean="0">
+                            <a:rPr lang="en-US" sz="1400" dirty="0">
                               <a:latin typeface="Consolas" panose="020B0609020204030204" pitchFamily="49" charset="0"/>
                               <a:cs typeface="Consolas" panose="020B0609020204030204" pitchFamily="49" charset="0"/>
                             </a:rPr>
                             <a:t>fico</a:t>
                           </a:r>
+                        </a:p>
+                      </a:txBody>
+                      <a:tcPr/>
+                    </a:tc>
+                    <a:tc>
+                      <a:txBody>
+                        <a:bodyPr/>
+                        <a:lstStyle/>
+                        <a:p>
+                          <a:r>
+                            <a:rPr lang="en-US" sz="1400" dirty="0">
+                              <a:latin typeface="Consolas" panose="020B0609020204030204" pitchFamily="49" charset="0"/>
+                              <a:cs typeface="Consolas" panose="020B0609020204030204" pitchFamily="49" charset="0"/>
+                            </a:rPr>
+                            <a:t>m_delinq</a:t>
+                          </a:r>
+                        </a:p>
+                      </a:txBody>
+                      <a:tcPr/>
+                    </a:tc>
+                    <a:tc>
+                      <a:txBody>
+                        <a:bodyPr/>
+                        <a:lstStyle/>
+                        <a:p>
                           <a:endParaRPr lang="en-US" sz="1400" dirty="0">
                             <a:latin typeface="Consolas" panose="020B0609020204030204" pitchFamily="49" charset="0"/>
                             <a:cs typeface="Consolas" panose="020B0609020204030204" pitchFamily="49" charset="0"/>
@@ -24085,11 +22814,11 @@
                         <a:lstStyle/>
                         <a:p>
                           <a:r>
-                            <a:rPr lang="en-US" sz="1400" dirty="0" smtClean="0">
-                              <a:latin typeface="Consolas" panose="020B0609020204030204" pitchFamily="49" charset="0"/>
-                              <a:cs typeface="Consolas" panose="020B0609020204030204" pitchFamily="49" charset="0"/>
-                            </a:rPr>
-                            <a:t>m_delinq</a:t>
+                            <a:rPr lang="en-US" sz="1400" dirty="0" err="1">
+                              <a:latin typeface="Consolas" panose="020B0609020204030204" pitchFamily="49" charset="0"/>
+                              <a:cs typeface="Consolas" panose="020B0609020204030204" pitchFamily="49" charset="0"/>
+                            </a:rPr>
+                            <a:t>p_deny</a:t>
                           </a:r>
                           <a:endParaRPr lang="en-US" sz="1400" dirty="0">
                             <a:latin typeface="Consolas" panose="020B0609020204030204" pitchFamily="49" charset="0"/>
@@ -24099,39 +22828,11 @@
                       </a:txBody>
                       <a:tcPr/>
                     </a:tc>
-                    <a:tc>
-                      <a:txBody>
-                        <a:bodyPr/>
-                        <a:lstStyle/>
-                        <a:p>
-                          <a:endParaRPr lang="en-US" sz="1400" dirty="0">
-                            <a:latin typeface="Consolas" panose="020B0609020204030204" pitchFamily="49" charset="0"/>
-                            <a:cs typeface="Consolas" panose="020B0609020204030204" pitchFamily="49" charset="0"/>
-                          </a:endParaRPr>
-                        </a:p>
-                      </a:txBody>
-                      <a:tcPr/>
-                    </a:tc>
-                    <a:tc>
-                      <a:txBody>
-                        <a:bodyPr/>
-                        <a:lstStyle/>
-                        <a:p>
-                          <a:r>
-                            <a:rPr lang="en-US" sz="1400" dirty="0" err="1" smtClean="0">
-                              <a:latin typeface="Consolas" panose="020B0609020204030204" pitchFamily="49" charset="0"/>
-                              <a:cs typeface="Consolas" panose="020B0609020204030204" pitchFamily="49" charset="0"/>
-                            </a:rPr>
-                            <a:t>p_deny</a:t>
-                          </a:r>
-                          <a:endParaRPr lang="en-US" sz="1400" dirty="0">
-                            <a:latin typeface="Consolas" panose="020B0609020204030204" pitchFamily="49" charset="0"/>
-                            <a:cs typeface="Consolas" panose="020B0609020204030204" pitchFamily="49" charset="0"/>
-                          </a:endParaRPr>
-                        </a:p>
-                      </a:txBody>
-                      <a:tcPr/>
-                    </a:tc>
+                    <a:extLst>
+                      <a:ext uri="{0D108BD9-81ED-4DB2-BD59-A6C34878D82A}">
+                        <a16:rowId xmlns:a16="http://schemas.microsoft.com/office/drawing/2014/main" val="10000"/>
+                      </a:ext>
+                    </a:extLst>
                   </a:tr>
                   <a:tr h="352140">
                     <a:tc>
@@ -24140,7 +22841,7 @@
                         <a:lstStyle/>
                         <a:p>
                           <a:r>
-                            <a:rPr lang="en-US" sz="1400" dirty="0" smtClean="0">
+                            <a:rPr lang="en-US" sz="1400" dirty="0">
                               <a:solidFill>
                                 <a:srgbClr val="FF00FF"/>
                               </a:solidFill>
@@ -24149,24 +22850,17 @@
                             </a:rPr>
                             <a:t>4</a:t>
                           </a:r>
-                          <a:endParaRPr lang="en-US" sz="1400" dirty="0">
-                            <a:solidFill>
-                              <a:srgbClr val="FF00FF"/>
-                            </a:solidFill>
-                            <a:latin typeface="Consolas" panose="020B0609020204030204" pitchFamily="49" charset="0"/>
-                            <a:cs typeface="Consolas" panose="020B0609020204030204" pitchFamily="49" charset="0"/>
-                          </a:endParaRPr>
-                        </a:p>
-                      </a:txBody>
-                      <a:tcPr/>
-                    </a:tc>
-                    <a:tc>
-                      <a:txBody>
-                        <a:bodyPr/>
-                        <a:lstStyle/>
-                        <a:p>
-                          <a:r>
-                            <a:rPr lang="en-US" sz="1400" dirty="0" smtClean="0">
+                        </a:p>
+                      </a:txBody>
+                      <a:tcPr/>
+                    </a:tc>
+                    <a:tc>
+                      <a:txBody>
+                        <a:bodyPr/>
+                        <a:lstStyle/>
+                        <a:p>
+                          <a:r>
+                            <a:rPr lang="en-US" sz="1400" dirty="0">
                               <a:solidFill>
                                 <a:srgbClr val="FF00FF"/>
                               </a:solidFill>
@@ -24175,24 +22869,17 @@
                             </a:rPr>
                             <a:t>800</a:t>
                           </a:r>
-                          <a:endParaRPr lang="en-US" sz="1400" dirty="0">
-                            <a:solidFill>
-                              <a:srgbClr val="FF00FF"/>
-                            </a:solidFill>
-                            <a:latin typeface="Consolas" panose="020B0609020204030204" pitchFamily="49" charset="0"/>
-                            <a:cs typeface="Consolas" panose="020B0609020204030204" pitchFamily="49" charset="0"/>
-                          </a:endParaRPr>
-                        </a:p>
-                      </a:txBody>
-                      <a:tcPr/>
-                    </a:tc>
-                    <a:tc>
-                      <a:txBody>
-                        <a:bodyPr/>
-                        <a:lstStyle/>
-                        <a:p>
-                          <a:r>
-                            <a:rPr lang="en-US" sz="1400" dirty="0" smtClean="0">
+                        </a:p>
+                      </a:txBody>
+                      <a:tcPr/>
+                    </a:tc>
+                    <a:tc>
+                      <a:txBody>
+                        <a:bodyPr/>
+                        <a:lstStyle/>
+                        <a:p>
+                          <a:r>
+                            <a:rPr lang="en-US" sz="1400" dirty="0">
                               <a:solidFill>
                                 <a:srgbClr val="FF00FF"/>
                               </a:solidFill>
@@ -24201,13 +22888,6 @@
                             </a:rPr>
                             <a:t>1</a:t>
                           </a:r>
-                          <a:endParaRPr lang="en-US" sz="1400" dirty="0">
-                            <a:solidFill>
-                              <a:srgbClr val="FF00FF"/>
-                            </a:solidFill>
-                            <a:latin typeface="Consolas" panose="020B0609020204030204" pitchFamily="49" charset="0"/>
-                            <a:cs typeface="Consolas" panose="020B0609020204030204" pitchFamily="49" charset="0"/>
-                          </a:endParaRPr>
                         </a:p>
                       </a:txBody>
                       <a:tcPr/>
@@ -24254,7 +22934,7 @@
                               </m:oMath>
                             </m:oMathPara>
                           </a14:m>
-                          <a:endParaRPr lang="en-US" sz="1400" dirty="0" smtClean="0">
+                          <a:endParaRPr lang="en-US" sz="1400" dirty="0">
                             <a:solidFill>
                               <a:srgbClr val="FF00FF"/>
                             </a:solidFill>
@@ -24271,27 +22951,28 @@
                         <a:lstStyle/>
                         <a:p>
                           <a:r>
-                            <a:rPr lang="en-US" sz="1400" dirty="0" smtClean="0">
+                            <a:rPr lang="en-US" sz="1400" dirty="0">
                               <a:latin typeface="Consolas" panose="020B0609020204030204" pitchFamily="49" charset="0"/>
                               <a:cs typeface="Consolas" panose="020B0609020204030204" pitchFamily="49" charset="0"/>
                             </a:rPr>
                             <a:t>0.25</a:t>
                           </a:r>
-                          <a:endParaRPr lang="en-US" sz="1400" dirty="0">
-                            <a:latin typeface="Consolas" panose="020B0609020204030204" pitchFamily="49" charset="0"/>
-                            <a:cs typeface="Consolas" panose="020B0609020204030204" pitchFamily="49" charset="0"/>
-                          </a:endParaRPr>
-                        </a:p>
-                      </a:txBody>
-                      <a:tcPr/>
-                    </a:tc>
+                        </a:p>
+                      </a:txBody>
+                      <a:tcPr/>
+                    </a:tc>
+                    <a:extLst>
+                      <a:ext uri="{0D108BD9-81ED-4DB2-BD59-A6C34878D82A}">
+                        <a16:rowId xmlns:a16="http://schemas.microsoft.com/office/drawing/2014/main" val="10001"/>
+                      </a:ext>
+                    </a:extLst>
                   </a:tr>
                 </a:tbl>
               </a:graphicData>
             </a:graphic>
           </p:graphicFrame>
         </mc:Choice>
-        <mc:Fallback>
+        <mc:Fallback xmlns="">
           <p:graphicFrame>
             <p:nvGraphicFramePr>
               <p:cNvPr id="77" name="Table 76"/>
@@ -24541,8 +23222,8 @@
           </p:graphicFrame>
         </mc:Fallback>
       </mc:AlternateContent>
-      <mc:AlternateContent xmlns:mc="http://schemas.openxmlformats.org/markup-compatibility/2006">
-        <mc:Choice xmlns:a14="http://schemas.microsoft.com/office/drawing/2010/main" Requires="a14">
+      <mc:AlternateContent xmlns:mc="http://schemas.openxmlformats.org/markup-compatibility/2006" xmlns:a14="http://schemas.microsoft.com/office/drawing/2010/main">
+        <mc:Choice Requires="a14">
           <p:graphicFrame>
             <p:nvGraphicFramePr>
               <p:cNvPr id="68" name="Table 67"/>
@@ -24568,10 +23249,34 @@
                     <a:tableStyleId>{7E9639D4-E3E2-4D34-9284-5A2195B3D0D7}</a:tableStyleId>
                   </a:tblPr>
                   <a:tblGrid>
-                    <a:gridCol w="638175"/>
-                    <a:gridCol w="714375"/>
-                    <a:gridCol w="971550"/>
-                    <a:gridCol w="400612"/>
+                    <a:gridCol w="638175">
+                      <a:extLst>
+                        <a:ext uri="{9D8B030D-6E8A-4147-A177-3AD203B41FA5}">
+                          <a16:colId xmlns:a16="http://schemas.microsoft.com/office/drawing/2014/main" val="20000"/>
+                        </a:ext>
+                      </a:extLst>
+                    </a:gridCol>
+                    <a:gridCol w="714375">
+                      <a:extLst>
+                        <a:ext uri="{9D8B030D-6E8A-4147-A177-3AD203B41FA5}">
+                          <a16:colId xmlns:a16="http://schemas.microsoft.com/office/drawing/2014/main" val="20001"/>
+                        </a:ext>
+                      </a:extLst>
+                    </a:gridCol>
+                    <a:gridCol w="971550">
+                      <a:extLst>
+                        <a:ext uri="{9D8B030D-6E8A-4147-A177-3AD203B41FA5}">
+                          <a16:colId xmlns:a16="http://schemas.microsoft.com/office/drawing/2014/main" val="20002"/>
+                        </a:ext>
+                      </a:extLst>
+                    </a:gridCol>
+                    <a:gridCol w="400612">
+                      <a:extLst>
+                        <a:ext uri="{9D8B030D-6E8A-4147-A177-3AD203B41FA5}">
+                          <a16:colId xmlns:a16="http://schemas.microsoft.com/office/drawing/2014/main" val="20003"/>
+                        </a:ext>
+                      </a:extLst>
+                    </a:gridCol>
                   </a:tblGrid>
                   <a:tr h="370840">
                     <a:tc>
@@ -24580,7 +23285,7 @@
                         <a:lstStyle/>
                         <a:p>
                           <a:r>
-                            <a:rPr lang="en-US" sz="1400" dirty="0" err="1" smtClean="0">
+                            <a:rPr lang="en-US" sz="1400" dirty="0" err="1">
                               <a:latin typeface="Consolas" panose="020B0609020204030204" pitchFamily="49" charset="0"/>
                               <a:cs typeface="Consolas" panose="020B0609020204030204" pitchFamily="49" charset="0"/>
                             </a:rPr>
@@ -24600,12 +23305,37 @@
                         <a:lstStyle/>
                         <a:p>
                           <a:r>
-                            <a:rPr lang="en-US" sz="1400" dirty="0" smtClean="0">
+                            <a:rPr lang="en-US" sz="1400" dirty="0">
                               <a:latin typeface="Consolas" panose="020B0609020204030204" pitchFamily="49" charset="0"/>
                               <a:cs typeface="Consolas" panose="020B0609020204030204" pitchFamily="49" charset="0"/>
                             </a:rPr>
                             <a:t>fico</a:t>
                           </a:r>
+                        </a:p>
+                      </a:txBody>
+                      <a:tcPr/>
+                    </a:tc>
+                    <a:tc>
+                      <a:txBody>
+                        <a:bodyPr/>
+                        <a:lstStyle/>
+                        <a:p>
+                          <a:r>
+                            <a:rPr lang="en-US" sz="1400" dirty="0">
+                              <a:latin typeface="Consolas" panose="020B0609020204030204" pitchFamily="49" charset="0"/>
+                              <a:cs typeface="Consolas" panose="020B0609020204030204" pitchFamily="49" charset="0"/>
+                            </a:rPr>
+                            <a:t>m_delinq</a:t>
+                          </a:r>
+                        </a:p>
+                      </a:txBody>
+                      <a:tcPr/>
+                    </a:tc>
+                    <a:tc>
+                      <a:txBody>
+                        <a:bodyPr/>
+                        <a:lstStyle/>
+                        <a:p>
                           <a:endParaRPr lang="en-US" sz="1400" dirty="0">
                             <a:latin typeface="Consolas" panose="020B0609020204030204" pitchFamily="49" charset="0"/>
                             <a:cs typeface="Consolas" panose="020B0609020204030204" pitchFamily="49" charset="0"/>
@@ -24614,39 +23344,11 @@
                       </a:txBody>
                       <a:tcPr/>
                     </a:tc>
-                    <a:tc>
-                      <a:txBody>
-                        <a:bodyPr/>
-                        <a:lstStyle/>
-                        <a:p>
-                          <a:r>
-                            <a:rPr lang="en-US" sz="1400" dirty="0" smtClean="0">
-                              <a:latin typeface="Consolas" panose="020B0609020204030204" pitchFamily="49" charset="0"/>
-                              <a:cs typeface="Consolas" panose="020B0609020204030204" pitchFamily="49" charset="0"/>
-                            </a:rPr>
-                            <a:t>m_delinq</a:t>
-                          </a:r>
-                          <a:endParaRPr lang="en-US" sz="1400" dirty="0">
-                            <a:latin typeface="Consolas" panose="020B0609020204030204" pitchFamily="49" charset="0"/>
-                            <a:cs typeface="Consolas" panose="020B0609020204030204" pitchFamily="49" charset="0"/>
-                          </a:endParaRPr>
-                        </a:p>
-                      </a:txBody>
-                      <a:tcPr/>
-                    </a:tc>
-                    <a:tc>
-                      <a:txBody>
-                        <a:bodyPr/>
-                        <a:lstStyle/>
-                        <a:p>
-                          <a:endParaRPr lang="en-US" sz="1400" dirty="0">
-                            <a:latin typeface="Consolas" panose="020B0609020204030204" pitchFamily="49" charset="0"/>
-                            <a:cs typeface="Consolas" panose="020B0609020204030204" pitchFamily="49" charset="0"/>
-                          </a:endParaRPr>
-                        </a:p>
-                      </a:txBody>
-                      <a:tcPr/>
-                    </a:tc>
+                    <a:extLst>
+                      <a:ext uri="{0D108BD9-81ED-4DB2-BD59-A6C34878D82A}">
+                        <a16:rowId xmlns:a16="http://schemas.microsoft.com/office/drawing/2014/main" val="10000"/>
+                      </a:ext>
+                    </a:extLst>
                   </a:tr>
                   <a:tr h="352140">
                     <a:tc>
@@ -24655,7 +23357,7 @@
                         <a:lstStyle/>
                         <a:p>
                           <a:r>
-                            <a:rPr lang="en-US" sz="1400" dirty="0" smtClean="0">
+                            <a:rPr lang="en-US" sz="1400" dirty="0">
                               <a:solidFill>
                                 <a:schemeClr val="tx1"/>
                               </a:solidFill>
@@ -24664,24 +23366,17 @@
                             </a:rPr>
                             <a:t>10.4</a:t>
                           </a:r>
-                          <a:endParaRPr lang="en-US" sz="1400" dirty="0">
-                            <a:solidFill>
-                              <a:schemeClr val="tx1"/>
-                            </a:solidFill>
-                            <a:latin typeface="Consolas" panose="020B0609020204030204" pitchFamily="49" charset="0"/>
-                            <a:cs typeface="Consolas" panose="020B0609020204030204" pitchFamily="49" charset="0"/>
-                          </a:endParaRPr>
-                        </a:p>
-                      </a:txBody>
-                      <a:tcPr/>
-                    </a:tc>
-                    <a:tc>
-                      <a:txBody>
-                        <a:bodyPr/>
-                        <a:lstStyle/>
-                        <a:p>
-                          <a:r>
-                            <a:rPr lang="en-US" sz="1400" dirty="0" smtClean="0">
+                        </a:p>
+                      </a:txBody>
+                      <a:tcPr/>
+                    </a:tc>
+                    <a:tc>
+                      <a:txBody>
+                        <a:bodyPr/>
+                        <a:lstStyle/>
+                        <a:p>
+                          <a:r>
+                            <a:rPr lang="en-US" sz="1400" dirty="0">
                               <a:solidFill>
                                 <a:schemeClr val="tx1"/>
                               </a:solidFill>
@@ -24690,24 +23385,17 @@
                             </a:rPr>
                             <a:t>690</a:t>
                           </a:r>
-                          <a:endParaRPr lang="en-US" sz="1400" dirty="0">
-                            <a:solidFill>
-                              <a:schemeClr val="tx1"/>
-                            </a:solidFill>
-                            <a:latin typeface="Consolas" panose="020B0609020204030204" pitchFamily="49" charset="0"/>
-                            <a:cs typeface="Consolas" panose="020B0609020204030204" pitchFamily="49" charset="0"/>
-                          </a:endParaRPr>
-                        </a:p>
-                      </a:txBody>
-                      <a:tcPr/>
-                    </a:tc>
-                    <a:tc>
-                      <a:txBody>
-                        <a:bodyPr/>
-                        <a:lstStyle/>
-                        <a:p>
-                          <a:r>
-                            <a:rPr lang="en-US" sz="1400" dirty="0" smtClean="0">
+                        </a:p>
+                      </a:txBody>
+                      <a:tcPr/>
+                    </a:tc>
+                    <a:tc>
+                      <a:txBody>
+                        <a:bodyPr/>
+                        <a:lstStyle/>
+                        <a:p>
+                          <a:r>
+                            <a:rPr lang="en-US" sz="1400" dirty="0">
                               <a:solidFill>
                                 <a:schemeClr val="tx1"/>
                               </a:solidFill>
@@ -24716,13 +23404,6 @@
                             </a:rPr>
                             <a:t>4</a:t>
                           </a:r>
-                          <a:endParaRPr lang="en-US" sz="1400" dirty="0">
-                            <a:solidFill>
-                              <a:schemeClr val="tx1"/>
-                            </a:solidFill>
-                            <a:latin typeface="Consolas" panose="020B0609020204030204" pitchFamily="49" charset="0"/>
-                            <a:cs typeface="Consolas" panose="020B0609020204030204" pitchFamily="49" charset="0"/>
-                          </a:endParaRPr>
                         </a:p>
                       </a:txBody>
                       <a:tcPr/>
@@ -24769,7 +23450,7 @@
                               </m:oMath>
                             </m:oMathPara>
                           </a14:m>
-                          <a:endParaRPr lang="en-US" sz="1400" dirty="0" smtClean="0">
+                          <a:endParaRPr lang="en-US" sz="1400" dirty="0">
                             <a:solidFill>
                               <a:schemeClr val="tx1"/>
                             </a:solidFill>
@@ -24780,13 +23461,18 @@
                       </a:txBody>
                       <a:tcPr/>
                     </a:tc>
+                    <a:extLst>
+                      <a:ext uri="{0D108BD9-81ED-4DB2-BD59-A6C34878D82A}">
+                        <a16:rowId xmlns:a16="http://schemas.microsoft.com/office/drawing/2014/main" val="10001"/>
+                      </a:ext>
+                    </a:extLst>
                   </a:tr>
                 </a:tbl>
               </a:graphicData>
             </a:graphic>
           </p:graphicFrame>
         </mc:Choice>
-        <mc:Fallback>
+        <mc:Fallback xmlns="">
           <p:graphicFrame>
             <p:nvGraphicFramePr>
               <p:cNvPr id="68" name="Table 67"/>
@@ -25096,7 +23782,7 @@
           <a:p>
             <a:pPr algn="ctr"/>
             <a:r>
-              <a:rPr lang="en-US" dirty="0" smtClean="0">
+              <a:rPr lang="en-US" dirty="0">
                 <a:solidFill>
                   <a:srgbClr val="FF00FF"/>
                 </a:solidFill>
@@ -25105,13 +23791,6 @@
               </a:rPr>
               <a:t>attack</a:t>
             </a:r>
-            <a:endParaRPr lang="en-US" dirty="0">
-              <a:solidFill>
-                <a:srgbClr val="FF00FF"/>
-              </a:solidFill>
-              <a:latin typeface="Consolas" panose="020B0609020204030204" pitchFamily="49" charset="0"/>
-              <a:cs typeface="Consolas" panose="020B0609020204030204" pitchFamily="49" charset="0"/>
-            </a:endParaRPr>
           </a:p>
         </p:txBody>
       </p:sp>
@@ -25459,8 +24138,8 @@
         </p:nvSpPr>
         <p:spPr>
           <a:xfrm>
-            <a:off x="8605009" y="4506554"/>
-            <a:ext cx="3201658" cy="584775"/>
+            <a:off x="8345673" y="4506554"/>
+            <a:ext cx="3400391" cy="830997"/>
           </a:xfrm>
           <a:prstGeom prst="rect">
             <a:avLst/>
@@ -25477,22 +24156,15 @@
           <a:lstStyle/>
           <a:p>
             <a:r>
-              <a:rPr lang="en-US" sz="1600" dirty="0" smtClean="0">
+              <a:rPr lang="en-US" sz="1600" dirty="0">
                 <a:solidFill>
                   <a:srgbClr val="FF00FF"/>
                 </a:solidFill>
                 <a:latin typeface="Consolas" panose="020B0609020204030204" pitchFamily="49" charset="0"/>
                 <a:cs typeface="Consolas" panose="020B0609020204030204" pitchFamily="49" charset="0"/>
               </a:rPr>
-              <a:t>Attacker mimics data of favorable customer </a:t>
+              <a:t>Attacker mimics data of favorable customer to receive a favorable outcome.</a:t>
             </a:r>
-            <a:endParaRPr lang="en-US" sz="1600" dirty="0">
-              <a:solidFill>
-                <a:srgbClr val="FF00FF"/>
-              </a:solidFill>
-              <a:latin typeface="Consolas" panose="020B0609020204030204" pitchFamily="49" charset="0"/>
-              <a:cs typeface="Consolas" panose="020B0609020204030204" pitchFamily="49" charset="0"/>
-            </a:endParaRPr>
           </a:p>
         </p:txBody>
       </p:sp>
@@ -25506,13 +24178,6 @@
   <p:clrMapOvr>
     <a:masterClrMapping/>
   </p:clrMapOvr>
-  <p:timing>
-    <p:tnLst>
-      <p:par>
-        <p:cTn id="1" dur="indefinite" restart="never" nodeType="tmRoot"/>
-      </p:par>
-    </p:tnLst>
-  </p:timing>
 </p:sld>
 </file>
 
